--- a/기말과제.pptx
+++ b/기말과제.pptx
@@ -5,7 +5,7 @@
     <p:sldMasterId id="2147483660" r:id="rId1"/>
   </p:sldMasterIdLst>
   <p:notesMasterIdLst>
-    <p:notesMasterId r:id="rId22"/>
+    <p:notesMasterId r:id="rId29"/>
   </p:notesMasterIdLst>
   <p:sldIdLst>
     <p:sldId id="258" r:id="rId2"/>
@@ -26,8 +26,15 @@
     <p:sldId id="294" r:id="rId17"/>
     <p:sldId id="295" r:id="rId18"/>
     <p:sldId id="291" r:id="rId19"/>
-    <p:sldId id="274" r:id="rId20"/>
-    <p:sldId id="272" r:id="rId21"/>
+    <p:sldId id="296" r:id="rId20"/>
+    <p:sldId id="297" r:id="rId21"/>
+    <p:sldId id="298" r:id="rId22"/>
+    <p:sldId id="299" r:id="rId23"/>
+    <p:sldId id="300" r:id="rId24"/>
+    <p:sldId id="301" r:id="rId25"/>
+    <p:sldId id="302" r:id="rId26"/>
+    <p:sldId id="274" r:id="rId27"/>
+    <p:sldId id="272" r:id="rId28"/>
   </p:sldIdLst>
   <p:sldSz cx="9144000" cy="6858000" type="screen4x3"/>
   <p:notesSz cx="6858000" cy="9144000"/>
@@ -128,7 +135,7 @@
   </p:defaultTextStyle>
   <p:extLst>
     <p:ext uri="{EFAFB233-063F-42B5-8137-9DF3F51BA10A}">
-      <p15:sldGuideLst xmlns:p15="http://schemas.microsoft.com/office/powerpoint/2012/main">
+      <p15:sldGuideLst xmlns:p15="http://schemas.microsoft.com/office/powerpoint/2012/main" xmlns="">
         <p15:guide id="2" pos="2880" userDrawn="1">
           <p15:clr>
             <a:srgbClr val="A4A3A4"/>
@@ -252,7 +259,8 @@
           <a:p>
             <a:fld id="{74D30B1E-1C71-4203-B134-4CDC729AEC97}" type="datetimeFigureOut">
               <a:rPr lang="ko-KR" altLang="en-US" smtClean="0"/>
-              <a:t>2017-11-17</a:t>
+              <a:pPr/>
+              <a:t>2017-11-20</a:t>
             </a:fld>
             <a:endParaRPr lang="ko-KR" altLang="en-US"/>
           </a:p>
@@ -411,6 +419,7 @@
           <a:p>
             <a:fld id="{604FAB76-E660-4882-82F9-C93BDF736CDF}" type="slidenum">
               <a:rPr lang="ko-KR" altLang="en-US" smtClean="0"/>
+              <a:pPr/>
               <a:t>‹#›</a:t>
             </a:fld>
             <a:endParaRPr lang="ko-KR" altLang="en-US"/>
@@ -420,7 +429,7 @@
     </p:spTree>
     <p:extLst>
       <p:ext uri="{BB962C8B-B14F-4D97-AF65-F5344CB8AC3E}">
-        <p14:creationId xmlns:p14="http://schemas.microsoft.com/office/powerpoint/2010/main" val="273854862"/>
+        <p14:creationId xmlns:p14="http://schemas.microsoft.com/office/powerpoint/2010/main" xmlns="" val="273854862"/>
       </p:ext>
     </p:extLst>
   </p:cSld>
@@ -573,7 +582,7 @@
     </p:spTree>
     <p:extLst>
       <p:ext uri="{BB962C8B-B14F-4D97-AF65-F5344CB8AC3E}">
-        <p14:creationId xmlns:p14="http://schemas.microsoft.com/office/powerpoint/2010/main" val="1253975699"/>
+        <p14:creationId xmlns:p14="http://schemas.microsoft.com/office/powerpoint/2010/main" xmlns="" val="1253975699"/>
       </p:ext>
     </p:extLst>
   </p:cSld>
@@ -874,7 +883,7 @@
     </p:spTree>
     <p:extLst>
       <p:ext uri="{BB962C8B-B14F-4D97-AF65-F5344CB8AC3E}">
-        <p14:creationId xmlns:p14="http://schemas.microsoft.com/office/powerpoint/2010/main" val="3643967810"/>
+        <p14:creationId xmlns:p14="http://schemas.microsoft.com/office/powerpoint/2010/main" xmlns="" val="3643967810"/>
       </p:ext>
     </p:extLst>
   </p:cSld>
@@ -1225,12 +1234,6 @@
               </a:rPr>
               <a:t>FINAL PROJECT</a:t>
             </a:r>
-            <a:endParaRPr lang="en-US" altLang="ko-KR" sz="6600" b="1" dirty="0" smtClean="0">
-              <a:solidFill>
-                <a:srgbClr val="1CCAB9"/>
-              </a:solidFill>
-              <a:latin typeface="+mn-ea"/>
-            </a:endParaRPr>
           </a:p>
           <a:p>
             <a:pPr algn="r"/>
@@ -1306,35 +1309,26 @@
               </a:rPr>
               <a:t>김덕현</a:t>
             </a:r>
-            <a:endParaRPr lang="ko-KR" altLang="en-US" sz="1600" dirty="0" smtClean="0">
-              <a:solidFill>
-                <a:schemeClr val="tx1">
-                  <a:lumMod val="85000"/>
-                  <a:lumOff val="15000"/>
-                </a:schemeClr>
-              </a:solidFill>
-              <a:latin typeface="+mn-ea"/>
-            </a:endParaRPr>
           </a:p>
         </p:txBody>
       </p:sp>
     </p:spTree>
     <p:extLst>
       <p:ext uri="{BB962C8B-B14F-4D97-AF65-F5344CB8AC3E}">
-        <p14:creationId xmlns:p14="http://schemas.microsoft.com/office/powerpoint/2010/main" val="1872106186"/>
+        <p14:creationId xmlns:p14="http://schemas.microsoft.com/office/powerpoint/2010/main" xmlns="" val="1872106186"/>
       </p:ext>
     </p:extLst>
   </p:cSld>
   <p:clrMapOvr>
     <a:masterClrMapping/>
   </p:clrMapOvr>
-  <mc:AlternateContent xmlns:mc="http://schemas.openxmlformats.org/markup-compatibility/2006" xmlns:p14="http://schemas.microsoft.com/office/powerpoint/2010/main">
-    <mc:Choice Requires="p14">
+  <mc:AlternateContent xmlns:mc="http://schemas.openxmlformats.org/markup-compatibility/2006">
+    <mc:Choice xmlns:p14="http://schemas.microsoft.com/office/powerpoint/2010/main" xmlns="" Requires="p14">
       <p:transition spd="med" p14:dur="700">
         <p:fade/>
       </p:transition>
     </mc:Choice>
-    <mc:Fallback xmlns="">
+    <mc:Fallback>
       <p:transition spd="med">
         <p:fade/>
       </p:transition>
@@ -1416,7 +1410,7 @@
           <p:nvPr/>
         </p:nvPicPr>
         <p:blipFill>
-          <a:blip r:embed="rId2"/>
+          <a:blip r:embed="rId2" cstate="print"/>
           <a:stretch>
             <a:fillRect/>
           </a:stretch>
@@ -1549,7 +1543,7 @@
           <p:nvPr/>
         </p:nvPicPr>
         <p:blipFill>
-          <a:blip r:embed="rId3"/>
+          <a:blip r:embed="rId3" cstate="print"/>
           <a:stretch>
             <a:fillRect/>
           </a:stretch>
@@ -1681,7 +1675,7 @@
           <p:nvPr/>
         </p:nvPicPr>
         <p:blipFill>
-          <a:blip r:embed="rId4"/>
+          <a:blip r:embed="rId4" cstate="print"/>
           <a:stretch>
             <a:fillRect/>
           </a:stretch>
@@ -1796,20 +1790,20 @@
     </p:spTree>
     <p:extLst>
       <p:ext uri="{BB962C8B-B14F-4D97-AF65-F5344CB8AC3E}">
-        <p14:creationId xmlns:p14="http://schemas.microsoft.com/office/powerpoint/2010/main" val="4060730173"/>
+        <p14:creationId xmlns:p14="http://schemas.microsoft.com/office/powerpoint/2010/main" xmlns="" val="4060730173"/>
       </p:ext>
     </p:extLst>
   </p:cSld>
   <p:clrMapOvr>
     <a:masterClrMapping/>
   </p:clrMapOvr>
-  <mc:AlternateContent xmlns:mc="http://schemas.openxmlformats.org/markup-compatibility/2006" xmlns:p14="http://schemas.microsoft.com/office/powerpoint/2010/main">
-    <mc:Choice Requires="p14">
+  <mc:AlternateContent xmlns:mc="http://schemas.openxmlformats.org/markup-compatibility/2006">
+    <mc:Choice xmlns:p14="http://schemas.microsoft.com/office/powerpoint/2010/main" xmlns="" Requires="p14">
       <p:transition spd="med" p14:dur="700">
         <p:fade/>
       </p:transition>
     </mc:Choice>
-    <mc:Fallback xmlns="">
+    <mc:Fallback>
       <p:transition spd="med">
         <p:fade/>
       </p:transition>
@@ -1891,7 +1885,7 @@
           <p:nvPr/>
         </p:nvPicPr>
         <p:blipFill>
-          <a:blip r:embed="rId2"/>
+          <a:blip r:embed="rId2" cstate="print"/>
           <a:stretch>
             <a:fillRect/>
           </a:stretch>
@@ -2015,7 +2009,7 @@
           <p:nvPr/>
         </p:nvPicPr>
         <p:blipFill>
-          <a:blip r:embed="rId3"/>
+          <a:blip r:embed="rId3" cstate="print"/>
           <a:stretch>
             <a:fillRect/>
           </a:stretch>
@@ -2147,20 +2141,20 @@
     </p:spTree>
     <p:extLst>
       <p:ext uri="{BB962C8B-B14F-4D97-AF65-F5344CB8AC3E}">
-        <p14:creationId xmlns:p14="http://schemas.microsoft.com/office/powerpoint/2010/main" val="1265935966"/>
+        <p14:creationId xmlns:p14="http://schemas.microsoft.com/office/powerpoint/2010/main" xmlns="" val="1265935966"/>
       </p:ext>
     </p:extLst>
   </p:cSld>
   <p:clrMapOvr>
     <a:masterClrMapping/>
   </p:clrMapOvr>
-  <mc:AlternateContent xmlns:mc="http://schemas.openxmlformats.org/markup-compatibility/2006" xmlns:p14="http://schemas.microsoft.com/office/powerpoint/2010/main">
-    <mc:Choice Requires="p14">
+  <mc:AlternateContent xmlns:mc="http://schemas.openxmlformats.org/markup-compatibility/2006">
+    <mc:Choice xmlns:p14="http://schemas.microsoft.com/office/powerpoint/2010/main" xmlns="" Requires="p14">
       <p:transition spd="med" p14:dur="700">
         <p:fade/>
       </p:transition>
     </mc:Choice>
-    <mc:Fallback xmlns="">
+    <mc:Fallback>
       <p:transition spd="med">
         <p:fade/>
       </p:transition>
@@ -2242,7 +2236,7 @@
           <p:nvPr/>
         </p:nvPicPr>
         <p:blipFill>
-          <a:blip r:embed="rId2"/>
+          <a:blip r:embed="rId2" cstate="print"/>
           <a:stretch>
             <a:fillRect/>
           </a:stretch>
@@ -2395,7 +2389,7 @@
           <p:nvPr/>
         </p:nvPicPr>
         <p:blipFill>
-          <a:blip r:embed="rId3"/>
+          <a:blip r:embed="rId3" cstate="print"/>
           <a:stretch>
             <a:fillRect/>
           </a:stretch>
@@ -2489,7 +2483,7 @@
           <p:nvPr/>
         </p:nvPicPr>
         <p:blipFill>
-          <a:blip r:embed="rId4"/>
+          <a:blip r:embed="rId4" cstate="print"/>
           <a:stretch>
             <a:fillRect/>
           </a:stretch>
@@ -2558,20 +2552,20 @@
     </p:spTree>
     <p:extLst>
       <p:ext uri="{BB962C8B-B14F-4D97-AF65-F5344CB8AC3E}">
-        <p14:creationId xmlns:p14="http://schemas.microsoft.com/office/powerpoint/2010/main" val="1498761617"/>
+        <p14:creationId xmlns:p14="http://schemas.microsoft.com/office/powerpoint/2010/main" xmlns="" val="1498761617"/>
       </p:ext>
     </p:extLst>
   </p:cSld>
   <p:clrMapOvr>
     <a:masterClrMapping/>
   </p:clrMapOvr>
-  <mc:AlternateContent xmlns:mc="http://schemas.openxmlformats.org/markup-compatibility/2006" xmlns:p14="http://schemas.microsoft.com/office/powerpoint/2010/main">
-    <mc:Choice Requires="p14">
+  <mc:AlternateContent xmlns:mc="http://schemas.openxmlformats.org/markup-compatibility/2006">
+    <mc:Choice xmlns:p14="http://schemas.microsoft.com/office/powerpoint/2010/main" xmlns="" Requires="p14">
       <p:transition spd="med" p14:dur="700">
         <p:fade/>
       </p:transition>
     </mc:Choice>
-    <mc:Fallback xmlns="">
+    <mc:Fallback>
       <p:transition spd="med">
         <p:fade/>
       </p:transition>
@@ -2653,7 +2647,7 @@
           <p:nvPr/>
         </p:nvPicPr>
         <p:blipFill>
-          <a:blip r:embed="rId2"/>
+          <a:blip r:embed="rId2" cstate="print"/>
           <a:stretch>
             <a:fillRect/>
           </a:stretch>
@@ -2747,7 +2741,7 @@
           <p:nvPr/>
         </p:nvPicPr>
         <p:blipFill>
-          <a:blip r:embed="rId3"/>
+          <a:blip r:embed="rId3" cstate="print"/>
           <a:stretch>
             <a:fillRect/>
           </a:stretch>
@@ -3209,20 +3203,20 @@
     </p:spTree>
     <p:extLst>
       <p:ext uri="{BB962C8B-B14F-4D97-AF65-F5344CB8AC3E}">
-        <p14:creationId xmlns:p14="http://schemas.microsoft.com/office/powerpoint/2010/main" val="960751349"/>
+        <p14:creationId xmlns:p14="http://schemas.microsoft.com/office/powerpoint/2010/main" xmlns="" val="960751349"/>
       </p:ext>
     </p:extLst>
   </p:cSld>
   <p:clrMapOvr>
     <a:masterClrMapping/>
   </p:clrMapOvr>
-  <mc:AlternateContent xmlns:mc="http://schemas.openxmlformats.org/markup-compatibility/2006" xmlns:p14="http://schemas.microsoft.com/office/powerpoint/2010/main">
-    <mc:Choice Requires="p14">
+  <mc:AlternateContent xmlns:mc="http://schemas.openxmlformats.org/markup-compatibility/2006">
+    <mc:Choice xmlns:p14="http://schemas.microsoft.com/office/powerpoint/2010/main" xmlns="" Requires="p14">
       <p:transition spd="med" p14:dur="700">
         <p:fade/>
       </p:transition>
     </mc:Choice>
-    <mc:Fallback xmlns="">
+    <mc:Fallback>
       <p:transition spd="med">
         <p:fade/>
       </p:transition>
@@ -3304,7 +3298,7 @@
           <p:nvPr/>
         </p:nvPicPr>
         <p:blipFill>
-          <a:blip r:embed="rId2"/>
+          <a:blip r:embed="rId2" cstate="print"/>
           <a:stretch>
             <a:fillRect/>
           </a:stretch>
@@ -3398,7 +3392,7 @@
           <p:nvPr/>
         </p:nvPicPr>
         <p:blipFill>
-          <a:blip r:embed="rId3"/>
+          <a:blip r:embed="rId3" cstate="print"/>
           <a:stretch>
             <a:fillRect/>
           </a:stretch>
@@ -3767,20 +3761,20 @@
     </p:spTree>
     <p:extLst>
       <p:ext uri="{BB962C8B-B14F-4D97-AF65-F5344CB8AC3E}">
-        <p14:creationId xmlns:p14="http://schemas.microsoft.com/office/powerpoint/2010/main" val="1933012466"/>
+        <p14:creationId xmlns:p14="http://schemas.microsoft.com/office/powerpoint/2010/main" xmlns="" val="1933012466"/>
       </p:ext>
     </p:extLst>
   </p:cSld>
   <p:clrMapOvr>
     <a:masterClrMapping/>
   </p:clrMapOvr>
-  <mc:AlternateContent xmlns:mc="http://schemas.openxmlformats.org/markup-compatibility/2006" xmlns:p14="http://schemas.microsoft.com/office/powerpoint/2010/main">
-    <mc:Choice Requires="p14">
+  <mc:AlternateContent xmlns:mc="http://schemas.openxmlformats.org/markup-compatibility/2006">
+    <mc:Choice xmlns:p14="http://schemas.microsoft.com/office/powerpoint/2010/main" xmlns="" Requires="p14">
       <p:transition spd="med" p14:dur="700">
         <p:fade/>
       </p:transition>
     </mc:Choice>
-    <mc:Fallback xmlns="">
+    <mc:Fallback>
       <p:transition spd="med">
         <p:fade/>
       </p:transition>
@@ -3862,7 +3856,7 @@
           <p:nvPr/>
         </p:nvPicPr>
         <p:blipFill>
-          <a:blip r:embed="rId2"/>
+          <a:blip r:embed="rId2" cstate="print"/>
           <a:stretch>
             <a:fillRect/>
           </a:stretch>
@@ -3983,7 +3977,7 @@
           <p:nvPr/>
         </p:nvPicPr>
         <p:blipFill>
-          <a:blip r:embed="rId3"/>
+          <a:blip r:embed="rId3" cstate="print"/>
           <a:stretch>
             <a:fillRect/>
           </a:stretch>
@@ -4064,20 +4058,20 @@
     </p:spTree>
     <p:extLst>
       <p:ext uri="{BB962C8B-B14F-4D97-AF65-F5344CB8AC3E}">
-        <p14:creationId xmlns:p14="http://schemas.microsoft.com/office/powerpoint/2010/main" val="3192667020"/>
+        <p14:creationId xmlns:p14="http://schemas.microsoft.com/office/powerpoint/2010/main" xmlns="" val="3192667020"/>
       </p:ext>
     </p:extLst>
   </p:cSld>
   <p:clrMapOvr>
     <a:masterClrMapping/>
   </p:clrMapOvr>
-  <mc:AlternateContent xmlns:mc="http://schemas.openxmlformats.org/markup-compatibility/2006" xmlns:p14="http://schemas.microsoft.com/office/powerpoint/2010/main">
-    <mc:Choice Requires="p14">
+  <mc:AlternateContent xmlns:mc="http://schemas.openxmlformats.org/markup-compatibility/2006">
+    <mc:Choice xmlns:p14="http://schemas.microsoft.com/office/powerpoint/2010/main" xmlns="" Requires="p14">
       <p:transition spd="med" p14:dur="700">
         <p:fade/>
       </p:transition>
     </mc:Choice>
-    <mc:Fallback xmlns="">
+    <mc:Fallback>
       <p:transition spd="med">
         <p:fade/>
       </p:transition>
@@ -4159,7 +4153,7 @@
           <p:nvPr/>
         </p:nvPicPr>
         <p:blipFill>
-          <a:blip r:embed="rId2"/>
+          <a:blip r:embed="rId2" cstate="print"/>
           <a:stretch>
             <a:fillRect/>
           </a:stretch>
@@ -4259,20 +4253,20 @@
     </p:spTree>
     <p:extLst>
       <p:ext uri="{BB962C8B-B14F-4D97-AF65-F5344CB8AC3E}">
-        <p14:creationId xmlns:p14="http://schemas.microsoft.com/office/powerpoint/2010/main" val="4265309106"/>
+        <p14:creationId xmlns:p14="http://schemas.microsoft.com/office/powerpoint/2010/main" xmlns="" val="4265309106"/>
       </p:ext>
     </p:extLst>
   </p:cSld>
   <p:clrMapOvr>
     <a:masterClrMapping/>
   </p:clrMapOvr>
-  <mc:AlternateContent xmlns:mc="http://schemas.openxmlformats.org/markup-compatibility/2006" xmlns:p14="http://schemas.microsoft.com/office/powerpoint/2010/main">
-    <mc:Choice Requires="p14">
+  <mc:AlternateContent xmlns:mc="http://schemas.openxmlformats.org/markup-compatibility/2006">
+    <mc:Choice xmlns:p14="http://schemas.microsoft.com/office/powerpoint/2010/main" xmlns="" Requires="p14">
       <p:transition spd="med" p14:dur="700">
         <p:fade/>
       </p:transition>
     </mc:Choice>
-    <mc:Fallback xmlns="">
+    <mc:Fallback>
       <p:transition spd="med">
         <p:fade/>
       </p:transition>
@@ -4334,7 +4328,7 @@
                 </a:solidFill>
                 <a:latin typeface="+mn-ea"/>
               </a:rPr>
-              <a:t>Loading Scene</a:t>
+              <a:t>SceneManager</a:t>
             </a:r>
             <a:endParaRPr lang="en-US" altLang="ko-KR" sz="3400" b="1" dirty="0">
               <a:solidFill>
@@ -4345,23 +4339,305 @@
           </a:p>
         </p:txBody>
       </p:sp>
+      <p:pic>
+        <p:nvPicPr>
+          <p:cNvPr id="1026" name="Picture 2"/>
+          <p:cNvPicPr>
+            <a:picLocks noChangeAspect="1" noChangeArrowheads="1"/>
+          </p:cNvPicPr>
+          <p:nvPr/>
+        </p:nvPicPr>
+        <p:blipFill>
+          <a:blip r:embed="rId2" cstate="print"/>
+          <a:srcRect/>
+          <a:stretch>
+            <a:fillRect/>
+          </a:stretch>
+        </p:blipFill>
+        <p:spPr bwMode="auto">
+          <a:xfrm>
+            <a:off x="791580" y="980728"/>
+            <a:ext cx="2006600" cy="5162550"/>
+          </a:xfrm>
+          <a:prstGeom prst="rect">
+            <a:avLst/>
+          </a:prstGeom>
+          <a:noFill/>
+          <a:ln w="9525">
+            <a:noFill/>
+            <a:miter lim="800000"/>
+            <a:headEnd/>
+            <a:tailEnd/>
+          </a:ln>
+        </p:spPr>
+      </p:pic>
+      <p:sp>
+        <p:nvSpPr>
+          <p:cNvPr id="5" name="모서리가 둥근 직사각형 4"/>
+          <p:cNvSpPr/>
+          <p:nvPr/>
+        </p:nvSpPr>
+        <p:spPr>
+          <a:xfrm>
+            <a:off x="1043608" y="1952836"/>
+            <a:ext cx="504056" cy="255662"/>
+          </a:xfrm>
+          <a:prstGeom prst="roundRect">
+            <a:avLst/>
+          </a:prstGeom>
+          <a:noFill/>
+          <a:ln>
+            <a:solidFill>
+              <a:srgbClr val="FF0000"/>
+            </a:solidFill>
+          </a:ln>
+        </p:spPr>
+        <p:style>
+          <a:lnRef idx="2">
+            <a:schemeClr val="accent1">
+              <a:shade val="50000"/>
+            </a:schemeClr>
+          </a:lnRef>
+          <a:fillRef idx="1">
+            <a:schemeClr val="accent1"/>
+          </a:fillRef>
+          <a:effectRef idx="0">
+            <a:schemeClr val="accent1"/>
+          </a:effectRef>
+          <a:fontRef idx="minor">
+            <a:schemeClr val="lt1"/>
+          </a:fontRef>
+        </p:style>
+        <p:txBody>
+          <a:bodyPr rot="0" spcFirstLastPara="0" vertOverflow="overflow" horzOverflow="overflow" vert="horz" wrap="square" lIns="91440" tIns="45720" rIns="91440" bIns="45720" numCol="1" spcCol="0" rtlCol="0" fromWordArt="0" anchor="ctr" anchorCtr="0" forceAA="0" compatLnSpc="1">
+            <a:prstTxWarp prst="textNoShape">
+              <a:avLst/>
+            </a:prstTxWarp>
+            <a:noAutofit/>
+          </a:bodyPr>
+          <a:lstStyle/>
+          <a:p>
+            <a:pPr algn="ctr"/>
+            <a:endParaRPr lang="ko-KR" altLang="en-US"/>
+          </a:p>
+        </p:txBody>
+      </p:sp>
+      <p:sp>
+        <p:nvSpPr>
+          <p:cNvPr id="6" name="TextBox 5"/>
+          <p:cNvSpPr txBox="1"/>
+          <p:nvPr/>
+        </p:nvSpPr>
+        <p:spPr>
+          <a:xfrm>
+            <a:off x="2987824" y="980728"/>
+            <a:ext cx="4006994" cy="276999"/>
+          </a:xfrm>
+          <a:prstGeom prst="rect">
+            <a:avLst/>
+          </a:prstGeom>
+          <a:noFill/>
+        </p:spPr>
+        <p:txBody>
+          <a:bodyPr wrap="none" rtlCol="0">
+            <a:spAutoFit/>
+          </a:bodyPr>
+          <a:lstStyle/>
+          <a:p>
+            <a:r>
+              <a:rPr lang="en-US" altLang="ko-KR" sz="1200" dirty="0" smtClean="0">
+                <a:latin typeface="+mj-lt"/>
+              </a:rPr>
+              <a:t>1. Project - Create – Scene</a:t>
+            </a:r>
+            <a:r>
+              <a:rPr lang="ko-KR" altLang="en-US" sz="1200" dirty="0" smtClean="0">
+                <a:latin typeface="+mj-lt"/>
+              </a:rPr>
+              <a:t>으로 새 </a:t>
+            </a:r>
+            <a:r>
+              <a:rPr lang="en-US" altLang="ko-KR" sz="1200" dirty="0" smtClean="0">
+                <a:latin typeface="+mj-lt"/>
+              </a:rPr>
+              <a:t>Scene</a:t>
+            </a:r>
+            <a:r>
+              <a:rPr lang="ko-KR" altLang="en-US" sz="1200" dirty="0" smtClean="0">
+                <a:latin typeface="+mj-lt"/>
+              </a:rPr>
+              <a:t>을 추가합니다</a:t>
+            </a:r>
+            <a:r>
+              <a:rPr lang="en-US" altLang="ko-KR" sz="1200" dirty="0" smtClean="0">
+                <a:latin typeface="+mj-lt"/>
+              </a:rPr>
+              <a:t>.</a:t>
+            </a:r>
+            <a:endParaRPr lang="ko-KR" altLang="en-US" sz="1200" dirty="0" smtClean="0">
+              <a:latin typeface="+mj-lt"/>
+            </a:endParaRPr>
+          </a:p>
+        </p:txBody>
+      </p:sp>
+      <p:pic>
+        <p:nvPicPr>
+          <p:cNvPr id="1027" name="Picture 3"/>
+          <p:cNvPicPr>
+            <a:picLocks noChangeAspect="1" noChangeArrowheads="1"/>
+          </p:cNvPicPr>
+          <p:nvPr/>
+        </p:nvPicPr>
+        <p:blipFill>
+          <a:blip r:embed="rId3" cstate="print"/>
+          <a:srcRect/>
+          <a:stretch>
+            <a:fillRect/>
+          </a:stretch>
+        </p:blipFill>
+        <p:spPr bwMode="auto">
+          <a:xfrm>
+            <a:off x="4391980" y="2744924"/>
+            <a:ext cx="752475" cy="1095375"/>
+          </a:xfrm>
+          <a:prstGeom prst="rect">
+            <a:avLst/>
+          </a:prstGeom>
+          <a:noFill/>
+          <a:ln w="9525">
+            <a:noFill/>
+            <a:miter lim="800000"/>
+            <a:headEnd/>
+            <a:tailEnd/>
+          </a:ln>
+        </p:spPr>
+      </p:pic>
+      <p:sp>
+        <p:nvSpPr>
+          <p:cNvPr id="7" name="TextBox 6"/>
+          <p:cNvSpPr txBox="1"/>
+          <p:nvPr/>
+        </p:nvSpPr>
+        <p:spPr>
+          <a:xfrm>
+            <a:off x="5400092" y="2744924"/>
+            <a:ext cx="3204356" cy="276999"/>
+          </a:xfrm>
+          <a:prstGeom prst="rect">
+            <a:avLst/>
+          </a:prstGeom>
+          <a:noFill/>
+        </p:spPr>
+        <p:txBody>
+          <a:bodyPr wrap="square" rtlCol="0">
+            <a:spAutoFit/>
+          </a:bodyPr>
+          <a:lstStyle/>
+          <a:p>
+            <a:r>
+              <a:rPr lang="en-US" altLang="ko-KR" sz="1200" dirty="0" smtClean="0">
+                <a:latin typeface="+mj-lt"/>
+              </a:rPr>
+              <a:t>2. Scene</a:t>
+            </a:r>
+            <a:r>
+              <a:rPr lang="ko-KR" altLang="en-US" sz="1200" dirty="0" smtClean="0">
+                <a:latin typeface="+mj-lt"/>
+              </a:rPr>
+              <a:t>의 이름은 </a:t>
+            </a:r>
+            <a:r>
+              <a:rPr lang="en-US" altLang="ko-KR" sz="1200" dirty="0" smtClean="0">
+                <a:latin typeface="+mj-lt"/>
+              </a:rPr>
+              <a:t>Main</a:t>
+            </a:r>
+            <a:r>
+              <a:rPr lang="ko-KR" altLang="en-US" sz="1200" dirty="0" smtClean="0">
+                <a:latin typeface="+mj-lt"/>
+              </a:rPr>
+              <a:t>으로 해줍니다</a:t>
+            </a:r>
+            <a:r>
+              <a:rPr lang="en-US" altLang="ko-KR" sz="1200" dirty="0" smtClean="0">
+                <a:latin typeface="+mj-lt"/>
+              </a:rPr>
+              <a:t>.</a:t>
+            </a:r>
+            <a:endParaRPr lang="ko-KR" altLang="en-US" sz="1200" dirty="0" smtClean="0">
+              <a:latin typeface="+mj-lt"/>
+            </a:endParaRPr>
+          </a:p>
+        </p:txBody>
+      </p:sp>
+      <p:sp>
+        <p:nvSpPr>
+          <p:cNvPr id="10" name="모서리가 둥근 직사각형 9"/>
+          <p:cNvSpPr/>
+          <p:nvPr/>
+        </p:nvSpPr>
+        <p:spPr>
+          <a:xfrm>
+            <a:off x="4535996" y="3609020"/>
+            <a:ext cx="504056" cy="255662"/>
+          </a:xfrm>
+          <a:prstGeom prst="roundRect">
+            <a:avLst/>
+          </a:prstGeom>
+          <a:noFill/>
+          <a:ln>
+            <a:solidFill>
+              <a:srgbClr val="FF0000"/>
+            </a:solidFill>
+          </a:ln>
+        </p:spPr>
+        <p:style>
+          <a:lnRef idx="2">
+            <a:schemeClr val="accent1">
+              <a:shade val="50000"/>
+            </a:schemeClr>
+          </a:lnRef>
+          <a:fillRef idx="1">
+            <a:schemeClr val="accent1"/>
+          </a:fillRef>
+          <a:effectRef idx="0">
+            <a:schemeClr val="accent1"/>
+          </a:effectRef>
+          <a:fontRef idx="minor">
+            <a:schemeClr val="lt1"/>
+          </a:fontRef>
+        </p:style>
+        <p:txBody>
+          <a:bodyPr rot="0" spcFirstLastPara="0" vertOverflow="overflow" horzOverflow="overflow" vert="horz" wrap="square" lIns="91440" tIns="45720" rIns="91440" bIns="45720" numCol="1" spcCol="0" rtlCol="0" fromWordArt="0" anchor="ctr" anchorCtr="0" forceAA="0" compatLnSpc="1">
+            <a:prstTxWarp prst="textNoShape">
+              <a:avLst/>
+            </a:prstTxWarp>
+            <a:noAutofit/>
+          </a:bodyPr>
+          <a:lstStyle/>
+          <a:p>
+            <a:pPr algn="ctr"/>
+            <a:endParaRPr lang="ko-KR" altLang="en-US"/>
+          </a:p>
+        </p:txBody>
+      </p:sp>
     </p:spTree>
     <p:extLst>
       <p:ext uri="{BB962C8B-B14F-4D97-AF65-F5344CB8AC3E}">
-        <p14:creationId xmlns:p14="http://schemas.microsoft.com/office/powerpoint/2010/main" val="829825052"/>
+        <p14:creationId xmlns:p14="http://schemas.microsoft.com/office/powerpoint/2010/main" xmlns="" val="829825052"/>
       </p:ext>
     </p:extLst>
   </p:cSld>
   <p:clrMapOvr>
     <a:masterClrMapping/>
   </p:clrMapOvr>
-  <mc:AlternateContent xmlns:mc="http://schemas.openxmlformats.org/markup-compatibility/2006" xmlns:p14="http://schemas.microsoft.com/office/powerpoint/2010/main">
-    <mc:Choice Requires="p14">
+  <mc:AlternateContent xmlns:mc="http://schemas.openxmlformats.org/markup-compatibility/2006">
+    <mc:Choice xmlns:p14="http://schemas.microsoft.com/office/powerpoint/2010/main" xmlns="" Requires="p14">
       <p:transition spd="med" p14:dur="700">
         <p:fade/>
       </p:transition>
     </mc:Choice>
-    <mc:Fallback xmlns="">
+    <mc:Fallback>
       <p:transition spd="med">
         <p:fade/>
       </p:transition>
@@ -4423,34 +4699,377 @@
                 </a:solidFill>
                 <a:latin typeface="+mn-ea"/>
               </a:rPr>
-              <a:t>Loading Scene</a:t>
-            </a:r>
-            <a:endParaRPr lang="en-US" altLang="ko-KR" sz="3400" b="1" dirty="0">
-              <a:solidFill>
-                <a:srgbClr val="1CCAB9"/>
-              </a:solidFill>
-              <a:latin typeface="+mn-ea"/>
+              <a:t>Scene Manager</a:t>
+            </a:r>
+          </a:p>
+        </p:txBody>
+      </p:sp>
+      <p:pic>
+        <p:nvPicPr>
+          <p:cNvPr id="2050" name="Picture 2"/>
+          <p:cNvPicPr>
+            <a:picLocks noChangeAspect="1" noChangeArrowheads="1"/>
+          </p:cNvPicPr>
+          <p:nvPr/>
+        </p:nvPicPr>
+        <p:blipFill>
+          <a:blip r:embed="rId2" cstate="print"/>
+          <a:srcRect/>
+          <a:stretch>
+            <a:fillRect/>
+          </a:stretch>
+        </p:blipFill>
+        <p:spPr bwMode="auto">
+          <a:xfrm>
+            <a:off x="323528" y="1088740"/>
+            <a:ext cx="4238625" cy="3581400"/>
+          </a:xfrm>
+          <a:prstGeom prst="rect">
+            <a:avLst/>
+          </a:prstGeom>
+          <a:noFill/>
+          <a:ln w="9525">
+            <a:noFill/>
+            <a:miter lim="800000"/>
+            <a:headEnd/>
+            <a:tailEnd/>
+          </a:ln>
+        </p:spPr>
+      </p:pic>
+      <p:sp>
+        <p:nvSpPr>
+          <p:cNvPr id="5" name="모서리가 둥근 직사각형 4"/>
+          <p:cNvSpPr/>
+          <p:nvPr/>
+        </p:nvSpPr>
+        <p:spPr>
+          <a:xfrm>
+            <a:off x="611560" y="3609020"/>
+            <a:ext cx="504056" cy="255662"/>
+          </a:xfrm>
+          <a:prstGeom prst="roundRect">
+            <a:avLst/>
+          </a:prstGeom>
+          <a:noFill/>
+          <a:ln>
+            <a:solidFill>
+              <a:srgbClr val="FF0000"/>
+            </a:solidFill>
+          </a:ln>
+        </p:spPr>
+        <p:style>
+          <a:lnRef idx="2">
+            <a:schemeClr val="accent1">
+              <a:shade val="50000"/>
+            </a:schemeClr>
+          </a:lnRef>
+          <a:fillRef idx="1">
+            <a:schemeClr val="accent1"/>
+          </a:fillRef>
+          <a:effectRef idx="0">
+            <a:schemeClr val="accent1"/>
+          </a:effectRef>
+          <a:fontRef idx="minor">
+            <a:schemeClr val="lt1"/>
+          </a:fontRef>
+        </p:style>
+        <p:txBody>
+          <a:bodyPr rot="0" spcFirstLastPara="0" vertOverflow="overflow" horzOverflow="overflow" vert="horz" wrap="square" lIns="91440" tIns="45720" rIns="91440" bIns="45720" numCol="1" spcCol="0" rtlCol="0" fromWordArt="0" anchor="ctr" anchorCtr="0" forceAA="0" compatLnSpc="1">
+            <a:prstTxWarp prst="textNoShape">
+              <a:avLst/>
+            </a:prstTxWarp>
+            <a:noAutofit/>
+          </a:bodyPr>
+          <a:lstStyle/>
+          <a:p>
+            <a:pPr algn="ctr"/>
+            <a:endParaRPr lang="ko-KR" altLang="en-US"/>
+          </a:p>
+        </p:txBody>
+      </p:sp>
+      <p:sp>
+        <p:nvSpPr>
+          <p:cNvPr id="6" name="TextBox 5"/>
+          <p:cNvSpPr txBox="1"/>
+          <p:nvPr/>
+        </p:nvSpPr>
+        <p:spPr>
+          <a:xfrm>
+            <a:off x="4680013" y="1088740"/>
+            <a:ext cx="4320480" cy="461665"/>
+          </a:xfrm>
+          <a:prstGeom prst="rect">
+            <a:avLst/>
+          </a:prstGeom>
+          <a:noFill/>
+        </p:spPr>
+        <p:txBody>
+          <a:bodyPr wrap="square" rtlCol="0">
+            <a:spAutoFit/>
+          </a:bodyPr>
+          <a:lstStyle/>
+          <a:p>
+            <a:pPr marL="228600" indent="-228600">
+              <a:buAutoNum type="arabicPeriod"/>
+            </a:pPr>
+            <a:r>
+              <a:rPr lang="en-US" altLang="ko-KR" sz="1200" dirty="0" smtClean="0">
+                <a:latin typeface="+mj-lt"/>
+              </a:rPr>
+              <a:t>Loding Scene</a:t>
+            </a:r>
+            <a:r>
+              <a:rPr lang="ko-KR" altLang="en-US" sz="1200" dirty="0" smtClean="0">
+                <a:latin typeface="+mj-lt"/>
+              </a:rPr>
+              <a:t>으로 돌아와서 </a:t>
+            </a:r>
+            <a:r>
+              <a:rPr lang="en-US" altLang="ko-KR" sz="1200" dirty="0" smtClean="0">
+                <a:latin typeface="+mj-lt"/>
+              </a:rPr>
+              <a:t>Hierarchy – Create -  UI – Button</a:t>
+            </a:r>
+            <a:r>
+              <a:rPr lang="ko-KR" altLang="en-US" sz="1200" dirty="0" smtClean="0">
+                <a:latin typeface="+mj-lt"/>
+              </a:rPr>
+              <a:t>으로 새 </a:t>
+            </a:r>
+            <a:r>
+              <a:rPr lang="en-US" altLang="ko-KR" sz="1200" dirty="0" smtClean="0">
+                <a:latin typeface="+mj-lt"/>
+              </a:rPr>
+              <a:t>Button</a:t>
+            </a:r>
+            <a:r>
+              <a:rPr lang="ko-KR" altLang="en-US" sz="1200" dirty="0" smtClean="0">
+                <a:latin typeface="+mj-lt"/>
+              </a:rPr>
+              <a:t>을 만들어줍니다</a:t>
+            </a:r>
+            <a:r>
+              <a:rPr lang="en-US" altLang="ko-KR" sz="1200" dirty="0" smtClean="0">
+                <a:latin typeface="+mj-lt"/>
+              </a:rPr>
+              <a:t>.</a:t>
+            </a:r>
+            <a:endParaRPr lang="ko-KR" altLang="en-US" sz="1200" dirty="0" smtClean="0">
+              <a:latin typeface="+mj-lt"/>
             </a:endParaRPr>
+          </a:p>
+        </p:txBody>
+      </p:sp>
+      <p:sp>
+        <p:nvSpPr>
+          <p:cNvPr id="7" name="모서리가 둥근 직사각형 6"/>
+          <p:cNvSpPr/>
+          <p:nvPr/>
+        </p:nvSpPr>
+        <p:spPr>
+          <a:xfrm>
+            <a:off x="2987824" y="4365104"/>
+            <a:ext cx="504056" cy="255662"/>
+          </a:xfrm>
+          <a:prstGeom prst="roundRect">
+            <a:avLst/>
+          </a:prstGeom>
+          <a:noFill/>
+          <a:ln>
+            <a:solidFill>
+              <a:srgbClr val="FF0000"/>
+            </a:solidFill>
+          </a:ln>
+        </p:spPr>
+        <p:style>
+          <a:lnRef idx="2">
+            <a:schemeClr val="accent1">
+              <a:shade val="50000"/>
+            </a:schemeClr>
+          </a:lnRef>
+          <a:fillRef idx="1">
+            <a:schemeClr val="accent1"/>
+          </a:fillRef>
+          <a:effectRef idx="0">
+            <a:schemeClr val="accent1"/>
+          </a:effectRef>
+          <a:fontRef idx="minor">
+            <a:schemeClr val="lt1"/>
+          </a:fontRef>
+        </p:style>
+        <p:txBody>
+          <a:bodyPr rot="0" spcFirstLastPara="0" vertOverflow="overflow" horzOverflow="overflow" vert="horz" wrap="square" lIns="91440" tIns="45720" rIns="91440" bIns="45720" numCol="1" spcCol="0" rtlCol="0" fromWordArt="0" anchor="ctr" anchorCtr="0" forceAA="0" compatLnSpc="1">
+            <a:prstTxWarp prst="textNoShape">
+              <a:avLst/>
+            </a:prstTxWarp>
+            <a:noAutofit/>
+          </a:bodyPr>
+          <a:lstStyle/>
+          <a:p>
+            <a:pPr algn="ctr"/>
+            <a:endParaRPr lang="ko-KR" altLang="en-US"/>
+          </a:p>
+        </p:txBody>
+      </p:sp>
+      <p:pic>
+        <p:nvPicPr>
+          <p:cNvPr id="2051" name="Picture 3"/>
+          <p:cNvPicPr>
+            <a:picLocks noChangeAspect="1" noChangeArrowheads="1"/>
+          </p:cNvPicPr>
+          <p:nvPr/>
+        </p:nvPicPr>
+        <p:blipFill>
+          <a:blip r:embed="rId3" cstate="print"/>
+          <a:srcRect/>
+          <a:stretch>
+            <a:fillRect/>
+          </a:stretch>
+        </p:blipFill>
+        <p:spPr bwMode="auto">
+          <a:xfrm>
+            <a:off x="6012160" y="3717032"/>
+            <a:ext cx="2047875" cy="428625"/>
+          </a:xfrm>
+          <a:prstGeom prst="rect">
+            <a:avLst/>
+          </a:prstGeom>
+          <a:noFill/>
+          <a:ln w="9525">
+            <a:noFill/>
+            <a:miter lim="800000"/>
+            <a:headEnd/>
+            <a:tailEnd/>
+          </a:ln>
+        </p:spPr>
+      </p:pic>
+      <p:sp>
+        <p:nvSpPr>
+          <p:cNvPr id="8" name="TextBox 7"/>
+          <p:cNvSpPr txBox="1"/>
+          <p:nvPr/>
+        </p:nvSpPr>
+        <p:spPr>
+          <a:xfrm>
+            <a:off x="5652120" y="4293096"/>
+            <a:ext cx="3312368" cy="276999"/>
+          </a:xfrm>
+          <a:prstGeom prst="rect">
+            <a:avLst/>
+          </a:prstGeom>
+          <a:noFill/>
+        </p:spPr>
+        <p:txBody>
+          <a:bodyPr wrap="square" rtlCol="0">
+            <a:spAutoFit/>
+          </a:bodyPr>
+          <a:lstStyle/>
+          <a:p>
+            <a:pPr marL="228600" indent="-228600"/>
+            <a:r>
+              <a:rPr lang="en-US" altLang="ko-KR" sz="1200" dirty="0" smtClean="0">
+                <a:latin typeface="+mj-lt"/>
+              </a:rPr>
+              <a:t>2. </a:t>
+            </a:r>
+            <a:r>
+              <a:rPr lang="en-US" altLang="ko-KR" sz="1200" dirty="0" smtClean="0">
+                <a:latin typeface="+mj-lt"/>
+              </a:rPr>
+              <a:t>Button</a:t>
+            </a:r>
+            <a:r>
+              <a:rPr lang="ko-KR" altLang="en-US" sz="1200" dirty="0" smtClean="0">
+                <a:latin typeface="+mj-lt"/>
+              </a:rPr>
+              <a:t>의 이름을 </a:t>
+            </a:r>
+            <a:r>
+              <a:rPr lang="en-US" altLang="ko-KR" sz="1200" dirty="0" smtClean="0">
+                <a:latin typeface="+mj-lt"/>
+              </a:rPr>
+              <a:t>StartButton</a:t>
+            </a:r>
+            <a:r>
+              <a:rPr lang="ko-KR" altLang="en-US" sz="1200" dirty="0" smtClean="0">
+                <a:latin typeface="+mj-lt"/>
+              </a:rPr>
+              <a:t>으로 해줍니다</a:t>
+            </a:r>
+            <a:endParaRPr lang="ko-KR" altLang="en-US" sz="1200" dirty="0" smtClean="0">
+              <a:latin typeface="+mj-lt"/>
+            </a:endParaRPr>
+          </a:p>
+        </p:txBody>
+      </p:sp>
+      <p:sp>
+        <p:nvSpPr>
+          <p:cNvPr id="9" name="모서리가 둥근 직사각형 8"/>
+          <p:cNvSpPr/>
+          <p:nvPr/>
+        </p:nvSpPr>
+        <p:spPr>
+          <a:xfrm>
+            <a:off x="6480212" y="3681028"/>
+            <a:ext cx="900100" cy="255662"/>
+          </a:xfrm>
+          <a:prstGeom prst="roundRect">
+            <a:avLst/>
+          </a:prstGeom>
+          <a:noFill/>
+          <a:ln>
+            <a:solidFill>
+              <a:srgbClr val="FF0000"/>
+            </a:solidFill>
+          </a:ln>
+        </p:spPr>
+        <p:style>
+          <a:lnRef idx="2">
+            <a:schemeClr val="accent1">
+              <a:shade val="50000"/>
+            </a:schemeClr>
+          </a:lnRef>
+          <a:fillRef idx="1">
+            <a:schemeClr val="accent1"/>
+          </a:fillRef>
+          <a:effectRef idx="0">
+            <a:schemeClr val="accent1"/>
+          </a:effectRef>
+          <a:fontRef idx="minor">
+            <a:schemeClr val="lt1"/>
+          </a:fontRef>
+        </p:style>
+        <p:txBody>
+          <a:bodyPr rot="0" spcFirstLastPara="0" vertOverflow="overflow" horzOverflow="overflow" vert="horz" wrap="square" lIns="91440" tIns="45720" rIns="91440" bIns="45720" numCol="1" spcCol="0" rtlCol="0" fromWordArt="0" anchor="ctr" anchorCtr="0" forceAA="0" compatLnSpc="1">
+            <a:prstTxWarp prst="textNoShape">
+              <a:avLst/>
+            </a:prstTxWarp>
+            <a:noAutofit/>
+          </a:bodyPr>
+          <a:lstStyle/>
+          <a:p>
+            <a:pPr algn="ctr"/>
+            <a:endParaRPr lang="ko-KR" altLang="en-US"/>
           </a:p>
         </p:txBody>
       </p:sp>
     </p:spTree>
     <p:extLst>
       <p:ext uri="{BB962C8B-B14F-4D97-AF65-F5344CB8AC3E}">
-        <p14:creationId xmlns:p14="http://schemas.microsoft.com/office/powerpoint/2010/main" val="2617548621"/>
+        <p14:creationId xmlns:p14="http://schemas.microsoft.com/office/powerpoint/2010/main" xmlns="" val="2617548621"/>
       </p:ext>
     </p:extLst>
   </p:cSld>
   <p:clrMapOvr>
     <a:masterClrMapping/>
   </p:clrMapOvr>
-  <mc:AlternateContent xmlns:mc="http://schemas.openxmlformats.org/markup-compatibility/2006" xmlns:p14="http://schemas.microsoft.com/office/powerpoint/2010/main">
-    <mc:Choice Requires="p14">
+  <mc:AlternateContent xmlns:mc="http://schemas.openxmlformats.org/markup-compatibility/2006">
+    <mc:Choice xmlns:p14="http://schemas.microsoft.com/office/powerpoint/2010/main" xmlns="" Requires="p14">
       <p:transition spd="med" p14:dur="700">
         <p:fade/>
       </p:transition>
     </mc:Choice>
-    <mc:Fallback xmlns="">
+    <mc:Fallback>
       <p:transition spd="med">
         <p:fade/>
       </p:transition>
@@ -4483,58 +5102,25 @@
           <a:chExt cx="0" cy="0"/>
         </a:xfrm>
       </p:grpSpPr>
-      <p:sp>
-        <p:nvSpPr>
-          <p:cNvPr id="4" name="TextBox 3"/>
-          <p:cNvSpPr txBox="1"/>
-          <p:nvPr/>
-        </p:nvSpPr>
-        <p:spPr>
-          <a:xfrm>
-            <a:off x="522831" y="-6392"/>
-            <a:ext cx="6992989" cy="807324"/>
-          </a:xfrm>
-          <a:prstGeom prst="rect">
-            <a:avLst/>
-          </a:prstGeom>
-          <a:noFill/>
-        </p:spPr>
-        <p:txBody>
-          <a:bodyPr wrap="none" rtlCol="0" anchor="ctr">
-            <a:noAutofit/>
-          </a:bodyPr>
-          <a:lstStyle/>
-          <a:p>
-            <a:r>
-              <a:rPr lang="en-US" altLang="ko-KR" sz="3400" b="1" dirty="0" smtClean="0">
-                <a:solidFill>
-                  <a:srgbClr val="1CCAB9"/>
-                </a:solidFill>
-                <a:latin typeface="+mn-ea"/>
-              </a:rPr>
-              <a:t>Reference</a:t>
-            </a:r>
-            <a:endParaRPr lang="en-US" altLang="ko-KR" sz="3400" b="1" dirty="0">
-              <a:solidFill>
-                <a:srgbClr val="1CCAB9"/>
-              </a:solidFill>
-              <a:latin typeface="+mn-ea"/>
-            </a:endParaRPr>
-          </a:p>
-        </p:txBody>
-      </p:sp>
-      <p:sp>
-        <p:nvSpPr>
-          <p:cNvPr id="5" name="Rectangle 8"/>
-          <p:cNvSpPr>
-            <a:spLocks noChangeArrowheads="1"/>
-          </p:cNvSpPr>
-          <p:nvPr/>
-        </p:nvSpPr>
+      <p:pic>
+        <p:nvPicPr>
+          <p:cNvPr id="3074" name="Picture 2"/>
+          <p:cNvPicPr>
+            <a:picLocks noChangeAspect="1" noChangeArrowheads="1"/>
+          </p:cNvPicPr>
+          <p:nvPr/>
+        </p:nvPicPr>
+        <p:blipFill>
+          <a:blip r:embed="rId2" cstate="print"/>
+          <a:srcRect/>
+          <a:stretch>
+            <a:fillRect/>
+          </a:stretch>
+        </p:blipFill>
         <p:spPr bwMode="auto">
           <a:xfrm>
-            <a:off x="643719" y="1021080"/>
-            <a:ext cx="7856562" cy="276999"/>
+            <a:off x="323528" y="1052736"/>
+            <a:ext cx="2006600" cy="5156200"/>
           </a:xfrm>
           <a:prstGeom prst="rect">
             <a:avLst/>
@@ -4547,118 +5133,437 @@
             <a:tailEnd/>
           </a:ln>
         </p:spPr>
+      </p:pic>
+      <p:sp>
+        <p:nvSpPr>
+          <p:cNvPr id="3" name="모서리가 둥근 직사각형 2"/>
+          <p:cNvSpPr/>
+          <p:nvPr/>
+        </p:nvSpPr>
+        <p:spPr>
+          <a:xfrm>
+            <a:off x="575556" y="1304764"/>
+            <a:ext cx="612068" cy="255662"/>
+          </a:xfrm>
+          <a:prstGeom prst="roundRect">
+            <a:avLst/>
+          </a:prstGeom>
+          <a:noFill/>
+          <a:ln>
+            <a:solidFill>
+              <a:srgbClr val="FF0000"/>
+            </a:solidFill>
+          </a:ln>
+        </p:spPr>
+        <p:style>
+          <a:lnRef idx="2">
+            <a:schemeClr val="accent1">
+              <a:shade val="50000"/>
+            </a:schemeClr>
+          </a:lnRef>
+          <a:fillRef idx="1">
+            <a:schemeClr val="accent1"/>
+          </a:fillRef>
+          <a:effectRef idx="0">
+            <a:schemeClr val="accent1"/>
+          </a:effectRef>
+          <a:fontRef idx="minor">
+            <a:schemeClr val="lt1"/>
+          </a:fontRef>
+        </p:style>
         <p:txBody>
-          <a:bodyPr wrap="square">
-            <a:spAutoFit/>
-            <a:scene3d>
-              <a:camera prst="orthographicFront"/>
-              <a:lightRig rig="threePt" dir="t"/>
-            </a:scene3d>
-            <a:sp3d>
-              <a:bevelT w="1270" h="1270"/>
-            </a:sp3d>
+          <a:bodyPr rot="0" spcFirstLastPara="0" vertOverflow="overflow" horzOverflow="overflow" vert="horz" wrap="square" lIns="91440" tIns="45720" rIns="91440" bIns="45720" numCol="1" spcCol="0" rtlCol="0" fromWordArt="0" anchor="ctr" anchorCtr="0" forceAA="0" compatLnSpc="1">
+            <a:prstTxWarp prst="textNoShape">
+              <a:avLst/>
+            </a:prstTxWarp>
+            <a:noAutofit/>
           </a:bodyPr>
           <a:lstStyle/>
           <a:p>
-            <a:pPr>
-              <a:spcBef>
-                <a:spcPts val="600"/>
-              </a:spcBef>
-              <a:defRPr/>
-            </a:pPr>
-            <a:r>
-              <a:rPr lang="en-US" altLang="ko-KR" sz="1200" b="1" dirty="0" smtClean="0">
-                <a:latin typeface="맑은 고딕" pitchFamily="50" charset="-127"/>
-                <a:ea typeface="맑은 고딕" pitchFamily="50" charset="-127"/>
-              </a:rPr>
-              <a:t>1</a:t>
-            </a:r>
-            <a:r>
-              <a:rPr lang="en-US" altLang="ko-KR" sz="1200" b="1" dirty="0">
-                <a:latin typeface="맑은 고딕" pitchFamily="50" charset="-127"/>
-              </a:rPr>
-              <a:t>. </a:t>
-            </a:r>
-            <a:r>
-              <a:rPr lang="en-US" altLang="ko-KR" sz="1200" b="1" dirty="0">
-                <a:latin typeface="맑은 고딕" pitchFamily="50" charset="-127"/>
-                <a:hlinkClick r:id="rId2"/>
-              </a:rPr>
-              <a:t>http://ptline.com/?</a:t>
-            </a:r>
-            <a:r>
-              <a:rPr lang="en-US" altLang="ko-KR" sz="1200" b="1" dirty="0" smtClean="0">
-                <a:latin typeface="맑은 고딕" pitchFamily="50" charset="-127"/>
-                <a:hlinkClick r:id="rId2"/>
-              </a:rPr>
-              <a:t>p=10346</a:t>
-            </a:r>
-            <a:r>
-              <a:rPr lang="en-US" altLang="ko-KR" sz="1200" b="1" dirty="0" smtClean="0">
-                <a:latin typeface="맑은 고딕" pitchFamily="50" charset="-127"/>
-              </a:rPr>
-              <a:t> (</a:t>
-            </a:r>
-            <a:r>
-              <a:rPr lang="ko-KR" altLang="en-US" sz="1200" b="1" dirty="0" smtClean="0">
-                <a:latin typeface="맑은 고딕" pitchFamily="50" charset="-127"/>
-              </a:rPr>
-              <a:t>무료 </a:t>
-            </a:r>
-            <a:r>
-              <a:rPr lang="en-US" altLang="ko-KR" sz="1200" b="1" dirty="0" smtClean="0">
-                <a:latin typeface="맑은 고딕" pitchFamily="50" charset="-127"/>
-              </a:rPr>
-              <a:t>PPT </a:t>
-            </a:r>
-            <a:r>
-              <a:rPr lang="ko-KR" altLang="en-US" sz="1200" b="1" dirty="0" smtClean="0">
-                <a:latin typeface="맑은 고딕" pitchFamily="50" charset="-127"/>
-              </a:rPr>
-              <a:t>템플릿 사이트</a:t>
-            </a:r>
-            <a:r>
-              <a:rPr lang="en-US" altLang="ko-KR" sz="1200" b="1" dirty="0" smtClean="0">
-                <a:latin typeface="맑은 고딕" pitchFamily="50" charset="-127"/>
-              </a:rPr>
-              <a:t>)</a:t>
-            </a:r>
-            <a:endParaRPr lang="en-US" altLang="ko-KR" sz="1100" b="1" dirty="0">
-              <a:latin typeface="맑은 고딕" pitchFamily="50" charset="-127"/>
-              <a:ea typeface="맑은 고딕" pitchFamily="50" charset="-127"/>
+            <a:pPr algn="ctr"/>
+            <a:endParaRPr lang="ko-KR" altLang="en-US"/>
+          </a:p>
+        </p:txBody>
+      </p:sp>
+      <p:sp>
+        <p:nvSpPr>
+          <p:cNvPr id="4" name="TextBox 3"/>
+          <p:cNvSpPr txBox="1"/>
+          <p:nvPr/>
+        </p:nvSpPr>
+        <p:spPr>
+          <a:xfrm>
+            <a:off x="2519772" y="1052736"/>
+            <a:ext cx="4257063" cy="276999"/>
+          </a:xfrm>
+          <a:prstGeom prst="rect">
+            <a:avLst/>
+          </a:prstGeom>
+          <a:noFill/>
+        </p:spPr>
+        <p:txBody>
+          <a:bodyPr wrap="none" rtlCol="0">
+            <a:spAutoFit/>
+          </a:bodyPr>
+          <a:lstStyle/>
+          <a:p>
+            <a:r>
+              <a:rPr lang="en-US" altLang="ko-KR" sz="1200" dirty="0" smtClean="0">
+                <a:latin typeface="+mj-lt"/>
+              </a:rPr>
+              <a:t>1. Project - Create – C# Script</a:t>
+            </a:r>
+            <a:r>
+              <a:rPr lang="ko-KR" altLang="en-US" sz="1200" dirty="0" smtClean="0">
+                <a:latin typeface="+mj-lt"/>
+              </a:rPr>
+              <a:t>로 새 </a:t>
+            </a:r>
+            <a:r>
+              <a:rPr lang="en-US" altLang="ko-KR" sz="1200" dirty="0" smtClean="0">
+                <a:latin typeface="+mj-lt"/>
+              </a:rPr>
+              <a:t>Script</a:t>
+            </a:r>
+            <a:r>
+              <a:rPr lang="ko-KR" altLang="en-US" sz="1200" dirty="0" smtClean="0">
+                <a:latin typeface="+mj-lt"/>
+              </a:rPr>
+              <a:t>를 추가합니다</a:t>
+            </a:r>
+            <a:r>
+              <a:rPr lang="en-US" altLang="ko-KR" sz="1200" dirty="0" smtClean="0">
+                <a:latin typeface="+mj-lt"/>
+              </a:rPr>
+              <a:t>.</a:t>
+            </a:r>
+            <a:endParaRPr lang="ko-KR" altLang="en-US" sz="1200" dirty="0" smtClean="0">
+              <a:latin typeface="+mj-lt"/>
             </a:endParaRPr>
+          </a:p>
+        </p:txBody>
+      </p:sp>
+      <p:pic>
+        <p:nvPicPr>
+          <p:cNvPr id="3075" name="Picture 3"/>
+          <p:cNvPicPr>
+            <a:picLocks noChangeAspect="1" noChangeArrowheads="1"/>
+          </p:cNvPicPr>
+          <p:nvPr/>
+        </p:nvPicPr>
+        <p:blipFill>
+          <a:blip r:embed="rId3" cstate="print"/>
+          <a:srcRect/>
+          <a:stretch>
+            <a:fillRect/>
+          </a:stretch>
+        </p:blipFill>
+        <p:spPr bwMode="auto">
+          <a:xfrm>
+            <a:off x="3095836" y="1700808"/>
+            <a:ext cx="914400" cy="1057275"/>
+          </a:xfrm>
+          <a:prstGeom prst="rect">
+            <a:avLst/>
+          </a:prstGeom>
+          <a:noFill/>
+          <a:ln w="9525">
+            <a:noFill/>
+            <a:miter lim="800000"/>
+            <a:headEnd/>
+            <a:tailEnd/>
+          </a:ln>
+        </p:spPr>
+      </p:pic>
+      <p:sp>
+        <p:nvSpPr>
+          <p:cNvPr id="6" name="TextBox 5"/>
+          <p:cNvSpPr txBox="1"/>
+          <p:nvPr/>
+        </p:nvSpPr>
+        <p:spPr>
+          <a:xfrm>
+            <a:off x="4139952" y="1700808"/>
+            <a:ext cx="2672526" cy="276999"/>
+          </a:xfrm>
+          <a:prstGeom prst="rect">
+            <a:avLst/>
+          </a:prstGeom>
+          <a:noFill/>
+        </p:spPr>
+        <p:txBody>
+          <a:bodyPr wrap="none" rtlCol="0">
+            <a:spAutoFit/>
+          </a:bodyPr>
+          <a:lstStyle/>
+          <a:p>
+            <a:r>
+              <a:rPr lang="en-US" altLang="ko-KR" sz="1200" dirty="0" smtClean="0">
+                <a:latin typeface="+mj-lt"/>
+              </a:rPr>
+              <a:t>2. </a:t>
+            </a:r>
+            <a:r>
+              <a:rPr lang="ko-KR" altLang="en-US" sz="1200" dirty="0" smtClean="0">
+                <a:latin typeface="+mj-lt"/>
+              </a:rPr>
+              <a:t>이름은 </a:t>
+            </a:r>
+            <a:r>
+              <a:rPr lang="en-US" altLang="ko-KR" sz="1200" dirty="0" smtClean="0">
+                <a:latin typeface="+mj-lt"/>
+              </a:rPr>
+              <a:t>ChangeScene</a:t>
+            </a:r>
+            <a:r>
+              <a:rPr lang="ko-KR" altLang="en-US" sz="1200" dirty="0" smtClean="0">
+                <a:latin typeface="+mj-lt"/>
+              </a:rPr>
+              <a:t>로 바꿉니다</a:t>
+            </a:r>
+            <a:r>
+              <a:rPr lang="en-US" altLang="ko-KR" sz="1200" dirty="0" smtClean="0">
+                <a:latin typeface="+mj-lt"/>
+              </a:rPr>
+              <a:t>.</a:t>
+            </a:r>
+            <a:endParaRPr lang="ko-KR" altLang="en-US" sz="1200" dirty="0" smtClean="0">
+              <a:latin typeface="+mj-lt"/>
+            </a:endParaRPr>
+          </a:p>
+        </p:txBody>
+      </p:sp>
+      <p:pic>
+        <p:nvPicPr>
+          <p:cNvPr id="3076" name="Picture 4"/>
+          <p:cNvPicPr>
+            <a:picLocks noChangeAspect="1" noChangeArrowheads="1"/>
+          </p:cNvPicPr>
+          <p:nvPr/>
+        </p:nvPicPr>
+        <p:blipFill>
+          <a:blip r:embed="rId4" cstate="print"/>
+          <a:srcRect/>
+          <a:stretch>
+            <a:fillRect/>
+          </a:stretch>
+        </p:blipFill>
+        <p:spPr bwMode="auto">
+          <a:xfrm>
+            <a:off x="3347864" y="2960948"/>
+            <a:ext cx="2916324" cy="2772076"/>
+          </a:xfrm>
+          <a:prstGeom prst="rect">
+            <a:avLst/>
+          </a:prstGeom>
+          <a:noFill/>
+          <a:ln w="9525">
+            <a:noFill/>
+            <a:miter lim="800000"/>
+            <a:headEnd/>
+            <a:tailEnd/>
+          </a:ln>
+        </p:spPr>
+      </p:pic>
+      <p:sp>
+        <p:nvSpPr>
+          <p:cNvPr id="8" name="모서리가 둥근 직사각형 7"/>
+          <p:cNvSpPr/>
+          <p:nvPr/>
+        </p:nvSpPr>
+        <p:spPr>
+          <a:xfrm>
+            <a:off x="3599892" y="3320988"/>
+            <a:ext cx="2016224" cy="216024"/>
+          </a:xfrm>
+          <a:prstGeom prst="roundRect">
+            <a:avLst/>
+          </a:prstGeom>
+          <a:noFill/>
+          <a:ln>
+            <a:solidFill>
+              <a:srgbClr val="FF0000"/>
+            </a:solidFill>
+          </a:ln>
+        </p:spPr>
+        <p:style>
+          <a:lnRef idx="2">
+            <a:schemeClr val="accent1">
+              <a:shade val="50000"/>
+            </a:schemeClr>
+          </a:lnRef>
+          <a:fillRef idx="1">
+            <a:schemeClr val="accent1"/>
+          </a:fillRef>
+          <a:effectRef idx="0">
+            <a:schemeClr val="accent1"/>
+          </a:effectRef>
+          <a:fontRef idx="minor">
+            <a:schemeClr val="lt1"/>
+          </a:fontRef>
+        </p:style>
+        <p:txBody>
+          <a:bodyPr rot="0" spcFirstLastPara="0" vertOverflow="overflow" horzOverflow="overflow" vert="horz" wrap="square" lIns="91440" tIns="45720" rIns="91440" bIns="45720" numCol="1" spcCol="0" rtlCol="0" fromWordArt="0" anchor="ctr" anchorCtr="0" forceAA="0" compatLnSpc="1">
+            <a:prstTxWarp prst="textNoShape">
+              <a:avLst/>
+            </a:prstTxWarp>
+            <a:noAutofit/>
+          </a:bodyPr>
+          <a:lstStyle/>
+          <a:p>
+            <a:pPr algn="ctr"/>
+            <a:endParaRPr lang="ko-KR" altLang="en-US"/>
+          </a:p>
+        </p:txBody>
+      </p:sp>
+      <p:sp>
+        <p:nvSpPr>
+          <p:cNvPr id="9" name="모서리가 둥근 직사각형 8"/>
+          <p:cNvSpPr/>
+          <p:nvPr/>
+        </p:nvSpPr>
+        <p:spPr>
+          <a:xfrm>
+            <a:off x="3779912" y="5157192"/>
+            <a:ext cx="2268252" cy="540060"/>
+          </a:xfrm>
+          <a:prstGeom prst="roundRect">
+            <a:avLst/>
+          </a:prstGeom>
+          <a:noFill/>
+          <a:ln>
+            <a:solidFill>
+              <a:srgbClr val="FF0000"/>
+            </a:solidFill>
+          </a:ln>
+        </p:spPr>
+        <p:style>
+          <a:lnRef idx="2">
+            <a:schemeClr val="accent1">
+              <a:shade val="50000"/>
+            </a:schemeClr>
+          </a:lnRef>
+          <a:fillRef idx="1">
+            <a:schemeClr val="accent1"/>
+          </a:fillRef>
+          <a:effectRef idx="0">
+            <a:schemeClr val="accent1"/>
+          </a:effectRef>
+          <a:fontRef idx="minor">
+            <a:schemeClr val="lt1"/>
+          </a:fontRef>
+        </p:style>
+        <p:txBody>
+          <a:bodyPr rot="0" spcFirstLastPara="0" vertOverflow="overflow" horzOverflow="overflow" vert="horz" wrap="square" lIns="91440" tIns="45720" rIns="91440" bIns="45720" numCol="1" spcCol="0" rtlCol="0" fromWordArt="0" anchor="ctr" anchorCtr="0" forceAA="0" compatLnSpc="1">
+            <a:prstTxWarp prst="textNoShape">
+              <a:avLst/>
+            </a:prstTxWarp>
+            <a:noAutofit/>
+          </a:bodyPr>
+          <a:lstStyle/>
+          <a:p>
+            <a:pPr algn="ctr"/>
+            <a:endParaRPr lang="ko-KR" altLang="en-US"/>
+          </a:p>
+        </p:txBody>
+      </p:sp>
+      <p:sp>
+        <p:nvSpPr>
+          <p:cNvPr id="10" name="TextBox 9"/>
+          <p:cNvSpPr txBox="1"/>
+          <p:nvPr/>
+        </p:nvSpPr>
+        <p:spPr>
+          <a:xfrm>
+            <a:off x="6300192" y="2924944"/>
+            <a:ext cx="2741456" cy="276999"/>
+          </a:xfrm>
+          <a:prstGeom prst="rect">
+            <a:avLst/>
+          </a:prstGeom>
+          <a:noFill/>
+        </p:spPr>
+        <p:txBody>
+          <a:bodyPr wrap="none" rtlCol="0">
+            <a:spAutoFit/>
+          </a:bodyPr>
+          <a:lstStyle/>
+          <a:p>
+            <a:r>
+              <a:rPr lang="en-US" altLang="ko-KR" sz="1200" dirty="0" smtClean="0">
+                <a:latin typeface="+mj-lt"/>
+              </a:rPr>
+              <a:t>3. </a:t>
+            </a:r>
+            <a:r>
+              <a:rPr lang="ko-KR" altLang="en-US" sz="1200" dirty="0" smtClean="0">
+                <a:latin typeface="+mj-lt"/>
+              </a:rPr>
+              <a:t>빨간색 네모의 </a:t>
+            </a:r>
+            <a:r>
+              <a:rPr lang="en-US" altLang="ko-KR" sz="1200" dirty="0" smtClean="0">
+                <a:latin typeface="+mj-lt"/>
+              </a:rPr>
+              <a:t>code</a:t>
+            </a:r>
+            <a:r>
+              <a:rPr lang="ko-KR" altLang="en-US" sz="1200" dirty="0" smtClean="0">
+                <a:latin typeface="+mj-lt"/>
+              </a:rPr>
+              <a:t>를 추가합니다</a:t>
+            </a:r>
+            <a:r>
+              <a:rPr lang="en-US" altLang="ko-KR" sz="1200" dirty="0" smtClean="0">
+                <a:latin typeface="+mj-lt"/>
+              </a:rPr>
+              <a:t>.</a:t>
+            </a:r>
+            <a:endParaRPr lang="ko-KR" altLang="en-US" sz="1200" dirty="0" smtClean="0">
+              <a:latin typeface="+mj-lt"/>
+            </a:endParaRPr>
+          </a:p>
+        </p:txBody>
+      </p:sp>
+      <p:sp>
+        <p:nvSpPr>
+          <p:cNvPr id="11" name="TextBox 10"/>
+          <p:cNvSpPr txBox="1"/>
+          <p:nvPr/>
+        </p:nvSpPr>
+        <p:spPr>
+          <a:xfrm>
+            <a:off x="522831" y="-6392"/>
+            <a:ext cx="6992989" cy="807324"/>
+          </a:xfrm>
+          <a:prstGeom prst="rect">
+            <a:avLst/>
+          </a:prstGeom>
+          <a:noFill/>
+        </p:spPr>
+        <p:txBody>
+          <a:bodyPr wrap="none" rtlCol="0" anchor="ctr">
+            <a:noAutofit/>
+          </a:bodyPr>
+          <a:lstStyle/>
+          <a:p>
+            <a:r>
+              <a:rPr lang="en-US" altLang="ko-KR" sz="3400" b="1" dirty="0" smtClean="0">
+                <a:solidFill>
+                  <a:srgbClr val="1CCAB9"/>
+                </a:solidFill>
+                <a:latin typeface="+mn-ea"/>
+              </a:rPr>
+              <a:t>Scene Manager</a:t>
+            </a:r>
           </a:p>
         </p:txBody>
       </p:sp>
     </p:spTree>
-    <p:extLst>
-      <p:ext uri="{BB962C8B-B14F-4D97-AF65-F5344CB8AC3E}">
-        <p14:creationId xmlns:p14="http://schemas.microsoft.com/office/powerpoint/2010/main" val="1257673598"/>
-      </p:ext>
-    </p:extLst>
   </p:cSld>
   <p:clrMapOvr>
     <a:masterClrMapping/>
   </p:clrMapOvr>
-  <mc:AlternateContent xmlns:mc="http://schemas.openxmlformats.org/markup-compatibility/2006" xmlns:p14="http://schemas.microsoft.com/office/powerpoint/2010/main">
-    <mc:Choice Requires="p14">
-      <p:transition spd="med" p14:dur="700">
-        <p:fade/>
-      </p:transition>
-    </mc:Choice>
-    <mc:Fallback xmlns="">
-      <p:transition spd="med">
-        <p:fade/>
-      </p:transition>
-    </mc:Fallback>
-  </mc:AlternateContent>
-  <p:timing>
-    <p:tnLst>
-      <p:par>
-        <p:cTn id="1" dur="indefinite" restart="never" nodeType="tmRoot"/>
-      </p:par>
-    </p:tnLst>
-  </p:timing>
 </p:sld>
 </file>
 
@@ -4906,12 +5811,6 @@
                 </a:rPr>
                 <a:t>Ⅰ</a:t>
               </a:r>
-              <a:endParaRPr lang="en-US" altLang="ko-KR" spc="-50" dirty="0" smtClean="0">
-                <a:solidFill>
-                  <a:schemeClr val="bg1"/>
-                </a:solidFill>
-                <a:latin typeface="+mn-ea"/>
-              </a:endParaRPr>
             </a:p>
           </p:txBody>
         </p:sp>
@@ -5102,12 +6001,6 @@
                 </a:rPr>
                 <a:t>Ⅱ</a:t>
               </a:r>
-              <a:endParaRPr lang="en-US" altLang="ko-KR" spc="-50" dirty="0" smtClean="0">
-                <a:solidFill>
-                  <a:schemeClr val="bg1"/>
-                </a:solidFill>
-                <a:latin typeface="+mn-ea"/>
-              </a:endParaRPr>
             </a:p>
           </p:txBody>
         </p:sp>
@@ -5298,12 +6191,6 @@
                 </a:rPr>
                 <a:t>Ⅲ</a:t>
               </a:r>
-              <a:endParaRPr lang="en-US" altLang="ko-KR" spc="-50" dirty="0" smtClean="0">
-                <a:solidFill>
-                  <a:schemeClr val="bg1"/>
-                </a:solidFill>
-                <a:latin typeface="+mn-ea"/>
-              </a:endParaRPr>
             </a:p>
           </p:txBody>
         </p:sp>
@@ -5494,12 +6381,6 @@
                 </a:rPr>
                 <a:t>Ⅳ</a:t>
               </a:r>
-              <a:endParaRPr lang="en-US" altLang="ko-KR" spc="-50" dirty="0" smtClean="0">
-                <a:solidFill>
-                  <a:schemeClr val="bg1"/>
-                </a:solidFill>
-                <a:latin typeface="+mn-ea"/>
-              </a:endParaRPr>
             </a:p>
           </p:txBody>
         </p:sp>
@@ -5690,12 +6571,6 @@
                 </a:rPr>
                 <a:t>Ⅴ</a:t>
               </a:r>
-              <a:endParaRPr lang="en-US" altLang="ko-KR" spc="-50" dirty="0" smtClean="0">
-                <a:solidFill>
-                  <a:schemeClr val="bg1"/>
-                </a:solidFill>
-                <a:latin typeface="+mn-ea"/>
-              </a:endParaRPr>
             </a:p>
           </p:txBody>
         </p:sp>
@@ -5703,20 +6578,20 @@
     </p:spTree>
     <p:extLst>
       <p:ext uri="{BB962C8B-B14F-4D97-AF65-F5344CB8AC3E}">
-        <p14:creationId xmlns:p14="http://schemas.microsoft.com/office/powerpoint/2010/main" val="3934354063"/>
+        <p14:creationId xmlns:p14="http://schemas.microsoft.com/office/powerpoint/2010/main" xmlns="" val="3934354063"/>
       </p:ext>
     </p:extLst>
   </p:cSld>
   <p:clrMapOvr>
     <a:masterClrMapping/>
   </p:clrMapOvr>
-  <mc:AlternateContent xmlns:mc="http://schemas.openxmlformats.org/markup-compatibility/2006" xmlns:p14="http://schemas.microsoft.com/office/powerpoint/2010/main">
-    <mc:Choice Requires="p14">
+  <mc:AlternateContent xmlns:mc="http://schemas.openxmlformats.org/markup-compatibility/2006">
+    <mc:Choice xmlns:p14="http://schemas.microsoft.com/office/powerpoint/2010/main" xmlns="" Requires="p14">
       <p:transition spd="med" p14:dur="700">
         <p:fade/>
       </p:transition>
     </mc:Choice>
-    <mc:Fallback xmlns="">
+    <mc:Fallback>
       <p:transition spd="med">
         <p:fade/>
       </p:transition>
@@ -5751,6 +6626,1407 @@
       </p:grpSpPr>
       <p:sp>
         <p:nvSpPr>
+          <p:cNvPr id="2" name="TextBox 1"/>
+          <p:cNvSpPr txBox="1"/>
+          <p:nvPr/>
+        </p:nvSpPr>
+        <p:spPr>
+          <a:xfrm>
+            <a:off x="522831" y="-6392"/>
+            <a:ext cx="6992989" cy="807324"/>
+          </a:xfrm>
+          <a:prstGeom prst="rect">
+            <a:avLst/>
+          </a:prstGeom>
+          <a:noFill/>
+        </p:spPr>
+        <p:txBody>
+          <a:bodyPr wrap="none" rtlCol="0" anchor="ctr">
+            <a:noAutofit/>
+          </a:bodyPr>
+          <a:lstStyle/>
+          <a:p>
+            <a:r>
+              <a:rPr lang="en-US" altLang="ko-KR" sz="3400" b="1" dirty="0" smtClean="0">
+                <a:solidFill>
+                  <a:srgbClr val="1CCAB9"/>
+                </a:solidFill>
+                <a:latin typeface="+mn-ea"/>
+              </a:rPr>
+              <a:t>Scene Manager</a:t>
+            </a:r>
+          </a:p>
+        </p:txBody>
+      </p:sp>
+      <p:pic>
+        <p:nvPicPr>
+          <p:cNvPr id="4100" name="Picture 4"/>
+          <p:cNvPicPr>
+            <a:picLocks noChangeAspect="1" noChangeArrowheads="1"/>
+          </p:cNvPicPr>
+          <p:nvPr/>
+        </p:nvPicPr>
+        <p:blipFill>
+          <a:blip r:embed="rId2" cstate="print"/>
+          <a:srcRect/>
+          <a:stretch>
+            <a:fillRect/>
+          </a:stretch>
+        </p:blipFill>
+        <p:spPr bwMode="auto">
+          <a:xfrm>
+            <a:off x="251520" y="1160748"/>
+            <a:ext cx="3775489" cy="1778310"/>
+          </a:xfrm>
+          <a:prstGeom prst="rect">
+            <a:avLst/>
+          </a:prstGeom>
+          <a:noFill/>
+          <a:ln w="9525">
+            <a:noFill/>
+            <a:miter lim="800000"/>
+            <a:headEnd/>
+            <a:tailEnd/>
+          </a:ln>
+        </p:spPr>
+      </p:pic>
+      <p:pic>
+        <p:nvPicPr>
+          <p:cNvPr id="4101" name="Picture 5"/>
+          <p:cNvPicPr>
+            <a:picLocks noChangeAspect="1" noChangeArrowheads="1"/>
+          </p:cNvPicPr>
+          <p:nvPr/>
+        </p:nvPicPr>
+        <p:blipFill>
+          <a:blip r:embed="rId3" cstate="print"/>
+          <a:srcRect/>
+          <a:stretch>
+            <a:fillRect/>
+          </a:stretch>
+        </p:blipFill>
+        <p:spPr bwMode="auto">
+          <a:xfrm>
+            <a:off x="287524" y="3645024"/>
+            <a:ext cx="3209925" cy="1438275"/>
+          </a:xfrm>
+          <a:prstGeom prst="rect">
+            <a:avLst/>
+          </a:prstGeom>
+          <a:noFill/>
+          <a:ln w="9525">
+            <a:noFill/>
+            <a:miter lim="800000"/>
+            <a:headEnd/>
+            <a:tailEnd/>
+          </a:ln>
+        </p:spPr>
+      </p:pic>
+      <p:sp>
+        <p:nvSpPr>
+          <p:cNvPr id="7" name="모서리가 둥근 직사각형 6"/>
+          <p:cNvSpPr/>
+          <p:nvPr/>
+        </p:nvSpPr>
+        <p:spPr>
+          <a:xfrm>
+            <a:off x="395536" y="3933056"/>
+            <a:ext cx="900100" cy="1044116"/>
+          </a:xfrm>
+          <a:prstGeom prst="roundRect">
+            <a:avLst/>
+          </a:prstGeom>
+          <a:noFill/>
+          <a:ln>
+            <a:solidFill>
+              <a:srgbClr val="FF0000"/>
+            </a:solidFill>
+          </a:ln>
+        </p:spPr>
+        <p:style>
+          <a:lnRef idx="2">
+            <a:schemeClr val="accent1">
+              <a:shade val="50000"/>
+            </a:schemeClr>
+          </a:lnRef>
+          <a:fillRef idx="1">
+            <a:schemeClr val="accent1"/>
+          </a:fillRef>
+          <a:effectRef idx="0">
+            <a:schemeClr val="accent1"/>
+          </a:effectRef>
+          <a:fontRef idx="minor">
+            <a:schemeClr val="lt1"/>
+          </a:fontRef>
+        </p:style>
+        <p:txBody>
+          <a:bodyPr rot="0" spcFirstLastPara="0" vertOverflow="overflow" horzOverflow="overflow" vert="horz" wrap="square" lIns="91440" tIns="45720" rIns="91440" bIns="45720" numCol="1" spcCol="0" rtlCol="0" fromWordArt="0" anchor="ctr" anchorCtr="0" forceAA="0" compatLnSpc="1">
+            <a:prstTxWarp prst="textNoShape">
+              <a:avLst/>
+            </a:prstTxWarp>
+            <a:noAutofit/>
+          </a:bodyPr>
+          <a:lstStyle/>
+          <a:p>
+            <a:pPr algn="ctr"/>
+            <a:endParaRPr lang="ko-KR" altLang="en-US"/>
+          </a:p>
+        </p:txBody>
+      </p:sp>
+      <p:sp>
+        <p:nvSpPr>
+          <p:cNvPr id="8" name="모서리가 둥근 직사각형 7"/>
+          <p:cNvSpPr/>
+          <p:nvPr/>
+        </p:nvSpPr>
+        <p:spPr>
+          <a:xfrm>
+            <a:off x="431540" y="2672916"/>
+            <a:ext cx="900100" cy="180020"/>
+          </a:xfrm>
+          <a:prstGeom prst="roundRect">
+            <a:avLst/>
+          </a:prstGeom>
+          <a:noFill/>
+          <a:ln>
+            <a:solidFill>
+              <a:srgbClr val="FF0000"/>
+            </a:solidFill>
+          </a:ln>
+        </p:spPr>
+        <p:style>
+          <a:lnRef idx="2">
+            <a:schemeClr val="accent1">
+              <a:shade val="50000"/>
+            </a:schemeClr>
+          </a:lnRef>
+          <a:fillRef idx="1">
+            <a:schemeClr val="accent1"/>
+          </a:fillRef>
+          <a:effectRef idx="0">
+            <a:schemeClr val="accent1"/>
+          </a:effectRef>
+          <a:fontRef idx="minor">
+            <a:schemeClr val="lt1"/>
+          </a:fontRef>
+        </p:style>
+        <p:txBody>
+          <a:bodyPr rot="0" spcFirstLastPara="0" vertOverflow="overflow" horzOverflow="overflow" vert="horz" wrap="square" lIns="91440" tIns="45720" rIns="91440" bIns="45720" numCol="1" spcCol="0" rtlCol="0" fromWordArt="0" anchor="ctr" anchorCtr="0" forceAA="0" compatLnSpc="1">
+            <a:prstTxWarp prst="textNoShape">
+              <a:avLst/>
+            </a:prstTxWarp>
+            <a:noAutofit/>
+          </a:bodyPr>
+          <a:lstStyle/>
+          <a:p>
+            <a:pPr algn="ctr"/>
+            <a:endParaRPr lang="ko-KR" altLang="en-US"/>
+          </a:p>
+        </p:txBody>
+      </p:sp>
+      <p:cxnSp>
+        <p:nvCxnSpPr>
+          <p:cNvPr id="10" name="직선 화살표 연결선 9"/>
+          <p:cNvCxnSpPr>
+            <a:stCxn id="7" idx="0"/>
+            <a:endCxn id="8" idx="2"/>
+          </p:cNvCxnSpPr>
+          <p:nvPr/>
+        </p:nvCxnSpPr>
+        <p:spPr>
+          <a:xfrm flipV="1">
+            <a:off x="845586" y="2852936"/>
+            <a:ext cx="36004" cy="1080120"/>
+          </a:xfrm>
+          <a:prstGeom prst="straightConnector1">
+            <a:avLst/>
+          </a:prstGeom>
+          <a:ln>
+            <a:solidFill>
+              <a:srgbClr val="FF0000"/>
+            </a:solidFill>
+            <a:tailEnd type="arrow"/>
+          </a:ln>
+        </p:spPr>
+        <p:style>
+          <a:lnRef idx="1">
+            <a:schemeClr val="accent1"/>
+          </a:lnRef>
+          <a:fillRef idx="0">
+            <a:schemeClr val="accent1"/>
+          </a:fillRef>
+          <a:effectRef idx="0">
+            <a:schemeClr val="accent1"/>
+          </a:effectRef>
+          <a:fontRef idx="minor">
+            <a:schemeClr val="tx1"/>
+          </a:fontRef>
+        </p:style>
+      </p:cxnSp>
+      <p:sp>
+        <p:nvSpPr>
+          <p:cNvPr id="12" name="TextBox 11"/>
+          <p:cNvSpPr txBox="1"/>
+          <p:nvPr/>
+        </p:nvSpPr>
+        <p:spPr>
+          <a:xfrm>
+            <a:off x="4175956" y="1124744"/>
+            <a:ext cx="4560094" cy="276999"/>
+          </a:xfrm>
+          <a:prstGeom prst="rect">
+            <a:avLst/>
+          </a:prstGeom>
+          <a:noFill/>
+        </p:spPr>
+        <p:txBody>
+          <a:bodyPr wrap="none" rtlCol="0">
+            <a:spAutoFit/>
+          </a:bodyPr>
+          <a:lstStyle/>
+          <a:p>
+            <a:r>
+              <a:rPr lang="en-US" altLang="ko-KR" sz="1200" dirty="0" smtClean="0">
+                <a:latin typeface="+mj-lt"/>
+              </a:rPr>
+              <a:t>1. ChangeScene</a:t>
+            </a:r>
+            <a:r>
+              <a:rPr lang="ko-KR" altLang="en-US" sz="1200" dirty="0" smtClean="0">
+                <a:latin typeface="+mj-lt"/>
+              </a:rPr>
+              <a:t>를 </a:t>
+            </a:r>
+            <a:r>
+              <a:rPr lang="en-US" altLang="ko-KR" sz="1200" dirty="0" smtClean="0">
+                <a:latin typeface="+mj-lt"/>
+              </a:rPr>
+              <a:t>StartButton</a:t>
+            </a:r>
+            <a:r>
+              <a:rPr lang="ko-KR" altLang="en-US" sz="1200" dirty="0" smtClean="0">
+                <a:latin typeface="+mj-lt"/>
+              </a:rPr>
+              <a:t>에 </a:t>
+            </a:r>
+            <a:r>
+              <a:rPr lang="en-US" altLang="ko-KR" sz="1200" dirty="0" smtClean="0">
+                <a:latin typeface="+mj-lt"/>
+              </a:rPr>
+              <a:t>Drag &amp; Drop</a:t>
+            </a:r>
+            <a:r>
+              <a:rPr lang="ko-KR" altLang="en-US" sz="1200" dirty="0" smtClean="0">
+                <a:latin typeface="+mj-lt"/>
+              </a:rPr>
+              <a:t>하여 추가합니다</a:t>
+            </a:r>
+            <a:endParaRPr lang="ko-KR" altLang="en-US" sz="1200" dirty="0" smtClean="0">
+              <a:latin typeface="+mj-lt"/>
+            </a:endParaRPr>
+          </a:p>
+        </p:txBody>
+      </p:sp>
+    </p:spTree>
+  </p:cSld>
+  <p:clrMapOvr>
+    <a:masterClrMapping/>
+  </p:clrMapOvr>
+</p:sld>
+</file>
+
+<file path=ppt/slides/slide21.xml><?xml version="1.0" encoding="utf-8"?>
+<p:sld xmlns:a="http://schemas.openxmlformats.org/drawingml/2006/main" xmlns:r="http://schemas.openxmlformats.org/officeDocument/2006/relationships" xmlns:p="http://schemas.openxmlformats.org/presentationml/2006/main">
+  <p:cSld>
+    <p:spTree>
+      <p:nvGrpSpPr>
+        <p:cNvPr id="1" name=""/>
+        <p:cNvGrpSpPr/>
+        <p:nvPr/>
+      </p:nvGrpSpPr>
+      <p:grpSpPr>
+        <a:xfrm>
+          <a:off x="0" y="0"/>
+          <a:ext cx="0" cy="0"/>
+          <a:chOff x="0" y="0"/>
+          <a:chExt cx="0" cy="0"/>
+        </a:xfrm>
+      </p:grpSpPr>
+      <p:pic>
+        <p:nvPicPr>
+          <p:cNvPr id="5122" name="Picture 2"/>
+          <p:cNvPicPr>
+            <a:picLocks noChangeAspect="1" noChangeArrowheads="1"/>
+          </p:cNvPicPr>
+          <p:nvPr/>
+        </p:nvPicPr>
+        <p:blipFill>
+          <a:blip r:embed="rId2" cstate="print"/>
+          <a:srcRect/>
+          <a:stretch>
+            <a:fillRect/>
+          </a:stretch>
+        </p:blipFill>
+        <p:spPr bwMode="auto">
+          <a:xfrm>
+            <a:off x="179511" y="980728"/>
+            <a:ext cx="4236771" cy="648072"/>
+          </a:xfrm>
+          <a:prstGeom prst="rect">
+            <a:avLst/>
+          </a:prstGeom>
+          <a:noFill/>
+          <a:ln w="9525">
+            <a:noFill/>
+            <a:miter lim="800000"/>
+            <a:headEnd/>
+            <a:tailEnd/>
+          </a:ln>
+        </p:spPr>
+      </p:pic>
+      <p:sp>
+        <p:nvSpPr>
+          <p:cNvPr id="3" name="모서리가 둥근 직사각형 2"/>
+          <p:cNvSpPr/>
+          <p:nvPr/>
+        </p:nvSpPr>
+        <p:spPr>
+          <a:xfrm>
+            <a:off x="1295636" y="1340768"/>
+            <a:ext cx="213106" cy="213106"/>
+          </a:xfrm>
+          <a:prstGeom prst="roundRect">
+            <a:avLst/>
+          </a:prstGeom>
+          <a:noFill/>
+          <a:ln>
+            <a:solidFill>
+              <a:srgbClr val="FF0000"/>
+            </a:solidFill>
+          </a:ln>
+        </p:spPr>
+        <p:style>
+          <a:lnRef idx="2">
+            <a:schemeClr val="accent1">
+              <a:shade val="50000"/>
+            </a:schemeClr>
+          </a:lnRef>
+          <a:fillRef idx="1">
+            <a:schemeClr val="accent1"/>
+          </a:fillRef>
+          <a:effectRef idx="0">
+            <a:schemeClr val="accent1"/>
+          </a:effectRef>
+          <a:fontRef idx="minor">
+            <a:schemeClr val="lt1"/>
+          </a:fontRef>
+        </p:style>
+        <p:txBody>
+          <a:bodyPr rot="0" spcFirstLastPara="0" vertOverflow="overflow" horzOverflow="overflow" vert="horz" wrap="square" lIns="91440" tIns="45720" rIns="91440" bIns="45720" numCol="1" spcCol="0" rtlCol="0" fromWordArt="0" anchor="ctr" anchorCtr="0" forceAA="0" compatLnSpc="1">
+            <a:prstTxWarp prst="textNoShape">
+              <a:avLst/>
+            </a:prstTxWarp>
+            <a:noAutofit/>
+          </a:bodyPr>
+          <a:lstStyle/>
+          <a:p>
+            <a:pPr algn="ctr"/>
+            <a:endParaRPr lang="ko-KR" altLang="en-US"/>
+          </a:p>
+        </p:txBody>
+      </p:sp>
+      <p:sp>
+        <p:nvSpPr>
+          <p:cNvPr id="4" name="TextBox 3"/>
+          <p:cNvSpPr txBox="1"/>
+          <p:nvPr/>
+        </p:nvSpPr>
+        <p:spPr>
+          <a:xfrm>
+            <a:off x="4680012" y="1052736"/>
+            <a:ext cx="3828099" cy="276999"/>
+          </a:xfrm>
+          <a:prstGeom prst="rect">
+            <a:avLst/>
+          </a:prstGeom>
+          <a:noFill/>
+        </p:spPr>
+        <p:txBody>
+          <a:bodyPr wrap="none" rtlCol="0">
+            <a:spAutoFit/>
+          </a:bodyPr>
+          <a:lstStyle/>
+          <a:p>
+            <a:r>
+              <a:rPr lang="en-US" altLang="ko-KR" sz="1200" dirty="0" smtClean="0">
+                <a:latin typeface="+mj-lt"/>
+              </a:rPr>
+              <a:t>1.</a:t>
+            </a:r>
+            <a:r>
+              <a:rPr lang="ko-KR" altLang="en-US" sz="1200" dirty="0" smtClean="0">
+                <a:latin typeface="+mj-lt"/>
+              </a:rPr>
+              <a:t> </a:t>
+            </a:r>
+            <a:r>
+              <a:rPr lang="ko-KR" altLang="en-US" sz="1200" dirty="0" smtClean="0">
+                <a:latin typeface="+mj-lt"/>
+              </a:rPr>
+              <a:t>빨간색 네모를 클릭하여 </a:t>
+            </a:r>
+            <a:r>
+              <a:rPr lang="en-US" altLang="ko-KR" sz="1200" dirty="0" smtClean="0">
+                <a:latin typeface="+mj-lt"/>
+              </a:rPr>
+              <a:t>StartButton</a:t>
+            </a:r>
+            <a:r>
+              <a:rPr lang="ko-KR" altLang="en-US" sz="1200" dirty="0" smtClean="0">
+                <a:latin typeface="+mj-lt"/>
+              </a:rPr>
+              <a:t>를 추가합니다</a:t>
+            </a:r>
+            <a:endParaRPr lang="ko-KR" altLang="en-US" sz="1200" dirty="0" smtClean="0">
+              <a:latin typeface="+mj-lt"/>
+            </a:endParaRPr>
+          </a:p>
+        </p:txBody>
+      </p:sp>
+      <p:pic>
+        <p:nvPicPr>
+          <p:cNvPr id="5123" name="Picture 3"/>
+          <p:cNvPicPr>
+            <a:picLocks noChangeAspect="1" noChangeArrowheads="1"/>
+          </p:cNvPicPr>
+          <p:nvPr/>
+        </p:nvPicPr>
+        <p:blipFill>
+          <a:blip r:embed="rId3" cstate="print"/>
+          <a:srcRect/>
+          <a:stretch>
+            <a:fillRect/>
+          </a:stretch>
+        </p:blipFill>
+        <p:spPr bwMode="auto">
+          <a:xfrm>
+            <a:off x="251520" y="1808820"/>
+            <a:ext cx="1430195" cy="3009131"/>
+          </a:xfrm>
+          <a:prstGeom prst="rect">
+            <a:avLst/>
+          </a:prstGeom>
+          <a:noFill/>
+          <a:ln w="9525">
+            <a:noFill/>
+            <a:miter lim="800000"/>
+            <a:headEnd/>
+            <a:tailEnd/>
+          </a:ln>
+        </p:spPr>
+      </p:pic>
+      <p:sp>
+        <p:nvSpPr>
+          <p:cNvPr id="6" name="모서리가 둥근 직사각형 5"/>
+          <p:cNvSpPr/>
+          <p:nvPr/>
+        </p:nvSpPr>
+        <p:spPr>
+          <a:xfrm>
+            <a:off x="323528" y="3465004"/>
+            <a:ext cx="720080" cy="144016"/>
+          </a:xfrm>
+          <a:prstGeom prst="roundRect">
+            <a:avLst/>
+          </a:prstGeom>
+          <a:noFill/>
+          <a:ln>
+            <a:solidFill>
+              <a:srgbClr val="FF0000"/>
+            </a:solidFill>
+          </a:ln>
+        </p:spPr>
+        <p:style>
+          <a:lnRef idx="2">
+            <a:schemeClr val="accent1">
+              <a:shade val="50000"/>
+            </a:schemeClr>
+          </a:lnRef>
+          <a:fillRef idx="1">
+            <a:schemeClr val="accent1"/>
+          </a:fillRef>
+          <a:effectRef idx="0">
+            <a:schemeClr val="accent1"/>
+          </a:effectRef>
+          <a:fontRef idx="minor">
+            <a:schemeClr val="lt1"/>
+          </a:fontRef>
+        </p:style>
+        <p:txBody>
+          <a:bodyPr rot="0" spcFirstLastPara="0" vertOverflow="overflow" horzOverflow="overflow" vert="horz" wrap="square" lIns="91440" tIns="45720" rIns="91440" bIns="45720" numCol="1" spcCol="0" rtlCol="0" fromWordArt="0" anchor="ctr" anchorCtr="0" forceAA="0" compatLnSpc="1">
+            <a:prstTxWarp prst="textNoShape">
+              <a:avLst/>
+            </a:prstTxWarp>
+            <a:noAutofit/>
+          </a:bodyPr>
+          <a:lstStyle/>
+          <a:p>
+            <a:pPr algn="ctr"/>
+            <a:endParaRPr lang="ko-KR" altLang="en-US"/>
+          </a:p>
+        </p:txBody>
+      </p:sp>
+    </p:spTree>
+  </p:cSld>
+  <p:clrMapOvr>
+    <a:masterClrMapping/>
+  </p:clrMapOvr>
+</p:sld>
+</file>
+
+<file path=ppt/slides/slide22.xml><?xml version="1.0" encoding="utf-8"?>
+<p:sld xmlns:a="http://schemas.openxmlformats.org/drawingml/2006/main" xmlns:r="http://schemas.openxmlformats.org/officeDocument/2006/relationships" xmlns:p="http://schemas.openxmlformats.org/presentationml/2006/main">
+  <p:cSld>
+    <p:spTree>
+      <p:nvGrpSpPr>
+        <p:cNvPr id="1" name=""/>
+        <p:cNvGrpSpPr/>
+        <p:nvPr/>
+      </p:nvGrpSpPr>
+      <p:grpSpPr>
+        <a:xfrm>
+          <a:off x="0" y="0"/>
+          <a:ext cx="0" cy="0"/>
+          <a:chOff x="0" y="0"/>
+          <a:chExt cx="0" cy="0"/>
+        </a:xfrm>
+      </p:grpSpPr>
+      <p:pic>
+        <p:nvPicPr>
+          <p:cNvPr id="2" name="Picture 5"/>
+          <p:cNvPicPr>
+            <a:picLocks noChangeAspect="1" noChangeArrowheads="1"/>
+          </p:cNvPicPr>
+          <p:nvPr/>
+        </p:nvPicPr>
+        <p:blipFill>
+          <a:blip r:embed="rId2" cstate="print"/>
+          <a:srcRect/>
+          <a:stretch>
+            <a:fillRect/>
+          </a:stretch>
+        </p:blipFill>
+        <p:spPr bwMode="auto">
+          <a:xfrm>
+            <a:off x="431540" y="1484784"/>
+            <a:ext cx="3853991" cy="2070373"/>
+          </a:xfrm>
+          <a:prstGeom prst="rect">
+            <a:avLst/>
+          </a:prstGeom>
+          <a:noFill/>
+          <a:ln w="9525">
+            <a:noFill/>
+            <a:miter lim="800000"/>
+            <a:headEnd/>
+            <a:tailEnd/>
+          </a:ln>
+        </p:spPr>
+      </p:pic>
+      <p:sp>
+        <p:nvSpPr>
+          <p:cNvPr id="3" name="모서리가 둥근 직사각형 2"/>
+          <p:cNvSpPr/>
+          <p:nvPr/>
+        </p:nvSpPr>
+        <p:spPr>
+          <a:xfrm>
+            <a:off x="2231740" y="2240868"/>
+            <a:ext cx="720080" cy="144016"/>
+          </a:xfrm>
+          <a:prstGeom prst="roundRect">
+            <a:avLst/>
+          </a:prstGeom>
+          <a:noFill/>
+          <a:ln>
+            <a:solidFill>
+              <a:srgbClr val="FF0000"/>
+            </a:solidFill>
+          </a:ln>
+        </p:spPr>
+        <p:style>
+          <a:lnRef idx="2">
+            <a:schemeClr val="accent1">
+              <a:shade val="50000"/>
+            </a:schemeClr>
+          </a:lnRef>
+          <a:fillRef idx="1">
+            <a:schemeClr val="accent1"/>
+          </a:fillRef>
+          <a:effectRef idx="0">
+            <a:schemeClr val="accent1"/>
+          </a:effectRef>
+          <a:fontRef idx="minor">
+            <a:schemeClr val="lt1"/>
+          </a:fontRef>
+        </p:style>
+        <p:txBody>
+          <a:bodyPr rot="0" spcFirstLastPara="0" vertOverflow="overflow" horzOverflow="overflow" vert="horz" wrap="square" lIns="91440" tIns="45720" rIns="91440" bIns="45720" numCol="1" spcCol="0" rtlCol="0" fromWordArt="0" anchor="ctr" anchorCtr="0" forceAA="0" compatLnSpc="1">
+            <a:prstTxWarp prst="textNoShape">
+              <a:avLst/>
+            </a:prstTxWarp>
+            <a:noAutofit/>
+          </a:bodyPr>
+          <a:lstStyle/>
+          <a:p>
+            <a:pPr algn="ctr"/>
+            <a:endParaRPr lang="ko-KR" altLang="en-US"/>
+          </a:p>
+        </p:txBody>
+      </p:sp>
+      <p:sp>
+        <p:nvSpPr>
+          <p:cNvPr id="4" name="모서리가 둥근 직사각형 3"/>
+          <p:cNvSpPr/>
+          <p:nvPr/>
+        </p:nvSpPr>
+        <p:spPr>
+          <a:xfrm>
+            <a:off x="2375756" y="3392996"/>
+            <a:ext cx="720080" cy="144016"/>
+          </a:xfrm>
+          <a:prstGeom prst="roundRect">
+            <a:avLst/>
+          </a:prstGeom>
+          <a:noFill/>
+          <a:ln>
+            <a:solidFill>
+              <a:srgbClr val="FF0000"/>
+            </a:solidFill>
+          </a:ln>
+        </p:spPr>
+        <p:style>
+          <a:lnRef idx="2">
+            <a:schemeClr val="accent1">
+              <a:shade val="50000"/>
+            </a:schemeClr>
+          </a:lnRef>
+          <a:fillRef idx="1">
+            <a:schemeClr val="accent1"/>
+          </a:fillRef>
+          <a:effectRef idx="0">
+            <a:schemeClr val="accent1"/>
+          </a:effectRef>
+          <a:fontRef idx="minor">
+            <a:schemeClr val="lt1"/>
+          </a:fontRef>
+        </p:style>
+        <p:txBody>
+          <a:bodyPr rot="0" spcFirstLastPara="0" vertOverflow="overflow" horzOverflow="overflow" vert="horz" wrap="square" lIns="91440" tIns="45720" rIns="91440" bIns="45720" numCol="1" spcCol="0" rtlCol="0" fromWordArt="0" anchor="ctr" anchorCtr="0" forceAA="0" compatLnSpc="1">
+            <a:prstTxWarp prst="textNoShape">
+              <a:avLst/>
+            </a:prstTxWarp>
+            <a:noAutofit/>
+          </a:bodyPr>
+          <a:lstStyle/>
+          <a:p>
+            <a:pPr algn="ctr"/>
+            <a:endParaRPr lang="ko-KR" altLang="en-US"/>
+          </a:p>
+        </p:txBody>
+      </p:sp>
+      <p:sp>
+        <p:nvSpPr>
+          <p:cNvPr id="5" name="모서리가 둥근 직사각형 4"/>
+          <p:cNvSpPr/>
+          <p:nvPr/>
+        </p:nvSpPr>
+        <p:spPr>
+          <a:xfrm>
+            <a:off x="647564" y="2780928"/>
+            <a:ext cx="720080" cy="144016"/>
+          </a:xfrm>
+          <a:prstGeom prst="roundRect">
+            <a:avLst/>
+          </a:prstGeom>
+          <a:noFill/>
+          <a:ln>
+            <a:solidFill>
+              <a:srgbClr val="FF0000"/>
+            </a:solidFill>
+          </a:ln>
+        </p:spPr>
+        <p:style>
+          <a:lnRef idx="2">
+            <a:schemeClr val="accent1">
+              <a:shade val="50000"/>
+            </a:schemeClr>
+          </a:lnRef>
+          <a:fillRef idx="1">
+            <a:schemeClr val="accent1"/>
+          </a:fillRef>
+          <a:effectRef idx="0">
+            <a:schemeClr val="accent1"/>
+          </a:effectRef>
+          <a:fontRef idx="minor">
+            <a:schemeClr val="lt1"/>
+          </a:fontRef>
+        </p:style>
+        <p:txBody>
+          <a:bodyPr rot="0" spcFirstLastPara="0" vertOverflow="overflow" horzOverflow="overflow" vert="horz" wrap="square" lIns="91440" tIns="45720" rIns="91440" bIns="45720" numCol="1" spcCol="0" rtlCol="0" fromWordArt="0" anchor="ctr" anchorCtr="0" forceAA="0" compatLnSpc="1">
+            <a:prstTxWarp prst="textNoShape">
+              <a:avLst/>
+            </a:prstTxWarp>
+            <a:noAutofit/>
+          </a:bodyPr>
+          <a:lstStyle/>
+          <a:p>
+            <a:pPr algn="ctr"/>
+            <a:endParaRPr lang="ko-KR" altLang="en-US"/>
+          </a:p>
+        </p:txBody>
+      </p:sp>
+      <p:sp>
+        <p:nvSpPr>
+          <p:cNvPr id="6" name="TextBox 5"/>
+          <p:cNvSpPr txBox="1"/>
+          <p:nvPr/>
+        </p:nvSpPr>
+        <p:spPr>
+          <a:xfrm>
+            <a:off x="4499992" y="1448780"/>
+            <a:ext cx="4620176" cy="276999"/>
+          </a:xfrm>
+          <a:prstGeom prst="rect">
+            <a:avLst/>
+          </a:prstGeom>
+          <a:noFill/>
+        </p:spPr>
+        <p:txBody>
+          <a:bodyPr wrap="none" rtlCol="0">
+            <a:spAutoFit/>
+          </a:bodyPr>
+          <a:lstStyle/>
+          <a:p>
+            <a:r>
+              <a:rPr lang="en-US" altLang="ko-KR" sz="1200" dirty="0" smtClean="0">
+                <a:latin typeface="+mj-lt"/>
+              </a:rPr>
+              <a:t>1.</a:t>
+            </a:r>
+            <a:r>
+              <a:rPr lang="ko-KR" altLang="en-US" sz="1200" dirty="0" smtClean="0">
+                <a:latin typeface="+mj-lt"/>
+              </a:rPr>
+              <a:t> </a:t>
+            </a:r>
+            <a:r>
+              <a:rPr lang="en-US" altLang="ko-KR" sz="1200" dirty="0" smtClean="0">
+                <a:latin typeface="+mj-lt"/>
+              </a:rPr>
+              <a:t>No Function – ChangeScene – ChangeScenes()</a:t>
+            </a:r>
+            <a:r>
+              <a:rPr lang="ko-KR" altLang="en-US" sz="1200" dirty="0" smtClean="0">
+                <a:latin typeface="+mj-lt"/>
+              </a:rPr>
+              <a:t>를 클릭합니다</a:t>
+            </a:r>
+            <a:endParaRPr lang="ko-KR" altLang="en-US" sz="1200" dirty="0" smtClean="0">
+              <a:latin typeface="+mj-lt"/>
+            </a:endParaRPr>
+          </a:p>
+        </p:txBody>
+      </p:sp>
+    </p:spTree>
+  </p:cSld>
+  <p:clrMapOvr>
+    <a:masterClrMapping/>
+  </p:clrMapOvr>
+</p:sld>
+</file>
+
+<file path=ppt/slides/slide23.xml><?xml version="1.0" encoding="utf-8"?>
+<p:sld xmlns:a="http://schemas.openxmlformats.org/drawingml/2006/main" xmlns:r="http://schemas.openxmlformats.org/officeDocument/2006/relationships" xmlns:p="http://schemas.openxmlformats.org/presentationml/2006/main">
+  <p:cSld>
+    <p:spTree>
+      <p:nvGrpSpPr>
+        <p:cNvPr id="1" name=""/>
+        <p:cNvGrpSpPr/>
+        <p:nvPr/>
+      </p:nvGrpSpPr>
+      <p:grpSpPr>
+        <a:xfrm>
+          <a:off x="0" y="0"/>
+          <a:ext cx="0" cy="0"/>
+          <a:chOff x="0" y="0"/>
+          <a:chExt cx="0" cy="0"/>
+        </a:xfrm>
+      </p:grpSpPr>
+      <p:pic>
+        <p:nvPicPr>
+          <p:cNvPr id="6146" name="Picture 2"/>
+          <p:cNvPicPr>
+            <a:picLocks noChangeAspect="1" noChangeArrowheads="1"/>
+          </p:cNvPicPr>
+          <p:nvPr/>
+        </p:nvPicPr>
+        <p:blipFill>
+          <a:blip r:embed="rId2" cstate="print"/>
+          <a:srcRect/>
+          <a:stretch>
+            <a:fillRect/>
+          </a:stretch>
+        </p:blipFill>
+        <p:spPr bwMode="auto">
+          <a:xfrm>
+            <a:off x="395537" y="1160749"/>
+            <a:ext cx="2113004" cy="2376264"/>
+          </a:xfrm>
+          <a:prstGeom prst="rect">
+            <a:avLst/>
+          </a:prstGeom>
+          <a:noFill/>
+          <a:ln w="9525">
+            <a:noFill/>
+            <a:miter lim="800000"/>
+            <a:headEnd/>
+            <a:tailEnd/>
+          </a:ln>
+        </p:spPr>
+      </p:pic>
+      <p:pic>
+        <p:nvPicPr>
+          <p:cNvPr id="6147" name="Picture 3"/>
+          <p:cNvPicPr>
+            <a:picLocks noChangeAspect="1" noChangeArrowheads="1"/>
+          </p:cNvPicPr>
+          <p:nvPr/>
+        </p:nvPicPr>
+        <p:blipFill>
+          <a:blip r:embed="rId3" cstate="print"/>
+          <a:srcRect/>
+          <a:stretch>
+            <a:fillRect/>
+          </a:stretch>
+        </p:blipFill>
+        <p:spPr bwMode="auto">
+          <a:xfrm>
+            <a:off x="3530146" y="1160748"/>
+            <a:ext cx="4358651" cy="4225900"/>
+          </a:xfrm>
+          <a:prstGeom prst="rect">
+            <a:avLst/>
+          </a:prstGeom>
+          <a:noFill/>
+          <a:ln w="9525">
+            <a:noFill/>
+            <a:miter lim="800000"/>
+            <a:headEnd/>
+            <a:tailEnd/>
+          </a:ln>
+        </p:spPr>
+      </p:pic>
+      <p:sp>
+        <p:nvSpPr>
+          <p:cNvPr id="4" name="모서리가 둥근 직사각형 3"/>
+          <p:cNvSpPr/>
+          <p:nvPr/>
+        </p:nvSpPr>
+        <p:spPr>
+          <a:xfrm>
+            <a:off x="647564" y="2852936"/>
+            <a:ext cx="828092" cy="180020"/>
+          </a:xfrm>
+          <a:prstGeom prst="roundRect">
+            <a:avLst/>
+          </a:prstGeom>
+          <a:noFill/>
+          <a:ln>
+            <a:solidFill>
+              <a:srgbClr val="FF0000"/>
+            </a:solidFill>
+          </a:ln>
+        </p:spPr>
+        <p:style>
+          <a:lnRef idx="2">
+            <a:schemeClr val="accent1">
+              <a:shade val="50000"/>
+            </a:schemeClr>
+          </a:lnRef>
+          <a:fillRef idx="1">
+            <a:schemeClr val="accent1"/>
+          </a:fillRef>
+          <a:effectRef idx="0">
+            <a:schemeClr val="accent1"/>
+          </a:effectRef>
+          <a:fontRef idx="minor">
+            <a:schemeClr val="lt1"/>
+          </a:fontRef>
+        </p:style>
+        <p:txBody>
+          <a:bodyPr rot="0" spcFirstLastPara="0" vertOverflow="overflow" horzOverflow="overflow" vert="horz" wrap="square" lIns="91440" tIns="45720" rIns="91440" bIns="45720" numCol="1" spcCol="0" rtlCol="0" fromWordArt="0" anchor="ctr" anchorCtr="0" forceAA="0" compatLnSpc="1">
+            <a:prstTxWarp prst="textNoShape">
+              <a:avLst/>
+            </a:prstTxWarp>
+            <a:noAutofit/>
+          </a:bodyPr>
+          <a:lstStyle/>
+          <a:p>
+            <a:pPr algn="ctr"/>
+            <a:endParaRPr lang="ko-KR" altLang="en-US"/>
+          </a:p>
+        </p:txBody>
+      </p:sp>
+      <p:sp>
+        <p:nvSpPr>
+          <p:cNvPr id="5" name="모서리가 둥근 직사각형 4"/>
+          <p:cNvSpPr/>
+          <p:nvPr/>
+        </p:nvSpPr>
+        <p:spPr>
+          <a:xfrm>
+            <a:off x="3563888" y="1484784"/>
+            <a:ext cx="828092" cy="324036"/>
+          </a:xfrm>
+          <a:prstGeom prst="roundRect">
+            <a:avLst/>
+          </a:prstGeom>
+          <a:noFill/>
+          <a:ln>
+            <a:solidFill>
+              <a:srgbClr val="FF0000"/>
+            </a:solidFill>
+          </a:ln>
+        </p:spPr>
+        <p:style>
+          <a:lnRef idx="2">
+            <a:schemeClr val="accent1">
+              <a:shade val="50000"/>
+            </a:schemeClr>
+          </a:lnRef>
+          <a:fillRef idx="1">
+            <a:schemeClr val="accent1"/>
+          </a:fillRef>
+          <a:effectRef idx="0">
+            <a:schemeClr val="accent1"/>
+          </a:effectRef>
+          <a:fontRef idx="minor">
+            <a:schemeClr val="lt1"/>
+          </a:fontRef>
+        </p:style>
+        <p:txBody>
+          <a:bodyPr rot="0" spcFirstLastPara="0" vertOverflow="overflow" horzOverflow="overflow" vert="horz" wrap="square" lIns="91440" tIns="45720" rIns="91440" bIns="45720" numCol="1" spcCol="0" rtlCol="0" fromWordArt="0" anchor="ctr" anchorCtr="0" forceAA="0" compatLnSpc="1">
+            <a:prstTxWarp prst="textNoShape">
+              <a:avLst/>
+            </a:prstTxWarp>
+            <a:noAutofit/>
+          </a:bodyPr>
+          <a:lstStyle/>
+          <a:p>
+            <a:pPr algn="ctr"/>
+            <a:endParaRPr lang="ko-KR" altLang="en-US"/>
+          </a:p>
+        </p:txBody>
+      </p:sp>
+      <p:sp>
+        <p:nvSpPr>
+          <p:cNvPr id="6" name="TextBox 5"/>
+          <p:cNvSpPr txBox="1"/>
+          <p:nvPr/>
+        </p:nvSpPr>
+        <p:spPr>
+          <a:xfrm>
+            <a:off x="1691680" y="5661248"/>
+            <a:ext cx="5708101" cy="646331"/>
+          </a:xfrm>
+          <a:prstGeom prst="rect">
+            <a:avLst/>
+          </a:prstGeom>
+          <a:noFill/>
+        </p:spPr>
+        <p:txBody>
+          <a:bodyPr wrap="none" rtlCol="0">
+            <a:spAutoFit/>
+          </a:bodyPr>
+          <a:lstStyle/>
+          <a:p>
+            <a:pPr marL="228600" indent="-228600">
+              <a:buAutoNum type="arabicPeriod"/>
+            </a:pPr>
+            <a:r>
+              <a:rPr lang="en-US" altLang="ko-KR" sz="1200" dirty="0" smtClean="0">
+                <a:latin typeface="+mj-lt"/>
+              </a:rPr>
+              <a:t>File – Build Settings...</a:t>
+            </a:r>
+            <a:r>
+              <a:rPr lang="ko-KR" altLang="en-US" sz="1200" dirty="0" smtClean="0">
+                <a:latin typeface="+mj-lt"/>
+              </a:rPr>
+              <a:t>에서 </a:t>
+            </a:r>
+            <a:r>
+              <a:rPr lang="en-US" altLang="ko-KR" sz="1200" dirty="0" smtClean="0">
+                <a:latin typeface="+mj-lt"/>
+              </a:rPr>
+              <a:t>LodingScene</a:t>
+            </a:r>
+            <a:r>
+              <a:rPr lang="ko-KR" altLang="en-US" sz="1200" dirty="0" smtClean="0">
+                <a:latin typeface="+mj-lt"/>
+              </a:rPr>
+              <a:t>와 </a:t>
+            </a:r>
+            <a:r>
+              <a:rPr lang="en-US" altLang="ko-KR" sz="1200" dirty="0" smtClean="0">
+                <a:latin typeface="+mj-lt"/>
+              </a:rPr>
+              <a:t>Main</a:t>
+            </a:r>
+            <a:r>
+              <a:rPr lang="ko-KR" altLang="en-US" sz="1200" dirty="0" smtClean="0">
+                <a:latin typeface="+mj-lt"/>
+              </a:rPr>
+              <a:t>을 추가합니다</a:t>
+            </a:r>
+            <a:endParaRPr lang="en-US" altLang="ko-KR" sz="1200" dirty="0" smtClean="0">
+              <a:latin typeface="+mj-lt"/>
+            </a:endParaRPr>
+          </a:p>
+          <a:p>
+            <a:pPr marL="228600" indent="-228600">
+              <a:buAutoNum type="arabicPeriod"/>
+            </a:pPr>
+            <a:endParaRPr lang="en-US" altLang="ko-KR" sz="1200" dirty="0" smtClean="0">
+              <a:latin typeface="+mj-lt"/>
+            </a:endParaRPr>
+          </a:p>
+          <a:p>
+            <a:pPr marL="228600" indent="-228600">
+              <a:buAutoNum type="arabicPeriod"/>
+            </a:pPr>
+            <a:r>
+              <a:rPr lang="en-US" altLang="ko-KR" sz="1200" dirty="0" smtClean="0">
+                <a:latin typeface="+mj-lt"/>
+              </a:rPr>
+              <a:t>Play</a:t>
+            </a:r>
+            <a:r>
+              <a:rPr lang="ko-KR" altLang="en-US" sz="1200" dirty="0" smtClean="0">
+                <a:latin typeface="+mj-lt"/>
+              </a:rPr>
+              <a:t>버튼을 눌리고 </a:t>
+            </a:r>
+            <a:r>
+              <a:rPr lang="en-US" altLang="ko-KR" sz="1200" dirty="0" smtClean="0">
+                <a:latin typeface="+mj-lt"/>
+              </a:rPr>
+              <a:t>Start </a:t>
+            </a:r>
+            <a:r>
+              <a:rPr lang="ko-KR" altLang="en-US" sz="1200" dirty="0" smtClean="0">
+                <a:latin typeface="+mj-lt"/>
+              </a:rPr>
+              <a:t>버튼을 눌리면 </a:t>
+            </a:r>
+            <a:r>
+              <a:rPr lang="en-US" altLang="ko-KR" sz="1200" dirty="0" smtClean="0">
+                <a:latin typeface="+mj-lt"/>
+              </a:rPr>
+              <a:t>Main</a:t>
+            </a:r>
+            <a:r>
+              <a:rPr lang="ko-KR" altLang="en-US" sz="1200" dirty="0" smtClean="0">
+                <a:latin typeface="+mj-lt"/>
+              </a:rPr>
+              <a:t>으로 넘어가는걸 볼 수 있습니다</a:t>
+            </a:r>
+            <a:r>
+              <a:rPr lang="en-US" altLang="ko-KR" sz="1200" smtClean="0">
+                <a:latin typeface="+mj-lt"/>
+              </a:rPr>
+              <a:t>.</a:t>
+            </a:r>
+            <a:endParaRPr lang="ko-KR" altLang="en-US" sz="1200" dirty="0" smtClean="0">
+              <a:latin typeface="+mj-lt"/>
+            </a:endParaRPr>
+          </a:p>
+        </p:txBody>
+      </p:sp>
+    </p:spTree>
+  </p:cSld>
+  <p:clrMapOvr>
+    <a:masterClrMapping/>
+  </p:clrMapOvr>
+</p:sld>
+</file>
+
+<file path=ppt/slides/slide24.xml><?xml version="1.0" encoding="utf-8"?>
+<p:sld xmlns:a="http://schemas.openxmlformats.org/drawingml/2006/main" xmlns:r="http://schemas.openxmlformats.org/officeDocument/2006/relationships" xmlns:p="http://schemas.openxmlformats.org/presentationml/2006/main">
+  <p:cSld>
+    <p:spTree>
+      <p:nvGrpSpPr>
+        <p:cNvPr id="1" name=""/>
+        <p:cNvGrpSpPr/>
+        <p:nvPr/>
+      </p:nvGrpSpPr>
+      <p:grpSpPr>
+        <a:xfrm>
+          <a:off x="0" y="0"/>
+          <a:ext cx="0" cy="0"/>
+          <a:chOff x="0" y="0"/>
+          <a:chExt cx="0" cy="0"/>
+        </a:xfrm>
+      </p:grpSpPr>
+    </p:spTree>
+  </p:cSld>
+  <p:clrMapOvr>
+    <a:masterClrMapping/>
+  </p:clrMapOvr>
+</p:sld>
+</file>
+
+<file path=ppt/slides/slide25.xml><?xml version="1.0" encoding="utf-8"?>
+<p:sld xmlns:a="http://schemas.openxmlformats.org/drawingml/2006/main" xmlns:r="http://schemas.openxmlformats.org/officeDocument/2006/relationships" xmlns:p="http://schemas.openxmlformats.org/presentationml/2006/main">
+  <p:cSld>
+    <p:spTree>
+      <p:nvGrpSpPr>
+        <p:cNvPr id="1" name=""/>
+        <p:cNvGrpSpPr/>
+        <p:nvPr/>
+      </p:nvGrpSpPr>
+      <p:grpSpPr>
+        <a:xfrm>
+          <a:off x="0" y="0"/>
+          <a:ext cx="0" cy="0"/>
+          <a:chOff x="0" y="0"/>
+          <a:chExt cx="0" cy="0"/>
+        </a:xfrm>
+      </p:grpSpPr>
+    </p:spTree>
+  </p:cSld>
+  <p:clrMapOvr>
+    <a:masterClrMapping/>
+  </p:clrMapOvr>
+</p:sld>
+</file>
+
+<file path=ppt/slides/slide26.xml><?xml version="1.0" encoding="utf-8"?>
+<p:sld xmlns:a="http://schemas.openxmlformats.org/drawingml/2006/main" xmlns:r="http://schemas.openxmlformats.org/officeDocument/2006/relationships" xmlns:p="http://schemas.openxmlformats.org/presentationml/2006/main">
+  <p:cSld>
+    <p:spTree>
+      <p:nvGrpSpPr>
+        <p:cNvPr id="1" name=""/>
+        <p:cNvGrpSpPr/>
+        <p:nvPr/>
+      </p:nvGrpSpPr>
+      <p:grpSpPr>
+        <a:xfrm>
+          <a:off x="0" y="0"/>
+          <a:ext cx="0" cy="0"/>
+          <a:chOff x="0" y="0"/>
+          <a:chExt cx="0" cy="0"/>
+        </a:xfrm>
+      </p:grpSpPr>
+      <p:sp>
+        <p:nvSpPr>
+          <p:cNvPr id="4" name="TextBox 3"/>
+          <p:cNvSpPr txBox="1"/>
+          <p:nvPr/>
+        </p:nvSpPr>
+        <p:spPr>
+          <a:xfrm>
+            <a:off x="522831" y="-6392"/>
+            <a:ext cx="6992989" cy="807324"/>
+          </a:xfrm>
+          <a:prstGeom prst="rect">
+            <a:avLst/>
+          </a:prstGeom>
+          <a:noFill/>
+        </p:spPr>
+        <p:txBody>
+          <a:bodyPr wrap="none" rtlCol="0" anchor="ctr">
+            <a:noAutofit/>
+          </a:bodyPr>
+          <a:lstStyle/>
+          <a:p>
+            <a:r>
+              <a:rPr lang="en-US" altLang="ko-KR" sz="3400" b="1" dirty="0" smtClean="0">
+                <a:solidFill>
+                  <a:srgbClr val="1CCAB9"/>
+                </a:solidFill>
+                <a:latin typeface="+mn-ea"/>
+              </a:rPr>
+              <a:t>Reference</a:t>
+            </a:r>
+            <a:endParaRPr lang="en-US" altLang="ko-KR" sz="3400" b="1" dirty="0">
+              <a:solidFill>
+                <a:srgbClr val="1CCAB9"/>
+              </a:solidFill>
+              <a:latin typeface="+mn-ea"/>
+            </a:endParaRPr>
+          </a:p>
+        </p:txBody>
+      </p:sp>
+      <p:sp>
+        <p:nvSpPr>
+          <p:cNvPr id="5" name="Rectangle 8"/>
+          <p:cNvSpPr>
+            <a:spLocks noChangeArrowheads="1"/>
+          </p:cNvSpPr>
+          <p:nvPr/>
+        </p:nvSpPr>
+        <p:spPr bwMode="auto">
+          <a:xfrm>
+            <a:off x="643719" y="1021080"/>
+            <a:ext cx="7856562" cy="276999"/>
+          </a:xfrm>
+          <a:prstGeom prst="rect">
+            <a:avLst/>
+          </a:prstGeom>
+          <a:noFill/>
+          <a:ln w="9525">
+            <a:noFill/>
+            <a:miter lim="800000"/>
+            <a:headEnd/>
+            <a:tailEnd/>
+          </a:ln>
+        </p:spPr>
+        <p:txBody>
+          <a:bodyPr wrap="square">
+            <a:spAutoFit/>
+            <a:scene3d>
+              <a:camera prst="orthographicFront"/>
+              <a:lightRig rig="threePt" dir="t"/>
+            </a:scene3d>
+            <a:sp3d>
+              <a:bevelT w="1270" h="1270"/>
+            </a:sp3d>
+          </a:bodyPr>
+          <a:lstStyle/>
+          <a:p>
+            <a:pPr>
+              <a:spcBef>
+                <a:spcPts val="600"/>
+              </a:spcBef>
+              <a:defRPr/>
+            </a:pPr>
+            <a:r>
+              <a:rPr lang="en-US" altLang="ko-KR" sz="1200" b="1" dirty="0" smtClean="0">
+                <a:latin typeface="맑은 고딕" pitchFamily="50" charset="-127"/>
+                <a:ea typeface="맑은 고딕" pitchFamily="50" charset="-127"/>
+              </a:rPr>
+              <a:t>1</a:t>
+            </a:r>
+            <a:r>
+              <a:rPr lang="en-US" altLang="ko-KR" sz="1200" b="1" dirty="0">
+                <a:latin typeface="맑은 고딕" pitchFamily="50" charset="-127"/>
+              </a:rPr>
+              <a:t>. </a:t>
+            </a:r>
+            <a:r>
+              <a:rPr lang="en-US" altLang="ko-KR" sz="1200" b="1" dirty="0">
+                <a:latin typeface="맑은 고딕" pitchFamily="50" charset="-127"/>
+                <a:hlinkClick r:id="rId2"/>
+              </a:rPr>
+              <a:t>http://ptline.com/?</a:t>
+            </a:r>
+            <a:r>
+              <a:rPr lang="en-US" altLang="ko-KR" sz="1200" b="1" dirty="0" smtClean="0">
+                <a:latin typeface="맑은 고딕" pitchFamily="50" charset="-127"/>
+                <a:hlinkClick r:id="rId2"/>
+              </a:rPr>
+              <a:t>p=10346</a:t>
+            </a:r>
+            <a:r>
+              <a:rPr lang="en-US" altLang="ko-KR" sz="1200" b="1" dirty="0" smtClean="0">
+                <a:latin typeface="맑은 고딕" pitchFamily="50" charset="-127"/>
+              </a:rPr>
+              <a:t> (</a:t>
+            </a:r>
+            <a:r>
+              <a:rPr lang="ko-KR" altLang="en-US" sz="1200" b="1" dirty="0" smtClean="0">
+                <a:latin typeface="맑은 고딕" pitchFamily="50" charset="-127"/>
+              </a:rPr>
+              <a:t>무료 </a:t>
+            </a:r>
+            <a:r>
+              <a:rPr lang="en-US" altLang="ko-KR" sz="1200" b="1" dirty="0" smtClean="0">
+                <a:latin typeface="맑은 고딕" pitchFamily="50" charset="-127"/>
+              </a:rPr>
+              <a:t>PPT </a:t>
+            </a:r>
+            <a:r>
+              <a:rPr lang="ko-KR" altLang="en-US" sz="1200" b="1" dirty="0" smtClean="0">
+                <a:latin typeface="맑은 고딕" pitchFamily="50" charset="-127"/>
+              </a:rPr>
+              <a:t>템플릿 사이트</a:t>
+            </a:r>
+            <a:r>
+              <a:rPr lang="en-US" altLang="ko-KR" sz="1200" b="1" dirty="0" smtClean="0">
+                <a:latin typeface="맑은 고딕" pitchFamily="50" charset="-127"/>
+              </a:rPr>
+              <a:t>)</a:t>
+            </a:r>
+            <a:endParaRPr lang="en-US" altLang="ko-KR" sz="1100" b="1" dirty="0">
+              <a:latin typeface="맑은 고딕" pitchFamily="50" charset="-127"/>
+              <a:ea typeface="맑은 고딕" pitchFamily="50" charset="-127"/>
+            </a:endParaRPr>
+          </a:p>
+        </p:txBody>
+      </p:sp>
+    </p:spTree>
+    <p:extLst>
+      <p:ext uri="{BB962C8B-B14F-4D97-AF65-F5344CB8AC3E}">
+        <p14:creationId xmlns:p14="http://schemas.microsoft.com/office/powerpoint/2010/main" xmlns="" val="1257673598"/>
+      </p:ext>
+    </p:extLst>
+  </p:cSld>
+  <p:clrMapOvr>
+    <a:masterClrMapping/>
+  </p:clrMapOvr>
+  <mc:AlternateContent xmlns:mc="http://schemas.openxmlformats.org/markup-compatibility/2006">
+    <mc:Choice xmlns:p14="http://schemas.microsoft.com/office/powerpoint/2010/main" xmlns="" Requires="p14">
+      <p:transition spd="med" p14:dur="700">
+        <p:fade/>
+      </p:transition>
+    </mc:Choice>
+    <mc:Fallback>
+      <p:transition spd="med">
+        <p:fade/>
+      </p:transition>
+    </mc:Fallback>
+  </mc:AlternateContent>
+  <p:timing>
+    <p:tnLst>
+      <p:par>
+        <p:cTn id="1" dur="indefinite" restart="never" nodeType="tmRoot"/>
+      </p:par>
+    </p:tnLst>
+  </p:timing>
+</p:sld>
+</file>
+
+<file path=ppt/slides/slide27.xml><?xml version="1.0" encoding="utf-8"?>
+<p:sld xmlns:a="http://schemas.openxmlformats.org/drawingml/2006/main" xmlns:r="http://schemas.openxmlformats.org/officeDocument/2006/relationships" xmlns:p="http://schemas.openxmlformats.org/presentationml/2006/main">
+  <p:cSld>
+    <p:spTree>
+      <p:nvGrpSpPr>
+        <p:cNvPr id="1" name=""/>
+        <p:cNvGrpSpPr/>
+        <p:nvPr/>
+      </p:nvGrpSpPr>
+      <p:grpSpPr>
+        <a:xfrm>
+          <a:off x="0" y="0"/>
+          <a:ext cx="0" cy="0"/>
+          <a:chOff x="0" y="0"/>
+          <a:chExt cx="0" cy="0"/>
+        </a:xfrm>
+      </p:grpSpPr>
+      <p:sp>
+        <p:nvSpPr>
           <p:cNvPr id="5" name="TextBox 4"/>
           <p:cNvSpPr txBox="1"/>
           <p:nvPr/>
@@ -5809,20 +8085,20 @@
     </p:spTree>
     <p:extLst>
       <p:ext uri="{BB962C8B-B14F-4D97-AF65-F5344CB8AC3E}">
-        <p14:creationId xmlns:p14="http://schemas.microsoft.com/office/powerpoint/2010/main" val="191388031"/>
+        <p14:creationId xmlns:p14="http://schemas.microsoft.com/office/powerpoint/2010/main" xmlns="" val="191388031"/>
       </p:ext>
     </p:extLst>
   </p:cSld>
   <p:clrMapOvr>
     <a:masterClrMapping/>
   </p:clrMapOvr>
-  <mc:AlternateContent xmlns:mc="http://schemas.openxmlformats.org/markup-compatibility/2006" xmlns:p14="http://schemas.microsoft.com/office/powerpoint/2010/main">
-    <mc:Choice Requires="p14">
+  <mc:AlternateContent xmlns:mc="http://schemas.openxmlformats.org/markup-compatibility/2006">
+    <mc:Choice xmlns:p14="http://schemas.microsoft.com/office/powerpoint/2010/main" xmlns="" Requires="p14">
       <p:transition spd="med" p14:dur="700">
         <p:fade/>
       </p:transition>
     </mc:Choice>
-    <mc:Fallback xmlns="">
+    <mc:Fallback>
       <p:transition spd="med">
         <p:fade/>
       </p:transition>
@@ -5968,15 +8244,6 @@
               </a:rPr>
               <a:t>Ⅰ</a:t>
             </a:r>
-            <a:endParaRPr lang="en-US" altLang="ko-KR" sz="6600" spc="-50" dirty="0" smtClean="0">
-              <a:solidFill>
-                <a:schemeClr val="tx1">
-                  <a:lumMod val="50000"/>
-                  <a:lumOff val="50000"/>
-                </a:schemeClr>
-              </a:solidFill>
-              <a:latin typeface="+mn-ea"/>
-            </a:endParaRPr>
           </a:p>
         </p:txBody>
       </p:sp>
@@ -6363,20 +8630,20 @@
     </p:spTree>
     <p:extLst>
       <p:ext uri="{BB962C8B-B14F-4D97-AF65-F5344CB8AC3E}">
-        <p14:creationId xmlns:p14="http://schemas.microsoft.com/office/powerpoint/2010/main" val="3159791757"/>
+        <p14:creationId xmlns:p14="http://schemas.microsoft.com/office/powerpoint/2010/main" xmlns="" val="3159791757"/>
       </p:ext>
     </p:extLst>
   </p:cSld>
   <p:clrMapOvr>
     <a:masterClrMapping/>
   </p:clrMapOvr>
-  <mc:AlternateContent xmlns:mc="http://schemas.openxmlformats.org/markup-compatibility/2006" xmlns:p14="http://schemas.microsoft.com/office/powerpoint/2010/main">
-    <mc:Choice Requires="p14">
+  <mc:AlternateContent xmlns:mc="http://schemas.openxmlformats.org/markup-compatibility/2006">
+    <mc:Choice xmlns:p14="http://schemas.microsoft.com/office/powerpoint/2010/main" xmlns="" Requires="p14">
       <p:transition spd="med" p14:dur="700">
         <p:fade/>
       </p:transition>
     </mc:Choice>
-    <mc:Fallback xmlns="">
+    <mc:Fallback>
       <p:transition spd="med">
         <p:fade/>
       </p:transition>
@@ -6458,7 +8725,7 @@
           <p:nvPr/>
         </p:nvPicPr>
         <p:blipFill>
-          <a:blip r:embed="rId2"/>
+          <a:blip r:embed="rId2" cstate="print"/>
           <a:stretch>
             <a:fillRect/>
           </a:stretch>
@@ -6522,20 +8789,20 @@
     </p:spTree>
     <p:extLst>
       <p:ext uri="{BB962C8B-B14F-4D97-AF65-F5344CB8AC3E}">
-        <p14:creationId xmlns:p14="http://schemas.microsoft.com/office/powerpoint/2010/main" val="1995842376"/>
+        <p14:creationId xmlns:p14="http://schemas.microsoft.com/office/powerpoint/2010/main" xmlns="" val="1995842376"/>
       </p:ext>
     </p:extLst>
   </p:cSld>
   <p:clrMapOvr>
     <a:masterClrMapping/>
   </p:clrMapOvr>
-  <mc:AlternateContent xmlns:mc="http://schemas.openxmlformats.org/markup-compatibility/2006" xmlns:p14="http://schemas.microsoft.com/office/powerpoint/2010/main">
-    <mc:Choice Requires="p14">
+  <mc:AlternateContent xmlns:mc="http://schemas.openxmlformats.org/markup-compatibility/2006">
+    <mc:Choice xmlns:p14="http://schemas.microsoft.com/office/powerpoint/2010/main" xmlns="" Requires="p14">
       <p:transition spd="med" p14:dur="700">
         <p:fade/>
       </p:transition>
     </mc:Choice>
-    <mc:Fallback xmlns="">
+    <mc:Fallback>
       <p:transition spd="med">
         <p:fade/>
       </p:transition>
@@ -6617,7 +8884,7 @@
           <p:nvPr/>
         </p:nvPicPr>
         <p:blipFill>
-          <a:blip r:embed="rId2"/>
+          <a:blip r:embed="rId2" cstate="print"/>
           <a:stretch>
             <a:fillRect/>
           </a:stretch>
@@ -6935,20 +9202,20 @@
     </p:spTree>
     <p:extLst>
       <p:ext uri="{BB962C8B-B14F-4D97-AF65-F5344CB8AC3E}">
-        <p14:creationId xmlns:p14="http://schemas.microsoft.com/office/powerpoint/2010/main" val="1270215183"/>
+        <p14:creationId xmlns:p14="http://schemas.microsoft.com/office/powerpoint/2010/main" xmlns="" val="1270215183"/>
       </p:ext>
     </p:extLst>
   </p:cSld>
   <p:clrMapOvr>
     <a:masterClrMapping/>
   </p:clrMapOvr>
-  <mc:AlternateContent xmlns:mc="http://schemas.openxmlformats.org/markup-compatibility/2006" xmlns:p14="http://schemas.microsoft.com/office/powerpoint/2010/main">
-    <mc:Choice Requires="p14">
+  <mc:AlternateContent xmlns:mc="http://schemas.openxmlformats.org/markup-compatibility/2006">
+    <mc:Choice xmlns:p14="http://schemas.microsoft.com/office/powerpoint/2010/main" xmlns="" Requires="p14">
       <p:transition spd="med" p14:dur="700">
         <p:fade/>
       </p:transition>
     </mc:Choice>
-    <mc:Fallback xmlns="">
+    <mc:Fallback>
       <p:transition spd="med">
         <p:fade/>
       </p:transition>
@@ -7030,7 +9297,7 @@
           <p:nvPr/>
         </p:nvPicPr>
         <p:blipFill>
-          <a:blip r:embed="rId2"/>
+          <a:blip r:embed="rId2" cstate="print"/>
           <a:stretch>
             <a:fillRect/>
           </a:stretch>
@@ -7177,7 +9444,7 @@
           <p:nvPr/>
         </p:nvPicPr>
         <p:blipFill>
-          <a:blip r:embed="rId3"/>
+          <a:blip r:embed="rId3" cstate="print"/>
           <a:stretch>
             <a:fillRect/>
           </a:stretch>
@@ -7255,20 +9522,20 @@
     </p:spTree>
     <p:extLst>
       <p:ext uri="{BB962C8B-B14F-4D97-AF65-F5344CB8AC3E}">
-        <p14:creationId xmlns:p14="http://schemas.microsoft.com/office/powerpoint/2010/main" val="1824279279"/>
+        <p14:creationId xmlns:p14="http://schemas.microsoft.com/office/powerpoint/2010/main" xmlns="" val="1824279279"/>
       </p:ext>
     </p:extLst>
   </p:cSld>
   <p:clrMapOvr>
     <a:masterClrMapping/>
   </p:clrMapOvr>
-  <mc:AlternateContent xmlns:mc="http://schemas.openxmlformats.org/markup-compatibility/2006" xmlns:p14="http://schemas.microsoft.com/office/powerpoint/2010/main">
-    <mc:Choice Requires="p14">
+  <mc:AlternateContent xmlns:mc="http://schemas.openxmlformats.org/markup-compatibility/2006">
+    <mc:Choice xmlns:p14="http://schemas.microsoft.com/office/powerpoint/2010/main" xmlns="" Requires="p14">
       <p:transition spd="med" p14:dur="700">
         <p:fade/>
       </p:transition>
     </mc:Choice>
-    <mc:Fallback xmlns="">
+    <mc:Fallback>
       <p:transition spd="med">
         <p:fade/>
       </p:transition>
@@ -7449,7 +9716,7 @@
           <p:nvPr/>
         </p:nvPicPr>
         <p:blipFill>
-          <a:blip r:embed="rId2"/>
+          <a:blip r:embed="rId2" cstate="print"/>
           <a:stretch>
             <a:fillRect/>
           </a:stretch>
@@ -7702,7 +9969,7 @@
           <p:nvPr/>
         </p:nvPicPr>
         <p:blipFill>
-          <a:blip r:embed="rId3"/>
+          <a:blip r:embed="rId3" cstate="print"/>
           <a:stretch>
             <a:fillRect/>
           </a:stretch>
@@ -8024,20 +10291,20 @@
     </p:spTree>
     <p:extLst>
       <p:ext uri="{BB962C8B-B14F-4D97-AF65-F5344CB8AC3E}">
-        <p14:creationId xmlns:p14="http://schemas.microsoft.com/office/powerpoint/2010/main" val="3458515736"/>
+        <p14:creationId xmlns:p14="http://schemas.microsoft.com/office/powerpoint/2010/main" xmlns="" val="3458515736"/>
       </p:ext>
     </p:extLst>
   </p:cSld>
   <p:clrMapOvr>
     <a:masterClrMapping/>
   </p:clrMapOvr>
-  <mc:AlternateContent xmlns:mc="http://schemas.openxmlformats.org/markup-compatibility/2006" xmlns:p14="http://schemas.microsoft.com/office/powerpoint/2010/main">
-    <mc:Choice Requires="p14">
+  <mc:AlternateContent xmlns:mc="http://schemas.openxmlformats.org/markup-compatibility/2006">
+    <mc:Choice xmlns:p14="http://schemas.microsoft.com/office/powerpoint/2010/main" xmlns="" Requires="p14">
       <p:transition spd="med" p14:dur="700">
         <p:fade/>
       </p:transition>
     </mc:Choice>
-    <mc:Fallback xmlns="">
+    <mc:Fallback>
       <p:transition spd="med">
         <p:fade/>
       </p:transition>
@@ -8119,7 +10386,7 @@
           <p:nvPr/>
         </p:nvPicPr>
         <p:blipFill>
-          <a:blip r:embed="rId2"/>
+          <a:blip r:embed="rId2" cstate="print"/>
           <a:stretch>
             <a:fillRect/>
           </a:stretch>
@@ -8240,7 +10507,7 @@
           <p:nvPr/>
         </p:nvPicPr>
         <p:blipFill>
-          <a:blip r:embed="rId3"/>
+          <a:blip r:embed="rId3" cstate="print"/>
           <a:stretch>
             <a:fillRect/>
           </a:stretch>
@@ -8384,7 +10651,7 @@
           <p:nvPr/>
         </p:nvPicPr>
         <p:blipFill>
-          <a:blip r:embed="rId4"/>
+          <a:blip r:embed="rId4" cstate="print"/>
           <a:stretch>
             <a:fillRect/>
           </a:stretch>
@@ -8517,20 +10784,20 @@
     </p:spTree>
     <p:extLst>
       <p:ext uri="{BB962C8B-B14F-4D97-AF65-F5344CB8AC3E}">
-        <p14:creationId xmlns:p14="http://schemas.microsoft.com/office/powerpoint/2010/main" val="1790919670"/>
+        <p14:creationId xmlns:p14="http://schemas.microsoft.com/office/powerpoint/2010/main" xmlns="" val="1790919670"/>
       </p:ext>
     </p:extLst>
   </p:cSld>
   <p:clrMapOvr>
     <a:masterClrMapping/>
   </p:clrMapOvr>
-  <mc:AlternateContent xmlns:mc="http://schemas.openxmlformats.org/markup-compatibility/2006" xmlns:p14="http://schemas.microsoft.com/office/powerpoint/2010/main">
-    <mc:Choice Requires="p14">
+  <mc:AlternateContent xmlns:mc="http://schemas.openxmlformats.org/markup-compatibility/2006">
+    <mc:Choice xmlns:p14="http://schemas.microsoft.com/office/powerpoint/2010/main" xmlns="" Requires="p14">
       <p:transition spd="med" p14:dur="700">
         <p:fade/>
       </p:transition>
     </mc:Choice>
-    <mc:Fallback xmlns="">
+    <mc:Fallback>
       <p:transition spd="med">
         <p:fade/>
       </p:transition>
@@ -8612,7 +10879,7 @@
           <p:nvPr/>
         </p:nvPicPr>
         <p:blipFill>
-          <a:blip r:embed="rId2"/>
+          <a:blip r:embed="rId2" cstate="print"/>
           <a:stretch>
             <a:fillRect/>
           </a:stretch>
@@ -8685,7 +10952,7 @@
           <p:nvPr/>
         </p:nvPicPr>
         <p:blipFill>
-          <a:blip r:embed="rId3"/>
+          <a:blip r:embed="rId3" cstate="print"/>
           <a:stretch>
             <a:fillRect/>
           </a:stretch>
@@ -8790,7 +11057,7 @@
           <p:nvPr/>
         </p:nvPicPr>
         <p:blipFill>
-          <a:blip r:embed="rId4"/>
+          <a:blip r:embed="rId4" cstate="print"/>
           <a:stretch>
             <a:fillRect/>
           </a:stretch>
@@ -9025,20 +11292,20 @@
     </p:spTree>
     <p:extLst>
       <p:ext uri="{BB962C8B-B14F-4D97-AF65-F5344CB8AC3E}">
-        <p14:creationId xmlns:p14="http://schemas.microsoft.com/office/powerpoint/2010/main" val="1794295054"/>
+        <p14:creationId xmlns:p14="http://schemas.microsoft.com/office/powerpoint/2010/main" xmlns="" val="1794295054"/>
       </p:ext>
     </p:extLst>
   </p:cSld>
   <p:clrMapOvr>
     <a:masterClrMapping/>
   </p:clrMapOvr>
-  <mc:AlternateContent xmlns:mc="http://schemas.openxmlformats.org/markup-compatibility/2006" xmlns:p14="http://schemas.microsoft.com/office/powerpoint/2010/main">
-    <mc:Choice Requires="p14">
+  <mc:AlternateContent xmlns:mc="http://schemas.openxmlformats.org/markup-compatibility/2006">
+    <mc:Choice xmlns:p14="http://schemas.microsoft.com/office/powerpoint/2010/main" xmlns="" Requires="p14">
       <p:transition spd="med" p14:dur="700">
         <p:fade/>
       </p:transition>
     </mc:Choice>
-    <mc:Fallback xmlns="">
+    <mc:Fallback>
       <p:transition spd="med">
         <p:fade/>
       </p:transition>
@@ -9357,7 +11624,7 @@
   <a:extraClrSchemeLst/>
   <a:extLst>
     <a:ext uri="{05A4C25C-085E-4340-85A3-A5531E510DB2}">
-      <thm15:themeFamily xmlns:thm15="http://schemas.microsoft.com/office/thememl/2012/main" name="Office Theme" id="{62F939B6-93AF-4DB8-9C6B-D6C7DFDC589F}" vid="{4A3C46E8-61CC-4603-A589-7422A47A8E4A}"/>
+      <thm15:themeFamily xmlns:thm15="http://schemas.microsoft.com/office/thememl/2012/main" xmlns="" name="Office Theme" id="{62F939B6-93AF-4DB8-9C6B-D6C7DFDC589F}" vid="{4A3C46E8-61CC-4603-A589-7422A47A8E4A}"/>
     </a:ext>
   </a:extLst>
 </a:theme>
@@ -9406,7 +11673,7 @@
     </a:clrScheme>
     <a:fontScheme name="Office">
       <a:majorFont>
-        <a:latin typeface="맑은 고딕" panose="020F0302020204030204"/>
+        <a:latin typeface="맑은 고딕"/>
         <a:ea typeface=""/>
         <a:cs typeface=""/>
         <a:font script="Jpan" typeface="游ゴシック Light"/>
@@ -9441,7 +11708,7 @@
         <a:font script="Geor" typeface="Sylfaen"/>
       </a:majorFont>
       <a:minorFont>
-        <a:latin typeface="맑은 고딕" panose="020F0502020204030204"/>
+        <a:latin typeface="맑은 고딕"/>
         <a:ea typeface=""/>
         <a:cs typeface=""/>
         <a:font script="Jpan" typeface="游ゴシック"/>
@@ -9618,7 +11885,7 @@
   <a:extraClrSchemeLst/>
   <a:extLst>
     <a:ext uri="{05A4C25C-085E-4340-85A3-A5531E510DB2}">
-      <thm15:themeFamily xmlns:thm15="http://schemas.microsoft.com/office/thememl/2012/main" name="Office Theme" id="{62F939B6-93AF-4DB8-9C6B-D6C7DFDC589F}" vid="{4A3C46E8-61CC-4603-A589-7422A47A8E4A}"/>
+      <thm15:themeFamily xmlns:thm15="http://schemas.microsoft.com/office/thememl/2012/main" xmlns="" name="Office Theme" id="{62F939B6-93AF-4DB8-9C6B-D6C7DFDC589F}" vid="{4A3C46E8-61CC-4603-A589-7422A47A8E4A}"/>
     </a:ext>
   </a:extLst>
 </a:theme>

--- a/기말과제.pptx
+++ b/기말과제.pptx
@@ -5,7 +5,7 @@
     <p:sldMasterId id="2147483660" r:id="rId1"/>
   </p:sldMasterIdLst>
   <p:notesMasterIdLst>
-    <p:notesMasterId r:id="rId39"/>
+    <p:notesMasterId r:id="rId47"/>
   </p:notesMasterIdLst>
   <p:sldIdLst>
     <p:sldId id="258" r:id="rId2"/>
@@ -42,9 +42,17 @@
     <p:sldId id="313" r:id="rId33"/>
     <p:sldId id="314" r:id="rId34"/>
     <p:sldId id="315" r:id="rId35"/>
-    <p:sldId id="311" r:id="rId36"/>
-    <p:sldId id="274" r:id="rId37"/>
-    <p:sldId id="272" r:id="rId38"/>
+    <p:sldId id="316" r:id="rId36"/>
+    <p:sldId id="321" r:id="rId37"/>
+    <p:sldId id="322" r:id="rId38"/>
+    <p:sldId id="323" r:id="rId39"/>
+    <p:sldId id="324" r:id="rId40"/>
+    <p:sldId id="325" r:id="rId41"/>
+    <p:sldId id="326" r:id="rId42"/>
+    <p:sldId id="333" r:id="rId43"/>
+    <p:sldId id="332" r:id="rId44"/>
+    <p:sldId id="274" r:id="rId45"/>
+    <p:sldId id="272" r:id="rId46"/>
   </p:sldIdLst>
   <p:sldSz cx="9144000" cy="6858000" type="screen4x3"/>
   <p:notesSz cx="6858000" cy="9144000"/>
@@ -273,7 +281,7 @@
             <a:fld id="{74D30B1E-1C71-4203-B134-4CDC729AEC97}" type="datetimeFigureOut">
               <a:rPr lang="ko-KR" altLang="en-US" smtClean="0"/>
               <a:pPr/>
-              <a:t>2017-11-21</a:t>
+              <a:t>2017-11-30</a:t>
             </a:fld>
             <a:endParaRPr lang="ko-KR" altLang="en-US"/>
           </a:p>
@@ -4755,25 +4763,13 @@
               <a:rPr lang="en-US" altLang="ko-KR" sz="1200" dirty="0" smtClean="0">
                 <a:latin typeface="+mj-lt"/>
               </a:rPr>
-              <a:t> </a:t>
-            </a:r>
-            <a:r>
-              <a:rPr lang="en-US" altLang="ko-KR" sz="1200" dirty="0" smtClean="0">
-                <a:latin typeface="+mj-lt"/>
-              </a:rPr>
-              <a:t>Scene</a:t>
-            </a:r>
-            <a:r>
-              <a:rPr lang="ko-KR" altLang="en-US" sz="1200" dirty="0" smtClean="0">
-                <a:latin typeface="+mj-lt"/>
-              </a:rPr>
-              <a:t>으로 </a:t>
-            </a:r>
-            <a:r>
-              <a:rPr lang="ko-KR" altLang="en-US" sz="1200" dirty="0" smtClean="0">
-                <a:latin typeface="+mj-lt"/>
-              </a:rPr>
-              <a:t>돌아와서</a:t>
+              <a:t> Scene</a:t>
+            </a:r>
+            <a:r>
+              <a:rPr lang="ko-KR" altLang="en-US" sz="1200" dirty="0" smtClean="0">
+                <a:latin typeface="+mj-lt"/>
+              </a:rPr>
+              <a:t>으로 돌아와서</a:t>
             </a:r>
             <a:endParaRPr lang="en-US" altLang="ko-KR" sz="1200" dirty="0" smtClean="0">
               <a:latin typeface="+mj-lt"/>
@@ -4790,51 +4786,27 @@
               <a:rPr lang="en-US" altLang="ko-KR" sz="1200" dirty="0" smtClean="0">
                 <a:latin typeface="+mj-lt"/>
               </a:rPr>
+              <a:t>  Hierarchy – Create -  UI – Button</a:t>
+            </a:r>
+          </a:p>
+          <a:p>
+            <a:r>
+              <a:rPr lang="en-US" altLang="ko-KR" sz="1200" dirty="0">
+                <a:latin typeface="+mj-lt"/>
+              </a:rPr>
+              <a:t> </a:t>
+            </a:r>
+            <a:r>
+              <a:rPr lang="en-US" altLang="ko-KR" sz="1200" dirty="0" smtClean="0">
+                <a:latin typeface="+mj-lt"/>
+              </a:rPr>
               <a:t>  </a:t>
             </a:r>
             <a:r>
-              <a:rPr lang="en-US" altLang="ko-KR" sz="1200" dirty="0" smtClean="0">
-                <a:latin typeface="+mj-lt"/>
-              </a:rPr>
-              <a:t>Hierarchy </a:t>
-            </a:r>
-            <a:r>
-              <a:rPr lang="en-US" altLang="ko-KR" sz="1200" dirty="0" smtClean="0">
-                <a:latin typeface="+mj-lt"/>
-              </a:rPr>
-              <a:t>– Create -  UI – </a:t>
-            </a:r>
-            <a:r>
-              <a:rPr lang="en-US" altLang="ko-KR" sz="1200" dirty="0" smtClean="0">
-                <a:latin typeface="+mj-lt"/>
-              </a:rPr>
-              <a:t>Button</a:t>
-            </a:r>
-          </a:p>
-          <a:p>
-            <a:r>
-              <a:rPr lang="en-US" altLang="ko-KR" sz="1200" dirty="0">
-                <a:latin typeface="+mj-lt"/>
-              </a:rPr>
-              <a:t> </a:t>
-            </a:r>
-            <a:r>
-              <a:rPr lang="en-US" altLang="ko-KR" sz="1200" dirty="0" smtClean="0">
-                <a:latin typeface="+mj-lt"/>
-              </a:rPr>
-              <a:t>  </a:t>
-            </a:r>
-            <a:r>
-              <a:rPr lang="ko-KR" altLang="en-US" sz="1200" dirty="0" smtClean="0">
-                <a:latin typeface="+mj-lt"/>
-              </a:rPr>
-              <a:t>으로 </a:t>
-            </a:r>
-            <a:r>
-              <a:rPr lang="ko-KR" altLang="en-US" sz="1200" dirty="0" smtClean="0">
-                <a:latin typeface="+mj-lt"/>
-              </a:rPr>
-              <a:t>새 </a:t>
+              <a:rPr lang="ko-KR" altLang="en-US" sz="1200" dirty="0" smtClean="0">
+                <a:latin typeface="+mj-lt"/>
+              </a:rPr>
+              <a:t>으로 새 </a:t>
             </a:r>
             <a:r>
               <a:rPr lang="en-US" altLang="ko-KR" sz="1200" dirty="0" smtClean="0">
@@ -4925,13 +4897,7 @@
               <a:rPr lang="ko-KR" altLang="en-US" sz="1200" dirty="0" smtClean="0">
                 <a:latin typeface="+mj-lt"/>
               </a:rPr>
-              <a:t>의 </a:t>
-            </a:r>
-            <a:r>
-              <a:rPr lang="ko-KR" altLang="en-US" sz="1200" dirty="0" smtClean="0">
-                <a:latin typeface="+mj-lt"/>
-              </a:rPr>
-              <a:t>이름을</a:t>
+              <a:t>의 이름을</a:t>
             </a:r>
             <a:endParaRPr lang="en-US" altLang="ko-KR" sz="1200" dirty="0" smtClean="0">
               <a:latin typeface="+mj-lt"/>
@@ -5924,13 +5890,7 @@
               <a:rPr lang="ko-KR" altLang="en-US" sz="1200" dirty="0" smtClean="0">
                 <a:latin typeface="+mj-lt"/>
               </a:rPr>
-              <a:t> </a:t>
-            </a:r>
-            <a:r>
-              <a:rPr lang="ko-KR" altLang="en-US" sz="1200" dirty="0" smtClean="0">
-                <a:latin typeface="+mj-lt"/>
-              </a:rPr>
-              <a:t>빨간색 네모를 클릭하여 </a:t>
+              <a:t> 빨간색 네모를 클릭하여 </a:t>
             </a:r>
             <a:r>
               <a:rPr lang="en-US" altLang="ko-KR" sz="1200" dirty="0" smtClean="0">
@@ -8019,13 +7979,7 @@
               <a:rPr lang="en-US" altLang="ko-KR" sz="1200" dirty="0" smtClean="0">
                 <a:latin typeface="+mj-lt"/>
               </a:rPr>
-              <a:t>-350</a:t>
-            </a:r>
-            <a:r>
-              <a:rPr lang="en-US" altLang="ko-KR" sz="1200" dirty="0" smtClean="0">
-                <a:latin typeface="+mj-lt"/>
-              </a:rPr>
-              <a:t>, </a:t>
+              <a:t>-350, </a:t>
             </a:r>
             <a:r>
               <a:rPr lang="en-US" altLang="ko-KR" sz="1200" dirty="0" err="1" smtClean="0">
@@ -8207,15 +8161,6 @@
               </a:rPr>
               <a:t>Ⅱ</a:t>
             </a:r>
-            <a:endParaRPr lang="en-US" altLang="ko-KR" sz="6600" spc="-50" dirty="0" smtClean="0">
-              <a:solidFill>
-                <a:schemeClr val="tx1">
-                  <a:lumMod val="50000"/>
-                  <a:lumOff val="50000"/>
-                </a:schemeClr>
-              </a:solidFill>
-              <a:latin typeface="+mn-ea"/>
-            </a:endParaRPr>
           </a:p>
         </p:txBody>
       </p:sp>
@@ -8657,25 +8602,13 @@
               <a:rPr lang="ko-KR" altLang="en-US" sz="1200" dirty="0" smtClean="0">
                 <a:latin typeface="+mj-lt"/>
               </a:rPr>
-              <a:t>오브젝트를 </a:t>
-            </a:r>
-            <a:r>
-              <a:rPr lang="ko-KR" altLang="en-US" sz="1200" dirty="0" smtClean="0">
-                <a:latin typeface="+mj-lt"/>
-              </a:rPr>
-              <a:t>복사하고 </a:t>
-            </a:r>
-            <a:r>
-              <a:rPr lang="en-US" altLang="ko-KR" sz="1200" dirty="0" smtClean="0">
-                <a:latin typeface="+mj-lt"/>
-              </a:rPr>
-              <a:t>C</a:t>
-            </a:r>
-            <a:r>
-              <a:rPr lang="en-US" altLang="ko-KR" sz="1200" dirty="0" smtClean="0">
-                <a:latin typeface="+mj-lt"/>
-              </a:rPr>
-              <a:t>trl + V</a:t>
+              <a:t>오브젝트를 복사하고 </a:t>
+            </a:r>
+            <a:r>
+              <a:rPr lang="en-US" altLang="ko-KR" sz="1200" dirty="0" smtClean="0">
+                <a:latin typeface="+mj-lt"/>
+              </a:rPr>
+              <a:t>Ctrl + V</a:t>
             </a:r>
             <a:r>
               <a:rPr lang="ko-KR" altLang="en-US" sz="1200" dirty="0" smtClean="0">
@@ -9110,9 +9043,6 @@
               </a:rPr>
               <a:t>.</a:t>
             </a:r>
-            <a:endParaRPr lang="en-US" altLang="ko-KR" sz="1200" dirty="0" smtClean="0">
-              <a:latin typeface="+mj-lt"/>
-            </a:endParaRPr>
           </a:p>
         </p:txBody>
       </p:sp>
@@ -9192,9 +9122,6 @@
               </a:rPr>
               <a:t>.</a:t>
             </a:r>
-            <a:endParaRPr lang="en-US" altLang="ko-KR" sz="1200" dirty="0" smtClean="0">
-              <a:latin typeface="+mj-lt"/>
-            </a:endParaRPr>
           </a:p>
         </p:txBody>
       </p:sp>
@@ -9778,10 +9705,6 @@
               </a:rPr>
               <a:t>.</a:t>
             </a:r>
-            <a:endParaRPr lang="en-US" altLang="ko-KR" sz="1200" dirty="0" smtClean="0">
-              <a:latin typeface="맑은 고딕" pitchFamily="50" charset="-127"/>
-              <a:ea typeface="맑은 고딕" pitchFamily="50" charset="-127"/>
-            </a:endParaRPr>
           </a:p>
         </p:txBody>
       </p:sp>
@@ -12278,16 +12201,7 @@
                 </a:solidFill>
                 <a:latin typeface="+mn-ea"/>
               </a:rPr>
-              <a:t>FINAL </a:t>
-            </a:r>
-            <a:r>
-              <a:rPr lang="en-US" altLang="ko-KR" sz="3600" b="1" spc="-50" dirty="0" smtClean="0">
-                <a:solidFill>
-                  <a:schemeClr val="bg1"/>
-                </a:solidFill>
-                <a:latin typeface="+mn-ea"/>
-              </a:rPr>
-              <a:t>REPORT</a:t>
+              <a:t>FINAL REPORT</a:t>
             </a:r>
           </a:p>
           <a:p>
@@ -13771,10 +13685,6 @@
               </a:rPr>
               <a:t>.</a:t>
             </a:r>
-            <a:endParaRPr lang="en-US" altLang="ko-KR" sz="1200" dirty="0" smtClean="0">
-              <a:latin typeface="맑은 고딕" pitchFamily="50" charset="-127"/>
-              <a:ea typeface="맑은 고딕" pitchFamily="50" charset="-127"/>
-            </a:endParaRPr>
           </a:p>
         </p:txBody>
       </p:sp>
@@ -13990,10 +13900,6 @@
               </a:rPr>
               <a:t>.</a:t>
             </a:r>
-            <a:endParaRPr lang="en-US" altLang="ko-KR" sz="1200" dirty="0" smtClean="0">
-              <a:latin typeface="맑은 고딕" pitchFamily="50" charset="-127"/>
-              <a:ea typeface="맑은 고딕" pitchFamily="50" charset="-127"/>
-            </a:endParaRPr>
           </a:p>
         </p:txBody>
       </p:sp>
@@ -14149,10 +14055,6 @@
               </a:rPr>
               <a:t>.</a:t>
             </a:r>
-            <a:endParaRPr lang="en-US" altLang="ko-KR" sz="1200" dirty="0" smtClean="0">
-              <a:latin typeface="맑은 고딕" pitchFamily="50" charset="-127"/>
-              <a:ea typeface="맑은 고딕" pitchFamily="50" charset="-127"/>
-            </a:endParaRPr>
           </a:p>
         </p:txBody>
       </p:sp>
@@ -14637,10 +14539,6 @@
               </a:rPr>
               <a:t>.</a:t>
             </a:r>
-            <a:endParaRPr lang="en-US" altLang="ko-KR" sz="1200" dirty="0" smtClean="0">
-              <a:latin typeface="맑은 고딕" pitchFamily="50" charset="-127"/>
-              <a:ea typeface="맑은 고딕" pitchFamily="50" charset="-127"/>
-            </a:endParaRPr>
           </a:p>
         </p:txBody>
       </p:sp>
@@ -14822,14 +14720,7 @@
                 <a:latin typeface="맑은 고딕" pitchFamily="50" charset="-127"/>
                 <a:ea typeface="맑은 고딕" pitchFamily="50" charset="-127"/>
               </a:rPr>
-              <a:t>2. </a:t>
-            </a:r>
-            <a:r>
-              <a:rPr lang="en-US" altLang="ko-KR" sz="1200" dirty="0" smtClean="0">
-                <a:latin typeface="맑은 고딕" pitchFamily="50" charset="-127"/>
-                <a:ea typeface="맑은 고딕" pitchFamily="50" charset="-127"/>
-              </a:rPr>
-              <a:t>On Click() </a:t>
+              <a:t>2. On Click() </a:t>
             </a:r>
             <a:r>
               <a:rPr lang="ko-KR" altLang="en-US" sz="1200" dirty="0" smtClean="0">
@@ -15241,13 +15132,7 @@
               <a:rPr lang="ko-KR" altLang="en-US" sz="1200" dirty="0" smtClean="0">
                 <a:latin typeface="+mj-lt"/>
               </a:rPr>
-              <a:t>을 </a:t>
-            </a:r>
-            <a:r>
-              <a:rPr lang="ko-KR" altLang="en-US" sz="1200" dirty="0" smtClean="0">
-                <a:latin typeface="+mj-lt"/>
-              </a:rPr>
-              <a:t>추가합니다</a:t>
+              <a:t>을 추가합니다</a:t>
             </a:r>
             <a:endParaRPr lang="en-US" altLang="ko-KR" sz="1200" dirty="0" smtClean="0">
               <a:latin typeface="+mj-lt"/>
@@ -15299,13 +15184,7 @@
               <a:rPr lang="ko-KR" altLang="en-US" sz="1200" dirty="0" smtClean="0">
                 <a:latin typeface="+mj-lt"/>
               </a:rPr>
-              <a:t>으로 </a:t>
-            </a:r>
-            <a:r>
-              <a:rPr lang="ko-KR" altLang="en-US" sz="1200" dirty="0" smtClean="0">
-                <a:latin typeface="+mj-lt"/>
-              </a:rPr>
-              <a:t>넘어가는걸 볼 수 있습니다</a:t>
+              <a:t>으로 넘어가는걸 볼 수 있습니다</a:t>
             </a:r>
             <a:r>
               <a:rPr lang="en-US" altLang="ko-KR" sz="1200" dirty="0" smtClean="0">
@@ -15461,14 +15340,14 @@
       </p:grpSpPr>
       <p:sp>
         <p:nvSpPr>
-          <p:cNvPr id="2" name="TextBox 1"/>
+          <p:cNvPr id="13" name="TextBox 12"/>
           <p:cNvSpPr txBox="1"/>
           <p:nvPr/>
         </p:nvSpPr>
         <p:spPr>
           <a:xfrm>
-            <a:off x="522831" y="-6392"/>
-            <a:ext cx="6992989" cy="807324"/>
+            <a:off x="2816900" y="2299064"/>
+            <a:ext cx="5797073" cy="1039980"/>
           </a:xfrm>
           <a:prstGeom prst="rect">
             <a:avLst/>
@@ -15481,16 +15360,55 @@
           </a:bodyPr>
           <a:lstStyle/>
           <a:p>
-            <a:r>
-              <a:rPr lang="ko-KR" altLang="en-US" sz="3400" b="1" dirty="0" smtClean="0">
+            <a:pPr>
+              <a:lnSpc>
+                <a:spcPct val="90000"/>
+              </a:lnSpc>
+            </a:pPr>
+            <a:r>
+              <a:rPr lang="en-US" altLang="ko-KR" sz="3600" b="1" spc="-50" dirty="0" smtClean="0">
+                <a:solidFill>
+                  <a:schemeClr val="bg1"/>
+                </a:solidFill>
+                <a:latin typeface="+mn-ea"/>
+              </a:rPr>
+              <a:t>FINAL </a:t>
+            </a:r>
+            <a:r>
+              <a:rPr lang="en-US" altLang="ko-KR" sz="3600" b="1" spc="-50" dirty="0" smtClean="0">
+                <a:solidFill>
+                  <a:schemeClr val="bg1"/>
+                </a:solidFill>
+                <a:latin typeface="+mn-ea"/>
+              </a:rPr>
+              <a:t>REPORT</a:t>
+            </a:r>
+          </a:p>
+          <a:p>
+            <a:pPr>
+              <a:lnSpc>
+                <a:spcPct val="90000"/>
+              </a:lnSpc>
+            </a:pPr>
+            <a:r>
+              <a:rPr lang="ko-KR" altLang="en-US" sz="3600" b="1" spc="-50" dirty="0" err="1" smtClean="0">
                 <a:solidFill>
                   <a:srgbClr val="1CCAB9"/>
                 </a:solidFill>
                 <a:latin typeface="+mn-ea"/>
               </a:rPr>
-              <a:t>제작자 정보 씬 추가 하기</a:t>
-            </a:r>
-            <a:endParaRPr lang="en-US" altLang="ko-KR" sz="3400" b="1" dirty="0">
+              <a:t>메뉴바</a:t>
+            </a:r>
+            <a:r>
+              <a:rPr lang="ko-KR" altLang="en-US" sz="3600" b="1" spc="-50" dirty="0" smtClean="0">
+                <a:solidFill>
+                  <a:srgbClr val="1CCAB9"/>
+                </a:solidFill>
+                <a:latin typeface="+mn-ea"/>
+              </a:rPr>
+              <a:t> 만들기</a:t>
+            </a:r>
+            <a:endParaRPr lang="en-US" altLang="ko-KR" sz="3600" b="1" spc="-50" dirty="0">
               <a:solidFill>
                 <a:srgbClr val="1CCAB9"/>
               </a:solidFill>
@@ -15499,16 +15417,99 @@
           </a:p>
         </p:txBody>
       </p:sp>
+      <p:sp>
+        <p:nvSpPr>
+          <p:cNvPr id="14" name="TextBox 13"/>
+          <p:cNvSpPr txBox="1"/>
+          <p:nvPr/>
+        </p:nvSpPr>
+        <p:spPr>
+          <a:xfrm>
+            <a:off x="1413429" y="2417650"/>
+            <a:ext cx="943206" cy="776307"/>
+          </a:xfrm>
+          <a:prstGeom prst="rect">
+            <a:avLst/>
+          </a:prstGeom>
+          <a:noFill/>
+        </p:spPr>
+        <p:txBody>
+          <a:bodyPr wrap="none" lIns="36000" tIns="36000" rIns="36000" rtlCol="0" anchor="ctr">
+            <a:noAutofit/>
+            <a:scene3d>
+              <a:camera prst="orthographicFront"/>
+              <a:lightRig rig="threePt" dir="t"/>
+            </a:scene3d>
+            <a:sp3d contourW="50800">
+              <a:bevelT w="1270" h="50800"/>
+              <a:contourClr>
+                <a:schemeClr val="bg1"/>
+              </a:contourClr>
+            </a:sp3d>
+          </a:bodyPr>
+          <a:lstStyle/>
+          <a:p>
+            <a:pPr algn="ctr">
+              <a:spcAft>
+                <a:spcPts val="1000"/>
+              </a:spcAft>
+              <a:buClr>
+                <a:srgbClr val="977399"/>
+              </a:buClr>
+            </a:pPr>
+            <a:r>
+              <a:rPr lang="en-US" altLang="ko-KR" sz="6600" spc="-50" dirty="0" smtClean="0">
+                <a:solidFill>
+                  <a:schemeClr val="tx1">
+                    <a:lumMod val="50000"/>
+                    <a:lumOff val="50000"/>
+                  </a:schemeClr>
+                </a:solidFill>
+                <a:latin typeface="+mn-ea"/>
+              </a:rPr>
+              <a:t>Ⅲ</a:t>
+            </a:r>
+            <a:endParaRPr lang="en-US" altLang="ko-KR" sz="6600" spc="-50" dirty="0" smtClean="0">
+              <a:solidFill>
+                <a:schemeClr val="tx1">
+                  <a:lumMod val="50000"/>
+                  <a:lumOff val="50000"/>
+                </a:schemeClr>
+              </a:solidFill>
+              <a:latin typeface="+mn-ea"/>
+            </a:endParaRPr>
+          </a:p>
+        </p:txBody>
+      </p:sp>
     </p:spTree>
     <p:extLst>
       <p:ext uri="{BB962C8B-B14F-4D97-AF65-F5344CB8AC3E}">
-        <p14:creationId xmlns:p14="http://schemas.microsoft.com/office/powerpoint/2010/main" val="2171872938"/>
+        <p14:creationId xmlns:p14="http://schemas.microsoft.com/office/powerpoint/2010/main" val="100602528"/>
       </p:ext>
     </p:extLst>
   </p:cSld>
   <p:clrMapOvr>
     <a:masterClrMapping/>
   </p:clrMapOvr>
+  <mc:AlternateContent xmlns:mc="http://schemas.openxmlformats.org/markup-compatibility/2006" xmlns:p14="http://schemas.microsoft.com/office/powerpoint/2010/main">
+    <mc:Choice Requires="p14">
+      <p:transition spd="med" p14:dur="700">
+        <p:fade/>
+      </p:transition>
+    </mc:Choice>
+    <mc:Fallback xmlns="">
+      <p:transition spd="med">
+        <p:fade/>
+      </p:transition>
+    </mc:Fallback>
+  </mc:AlternateContent>
+  <p:timing>
+    <p:tnLst>
+      <p:par>
+        <p:cTn id="1" dur="indefinite" restart="never" nodeType="tmRoot"/>
+      </p:par>
+    </p:tnLst>
+  </p:timing>
 </p:sld>
 </file>
 
@@ -15531,7 +15532,7 @@
       </p:grpSpPr>
       <p:sp>
         <p:nvSpPr>
-          <p:cNvPr id="4" name="TextBox 3"/>
+          <p:cNvPr id="2" name="TextBox 1"/>
           <p:cNvSpPr txBox="1"/>
           <p:nvPr/>
         </p:nvSpPr>
@@ -15552,13 +15553,22 @@
           <a:lstStyle/>
           <a:p>
             <a:r>
-              <a:rPr lang="en-US" altLang="ko-KR" sz="3400" b="1" dirty="0" smtClean="0">
+              <a:rPr lang="ko-KR" altLang="en-US" sz="3400" b="1" dirty="0" err="1" smtClean="0">
                 <a:solidFill>
                   <a:srgbClr val="1CCAB9"/>
                 </a:solidFill>
                 <a:latin typeface="+mn-ea"/>
               </a:rPr>
-              <a:t>Reference</a:t>
+              <a:t>메뉴바</a:t>
+            </a:r>
+            <a:r>
+              <a:rPr lang="ko-KR" altLang="en-US" sz="3400" b="1" dirty="0" smtClean="0">
+                <a:solidFill>
+                  <a:srgbClr val="1CCAB9"/>
+                </a:solidFill>
+                <a:latin typeface="+mn-ea"/>
+              </a:rPr>
+              <a:t> 만들기</a:t>
             </a:r>
             <a:endParaRPr lang="en-US" altLang="ko-KR" sz="3400" b="1" dirty="0">
               <a:solidFill>
@@ -15569,6 +15579,3155 @@
           </a:p>
         </p:txBody>
       </p:sp>
+      <p:pic>
+        <p:nvPicPr>
+          <p:cNvPr id="3" name="그림 2"/>
+          <p:cNvPicPr>
+            <a:picLocks noChangeAspect="1"/>
+          </p:cNvPicPr>
+          <p:nvPr/>
+        </p:nvPicPr>
+        <p:blipFill>
+          <a:blip r:embed="rId2"/>
+          <a:stretch>
+            <a:fillRect/>
+          </a:stretch>
+        </p:blipFill>
+        <p:spPr>
+          <a:xfrm>
+            <a:off x="522831" y="1448780"/>
+            <a:ext cx="2343150" cy="1181100"/>
+          </a:xfrm>
+          <a:prstGeom prst="rect">
+            <a:avLst/>
+          </a:prstGeom>
+        </p:spPr>
+      </p:pic>
+      <p:sp>
+        <p:nvSpPr>
+          <p:cNvPr id="4" name="TextBox 3"/>
+          <p:cNvSpPr txBox="1"/>
+          <p:nvPr/>
+        </p:nvSpPr>
+        <p:spPr>
+          <a:xfrm>
+            <a:off x="522831" y="1171781"/>
+            <a:ext cx="3791423" cy="276999"/>
+          </a:xfrm>
+          <a:prstGeom prst="rect">
+            <a:avLst/>
+          </a:prstGeom>
+          <a:noFill/>
+        </p:spPr>
+        <p:txBody>
+          <a:bodyPr wrap="none" rtlCol="0">
+            <a:spAutoFit/>
+          </a:bodyPr>
+          <a:lstStyle/>
+          <a:p>
+            <a:r>
+              <a:rPr lang="en-US" altLang="ko-KR" sz="1200" dirty="0" smtClean="0">
+                <a:latin typeface="+mj-lt"/>
+              </a:rPr>
+              <a:t>1. </a:t>
+            </a:r>
+            <a:r>
+              <a:rPr lang="ko-KR" altLang="en-US" sz="1200" dirty="0" smtClean="0">
+                <a:latin typeface="+mj-lt"/>
+              </a:rPr>
+              <a:t>우선 </a:t>
+            </a:r>
+            <a:r>
+              <a:rPr lang="en-US" altLang="ko-KR" sz="1200" dirty="0" smtClean="0">
+                <a:latin typeface="+mj-lt"/>
+              </a:rPr>
+              <a:t>Main </a:t>
+            </a:r>
+            <a:r>
+              <a:rPr lang="ko-KR" altLang="en-US" sz="1200" dirty="0" err="1" smtClean="0">
+                <a:latin typeface="+mj-lt"/>
+              </a:rPr>
+              <a:t>씬을</a:t>
+            </a:r>
+            <a:r>
+              <a:rPr lang="ko-KR" altLang="en-US" sz="1200" dirty="0" smtClean="0">
+                <a:latin typeface="+mj-lt"/>
+              </a:rPr>
+              <a:t> 클릭하여 </a:t>
+            </a:r>
+            <a:r>
+              <a:rPr lang="en-US" altLang="ko-KR" sz="1200" dirty="0" smtClean="0">
+                <a:latin typeface="+mj-lt"/>
+              </a:rPr>
+              <a:t>Main</a:t>
+            </a:r>
+            <a:r>
+              <a:rPr lang="ko-KR" altLang="en-US" sz="1200" dirty="0" err="1" smtClean="0">
+                <a:latin typeface="+mj-lt"/>
+              </a:rPr>
+              <a:t>씬으로</a:t>
+            </a:r>
+            <a:r>
+              <a:rPr lang="ko-KR" altLang="en-US" sz="1200" dirty="0" smtClean="0">
+                <a:latin typeface="+mj-lt"/>
+              </a:rPr>
+              <a:t> 이동합니다</a:t>
+            </a:r>
+            <a:r>
+              <a:rPr lang="en-US" altLang="ko-KR" sz="1200" dirty="0" smtClean="0">
+                <a:latin typeface="+mj-lt"/>
+              </a:rPr>
+              <a:t>.</a:t>
+            </a:r>
+            <a:endParaRPr lang="ko-KR" altLang="en-US" sz="1200" dirty="0" smtClean="0">
+              <a:latin typeface="+mj-lt"/>
+            </a:endParaRPr>
+          </a:p>
+        </p:txBody>
+      </p:sp>
+      <p:pic>
+        <p:nvPicPr>
+          <p:cNvPr id="5" name="그림 4"/>
+          <p:cNvPicPr>
+            <a:picLocks noChangeAspect="1"/>
+          </p:cNvPicPr>
+          <p:nvPr/>
+        </p:nvPicPr>
+        <p:blipFill>
+          <a:blip r:embed="rId3"/>
+          <a:stretch>
+            <a:fillRect/>
+          </a:stretch>
+        </p:blipFill>
+        <p:spPr>
+          <a:xfrm>
+            <a:off x="2951820" y="3068960"/>
+            <a:ext cx="4305300" cy="2447925"/>
+          </a:xfrm>
+          <a:prstGeom prst="rect">
+            <a:avLst/>
+          </a:prstGeom>
+        </p:spPr>
+      </p:pic>
+      <p:sp>
+        <p:nvSpPr>
+          <p:cNvPr id="6" name="TextBox 5"/>
+          <p:cNvSpPr txBox="1"/>
+          <p:nvPr/>
+        </p:nvSpPr>
+        <p:spPr>
+          <a:xfrm>
+            <a:off x="2951820" y="2792612"/>
+            <a:ext cx="5062604" cy="276999"/>
+          </a:xfrm>
+          <a:prstGeom prst="rect">
+            <a:avLst/>
+          </a:prstGeom>
+          <a:noFill/>
+        </p:spPr>
+        <p:txBody>
+          <a:bodyPr wrap="none" rtlCol="0">
+            <a:spAutoFit/>
+          </a:bodyPr>
+          <a:lstStyle/>
+          <a:p>
+            <a:r>
+              <a:rPr lang="en-US" altLang="ko-KR" sz="1200" dirty="0" smtClean="0">
+                <a:latin typeface="+mj-lt"/>
+              </a:rPr>
+              <a:t>2. </a:t>
+            </a:r>
+            <a:r>
+              <a:rPr lang="ko-KR" altLang="en-US" sz="1200" dirty="0" smtClean="0">
+                <a:latin typeface="+mj-lt"/>
+              </a:rPr>
+              <a:t>배경을 만들기 위해 </a:t>
+            </a:r>
+            <a:r>
+              <a:rPr lang="en-US" altLang="ko-KR" sz="1200" dirty="0" err="1" smtClean="0">
+                <a:latin typeface="+mj-lt"/>
+              </a:rPr>
+              <a:t>GameObject</a:t>
+            </a:r>
+            <a:r>
+              <a:rPr lang="en-US" altLang="ko-KR" sz="1200" dirty="0" smtClean="0">
+                <a:latin typeface="+mj-lt"/>
+              </a:rPr>
+              <a:t> – UI – Image</a:t>
+            </a:r>
+            <a:r>
+              <a:rPr lang="ko-KR" altLang="en-US" sz="1200" dirty="0" smtClean="0">
+                <a:latin typeface="+mj-lt"/>
+              </a:rPr>
+              <a:t>로 배경을 생성합니다</a:t>
+            </a:r>
+            <a:r>
+              <a:rPr lang="en-US" altLang="ko-KR" sz="1200" dirty="0" smtClean="0">
+                <a:latin typeface="+mj-lt"/>
+              </a:rPr>
+              <a:t>.</a:t>
+            </a:r>
+            <a:endParaRPr lang="ko-KR" altLang="en-US" sz="1200" dirty="0" smtClean="0">
+              <a:latin typeface="+mj-lt"/>
+            </a:endParaRPr>
+          </a:p>
+        </p:txBody>
+      </p:sp>
+      <p:sp>
+        <p:nvSpPr>
+          <p:cNvPr id="7" name="모서리가 둥근 직사각형 6"/>
+          <p:cNvSpPr/>
+          <p:nvPr/>
+        </p:nvSpPr>
+        <p:spPr>
+          <a:xfrm>
+            <a:off x="1907704" y="1592796"/>
+            <a:ext cx="958277" cy="900100"/>
+          </a:xfrm>
+          <a:prstGeom prst="roundRect">
+            <a:avLst/>
+          </a:prstGeom>
+          <a:noFill/>
+          <a:ln>
+            <a:solidFill>
+              <a:srgbClr val="FF0000"/>
+            </a:solidFill>
+          </a:ln>
+        </p:spPr>
+        <p:style>
+          <a:lnRef idx="2">
+            <a:schemeClr val="accent1">
+              <a:shade val="50000"/>
+            </a:schemeClr>
+          </a:lnRef>
+          <a:fillRef idx="1">
+            <a:schemeClr val="accent1"/>
+          </a:fillRef>
+          <a:effectRef idx="0">
+            <a:schemeClr val="accent1"/>
+          </a:effectRef>
+          <a:fontRef idx="minor">
+            <a:schemeClr val="lt1"/>
+          </a:fontRef>
+        </p:style>
+        <p:txBody>
+          <a:bodyPr rtlCol="0" anchor="ctr"/>
+          <a:lstStyle/>
+          <a:p>
+            <a:pPr algn="ctr"/>
+            <a:endParaRPr lang="ko-KR" altLang="en-US" dirty="0"/>
+          </a:p>
+        </p:txBody>
+      </p:sp>
+      <p:sp>
+        <p:nvSpPr>
+          <p:cNvPr id="8" name="모서리가 둥근 직사각형 7"/>
+          <p:cNvSpPr/>
+          <p:nvPr/>
+        </p:nvSpPr>
+        <p:spPr>
+          <a:xfrm>
+            <a:off x="5940152" y="5157192"/>
+            <a:ext cx="540060" cy="252028"/>
+          </a:xfrm>
+          <a:prstGeom prst="roundRect">
+            <a:avLst/>
+          </a:prstGeom>
+          <a:noFill/>
+          <a:ln>
+            <a:solidFill>
+              <a:srgbClr val="FF0000"/>
+            </a:solidFill>
+          </a:ln>
+        </p:spPr>
+        <p:style>
+          <a:lnRef idx="2">
+            <a:schemeClr val="accent1">
+              <a:shade val="50000"/>
+            </a:schemeClr>
+          </a:lnRef>
+          <a:fillRef idx="1">
+            <a:schemeClr val="accent1"/>
+          </a:fillRef>
+          <a:effectRef idx="0">
+            <a:schemeClr val="accent1"/>
+          </a:effectRef>
+          <a:fontRef idx="minor">
+            <a:schemeClr val="lt1"/>
+          </a:fontRef>
+        </p:style>
+        <p:txBody>
+          <a:bodyPr rtlCol="0" anchor="ctr"/>
+          <a:lstStyle/>
+          <a:p>
+            <a:pPr algn="ctr"/>
+            <a:endParaRPr lang="ko-KR" altLang="en-US"/>
+          </a:p>
+        </p:txBody>
+      </p:sp>
+    </p:spTree>
+    <p:extLst>
+      <p:ext uri="{BB962C8B-B14F-4D97-AF65-F5344CB8AC3E}">
+        <p14:creationId xmlns:p14="http://schemas.microsoft.com/office/powerpoint/2010/main" val="1051158089"/>
+      </p:ext>
+    </p:extLst>
+  </p:cSld>
+  <p:clrMapOvr>
+    <a:masterClrMapping/>
+  </p:clrMapOvr>
+</p:sld>
+</file>
+
+<file path=ppt/slides/slide37.xml><?xml version="1.0" encoding="utf-8"?>
+<p:sld xmlns:a="http://schemas.openxmlformats.org/drawingml/2006/main" xmlns:r="http://schemas.openxmlformats.org/officeDocument/2006/relationships" xmlns:p="http://schemas.openxmlformats.org/presentationml/2006/main">
+  <p:cSld>
+    <p:spTree>
+      <p:nvGrpSpPr>
+        <p:cNvPr id="1" name=""/>
+        <p:cNvGrpSpPr/>
+        <p:nvPr/>
+      </p:nvGrpSpPr>
+      <p:grpSpPr>
+        <a:xfrm>
+          <a:off x="0" y="0"/>
+          <a:ext cx="0" cy="0"/>
+          <a:chOff x="0" y="0"/>
+          <a:chExt cx="0" cy="0"/>
+        </a:xfrm>
+      </p:grpSpPr>
+      <p:sp>
+        <p:nvSpPr>
+          <p:cNvPr id="2" name="TextBox 1"/>
+          <p:cNvSpPr txBox="1"/>
+          <p:nvPr/>
+        </p:nvSpPr>
+        <p:spPr>
+          <a:xfrm>
+            <a:off x="522831" y="-6392"/>
+            <a:ext cx="6992989" cy="807324"/>
+          </a:xfrm>
+          <a:prstGeom prst="rect">
+            <a:avLst/>
+          </a:prstGeom>
+          <a:noFill/>
+        </p:spPr>
+        <p:txBody>
+          <a:bodyPr wrap="none" rtlCol="0" anchor="ctr">
+            <a:noAutofit/>
+          </a:bodyPr>
+          <a:lstStyle/>
+          <a:p>
+            <a:r>
+              <a:rPr lang="ko-KR" altLang="en-US" sz="3400" b="1" dirty="0" err="1">
+                <a:solidFill>
+                  <a:srgbClr val="1CCAB9"/>
+                </a:solidFill>
+                <a:latin typeface="+mn-ea"/>
+              </a:rPr>
+              <a:t>메뉴바</a:t>
+            </a:r>
+            <a:r>
+              <a:rPr lang="ko-KR" altLang="en-US" sz="3400" b="1" dirty="0">
+                <a:solidFill>
+                  <a:srgbClr val="1CCAB9"/>
+                </a:solidFill>
+                <a:latin typeface="+mn-ea"/>
+              </a:rPr>
+              <a:t> 만들기</a:t>
+            </a:r>
+            <a:endParaRPr lang="en-US" altLang="ko-KR" sz="3400" b="1" dirty="0">
+              <a:solidFill>
+                <a:srgbClr val="1CCAB9"/>
+              </a:solidFill>
+              <a:latin typeface="+mn-ea"/>
+            </a:endParaRPr>
+          </a:p>
+        </p:txBody>
+      </p:sp>
+      <p:pic>
+        <p:nvPicPr>
+          <p:cNvPr id="3" name="그림 2"/>
+          <p:cNvPicPr>
+            <a:picLocks noChangeAspect="1"/>
+          </p:cNvPicPr>
+          <p:nvPr/>
+        </p:nvPicPr>
+        <p:blipFill>
+          <a:blip r:embed="rId2"/>
+          <a:stretch>
+            <a:fillRect/>
+          </a:stretch>
+        </p:blipFill>
+        <p:spPr>
+          <a:xfrm>
+            <a:off x="522831" y="1448780"/>
+            <a:ext cx="2389278" cy="1224136"/>
+          </a:xfrm>
+          <a:prstGeom prst="rect">
+            <a:avLst/>
+          </a:prstGeom>
+        </p:spPr>
+      </p:pic>
+      <p:sp>
+        <p:nvSpPr>
+          <p:cNvPr id="4" name="TextBox 3"/>
+          <p:cNvSpPr txBox="1"/>
+          <p:nvPr/>
+        </p:nvSpPr>
+        <p:spPr>
+          <a:xfrm>
+            <a:off x="522831" y="1171781"/>
+            <a:ext cx="3401316" cy="276999"/>
+          </a:xfrm>
+          <a:prstGeom prst="rect">
+            <a:avLst/>
+          </a:prstGeom>
+          <a:noFill/>
+        </p:spPr>
+        <p:txBody>
+          <a:bodyPr wrap="none" rtlCol="0">
+            <a:spAutoFit/>
+          </a:bodyPr>
+          <a:lstStyle/>
+          <a:p>
+            <a:r>
+              <a:rPr lang="en-US" altLang="ko-KR" sz="1200" dirty="0" smtClean="0">
+                <a:latin typeface="+mj-lt"/>
+              </a:rPr>
+              <a:t>1. </a:t>
+            </a:r>
+            <a:r>
+              <a:rPr lang="ko-KR" altLang="en-US" sz="1200" dirty="0" smtClean="0">
+                <a:latin typeface="+mj-lt"/>
+              </a:rPr>
+              <a:t>이미지의 이름을 </a:t>
+            </a:r>
+            <a:r>
+              <a:rPr lang="en-US" altLang="ko-KR" sz="1200" dirty="0" err="1" smtClean="0">
+                <a:latin typeface="+mj-lt"/>
+              </a:rPr>
+              <a:t>BackGround</a:t>
+            </a:r>
+            <a:r>
+              <a:rPr lang="ko-KR" altLang="en-US" sz="1200" dirty="0" smtClean="0">
+                <a:latin typeface="+mj-lt"/>
+              </a:rPr>
+              <a:t>로 변경합니다</a:t>
+            </a:r>
+            <a:r>
+              <a:rPr lang="en-US" altLang="ko-KR" sz="1200" dirty="0" smtClean="0">
+                <a:latin typeface="+mj-lt"/>
+              </a:rPr>
+              <a:t>.</a:t>
+            </a:r>
+            <a:endParaRPr lang="ko-KR" altLang="en-US" sz="1200" dirty="0" smtClean="0">
+              <a:latin typeface="+mj-lt"/>
+            </a:endParaRPr>
+          </a:p>
+        </p:txBody>
+      </p:sp>
+      <p:pic>
+        <p:nvPicPr>
+          <p:cNvPr id="5" name="그림 4"/>
+          <p:cNvPicPr>
+            <a:picLocks noChangeAspect="1"/>
+          </p:cNvPicPr>
+          <p:nvPr/>
+        </p:nvPicPr>
+        <p:blipFill>
+          <a:blip r:embed="rId3"/>
+          <a:stretch>
+            <a:fillRect/>
+          </a:stretch>
+        </p:blipFill>
+        <p:spPr>
+          <a:xfrm>
+            <a:off x="4283968" y="2132856"/>
+            <a:ext cx="2495550" cy="2857500"/>
+          </a:xfrm>
+          <a:prstGeom prst="rect">
+            <a:avLst/>
+          </a:prstGeom>
+        </p:spPr>
+      </p:pic>
+      <p:sp>
+        <p:nvSpPr>
+          <p:cNvPr id="6" name="TextBox 5"/>
+          <p:cNvSpPr txBox="1"/>
+          <p:nvPr/>
+        </p:nvSpPr>
+        <p:spPr>
+          <a:xfrm>
+            <a:off x="4283968" y="1855857"/>
+            <a:ext cx="4532010" cy="276999"/>
+          </a:xfrm>
+          <a:prstGeom prst="rect">
+            <a:avLst/>
+          </a:prstGeom>
+          <a:noFill/>
+        </p:spPr>
+        <p:txBody>
+          <a:bodyPr wrap="none" rtlCol="0">
+            <a:spAutoFit/>
+          </a:bodyPr>
+          <a:lstStyle/>
+          <a:p>
+            <a:r>
+              <a:rPr lang="en-US" altLang="ko-KR" sz="1200" dirty="0" smtClean="0">
+                <a:latin typeface="+mj-lt"/>
+              </a:rPr>
+              <a:t>2. </a:t>
+            </a:r>
+            <a:r>
+              <a:rPr lang="ko-KR" altLang="en-US" sz="1200" dirty="0" smtClean="0">
+                <a:latin typeface="+mj-lt"/>
+              </a:rPr>
+              <a:t>이미지의 앵커에서 </a:t>
+            </a:r>
+            <a:r>
+              <a:rPr lang="ko-KR" altLang="en-US" sz="1200" dirty="0" err="1" smtClean="0">
+                <a:latin typeface="+mj-lt"/>
+              </a:rPr>
+              <a:t>알트키를</a:t>
+            </a:r>
+            <a:r>
+              <a:rPr lang="ko-KR" altLang="en-US" sz="1200" dirty="0" smtClean="0">
+                <a:latin typeface="+mj-lt"/>
+              </a:rPr>
+              <a:t> </a:t>
+            </a:r>
+            <a:r>
+              <a:rPr lang="ko-KR" altLang="en-US" sz="1200" dirty="0" err="1" smtClean="0">
+                <a:latin typeface="+mj-lt"/>
+              </a:rPr>
+              <a:t>누른채</a:t>
+            </a:r>
+            <a:r>
+              <a:rPr lang="ko-KR" altLang="en-US" sz="1200" dirty="0" smtClean="0">
+                <a:latin typeface="+mj-lt"/>
+              </a:rPr>
+              <a:t> 전체 확대를 클릭합니다</a:t>
+            </a:r>
+            <a:r>
+              <a:rPr lang="en-US" altLang="ko-KR" sz="1200" dirty="0" smtClean="0">
+                <a:latin typeface="+mj-lt"/>
+              </a:rPr>
+              <a:t>.</a:t>
+            </a:r>
+            <a:endParaRPr lang="ko-KR" altLang="en-US" sz="1200" dirty="0" smtClean="0">
+              <a:latin typeface="+mj-lt"/>
+            </a:endParaRPr>
+          </a:p>
+        </p:txBody>
+      </p:sp>
+      <p:sp>
+        <p:nvSpPr>
+          <p:cNvPr id="7" name="모서리가 둥근 직사각형 6"/>
+          <p:cNvSpPr/>
+          <p:nvPr/>
+        </p:nvSpPr>
+        <p:spPr>
+          <a:xfrm>
+            <a:off x="6300192" y="4473116"/>
+            <a:ext cx="479326" cy="517240"/>
+          </a:xfrm>
+          <a:prstGeom prst="roundRect">
+            <a:avLst/>
+          </a:prstGeom>
+          <a:noFill/>
+          <a:ln>
+            <a:solidFill>
+              <a:srgbClr val="FF0000"/>
+            </a:solidFill>
+          </a:ln>
+        </p:spPr>
+        <p:style>
+          <a:lnRef idx="2">
+            <a:schemeClr val="accent1">
+              <a:shade val="50000"/>
+            </a:schemeClr>
+          </a:lnRef>
+          <a:fillRef idx="1">
+            <a:schemeClr val="accent1"/>
+          </a:fillRef>
+          <a:effectRef idx="0">
+            <a:schemeClr val="accent1"/>
+          </a:effectRef>
+          <a:fontRef idx="minor">
+            <a:schemeClr val="lt1"/>
+          </a:fontRef>
+        </p:style>
+        <p:txBody>
+          <a:bodyPr rtlCol="0" anchor="ctr"/>
+          <a:lstStyle/>
+          <a:p>
+            <a:pPr algn="ctr"/>
+            <a:endParaRPr lang="ko-KR" altLang="en-US"/>
+          </a:p>
+        </p:txBody>
+      </p:sp>
+      <p:pic>
+        <p:nvPicPr>
+          <p:cNvPr id="8" name="그림 7"/>
+          <p:cNvPicPr>
+            <a:picLocks noChangeAspect="1"/>
+          </p:cNvPicPr>
+          <p:nvPr/>
+        </p:nvPicPr>
+        <p:blipFill>
+          <a:blip r:embed="rId4"/>
+          <a:stretch>
+            <a:fillRect/>
+          </a:stretch>
+        </p:blipFill>
+        <p:spPr>
+          <a:xfrm>
+            <a:off x="827584" y="4653136"/>
+            <a:ext cx="2084525" cy="1784353"/>
+          </a:xfrm>
+          <a:prstGeom prst="rect">
+            <a:avLst/>
+          </a:prstGeom>
+        </p:spPr>
+      </p:pic>
+      <p:sp>
+        <p:nvSpPr>
+          <p:cNvPr id="9" name="TextBox 8"/>
+          <p:cNvSpPr txBox="1"/>
+          <p:nvPr/>
+        </p:nvSpPr>
+        <p:spPr>
+          <a:xfrm>
+            <a:off x="828443" y="4191471"/>
+            <a:ext cx="2367956" cy="461665"/>
+          </a:xfrm>
+          <a:prstGeom prst="rect">
+            <a:avLst/>
+          </a:prstGeom>
+          <a:noFill/>
+        </p:spPr>
+        <p:txBody>
+          <a:bodyPr wrap="none" rtlCol="0">
+            <a:spAutoFit/>
+          </a:bodyPr>
+          <a:lstStyle/>
+          <a:p>
+            <a:r>
+              <a:rPr lang="en-US" altLang="ko-KR" sz="1200" dirty="0" smtClean="0">
+                <a:latin typeface="+mj-lt"/>
+              </a:rPr>
+              <a:t>3. </a:t>
+            </a:r>
+            <a:r>
+              <a:rPr lang="ko-KR" altLang="en-US" sz="1200" dirty="0" smtClean="0">
+                <a:latin typeface="+mj-lt"/>
+              </a:rPr>
+              <a:t>메뉴 버튼을 하나 생성해주고</a:t>
+            </a:r>
+            <a:endParaRPr lang="en-US" altLang="ko-KR" sz="1200" dirty="0" smtClean="0">
+              <a:latin typeface="+mj-lt"/>
+            </a:endParaRPr>
+          </a:p>
+          <a:p>
+            <a:r>
+              <a:rPr lang="en-US" altLang="ko-KR" sz="1200" dirty="0">
+                <a:latin typeface="+mj-lt"/>
+              </a:rPr>
+              <a:t> </a:t>
+            </a:r>
+            <a:r>
+              <a:rPr lang="en-US" altLang="ko-KR" sz="1200" dirty="0" smtClean="0">
+                <a:latin typeface="+mj-lt"/>
+              </a:rPr>
+              <a:t>  </a:t>
+            </a:r>
+            <a:r>
+              <a:rPr lang="ko-KR" altLang="en-US" sz="1200" dirty="0" smtClean="0">
+                <a:latin typeface="+mj-lt"/>
+              </a:rPr>
+              <a:t>이름을 </a:t>
+            </a:r>
+            <a:r>
+              <a:rPr lang="en-US" altLang="ko-KR" sz="1200" dirty="0" smtClean="0">
+                <a:latin typeface="+mj-lt"/>
+              </a:rPr>
+              <a:t>Menu</a:t>
+            </a:r>
+            <a:r>
+              <a:rPr lang="ko-KR" altLang="en-US" sz="1200" dirty="0" smtClean="0">
+                <a:latin typeface="+mj-lt"/>
+              </a:rPr>
+              <a:t>로 변경합니다</a:t>
+            </a:r>
+            <a:r>
+              <a:rPr lang="en-US" altLang="ko-KR" sz="1200" dirty="0" smtClean="0">
+                <a:latin typeface="+mj-lt"/>
+              </a:rPr>
+              <a:t>.</a:t>
+            </a:r>
+            <a:endParaRPr lang="ko-KR" altLang="en-US" sz="1200" dirty="0" smtClean="0">
+              <a:latin typeface="+mj-lt"/>
+            </a:endParaRPr>
+          </a:p>
+        </p:txBody>
+      </p:sp>
+      <p:sp>
+        <p:nvSpPr>
+          <p:cNvPr id="10" name="모서리가 둥근 직사각형 9"/>
+          <p:cNvSpPr/>
+          <p:nvPr/>
+        </p:nvSpPr>
+        <p:spPr>
+          <a:xfrm>
+            <a:off x="827584" y="2132856"/>
+            <a:ext cx="1368152" cy="180020"/>
+          </a:xfrm>
+          <a:prstGeom prst="roundRect">
+            <a:avLst/>
+          </a:prstGeom>
+          <a:noFill/>
+          <a:ln>
+            <a:solidFill>
+              <a:srgbClr val="FF0000"/>
+            </a:solidFill>
+          </a:ln>
+        </p:spPr>
+        <p:style>
+          <a:lnRef idx="2">
+            <a:schemeClr val="accent1">
+              <a:shade val="50000"/>
+            </a:schemeClr>
+          </a:lnRef>
+          <a:fillRef idx="1">
+            <a:schemeClr val="accent1"/>
+          </a:fillRef>
+          <a:effectRef idx="0">
+            <a:schemeClr val="accent1"/>
+          </a:effectRef>
+          <a:fontRef idx="minor">
+            <a:schemeClr val="lt1"/>
+          </a:fontRef>
+        </p:style>
+        <p:txBody>
+          <a:bodyPr rtlCol="0" anchor="ctr"/>
+          <a:lstStyle/>
+          <a:p>
+            <a:pPr algn="ctr"/>
+            <a:endParaRPr lang="ko-KR" altLang="en-US"/>
+          </a:p>
+        </p:txBody>
+      </p:sp>
+      <p:sp>
+        <p:nvSpPr>
+          <p:cNvPr id="11" name="모서리가 둥근 직사각형 10"/>
+          <p:cNvSpPr/>
+          <p:nvPr/>
+        </p:nvSpPr>
+        <p:spPr>
+          <a:xfrm>
+            <a:off x="1115616" y="5733256"/>
+            <a:ext cx="648072" cy="360040"/>
+          </a:xfrm>
+          <a:prstGeom prst="roundRect">
+            <a:avLst/>
+          </a:prstGeom>
+          <a:noFill/>
+          <a:ln>
+            <a:solidFill>
+              <a:srgbClr val="FF0000"/>
+            </a:solidFill>
+          </a:ln>
+        </p:spPr>
+        <p:style>
+          <a:lnRef idx="2">
+            <a:schemeClr val="accent1">
+              <a:shade val="50000"/>
+            </a:schemeClr>
+          </a:lnRef>
+          <a:fillRef idx="1">
+            <a:schemeClr val="accent1"/>
+          </a:fillRef>
+          <a:effectRef idx="0">
+            <a:schemeClr val="accent1"/>
+          </a:effectRef>
+          <a:fontRef idx="minor">
+            <a:schemeClr val="lt1"/>
+          </a:fontRef>
+        </p:style>
+        <p:txBody>
+          <a:bodyPr rtlCol="0" anchor="ctr"/>
+          <a:lstStyle/>
+          <a:p>
+            <a:pPr algn="ctr"/>
+            <a:endParaRPr lang="ko-KR" altLang="en-US"/>
+          </a:p>
+        </p:txBody>
+      </p:sp>
+    </p:spTree>
+    <p:extLst>
+      <p:ext uri="{BB962C8B-B14F-4D97-AF65-F5344CB8AC3E}">
+        <p14:creationId xmlns:p14="http://schemas.microsoft.com/office/powerpoint/2010/main" val="1666935119"/>
+      </p:ext>
+    </p:extLst>
+  </p:cSld>
+  <p:clrMapOvr>
+    <a:masterClrMapping/>
+  </p:clrMapOvr>
+</p:sld>
+</file>
+
+<file path=ppt/slides/slide38.xml><?xml version="1.0" encoding="utf-8"?>
+<p:sld xmlns:a="http://schemas.openxmlformats.org/drawingml/2006/main" xmlns:r="http://schemas.openxmlformats.org/officeDocument/2006/relationships" xmlns:p="http://schemas.openxmlformats.org/presentationml/2006/main">
+  <p:cSld>
+    <p:spTree>
+      <p:nvGrpSpPr>
+        <p:cNvPr id="1" name=""/>
+        <p:cNvGrpSpPr/>
+        <p:nvPr/>
+      </p:nvGrpSpPr>
+      <p:grpSpPr>
+        <a:xfrm>
+          <a:off x="0" y="0"/>
+          <a:ext cx="0" cy="0"/>
+          <a:chOff x="0" y="0"/>
+          <a:chExt cx="0" cy="0"/>
+        </a:xfrm>
+      </p:grpSpPr>
+      <p:sp>
+        <p:nvSpPr>
+          <p:cNvPr id="2" name="TextBox 1"/>
+          <p:cNvSpPr txBox="1"/>
+          <p:nvPr/>
+        </p:nvSpPr>
+        <p:spPr>
+          <a:xfrm>
+            <a:off x="522831" y="-6392"/>
+            <a:ext cx="6992989" cy="807324"/>
+          </a:xfrm>
+          <a:prstGeom prst="rect">
+            <a:avLst/>
+          </a:prstGeom>
+          <a:noFill/>
+        </p:spPr>
+        <p:txBody>
+          <a:bodyPr wrap="none" rtlCol="0" anchor="ctr">
+            <a:noAutofit/>
+          </a:bodyPr>
+          <a:lstStyle/>
+          <a:p>
+            <a:r>
+              <a:rPr lang="ko-KR" altLang="en-US" sz="3400" b="1" dirty="0" err="1">
+                <a:solidFill>
+                  <a:srgbClr val="1CCAB9"/>
+                </a:solidFill>
+                <a:latin typeface="+mn-ea"/>
+              </a:rPr>
+              <a:t>메뉴바</a:t>
+            </a:r>
+            <a:r>
+              <a:rPr lang="ko-KR" altLang="en-US" sz="3400" b="1" dirty="0">
+                <a:solidFill>
+                  <a:srgbClr val="1CCAB9"/>
+                </a:solidFill>
+                <a:latin typeface="+mn-ea"/>
+              </a:rPr>
+              <a:t> 만들기</a:t>
+            </a:r>
+            <a:endParaRPr lang="en-US" altLang="ko-KR" sz="3400" b="1" dirty="0">
+              <a:solidFill>
+                <a:srgbClr val="1CCAB9"/>
+              </a:solidFill>
+              <a:latin typeface="+mn-ea"/>
+            </a:endParaRPr>
+          </a:p>
+        </p:txBody>
+      </p:sp>
+      <p:pic>
+        <p:nvPicPr>
+          <p:cNvPr id="3" name="그림 2"/>
+          <p:cNvPicPr>
+            <a:picLocks noChangeAspect="1"/>
+          </p:cNvPicPr>
+          <p:nvPr/>
+        </p:nvPicPr>
+        <p:blipFill>
+          <a:blip r:embed="rId2"/>
+          <a:stretch>
+            <a:fillRect/>
+          </a:stretch>
+        </p:blipFill>
+        <p:spPr>
+          <a:xfrm>
+            <a:off x="801661" y="1623667"/>
+            <a:ext cx="2495550" cy="2857500"/>
+          </a:xfrm>
+          <a:prstGeom prst="rect">
+            <a:avLst/>
+          </a:prstGeom>
+        </p:spPr>
+      </p:pic>
+      <p:sp>
+        <p:nvSpPr>
+          <p:cNvPr id="4" name="TextBox 3"/>
+          <p:cNvSpPr txBox="1"/>
+          <p:nvPr/>
+        </p:nvSpPr>
+        <p:spPr>
+          <a:xfrm>
+            <a:off x="801661" y="1340768"/>
+            <a:ext cx="5849999" cy="276999"/>
+          </a:xfrm>
+          <a:prstGeom prst="rect">
+            <a:avLst/>
+          </a:prstGeom>
+          <a:noFill/>
+        </p:spPr>
+        <p:txBody>
+          <a:bodyPr wrap="none" rtlCol="0">
+            <a:spAutoFit/>
+          </a:bodyPr>
+          <a:lstStyle/>
+          <a:p>
+            <a:r>
+              <a:rPr lang="en-US" altLang="ko-KR" sz="1200" dirty="0" smtClean="0">
+                <a:latin typeface="+mj-lt"/>
+              </a:rPr>
+              <a:t>1. Button</a:t>
+            </a:r>
+            <a:r>
+              <a:rPr lang="ko-KR" altLang="en-US" sz="1200" dirty="0" smtClean="0">
+                <a:latin typeface="+mj-lt"/>
+              </a:rPr>
+              <a:t>을 좌측 상단에 위치하도록 배치해 줍니다</a:t>
+            </a:r>
+            <a:r>
+              <a:rPr lang="en-US" altLang="ko-KR" sz="1200" dirty="0" smtClean="0">
+                <a:latin typeface="+mj-lt"/>
+              </a:rPr>
+              <a:t>.(</a:t>
+            </a:r>
+            <a:r>
+              <a:rPr lang="ko-KR" altLang="en-US" sz="1200" dirty="0" smtClean="0">
+                <a:latin typeface="+mj-lt"/>
+              </a:rPr>
+              <a:t>앵커를 </a:t>
+            </a:r>
+            <a:r>
+              <a:rPr lang="ko-KR" altLang="en-US" sz="1200" dirty="0" err="1" smtClean="0">
+                <a:latin typeface="+mj-lt"/>
+              </a:rPr>
+              <a:t>알트키를</a:t>
+            </a:r>
+            <a:r>
+              <a:rPr lang="ko-KR" altLang="en-US" sz="1200" dirty="0" smtClean="0">
+                <a:latin typeface="+mj-lt"/>
+              </a:rPr>
+              <a:t> </a:t>
+            </a:r>
+            <a:r>
+              <a:rPr lang="ko-KR" altLang="en-US" sz="1200" dirty="0" err="1" smtClean="0">
+                <a:latin typeface="+mj-lt"/>
+              </a:rPr>
+              <a:t>누른채</a:t>
+            </a:r>
+            <a:r>
+              <a:rPr lang="ko-KR" altLang="en-US" sz="1200" dirty="0" smtClean="0">
+                <a:latin typeface="+mj-lt"/>
+              </a:rPr>
+              <a:t> 클릭</a:t>
+            </a:r>
+            <a:r>
+              <a:rPr lang="en-US" altLang="ko-KR" sz="1200" dirty="0" smtClean="0">
+                <a:latin typeface="+mj-lt"/>
+              </a:rPr>
+              <a:t>)</a:t>
+            </a:r>
+            <a:endParaRPr lang="ko-KR" altLang="en-US" sz="1200" dirty="0" smtClean="0">
+              <a:latin typeface="+mj-lt"/>
+            </a:endParaRPr>
+          </a:p>
+        </p:txBody>
+      </p:sp>
+      <p:sp>
+        <p:nvSpPr>
+          <p:cNvPr id="5" name="모서리가 둥근 직사각형 4"/>
+          <p:cNvSpPr/>
+          <p:nvPr/>
+        </p:nvSpPr>
+        <p:spPr>
+          <a:xfrm>
+            <a:off x="1485737" y="2631779"/>
+            <a:ext cx="432048" cy="468052"/>
+          </a:xfrm>
+          <a:prstGeom prst="roundRect">
+            <a:avLst/>
+          </a:prstGeom>
+          <a:noFill/>
+          <a:ln>
+            <a:solidFill>
+              <a:srgbClr val="FF0000"/>
+            </a:solidFill>
+          </a:ln>
+        </p:spPr>
+        <p:style>
+          <a:lnRef idx="2">
+            <a:schemeClr val="accent1">
+              <a:shade val="50000"/>
+            </a:schemeClr>
+          </a:lnRef>
+          <a:fillRef idx="1">
+            <a:schemeClr val="accent1"/>
+          </a:fillRef>
+          <a:effectRef idx="0">
+            <a:schemeClr val="accent1"/>
+          </a:effectRef>
+          <a:fontRef idx="minor">
+            <a:schemeClr val="lt1"/>
+          </a:fontRef>
+        </p:style>
+        <p:txBody>
+          <a:bodyPr rtlCol="0" anchor="ctr"/>
+          <a:lstStyle/>
+          <a:p>
+            <a:pPr algn="ctr"/>
+            <a:endParaRPr lang="ko-KR" altLang="en-US"/>
+          </a:p>
+        </p:txBody>
+      </p:sp>
+      <p:pic>
+        <p:nvPicPr>
+          <p:cNvPr id="6" name="그림 5"/>
+          <p:cNvPicPr>
+            <a:picLocks noChangeAspect="1"/>
+          </p:cNvPicPr>
+          <p:nvPr/>
+        </p:nvPicPr>
+        <p:blipFill>
+          <a:blip r:embed="rId3"/>
+          <a:stretch>
+            <a:fillRect/>
+          </a:stretch>
+        </p:blipFill>
+        <p:spPr>
+          <a:xfrm>
+            <a:off x="3981287" y="2556484"/>
+            <a:ext cx="4166383" cy="1188132"/>
+          </a:xfrm>
+          <a:prstGeom prst="rect">
+            <a:avLst/>
+          </a:prstGeom>
+        </p:spPr>
+      </p:pic>
+      <p:sp>
+        <p:nvSpPr>
+          <p:cNvPr id="7" name="TextBox 6"/>
+          <p:cNvSpPr txBox="1"/>
+          <p:nvPr/>
+        </p:nvSpPr>
+        <p:spPr>
+          <a:xfrm>
+            <a:off x="3981287" y="2288127"/>
+            <a:ext cx="4133183" cy="276999"/>
+          </a:xfrm>
+          <a:prstGeom prst="rect">
+            <a:avLst/>
+          </a:prstGeom>
+          <a:noFill/>
+        </p:spPr>
+        <p:txBody>
+          <a:bodyPr wrap="none" rtlCol="0">
+            <a:spAutoFit/>
+          </a:bodyPr>
+          <a:lstStyle/>
+          <a:p>
+            <a:r>
+              <a:rPr lang="en-US" altLang="ko-KR" sz="1200" dirty="0" smtClean="0">
+                <a:latin typeface="+mj-lt"/>
+              </a:rPr>
+              <a:t>2.  </a:t>
+            </a:r>
+            <a:r>
+              <a:rPr lang="ko-KR" altLang="en-US" sz="1200" dirty="0" smtClean="0">
+                <a:latin typeface="+mj-lt"/>
+              </a:rPr>
+              <a:t>버튼의 </a:t>
+            </a:r>
+            <a:r>
+              <a:rPr lang="en-US" altLang="ko-KR" sz="1200" dirty="0" smtClean="0">
+                <a:latin typeface="+mj-lt"/>
+              </a:rPr>
+              <a:t>Inspector</a:t>
+            </a:r>
+            <a:r>
+              <a:rPr lang="ko-KR" altLang="en-US" sz="1200" dirty="0" smtClean="0">
+                <a:latin typeface="+mj-lt"/>
+              </a:rPr>
+              <a:t>의 </a:t>
+            </a:r>
+            <a:r>
+              <a:rPr lang="ko-KR" altLang="en-US" sz="1200" dirty="0" err="1" smtClean="0">
+                <a:latin typeface="+mj-lt"/>
+              </a:rPr>
+              <a:t>설정값을</a:t>
+            </a:r>
+            <a:r>
+              <a:rPr lang="ko-KR" altLang="en-US" sz="1200" dirty="0" smtClean="0">
+                <a:latin typeface="+mj-lt"/>
+              </a:rPr>
+              <a:t> 아래와 같이 변경합니다</a:t>
+            </a:r>
+            <a:r>
+              <a:rPr lang="en-US" altLang="ko-KR" sz="1200" dirty="0" smtClean="0">
+                <a:latin typeface="+mj-lt"/>
+              </a:rPr>
+              <a:t>.</a:t>
+            </a:r>
+            <a:endParaRPr lang="ko-KR" altLang="en-US" sz="1200" dirty="0" smtClean="0">
+              <a:latin typeface="+mj-lt"/>
+            </a:endParaRPr>
+          </a:p>
+        </p:txBody>
+      </p:sp>
+      <p:sp>
+        <p:nvSpPr>
+          <p:cNvPr id="8" name="모서리가 둥근 직사각형 7"/>
+          <p:cNvSpPr/>
+          <p:nvPr/>
+        </p:nvSpPr>
+        <p:spPr>
+          <a:xfrm>
+            <a:off x="4049605" y="2587625"/>
+            <a:ext cx="792088" cy="531418"/>
+          </a:xfrm>
+          <a:prstGeom prst="roundRect">
+            <a:avLst/>
+          </a:prstGeom>
+          <a:noFill/>
+          <a:ln>
+            <a:solidFill>
+              <a:srgbClr val="FF0000"/>
+            </a:solidFill>
+          </a:ln>
+        </p:spPr>
+        <p:style>
+          <a:lnRef idx="2">
+            <a:schemeClr val="accent1">
+              <a:shade val="50000"/>
+            </a:schemeClr>
+          </a:lnRef>
+          <a:fillRef idx="1">
+            <a:schemeClr val="accent1"/>
+          </a:fillRef>
+          <a:effectRef idx="0">
+            <a:schemeClr val="accent1"/>
+          </a:effectRef>
+          <a:fontRef idx="minor">
+            <a:schemeClr val="lt1"/>
+          </a:fontRef>
+        </p:style>
+        <p:txBody>
+          <a:bodyPr rtlCol="0" anchor="ctr"/>
+          <a:lstStyle/>
+          <a:p>
+            <a:pPr algn="ctr"/>
+            <a:endParaRPr lang="ko-KR" altLang="en-US"/>
+          </a:p>
+        </p:txBody>
+      </p:sp>
+      <p:sp>
+        <p:nvSpPr>
+          <p:cNvPr id="9" name="모서리가 둥근 직사각형 8"/>
+          <p:cNvSpPr/>
+          <p:nvPr/>
+        </p:nvSpPr>
+        <p:spPr>
+          <a:xfrm>
+            <a:off x="5421447" y="2578807"/>
+            <a:ext cx="792088" cy="531418"/>
+          </a:xfrm>
+          <a:prstGeom prst="roundRect">
+            <a:avLst/>
+          </a:prstGeom>
+          <a:noFill/>
+          <a:ln>
+            <a:solidFill>
+              <a:srgbClr val="FF0000"/>
+            </a:solidFill>
+          </a:ln>
+        </p:spPr>
+        <p:style>
+          <a:lnRef idx="2">
+            <a:schemeClr val="accent1">
+              <a:shade val="50000"/>
+            </a:schemeClr>
+          </a:lnRef>
+          <a:fillRef idx="1">
+            <a:schemeClr val="accent1"/>
+          </a:fillRef>
+          <a:effectRef idx="0">
+            <a:schemeClr val="accent1"/>
+          </a:effectRef>
+          <a:fontRef idx="minor">
+            <a:schemeClr val="lt1"/>
+          </a:fontRef>
+        </p:style>
+        <p:txBody>
+          <a:bodyPr rtlCol="0" anchor="ctr"/>
+          <a:lstStyle/>
+          <a:p>
+            <a:pPr algn="ctr"/>
+            <a:endParaRPr lang="ko-KR" altLang="en-US"/>
+          </a:p>
+        </p:txBody>
+      </p:sp>
+      <p:sp>
+        <p:nvSpPr>
+          <p:cNvPr id="10" name="모서리가 둥근 직사각형 9"/>
+          <p:cNvSpPr/>
+          <p:nvPr/>
+        </p:nvSpPr>
+        <p:spPr>
+          <a:xfrm>
+            <a:off x="5422814" y="3141543"/>
+            <a:ext cx="792088" cy="531418"/>
+          </a:xfrm>
+          <a:prstGeom prst="roundRect">
+            <a:avLst/>
+          </a:prstGeom>
+          <a:noFill/>
+          <a:ln>
+            <a:solidFill>
+              <a:srgbClr val="FF0000"/>
+            </a:solidFill>
+          </a:ln>
+        </p:spPr>
+        <p:style>
+          <a:lnRef idx="2">
+            <a:schemeClr val="accent1">
+              <a:shade val="50000"/>
+            </a:schemeClr>
+          </a:lnRef>
+          <a:fillRef idx="1">
+            <a:schemeClr val="accent1"/>
+          </a:fillRef>
+          <a:effectRef idx="0">
+            <a:schemeClr val="accent1"/>
+          </a:effectRef>
+          <a:fontRef idx="minor">
+            <a:schemeClr val="lt1"/>
+          </a:fontRef>
+        </p:style>
+        <p:txBody>
+          <a:bodyPr rtlCol="0" anchor="ctr"/>
+          <a:lstStyle/>
+          <a:p>
+            <a:pPr algn="ctr"/>
+            <a:endParaRPr lang="ko-KR" altLang="en-US"/>
+          </a:p>
+        </p:txBody>
+      </p:sp>
+      <p:sp>
+        <p:nvSpPr>
+          <p:cNvPr id="11" name="모서리가 둥근 직사각형 10"/>
+          <p:cNvSpPr/>
+          <p:nvPr/>
+        </p:nvSpPr>
+        <p:spPr>
+          <a:xfrm>
+            <a:off x="4049605" y="3105186"/>
+            <a:ext cx="792088" cy="531418"/>
+          </a:xfrm>
+          <a:prstGeom prst="roundRect">
+            <a:avLst/>
+          </a:prstGeom>
+          <a:noFill/>
+          <a:ln>
+            <a:solidFill>
+              <a:srgbClr val="FF0000"/>
+            </a:solidFill>
+          </a:ln>
+        </p:spPr>
+        <p:style>
+          <a:lnRef idx="2">
+            <a:schemeClr val="accent1">
+              <a:shade val="50000"/>
+            </a:schemeClr>
+          </a:lnRef>
+          <a:fillRef idx="1">
+            <a:schemeClr val="accent1"/>
+          </a:fillRef>
+          <a:effectRef idx="0">
+            <a:schemeClr val="accent1"/>
+          </a:effectRef>
+          <a:fontRef idx="minor">
+            <a:schemeClr val="lt1"/>
+          </a:fontRef>
+        </p:style>
+        <p:txBody>
+          <a:bodyPr rtlCol="0" anchor="ctr"/>
+          <a:lstStyle/>
+          <a:p>
+            <a:pPr algn="ctr"/>
+            <a:endParaRPr lang="ko-KR" altLang="en-US"/>
+          </a:p>
+        </p:txBody>
+      </p:sp>
+      <p:pic>
+        <p:nvPicPr>
+          <p:cNvPr id="12" name="그림 11"/>
+          <p:cNvPicPr>
+            <a:picLocks noChangeAspect="1"/>
+          </p:cNvPicPr>
+          <p:nvPr/>
+        </p:nvPicPr>
+        <p:blipFill>
+          <a:blip r:embed="rId4"/>
+          <a:stretch>
+            <a:fillRect/>
+          </a:stretch>
+        </p:blipFill>
+        <p:spPr>
+          <a:xfrm>
+            <a:off x="3981287" y="4545124"/>
+            <a:ext cx="2389666" cy="1285476"/>
+          </a:xfrm>
+          <a:prstGeom prst="rect">
+            <a:avLst/>
+          </a:prstGeom>
+        </p:spPr>
+      </p:pic>
+      <p:sp>
+        <p:nvSpPr>
+          <p:cNvPr id="13" name="TextBox 12"/>
+          <p:cNvSpPr txBox="1"/>
+          <p:nvPr/>
+        </p:nvSpPr>
+        <p:spPr>
+          <a:xfrm>
+            <a:off x="3981287" y="4252312"/>
+            <a:ext cx="3320140" cy="276999"/>
+          </a:xfrm>
+          <a:prstGeom prst="rect">
+            <a:avLst/>
+          </a:prstGeom>
+          <a:noFill/>
+        </p:spPr>
+        <p:txBody>
+          <a:bodyPr wrap="none" rtlCol="0">
+            <a:spAutoFit/>
+          </a:bodyPr>
+          <a:lstStyle/>
+          <a:p>
+            <a:r>
+              <a:rPr lang="en-US" altLang="ko-KR" sz="1200" dirty="0" smtClean="0">
+                <a:latin typeface="+mj-lt"/>
+              </a:rPr>
+              <a:t>3. Menu</a:t>
+            </a:r>
+            <a:r>
+              <a:rPr lang="ko-KR" altLang="en-US" sz="1200" dirty="0" smtClean="0">
+                <a:latin typeface="+mj-lt"/>
+              </a:rPr>
+              <a:t>의 텍스트를 아래와 같이 변경합니다</a:t>
+            </a:r>
+            <a:r>
+              <a:rPr lang="en-US" altLang="ko-KR" sz="1200" dirty="0" smtClean="0">
+                <a:latin typeface="+mj-lt"/>
+              </a:rPr>
+              <a:t>.</a:t>
+            </a:r>
+            <a:endParaRPr lang="ko-KR" altLang="en-US" sz="1200" dirty="0" smtClean="0">
+              <a:latin typeface="+mj-lt"/>
+            </a:endParaRPr>
+          </a:p>
+        </p:txBody>
+      </p:sp>
+      <p:sp>
+        <p:nvSpPr>
+          <p:cNvPr id="14" name="모서리가 둥근 직사각형 13"/>
+          <p:cNvSpPr/>
+          <p:nvPr/>
+        </p:nvSpPr>
+        <p:spPr>
+          <a:xfrm>
+            <a:off x="3981287" y="4869160"/>
+            <a:ext cx="734729" cy="756084"/>
+          </a:xfrm>
+          <a:prstGeom prst="roundRect">
+            <a:avLst/>
+          </a:prstGeom>
+          <a:noFill/>
+          <a:ln>
+            <a:solidFill>
+              <a:srgbClr val="FF0000"/>
+            </a:solidFill>
+          </a:ln>
+        </p:spPr>
+        <p:style>
+          <a:lnRef idx="2">
+            <a:schemeClr val="accent1">
+              <a:shade val="50000"/>
+            </a:schemeClr>
+          </a:lnRef>
+          <a:fillRef idx="1">
+            <a:schemeClr val="accent1"/>
+          </a:fillRef>
+          <a:effectRef idx="0">
+            <a:schemeClr val="accent1"/>
+          </a:effectRef>
+          <a:fontRef idx="minor">
+            <a:schemeClr val="lt1"/>
+          </a:fontRef>
+        </p:style>
+        <p:txBody>
+          <a:bodyPr rtlCol="0" anchor="ctr"/>
+          <a:lstStyle/>
+          <a:p>
+            <a:pPr algn="ctr"/>
+            <a:endParaRPr lang="ko-KR" altLang="en-US"/>
+          </a:p>
+        </p:txBody>
+      </p:sp>
+    </p:spTree>
+    <p:extLst>
+      <p:ext uri="{BB962C8B-B14F-4D97-AF65-F5344CB8AC3E}">
+        <p14:creationId xmlns:p14="http://schemas.microsoft.com/office/powerpoint/2010/main" val="3942422211"/>
+      </p:ext>
+    </p:extLst>
+  </p:cSld>
+  <p:clrMapOvr>
+    <a:masterClrMapping/>
+  </p:clrMapOvr>
+</p:sld>
+</file>
+
+<file path=ppt/slides/slide39.xml><?xml version="1.0" encoding="utf-8"?>
+<p:sld xmlns:a="http://schemas.openxmlformats.org/drawingml/2006/main" xmlns:r="http://schemas.openxmlformats.org/officeDocument/2006/relationships" xmlns:p="http://schemas.openxmlformats.org/presentationml/2006/main">
+  <p:cSld>
+    <p:spTree>
+      <p:nvGrpSpPr>
+        <p:cNvPr id="1" name=""/>
+        <p:cNvGrpSpPr/>
+        <p:nvPr/>
+      </p:nvGrpSpPr>
+      <p:grpSpPr>
+        <a:xfrm>
+          <a:off x="0" y="0"/>
+          <a:ext cx="0" cy="0"/>
+          <a:chOff x="0" y="0"/>
+          <a:chExt cx="0" cy="0"/>
+        </a:xfrm>
+      </p:grpSpPr>
+      <p:sp>
+        <p:nvSpPr>
+          <p:cNvPr id="2" name="TextBox 1"/>
+          <p:cNvSpPr txBox="1"/>
+          <p:nvPr/>
+        </p:nvSpPr>
+        <p:spPr>
+          <a:xfrm>
+            <a:off x="522831" y="-6392"/>
+            <a:ext cx="6992989" cy="807324"/>
+          </a:xfrm>
+          <a:prstGeom prst="rect">
+            <a:avLst/>
+          </a:prstGeom>
+          <a:noFill/>
+        </p:spPr>
+        <p:txBody>
+          <a:bodyPr wrap="none" rtlCol="0" anchor="ctr">
+            <a:noAutofit/>
+          </a:bodyPr>
+          <a:lstStyle/>
+          <a:p>
+            <a:r>
+              <a:rPr lang="ko-KR" altLang="en-US" sz="3400" b="1" dirty="0" err="1">
+                <a:solidFill>
+                  <a:srgbClr val="1CCAB9"/>
+                </a:solidFill>
+                <a:latin typeface="+mn-ea"/>
+              </a:rPr>
+              <a:t>메뉴바</a:t>
+            </a:r>
+            <a:r>
+              <a:rPr lang="ko-KR" altLang="en-US" sz="3400" b="1" dirty="0">
+                <a:solidFill>
+                  <a:srgbClr val="1CCAB9"/>
+                </a:solidFill>
+                <a:latin typeface="+mn-ea"/>
+              </a:rPr>
+              <a:t> 만들기</a:t>
+            </a:r>
+            <a:endParaRPr lang="en-US" altLang="ko-KR" sz="3400" b="1" dirty="0">
+              <a:solidFill>
+                <a:srgbClr val="1CCAB9"/>
+              </a:solidFill>
+              <a:latin typeface="+mn-ea"/>
+            </a:endParaRPr>
+          </a:p>
+        </p:txBody>
+      </p:sp>
+      <p:pic>
+        <p:nvPicPr>
+          <p:cNvPr id="3" name="그림 2"/>
+          <p:cNvPicPr>
+            <a:picLocks noChangeAspect="1"/>
+          </p:cNvPicPr>
+          <p:nvPr/>
+        </p:nvPicPr>
+        <p:blipFill>
+          <a:blip r:embed="rId2"/>
+          <a:stretch>
+            <a:fillRect/>
+          </a:stretch>
+        </p:blipFill>
+        <p:spPr>
+          <a:xfrm>
+            <a:off x="518093" y="1520788"/>
+            <a:ext cx="4305300" cy="2447925"/>
+          </a:xfrm>
+          <a:prstGeom prst="rect">
+            <a:avLst/>
+          </a:prstGeom>
+        </p:spPr>
+      </p:pic>
+      <p:sp>
+        <p:nvSpPr>
+          <p:cNvPr id="4" name="TextBox 3"/>
+          <p:cNvSpPr txBox="1"/>
+          <p:nvPr/>
+        </p:nvSpPr>
+        <p:spPr>
+          <a:xfrm>
+            <a:off x="518093" y="1244440"/>
+            <a:ext cx="4204997" cy="276999"/>
+          </a:xfrm>
+          <a:prstGeom prst="rect">
+            <a:avLst/>
+          </a:prstGeom>
+          <a:noFill/>
+        </p:spPr>
+        <p:txBody>
+          <a:bodyPr wrap="none" rtlCol="0">
+            <a:spAutoFit/>
+          </a:bodyPr>
+          <a:lstStyle/>
+          <a:p>
+            <a:r>
+              <a:rPr lang="en-US" altLang="ko-KR" sz="1200" dirty="0" smtClean="0">
+                <a:latin typeface="+mj-lt"/>
+              </a:rPr>
+              <a:t>1. </a:t>
+            </a:r>
+            <a:r>
+              <a:rPr lang="en-US" altLang="ko-KR" sz="1200" dirty="0" err="1" smtClean="0">
+                <a:latin typeface="+mj-lt"/>
+              </a:rPr>
+              <a:t>MenuBar</a:t>
+            </a:r>
+            <a:r>
+              <a:rPr lang="en-US" altLang="ko-KR" sz="1200" dirty="0" smtClean="0">
+                <a:latin typeface="+mj-lt"/>
+              </a:rPr>
+              <a:t> </a:t>
+            </a:r>
+            <a:r>
+              <a:rPr lang="ko-KR" altLang="en-US" sz="1200" dirty="0" smtClean="0">
+                <a:latin typeface="+mj-lt"/>
+              </a:rPr>
+              <a:t>배경을 만들기 위해 </a:t>
+            </a:r>
+            <a:r>
+              <a:rPr lang="en-US" altLang="ko-KR" sz="1200" dirty="0" smtClean="0">
+                <a:latin typeface="+mj-lt"/>
+              </a:rPr>
+              <a:t>Image</a:t>
+            </a:r>
+            <a:r>
+              <a:rPr lang="ko-KR" altLang="en-US" sz="1200" dirty="0" smtClean="0">
+                <a:latin typeface="+mj-lt"/>
+              </a:rPr>
+              <a:t>를 하나 생성합니다</a:t>
+            </a:r>
+            <a:r>
+              <a:rPr lang="en-US" altLang="ko-KR" sz="1200" dirty="0" smtClean="0">
+                <a:latin typeface="+mj-lt"/>
+              </a:rPr>
+              <a:t>.</a:t>
+            </a:r>
+            <a:endParaRPr lang="ko-KR" altLang="en-US" sz="1200" dirty="0" smtClean="0">
+              <a:latin typeface="+mj-lt"/>
+            </a:endParaRPr>
+          </a:p>
+        </p:txBody>
+      </p:sp>
+      <p:sp>
+        <p:nvSpPr>
+          <p:cNvPr id="5" name="모서리가 둥근 직사각형 4"/>
+          <p:cNvSpPr/>
+          <p:nvPr/>
+        </p:nvSpPr>
+        <p:spPr>
+          <a:xfrm>
+            <a:off x="3506425" y="3609020"/>
+            <a:ext cx="540060" cy="252028"/>
+          </a:xfrm>
+          <a:prstGeom prst="roundRect">
+            <a:avLst/>
+          </a:prstGeom>
+          <a:noFill/>
+          <a:ln>
+            <a:solidFill>
+              <a:srgbClr val="FF0000"/>
+            </a:solidFill>
+          </a:ln>
+        </p:spPr>
+        <p:style>
+          <a:lnRef idx="2">
+            <a:schemeClr val="accent1">
+              <a:shade val="50000"/>
+            </a:schemeClr>
+          </a:lnRef>
+          <a:fillRef idx="1">
+            <a:schemeClr val="accent1"/>
+          </a:fillRef>
+          <a:effectRef idx="0">
+            <a:schemeClr val="accent1"/>
+          </a:effectRef>
+          <a:fontRef idx="minor">
+            <a:schemeClr val="lt1"/>
+          </a:fontRef>
+        </p:style>
+        <p:txBody>
+          <a:bodyPr rtlCol="0" anchor="ctr"/>
+          <a:lstStyle/>
+          <a:p>
+            <a:pPr algn="ctr"/>
+            <a:endParaRPr lang="ko-KR" altLang="en-US"/>
+          </a:p>
+        </p:txBody>
+      </p:sp>
+      <p:pic>
+        <p:nvPicPr>
+          <p:cNvPr id="6" name="그림 5"/>
+          <p:cNvPicPr>
+            <a:picLocks noChangeAspect="1"/>
+          </p:cNvPicPr>
+          <p:nvPr/>
+        </p:nvPicPr>
+        <p:blipFill>
+          <a:blip r:embed="rId3"/>
+          <a:stretch>
+            <a:fillRect/>
+          </a:stretch>
+        </p:blipFill>
+        <p:spPr>
+          <a:xfrm>
+            <a:off x="5544108" y="1520788"/>
+            <a:ext cx="1679947" cy="1431607"/>
+          </a:xfrm>
+          <a:prstGeom prst="rect">
+            <a:avLst/>
+          </a:prstGeom>
+        </p:spPr>
+      </p:pic>
+      <p:sp>
+        <p:nvSpPr>
+          <p:cNvPr id="7" name="TextBox 6"/>
+          <p:cNvSpPr txBox="1"/>
+          <p:nvPr/>
+        </p:nvSpPr>
+        <p:spPr>
+          <a:xfrm>
+            <a:off x="5544108" y="1243789"/>
+            <a:ext cx="2512226" cy="276999"/>
+          </a:xfrm>
+          <a:prstGeom prst="rect">
+            <a:avLst/>
+          </a:prstGeom>
+          <a:noFill/>
+        </p:spPr>
+        <p:txBody>
+          <a:bodyPr wrap="none" rtlCol="0">
+            <a:spAutoFit/>
+          </a:bodyPr>
+          <a:lstStyle/>
+          <a:p>
+            <a:r>
+              <a:rPr lang="en-US" altLang="ko-KR" sz="1200" dirty="0" smtClean="0">
+                <a:latin typeface="+mj-lt"/>
+              </a:rPr>
+              <a:t>2. </a:t>
+            </a:r>
+            <a:r>
+              <a:rPr lang="ko-KR" altLang="en-US" sz="1200" dirty="0" smtClean="0">
+                <a:latin typeface="+mj-lt"/>
+              </a:rPr>
+              <a:t>이름을 </a:t>
+            </a:r>
+            <a:r>
+              <a:rPr lang="en-US" altLang="ko-KR" sz="1200" dirty="0" err="1" smtClean="0">
+                <a:latin typeface="+mj-lt"/>
+              </a:rPr>
+              <a:t>MenuBar</a:t>
+            </a:r>
+            <a:r>
+              <a:rPr lang="ko-KR" altLang="en-US" sz="1200" dirty="0" smtClean="0">
+                <a:latin typeface="+mj-lt"/>
+              </a:rPr>
+              <a:t>로 변경합니다</a:t>
+            </a:r>
+            <a:r>
+              <a:rPr lang="en-US" altLang="ko-KR" sz="1200" dirty="0" smtClean="0">
+                <a:latin typeface="+mj-lt"/>
+              </a:rPr>
+              <a:t>.</a:t>
+            </a:r>
+            <a:endParaRPr lang="ko-KR" altLang="en-US" sz="1200" dirty="0" smtClean="0">
+              <a:latin typeface="+mj-lt"/>
+            </a:endParaRPr>
+          </a:p>
+        </p:txBody>
+      </p:sp>
+      <p:sp>
+        <p:nvSpPr>
+          <p:cNvPr id="8" name="모서리가 둥근 직사각형 7"/>
+          <p:cNvSpPr/>
+          <p:nvPr/>
+        </p:nvSpPr>
+        <p:spPr>
+          <a:xfrm>
+            <a:off x="5940152" y="2312876"/>
+            <a:ext cx="864096" cy="360040"/>
+          </a:xfrm>
+          <a:prstGeom prst="roundRect">
+            <a:avLst/>
+          </a:prstGeom>
+          <a:noFill/>
+          <a:ln>
+            <a:solidFill>
+              <a:srgbClr val="FF0000"/>
+            </a:solidFill>
+          </a:ln>
+        </p:spPr>
+        <p:style>
+          <a:lnRef idx="2">
+            <a:schemeClr val="accent1">
+              <a:shade val="50000"/>
+            </a:schemeClr>
+          </a:lnRef>
+          <a:fillRef idx="1">
+            <a:schemeClr val="accent1"/>
+          </a:fillRef>
+          <a:effectRef idx="0">
+            <a:schemeClr val="accent1"/>
+          </a:effectRef>
+          <a:fontRef idx="minor">
+            <a:schemeClr val="lt1"/>
+          </a:fontRef>
+        </p:style>
+        <p:txBody>
+          <a:bodyPr rtlCol="0" anchor="ctr"/>
+          <a:lstStyle/>
+          <a:p>
+            <a:pPr algn="ctr"/>
+            <a:endParaRPr lang="ko-KR" altLang="en-US"/>
+          </a:p>
+        </p:txBody>
+      </p:sp>
+      <p:pic>
+        <p:nvPicPr>
+          <p:cNvPr id="9" name="그림 8"/>
+          <p:cNvPicPr>
+            <a:picLocks noChangeAspect="1"/>
+          </p:cNvPicPr>
+          <p:nvPr/>
+        </p:nvPicPr>
+        <p:blipFill>
+          <a:blip r:embed="rId4"/>
+          <a:stretch>
+            <a:fillRect/>
+          </a:stretch>
+        </p:blipFill>
+        <p:spPr>
+          <a:xfrm>
+            <a:off x="5560784" y="3609020"/>
+            <a:ext cx="2495550" cy="2857500"/>
+          </a:xfrm>
+          <a:prstGeom prst="rect">
+            <a:avLst/>
+          </a:prstGeom>
+        </p:spPr>
+      </p:pic>
+      <p:sp>
+        <p:nvSpPr>
+          <p:cNvPr id="10" name="TextBox 9"/>
+          <p:cNvSpPr txBox="1"/>
+          <p:nvPr/>
+        </p:nvSpPr>
+        <p:spPr>
+          <a:xfrm>
+            <a:off x="5558894" y="3326504"/>
+            <a:ext cx="2456122" cy="276999"/>
+          </a:xfrm>
+          <a:prstGeom prst="rect">
+            <a:avLst/>
+          </a:prstGeom>
+          <a:noFill/>
+        </p:spPr>
+        <p:txBody>
+          <a:bodyPr wrap="none" rtlCol="0">
+            <a:spAutoFit/>
+          </a:bodyPr>
+          <a:lstStyle/>
+          <a:p>
+            <a:r>
+              <a:rPr lang="en-US" altLang="ko-KR" sz="1200" dirty="0">
+                <a:latin typeface="+mj-lt"/>
+              </a:rPr>
+              <a:t>4</a:t>
+            </a:r>
+            <a:r>
+              <a:rPr lang="en-US" altLang="ko-KR" sz="1200" dirty="0" smtClean="0">
+                <a:latin typeface="+mj-lt"/>
+              </a:rPr>
+              <a:t>. </a:t>
+            </a:r>
+            <a:r>
+              <a:rPr lang="ko-KR" altLang="en-US" sz="1200" dirty="0" smtClean="0">
+                <a:latin typeface="+mj-lt"/>
+              </a:rPr>
+              <a:t>왼쪽 수직 확대 정렬을 합니다</a:t>
+            </a:r>
+            <a:r>
+              <a:rPr lang="en-US" altLang="ko-KR" sz="1200" dirty="0" smtClean="0">
+                <a:latin typeface="+mj-lt"/>
+              </a:rPr>
+              <a:t>.</a:t>
+            </a:r>
+            <a:endParaRPr lang="ko-KR" altLang="en-US" sz="1200" dirty="0" smtClean="0">
+              <a:latin typeface="+mj-lt"/>
+            </a:endParaRPr>
+          </a:p>
+        </p:txBody>
+      </p:sp>
+      <p:sp>
+        <p:nvSpPr>
+          <p:cNvPr id="12" name="모서리가 둥근 직사각형 11"/>
+          <p:cNvSpPr/>
+          <p:nvPr/>
+        </p:nvSpPr>
+        <p:spPr>
+          <a:xfrm>
+            <a:off x="6228184" y="5985284"/>
+            <a:ext cx="468052" cy="481236"/>
+          </a:xfrm>
+          <a:prstGeom prst="roundRect">
+            <a:avLst/>
+          </a:prstGeom>
+          <a:noFill/>
+          <a:ln>
+            <a:solidFill>
+              <a:srgbClr val="FF0000"/>
+            </a:solidFill>
+          </a:ln>
+        </p:spPr>
+        <p:style>
+          <a:lnRef idx="2">
+            <a:schemeClr val="accent1">
+              <a:shade val="50000"/>
+            </a:schemeClr>
+          </a:lnRef>
+          <a:fillRef idx="1">
+            <a:schemeClr val="accent1"/>
+          </a:fillRef>
+          <a:effectRef idx="0">
+            <a:schemeClr val="accent1"/>
+          </a:effectRef>
+          <a:fontRef idx="minor">
+            <a:schemeClr val="lt1"/>
+          </a:fontRef>
+        </p:style>
+        <p:txBody>
+          <a:bodyPr rtlCol="0" anchor="ctr"/>
+          <a:lstStyle/>
+          <a:p>
+            <a:pPr algn="ctr"/>
+            <a:endParaRPr lang="ko-KR" altLang="en-US"/>
+          </a:p>
+        </p:txBody>
+      </p:sp>
+      <p:pic>
+        <p:nvPicPr>
+          <p:cNvPr id="13" name="그림 12"/>
+          <p:cNvPicPr>
+            <a:picLocks noChangeAspect="1"/>
+          </p:cNvPicPr>
+          <p:nvPr/>
+        </p:nvPicPr>
+        <p:blipFill>
+          <a:blip r:embed="rId5"/>
+          <a:stretch>
+            <a:fillRect/>
+          </a:stretch>
+        </p:blipFill>
+        <p:spPr>
+          <a:xfrm>
+            <a:off x="1530024" y="4797152"/>
+            <a:ext cx="2676525" cy="923925"/>
+          </a:xfrm>
+          <a:prstGeom prst="rect">
+            <a:avLst/>
+          </a:prstGeom>
+        </p:spPr>
+      </p:pic>
+      <p:sp>
+        <p:nvSpPr>
+          <p:cNvPr id="14" name="TextBox 13"/>
+          <p:cNvSpPr txBox="1"/>
+          <p:nvPr/>
+        </p:nvSpPr>
+        <p:spPr>
+          <a:xfrm>
+            <a:off x="1530024" y="4520153"/>
+            <a:ext cx="2408032" cy="276999"/>
+          </a:xfrm>
+          <a:prstGeom prst="rect">
+            <a:avLst/>
+          </a:prstGeom>
+          <a:noFill/>
+        </p:spPr>
+        <p:txBody>
+          <a:bodyPr wrap="none" rtlCol="0">
+            <a:spAutoFit/>
+          </a:bodyPr>
+          <a:lstStyle/>
+          <a:p>
+            <a:r>
+              <a:rPr lang="en-US" altLang="ko-KR" sz="1200" dirty="0" smtClean="0">
+                <a:latin typeface="+mj-lt"/>
+              </a:rPr>
+              <a:t>3. Width</a:t>
+            </a:r>
+            <a:r>
+              <a:rPr lang="ko-KR" altLang="en-US" sz="1200" dirty="0" smtClean="0">
+                <a:latin typeface="+mj-lt"/>
+              </a:rPr>
+              <a:t>를 </a:t>
+            </a:r>
+            <a:r>
+              <a:rPr lang="en-US" altLang="ko-KR" sz="1200" dirty="0" smtClean="0">
+                <a:latin typeface="+mj-lt"/>
+              </a:rPr>
+              <a:t>200</a:t>
+            </a:r>
+            <a:r>
+              <a:rPr lang="ko-KR" altLang="en-US" sz="1200" dirty="0" smtClean="0">
+                <a:latin typeface="+mj-lt"/>
+              </a:rPr>
+              <a:t>으로 설정합니다</a:t>
+            </a:r>
+            <a:r>
+              <a:rPr lang="en-US" altLang="ko-KR" sz="1200" dirty="0" smtClean="0">
+                <a:latin typeface="+mj-lt"/>
+              </a:rPr>
+              <a:t>.</a:t>
+            </a:r>
+            <a:endParaRPr lang="ko-KR" altLang="en-US" sz="1200" dirty="0" smtClean="0">
+              <a:latin typeface="+mj-lt"/>
+            </a:endParaRPr>
+          </a:p>
+        </p:txBody>
+      </p:sp>
+    </p:spTree>
+    <p:extLst>
+      <p:ext uri="{BB962C8B-B14F-4D97-AF65-F5344CB8AC3E}">
+        <p14:creationId xmlns:p14="http://schemas.microsoft.com/office/powerpoint/2010/main" val="1062374417"/>
+      </p:ext>
+    </p:extLst>
+  </p:cSld>
+  <p:clrMapOvr>
+    <a:masterClrMapping/>
+  </p:clrMapOvr>
+</p:sld>
+</file>
+
+<file path=ppt/slides/slide4.xml><?xml version="1.0" encoding="utf-8"?>
+<p:sld xmlns:a="http://schemas.openxmlformats.org/drawingml/2006/main" xmlns:r="http://schemas.openxmlformats.org/officeDocument/2006/relationships" xmlns:p="http://schemas.openxmlformats.org/presentationml/2006/main">
+  <p:cSld>
+    <p:spTree>
+      <p:nvGrpSpPr>
+        <p:cNvPr id="1" name=""/>
+        <p:cNvGrpSpPr/>
+        <p:nvPr/>
+      </p:nvGrpSpPr>
+      <p:grpSpPr>
+        <a:xfrm>
+          <a:off x="0" y="0"/>
+          <a:ext cx="0" cy="0"/>
+          <a:chOff x="0" y="0"/>
+          <a:chExt cx="0" cy="0"/>
+        </a:xfrm>
+      </p:grpSpPr>
+      <p:sp>
+        <p:nvSpPr>
+          <p:cNvPr id="4" name="TextBox 3"/>
+          <p:cNvSpPr txBox="1"/>
+          <p:nvPr/>
+        </p:nvSpPr>
+        <p:spPr>
+          <a:xfrm>
+            <a:off x="522831" y="-6392"/>
+            <a:ext cx="6992989" cy="807324"/>
+          </a:xfrm>
+          <a:prstGeom prst="rect">
+            <a:avLst/>
+          </a:prstGeom>
+          <a:noFill/>
+        </p:spPr>
+        <p:txBody>
+          <a:bodyPr wrap="none" rtlCol="0" anchor="ctr">
+            <a:noAutofit/>
+          </a:bodyPr>
+          <a:lstStyle/>
+          <a:p>
+            <a:r>
+              <a:rPr lang="ko-KR" altLang="en-US" sz="3400" b="1" dirty="0" smtClean="0">
+                <a:solidFill>
+                  <a:srgbClr val="1CCAB9"/>
+                </a:solidFill>
+                <a:latin typeface="+mn-ea"/>
+              </a:rPr>
+              <a:t>프로젝트 생성</a:t>
+            </a:r>
+            <a:endParaRPr lang="en-US" altLang="ko-KR" sz="3400" b="1" dirty="0">
+              <a:solidFill>
+                <a:srgbClr val="1CCAB9"/>
+              </a:solidFill>
+              <a:latin typeface="+mn-ea"/>
+            </a:endParaRPr>
+          </a:p>
+        </p:txBody>
+      </p:sp>
+      <p:pic>
+        <p:nvPicPr>
+          <p:cNvPr id="2" name="그림 1"/>
+          <p:cNvPicPr>
+            <a:picLocks noChangeAspect="1"/>
+          </p:cNvPicPr>
+          <p:nvPr/>
+        </p:nvPicPr>
+        <p:blipFill>
+          <a:blip r:embed="rId2" cstate="print"/>
+          <a:stretch>
+            <a:fillRect/>
+          </a:stretch>
+        </p:blipFill>
+        <p:spPr>
+          <a:xfrm>
+            <a:off x="422260" y="1124744"/>
+            <a:ext cx="8368147" cy="4860540"/>
+          </a:xfrm>
+          <a:prstGeom prst="rect">
+            <a:avLst/>
+          </a:prstGeom>
+        </p:spPr>
+      </p:pic>
+      <p:sp>
+        <p:nvSpPr>
+          <p:cNvPr id="3" name="모서리가 둥근 직사각형 2"/>
+          <p:cNvSpPr/>
+          <p:nvPr/>
+        </p:nvSpPr>
+        <p:spPr>
+          <a:xfrm>
+            <a:off x="6120172" y="1808820"/>
+            <a:ext cx="612068" cy="288032"/>
+          </a:xfrm>
+          <a:prstGeom prst="roundRect">
+            <a:avLst/>
+          </a:prstGeom>
+          <a:noFill/>
+          <a:ln>
+            <a:solidFill>
+              <a:srgbClr val="FF0000"/>
+            </a:solidFill>
+          </a:ln>
+        </p:spPr>
+        <p:style>
+          <a:lnRef idx="2">
+            <a:schemeClr val="accent1">
+              <a:shade val="50000"/>
+            </a:schemeClr>
+          </a:lnRef>
+          <a:fillRef idx="1">
+            <a:schemeClr val="accent1"/>
+          </a:fillRef>
+          <a:effectRef idx="0">
+            <a:schemeClr val="accent1"/>
+          </a:effectRef>
+          <a:fontRef idx="minor">
+            <a:schemeClr val="lt1"/>
+          </a:fontRef>
+        </p:style>
+        <p:txBody>
+          <a:bodyPr rtlCol="0" anchor="ctr"/>
+          <a:lstStyle/>
+          <a:p>
+            <a:pPr algn="ctr"/>
+            <a:endParaRPr lang="ko-KR" altLang="en-US"/>
+          </a:p>
+        </p:txBody>
+      </p:sp>
+    </p:spTree>
+    <p:extLst>
+      <p:ext uri="{BB962C8B-B14F-4D97-AF65-F5344CB8AC3E}">
+        <p14:creationId xmlns:p14="http://schemas.microsoft.com/office/powerpoint/2010/main" val="1995842376"/>
+      </p:ext>
+    </p:extLst>
+  </p:cSld>
+  <p:clrMapOvr>
+    <a:masterClrMapping/>
+  </p:clrMapOvr>
+  <mc:AlternateContent xmlns:mc="http://schemas.openxmlformats.org/markup-compatibility/2006" xmlns:p14="http://schemas.microsoft.com/office/powerpoint/2010/main">
+    <mc:Choice Requires="p14">
+      <p:transition spd="med" p14:dur="700">
+        <p:fade/>
+      </p:transition>
+    </mc:Choice>
+    <mc:Fallback xmlns="">
+      <p:transition spd="med">
+        <p:fade/>
+      </p:transition>
+    </mc:Fallback>
+  </mc:AlternateContent>
+  <p:timing>
+    <p:tnLst>
+      <p:par>
+        <p:cTn id="1" dur="indefinite" restart="never" nodeType="tmRoot"/>
+      </p:par>
+    </p:tnLst>
+  </p:timing>
+</p:sld>
+</file>
+
+<file path=ppt/slides/slide40.xml><?xml version="1.0" encoding="utf-8"?>
+<p:sld xmlns:a="http://schemas.openxmlformats.org/drawingml/2006/main" xmlns:r="http://schemas.openxmlformats.org/officeDocument/2006/relationships" xmlns:p="http://schemas.openxmlformats.org/presentationml/2006/main">
+  <p:cSld>
+    <p:spTree>
+      <p:nvGrpSpPr>
+        <p:cNvPr id="1" name=""/>
+        <p:cNvGrpSpPr/>
+        <p:nvPr/>
+      </p:nvGrpSpPr>
+      <p:grpSpPr>
+        <a:xfrm>
+          <a:off x="0" y="0"/>
+          <a:ext cx="0" cy="0"/>
+          <a:chOff x="0" y="0"/>
+          <a:chExt cx="0" cy="0"/>
+        </a:xfrm>
+      </p:grpSpPr>
+      <p:sp>
+        <p:nvSpPr>
+          <p:cNvPr id="2" name="TextBox 1"/>
+          <p:cNvSpPr txBox="1"/>
+          <p:nvPr/>
+        </p:nvSpPr>
+        <p:spPr>
+          <a:xfrm>
+            <a:off x="522831" y="-6392"/>
+            <a:ext cx="6992989" cy="807324"/>
+          </a:xfrm>
+          <a:prstGeom prst="rect">
+            <a:avLst/>
+          </a:prstGeom>
+          <a:noFill/>
+        </p:spPr>
+        <p:txBody>
+          <a:bodyPr wrap="none" rtlCol="0" anchor="ctr">
+            <a:noAutofit/>
+          </a:bodyPr>
+          <a:lstStyle/>
+          <a:p>
+            <a:r>
+              <a:rPr lang="ko-KR" altLang="en-US" sz="3400" b="1" dirty="0" err="1">
+                <a:solidFill>
+                  <a:srgbClr val="1CCAB9"/>
+                </a:solidFill>
+                <a:latin typeface="+mn-ea"/>
+              </a:rPr>
+              <a:t>메뉴바</a:t>
+            </a:r>
+            <a:r>
+              <a:rPr lang="ko-KR" altLang="en-US" sz="3400" b="1" dirty="0">
+                <a:solidFill>
+                  <a:srgbClr val="1CCAB9"/>
+                </a:solidFill>
+                <a:latin typeface="+mn-ea"/>
+              </a:rPr>
+              <a:t> 만들기</a:t>
+            </a:r>
+            <a:endParaRPr lang="en-US" altLang="ko-KR" sz="3400" b="1" dirty="0">
+              <a:solidFill>
+                <a:srgbClr val="1CCAB9"/>
+              </a:solidFill>
+              <a:latin typeface="+mn-ea"/>
+            </a:endParaRPr>
+          </a:p>
+        </p:txBody>
+      </p:sp>
+      <p:pic>
+        <p:nvPicPr>
+          <p:cNvPr id="4" name="그림 3"/>
+          <p:cNvPicPr>
+            <a:picLocks noChangeAspect="1"/>
+          </p:cNvPicPr>
+          <p:nvPr/>
+        </p:nvPicPr>
+        <p:blipFill>
+          <a:blip r:embed="rId2"/>
+          <a:stretch>
+            <a:fillRect/>
+          </a:stretch>
+        </p:blipFill>
+        <p:spPr>
+          <a:xfrm>
+            <a:off x="518093" y="1521439"/>
+            <a:ext cx="3810000" cy="1190625"/>
+          </a:xfrm>
+          <a:prstGeom prst="rect">
+            <a:avLst/>
+          </a:prstGeom>
+        </p:spPr>
+      </p:pic>
+      <p:sp>
+        <p:nvSpPr>
+          <p:cNvPr id="5" name="TextBox 4"/>
+          <p:cNvSpPr txBox="1"/>
+          <p:nvPr/>
+        </p:nvSpPr>
+        <p:spPr>
+          <a:xfrm>
+            <a:off x="518093" y="1244440"/>
+            <a:ext cx="2501006" cy="276999"/>
+          </a:xfrm>
+          <a:prstGeom prst="rect">
+            <a:avLst/>
+          </a:prstGeom>
+          <a:noFill/>
+        </p:spPr>
+        <p:txBody>
+          <a:bodyPr wrap="none" rtlCol="0">
+            <a:spAutoFit/>
+          </a:bodyPr>
+          <a:lstStyle/>
+          <a:p>
+            <a:r>
+              <a:rPr lang="en-US" altLang="ko-KR" sz="1200" dirty="0" smtClean="0">
+                <a:latin typeface="+mj-lt"/>
+              </a:rPr>
+              <a:t>1. </a:t>
+            </a:r>
+            <a:r>
+              <a:rPr lang="ko-KR" altLang="en-US" sz="1200" dirty="0" smtClean="0">
+                <a:latin typeface="+mj-lt"/>
+              </a:rPr>
+              <a:t>색상을 검은색으로 변경합니다</a:t>
+            </a:r>
+            <a:r>
+              <a:rPr lang="en-US" altLang="ko-KR" sz="1200" dirty="0" smtClean="0">
+                <a:latin typeface="+mj-lt"/>
+              </a:rPr>
+              <a:t>.</a:t>
+            </a:r>
+            <a:endParaRPr lang="ko-KR" altLang="en-US" sz="1200" dirty="0" smtClean="0">
+              <a:latin typeface="+mj-lt"/>
+            </a:endParaRPr>
+          </a:p>
+        </p:txBody>
+      </p:sp>
+      <p:sp>
+        <p:nvSpPr>
+          <p:cNvPr id="6" name="모서리가 둥근 직사각형 5"/>
+          <p:cNvSpPr/>
+          <p:nvPr/>
+        </p:nvSpPr>
+        <p:spPr>
+          <a:xfrm>
+            <a:off x="4103948" y="1916832"/>
+            <a:ext cx="224145" cy="199919"/>
+          </a:xfrm>
+          <a:prstGeom prst="roundRect">
+            <a:avLst/>
+          </a:prstGeom>
+          <a:noFill/>
+          <a:ln>
+            <a:solidFill>
+              <a:srgbClr val="FF0000"/>
+            </a:solidFill>
+          </a:ln>
+        </p:spPr>
+        <p:style>
+          <a:lnRef idx="2">
+            <a:schemeClr val="accent1">
+              <a:shade val="50000"/>
+            </a:schemeClr>
+          </a:lnRef>
+          <a:fillRef idx="1">
+            <a:schemeClr val="accent1"/>
+          </a:fillRef>
+          <a:effectRef idx="0">
+            <a:schemeClr val="accent1"/>
+          </a:effectRef>
+          <a:fontRef idx="minor">
+            <a:schemeClr val="lt1"/>
+          </a:fontRef>
+        </p:style>
+        <p:txBody>
+          <a:bodyPr rtlCol="0" anchor="ctr"/>
+          <a:lstStyle/>
+          <a:p>
+            <a:pPr algn="ctr"/>
+            <a:endParaRPr lang="ko-KR" altLang="en-US"/>
+          </a:p>
+        </p:txBody>
+      </p:sp>
+      <p:pic>
+        <p:nvPicPr>
+          <p:cNvPr id="7" name="그림 6"/>
+          <p:cNvPicPr>
+            <a:picLocks noChangeAspect="1"/>
+          </p:cNvPicPr>
+          <p:nvPr/>
+        </p:nvPicPr>
+        <p:blipFill>
+          <a:blip r:embed="rId3"/>
+          <a:stretch>
+            <a:fillRect/>
+          </a:stretch>
+        </p:blipFill>
+        <p:spPr>
+          <a:xfrm>
+            <a:off x="5149267" y="1525395"/>
+            <a:ext cx="1514475" cy="923925"/>
+          </a:xfrm>
+          <a:prstGeom prst="rect">
+            <a:avLst/>
+          </a:prstGeom>
+        </p:spPr>
+      </p:pic>
+      <p:sp>
+        <p:nvSpPr>
+          <p:cNvPr id="8" name="TextBox 7"/>
+          <p:cNvSpPr txBox="1"/>
+          <p:nvPr/>
+        </p:nvSpPr>
+        <p:spPr>
+          <a:xfrm>
+            <a:off x="5149267" y="1244440"/>
+            <a:ext cx="2911374" cy="276999"/>
+          </a:xfrm>
+          <a:prstGeom prst="rect">
+            <a:avLst/>
+          </a:prstGeom>
+          <a:noFill/>
+        </p:spPr>
+        <p:txBody>
+          <a:bodyPr wrap="none" rtlCol="0">
+            <a:spAutoFit/>
+          </a:bodyPr>
+          <a:lstStyle/>
+          <a:p>
+            <a:r>
+              <a:rPr lang="en-US" altLang="ko-KR" sz="1200" dirty="0" smtClean="0">
+                <a:latin typeface="+mj-lt"/>
+              </a:rPr>
+              <a:t>2. </a:t>
+            </a:r>
+            <a:r>
+              <a:rPr lang="en-US" altLang="ko-KR" sz="1200" dirty="0" err="1" smtClean="0">
+                <a:latin typeface="+mj-lt"/>
+              </a:rPr>
+              <a:t>MenuBar</a:t>
+            </a:r>
+            <a:r>
+              <a:rPr lang="en-US" altLang="ko-KR" sz="1200" dirty="0" smtClean="0">
+                <a:latin typeface="+mj-lt"/>
+              </a:rPr>
+              <a:t> C# </a:t>
+            </a:r>
+            <a:r>
+              <a:rPr lang="ko-KR" altLang="en-US" sz="1200" dirty="0" smtClean="0">
+                <a:latin typeface="+mj-lt"/>
+              </a:rPr>
+              <a:t>스크립트를 생성합니다</a:t>
+            </a:r>
+            <a:r>
+              <a:rPr lang="en-US" altLang="ko-KR" sz="1200" dirty="0" smtClean="0">
+                <a:latin typeface="+mj-lt"/>
+              </a:rPr>
+              <a:t>.</a:t>
+            </a:r>
+            <a:endParaRPr lang="ko-KR" altLang="en-US" sz="1200" dirty="0" smtClean="0">
+              <a:latin typeface="+mj-lt"/>
+            </a:endParaRPr>
+          </a:p>
+        </p:txBody>
+      </p:sp>
+      <p:sp>
+        <p:nvSpPr>
+          <p:cNvPr id="9" name="모서리가 둥근 직사각형 8"/>
+          <p:cNvSpPr/>
+          <p:nvPr/>
+        </p:nvSpPr>
+        <p:spPr>
+          <a:xfrm>
+            <a:off x="5832140" y="1521439"/>
+            <a:ext cx="831602" cy="927881"/>
+          </a:xfrm>
+          <a:prstGeom prst="roundRect">
+            <a:avLst/>
+          </a:prstGeom>
+          <a:noFill/>
+          <a:ln>
+            <a:solidFill>
+              <a:srgbClr val="FF0000"/>
+            </a:solidFill>
+          </a:ln>
+        </p:spPr>
+        <p:style>
+          <a:lnRef idx="2">
+            <a:schemeClr val="accent1">
+              <a:shade val="50000"/>
+            </a:schemeClr>
+          </a:lnRef>
+          <a:fillRef idx="1">
+            <a:schemeClr val="accent1"/>
+          </a:fillRef>
+          <a:effectRef idx="0">
+            <a:schemeClr val="accent1"/>
+          </a:effectRef>
+          <a:fontRef idx="minor">
+            <a:schemeClr val="lt1"/>
+          </a:fontRef>
+        </p:style>
+        <p:txBody>
+          <a:bodyPr rtlCol="0" anchor="ctr"/>
+          <a:lstStyle/>
+          <a:p>
+            <a:pPr algn="ctr"/>
+            <a:endParaRPr lang="ko-KR" altLang="en-US"/>
+          </a:p>
+        </p:txBody>
+      </p:sp>
+      <p:pic>
+        <p:nvPicPr>
+          <p:cNvPr id="10" name="그림 9"/>
+          <p:cNvPicPr>
+            <a:picLocks noChangeAspect="1"/>
+          </p:cNvPicPr>
+          <p:nvPr/>
+        </p:nvPicPr>
+        <p:blipFill>
+          <a:blip r:embed="rId4"/>
+          <a:stretch>
+            <a:fillRect/>
+          </a:stretch>
+        </p:blipFill>
+        <p:spPr>
+          <a:xfrm>
+            <a:off x="1259632" y="3389331"/>
+            <a:ext cx="6391275" cy="2876550"/>
+          </a:xfrm>
+          <a:prstGeom prst="rect">
+            <a:avLst/>
+          </a:prstGeom>
+        </p:spPr>
+      </p:pic>
+      <p:sp>
+        <p:nvSpPr>
+          <p:cNvPr id="11" name="TextBox 10"/>
+          <p:cNvSpPr txBox="1"/>
+          <p:nvPr/>
+        </p:nvSpPr>
+        <p:spPr>
+          <a:xfrm>
+            <a:off x="1259632" y="3112332"/>
+            <a:ext cx="2193229" cy="276999"/>
+          </a:xfrm>
+          <a:prstGeom prst="rect">
+            <a:avLst/>
+          </a:prstGeom>
+          <a:noFill/>
+        </p:spPr>
+        <p:txBody>
+          <a:bodyPr wrap="none" rtlCol="0">
+            <a:spAutoFit/>
+          </a:bodyPr>
+          <a:lstStyle/>
+          <a:p>
+            <a:r>
+              <a:rPr lang="en-US" altLang="ko-KR" sz="1200" dirty="0" smtClean="0">
+                <a:latin typeface="+mj-lt"/>
+              </a:rPr>
+              <a:t>3. </a:t>
+            </a:r>
+            <a:r>
+              <a:rPr lang="ko-KR" altLang="en-US" sz="1200" dirty="0" smtClean="0">
+                <a:latin typeface="+mj-lt"/>
+              </a:rPr>
+              <a:t>아래의 코드를 입력합니다</a:t>
+            </a:r>
+            <a:r>
+              <a:rPr lang="en-US" altLang="ko-KR" sz="1200" dirty="0" smtClean="0">
+                <a:latin typeface="+mj-lt"/>
+              </a:rPr>
+              <a:t>.</a:t>
+            </a:r>
+            <a:endParaRPr lang="ko-KR" altLang="en-US" sz="1200" dirty="0" smtClean="0">
+              <a:latin typeface="+mj-lt"/>
+            </a:endParaRPr>
+          </a:p>
+        </p:txBody>
+      </p:sp>
+      <p:sp>
+        <p:nvSpPr>
+          <p:cNvPr id="12" name="모서리가 둥근 직사각형 11"/>
+          <p:cNvSpPr/>
+          <p:nvPr/>
+        </p:nvSpPr>
+        <p:spPr>
+          <a:xfrm>
+            <a:off x="1511660" y="4221088"/>
+            <a:ext cx="6139247" cy="1944216"/>
+          </a:xfrm>
+          <a:prstGeom prst="roundRect">
+            <a:avLst/>
+          </a:prstGeom>
+          <a:noFill/>
+          <a:ln>
+            <a:solidFill>
+              <a:srgbClr val="FF0000"/>
+            </a:solidFill>
+          </a:ln>
+        </p:spPr>
+        <p:style>
+          <a:lnRef idx="2">
+            <a:schemeClr val="accent1">
+              <a:shade val="50000"/>
+            </a:schemeClr>
+          </a:lnRef>
+          <a:fillRef idx="1">
+            <a:schemeClr val="accent1"/>
+          </a:fillRef>
+          <a:effectRef idx="0">
+            <a:schemeClr val="accent1"/>
+          </a:effectRef>
+          <a:fontRef idx="minor">
+            <a:schemeClr val="lt1"/>
+          </a:fontRef>
+        </p:style>
+        <p:txBody>
+          <a:bodyPr rtlCol="0" anchor="ctr"/>
+          <a:lstStyle/>
+          <a:p>
+            <a:pPr algn="ctr"/>
+            <a:endParaRPr lang="ko-KR" altLang="en-US"/>
+          </a:p>
+        </p:txBody>
+      </p:sp>
+    </p:spTree>
+    <p:extLst>
+      <p:ext uri="{BB962C8B-B14F-4D97-AF65-F5344CB8AC3E}">
+        <p14:creationId xmlns:p14="http://schemas.microsoft.com/office/powerpoint/2010/main" val="4011443657"/>
+      </p:ext>
+    </p:extLst>
+  </p:cSld>
+  <p:clrMapOvr>
+    <a:masterClrMapping/>
+  </p:clrMapOvr>
+</p:sld>
+</file>
+
+<file path=ppt/slides/slide41.xml><?xml version="1.0" encoding="utf-8"?>
+<p:sld xmlns:a="http://schemas.openxmlformats.org/drawingml/2006/main" xmlns:r="http://schemas.openxmlformats.org/officeDocument/2006/relationships" xmlns:p="http://schemas.openxmlformats.org/presentationml/2006/main">
+  <p:cSld>
+    <p:spTree>
+      <p:nvGrpSpPr>
+        <p:cNvPr id="1" name=""/>
+        <p:cNvGrpSpPr/>
+        <p:nvPr/>
+      </p:nvGrpSpPr>
+      <p:grpSpPr>
+        <a:xfrm>
+          <a:off x="0" y="0"/>
+          <a:ext cx="0" cy="0"/>
+          <a:chOff x="0" y="0"/>
+          <a:chExt cx="0" cy="0"/>
+        </a:xfrm>
+      </p:grpSpPr>
+      <p:sp>
+        <p:nvSpPr>
+          <p:cNvPr id="2" name="TextBox 1"/>
+          <p:cNvSpPr txBox="1"/>
+          <p:nvPr/>
+        </p:nvSpPr>
+        <p:spPr>
+          <a:xfrm>
+            <a:off x="522831" y="-6392"/>
+            <a:ext cx="6992989" cy="807324"/>
+          </a:xfrm>
+          <a:prstGeom prst="rect">
+            <a:avLst/>
+          </a:prstGeom>
+          <a:noFill/>
+        </p:spPr>
+        <p:txBody>
+          <a:bodyPr wrap="none" rtlCol="0" anchor="ctr">
+            <a:noAutofit/>
+          </a:bodyPr>
+          <a:lstStyle/>
+          <a:p>
+            <a:r>
+              <a:rPr lang="ko-KR" altLang="en-US" sz="3400" b="1" dirty="0" err="1">
+                <a:solidFill>
+                  <a:srgbClr val="1CCAB9"/>
+                </a:solidFill>
+                <a:latin typeface="+mn-ea"/>
+              </a:rPr>
+              <a:t>메뉴바</a:t>
+            </a:r>
+            <a:r>
+              <a:rPr lang="ko-KR" altLang="en-US" sz="3400" b="1" dirty="0">
+                <a:solidFill>
+                  <a:srgbClr val="1CCAB9"/>
+                </a:solidFill>
+                <a:latin typeface="+mn-ea"/>
+              </a:rPr>
+              <a:t> 만들기</a:t>
+            </a:r>
+            <a:endParaRPr lang="en-US" altLang="ko-KR" sz="3400" b="1" dirty="0">
+              <a:solidFill>
+                <a:srgbClr val="1CCAB9"/>
+              </a:solidFill>
+              <a:latin typeface="+mn-ea"/>
+            </a:endParaRPr>
+          </a:p>
+        </p:txBody>
+      </p:sp>
+      <p:pic>
+        <p:nvPicPr>
+          <p:cNvPr id="3" name="그림 2"/>
+          <p:cNvPicPr>
+            <a:picLocks noChangeAspect="1"/>
+          </p:cNvPicPr>
+          <p:nvPr/>
+        </p:nvPicPr>
+        <p:blipFill>
+          <a:blip r:embed="rId2"/>
+          <a:stretch>
+            <a:fillRect/>
+          </a:stretch>
+        </p:blipFill>
+        <p:spPr>
+          <a:xfrm>
+            <a:off x="611560" y="1520788"/>
+            <a:ext cx="3401097" cy="4249604"/>
+          </a:xfrm>
+          <a:prstGeom prst="rect">
+            <a:avLst/>
+          </a:prstGeom>
+        </p:spPr>
+      </p:pic>
+      <p:sp>
+        <p:nvSpPr>
+          <p:cNvPr id="4" name="TextBox 3"/>
+          <p:cNvSpPr txBox="1"/>
+          <p:nvPr/>
+        </p:nvSpPr>
+        <p:spPr>
+          <a:xfrm>
+            <a:off x="613983" y="1243789"/>
+            <a:ext cx="1989647" cy="276999"/>
+          </a:xfrm>
+          <a:prstGeom prst="rect">
+            <a:avLst/>
+          </a:prstGeom>
+          <a:noFill/>
+        </p:spPr>
+        <p:txBody>
+          <a:bodyPr wrap="none" rtlCol="0">
+            <a:spAutoFit/>
+          </a:bodyPr>
+          <a:lstStyle/>
+          <a:p>
+            <a:r>
+              <a:rPr lang="en-US" altLang="ko-KR" sz="1200" dirty="0" smtClean="0">
+                <a:latin typeface="+mj-lt"/>
+              </a:rPr>
+              <a:t>1. MENU </a:t>
+            </a:r>
+            <a:r>
+              <a:rPr lang="ko-KR" altLang="en-US" sz="1200" dirty="0" smtClean="0">
+                <a:latin typeface="+mj-lt"/>
+              </a:rPr>
+              <a:t>버튼을 클릭하면</a:t>
+            </a:r>
+            <a:endParaRPr lang="ko-KR" altLang="en-US" sz="1200" dirty="0" smtClean="0">
+              <a:latin typeface="+mj-lt"/>
+            </a:endParaRPr>
+          </a:p>
+        </p:txBody>
+      </p:sp>
+      <p:pic>
+        <p:nvPicPr>
+          <p:cNvPr id="5" name="그림 4"/>
+          <p:cNvPicPr>
+            <a:picLocks noChangeAspect="1"/>
+          </p:cNvPicPr>
+          <p:nvPr/>
+        </p:nvPicPr>
+        <p:blipFill>
+          <a:blip r:embed="rId3"/>
+          <a:stretch>
+            <a:fillRect/>
+          </a:stretch>
+        </p:blipFill>
+        <p:spPr>
+          <a:xfrm>
+            <a:off x="5040052" y="1520788"/>
+            <a:ext cx="2114308" cy="4430362"/>
+          </a:xfrm>
+          <a:prstGeom prst="rect">
+            <a:avLst/>
+          </a:prstGeom>
+        </p:spPr>
+      </p:pic>
+      <p:sp>
+        <p:nvSpPr>
+          <p:cNvPr id="6" name="TextBox 5"/>
+          <p:cNvSpPr txBox="1"/>
+          <p:nvPr/>
+        </p:nvSpPr>
+        <p:spPr>
+          <a:xfrm>
+            <a:off x="5005585" y="1243789"/>
+            <a:ext cx="3280065" cy="276999"/>
+          </a:xfrm>
+          <a:prstGeom prst="rect">
+            <a:avLst/>
+          </a:prstGeom>
+          <a:noFill/>
+        </p:spPr>
+        <p:txBody>
+          <a:bodyPr wrap="none" rtlCol="0">
+            <a:spAutoFit/>
+          </a:bodyPr>
+          <a:lstStyle/>
+          <a:p>
+            <a:r>
+              <a:rPr lang="en-US" altLang="ko-KR" sz="1200" dirty="0" smtClean="0">
+                <a:latin typeface="+mj-lt"/>
+              </a:rPr>
+              <a:t>2. </a:t>
+            </a:r>
+            <a:r>
+              <a:rPr lang="ko-KR" altLang="en-US" sz="1200" dirty="0" smtClean="0">
+                <a:latin typeface="+mj-lt"/>
+              </a:rPr>
+              <a:t>아래와 같이 검은 이미지가 나오게 됩니다</a:t>
+            </a:r>
+            <a:r>
+              <a:rPr lang="en-US" altLang="ko-KR" sz="1200" dirty="0" smtClean="0">
+                <a:latin typeface="+mj-lt"/>
+              </a:rPr>
+              <a:t>.</a:t>
+            </a:r>
+            <a:endParaRPr lang="ko-KR" altLang="en-US" sz="1200" dirty="0" smtClean="0">
+              <a:latin typeface="+mj-lt"/>
+            </a:endParaRPr>
+          </a:p>
+        </p:txBody>
+      </p:sp>
+      <p:sp>
+        <p:nvSpPr>
+          <p:cNvPr id="7" name="모서리가 둥근 직사각형 6"/>
+          <p:cNvSpPr/>
+          <p:nvPr/>
+        </p:nvSpPr>
+        <p:spPr>
+          <a:xfrm>
+            <a:off x="611560" y="1520788"/>
+            <a:ext cx="972108" cy="432048"/>
+          </a:xfrm>
+          <a:prstGeom prst="roundRect">
+            <a:avLst/>
+          </a:prstGeom>
+          <a:noFill/>
+          <a:ln>
+            <a:solidFill>
+              <a:srgbClr val="FF0000"/>
+            </a:solidFill>
+          </a:ln>
+        </p:spPr>
+        <p:style>
+          <a:lnRef idx="2">
+            <a:schemeClr val="accent1">
+              <a:shade val="50000"/>
+            </a:schemeClr>
+          </a:lnRef>
+          <a:fillRef idx="1">
+            <a:schemeClr val="accent1"/>
+          </a:fillRef>
+          <a:effectRef idx="0">
+            <a:schemeClr val="accent1"/>
+          </a:effectRef>
+          <a:fontRef idx="minor">
+            <a:schemeClr val="lt1"/>
+          </a:fontRef>
+        </p:style>
+        <p:txBody>
+          <a:bodyPr rtlCol="0" anchor="ctr"/>
+          <a:lstStyle/>
+          <a:p>
+            <a:pPr algn="ctr"/>
+            <a:endParaRPr lang="ko-KR" altLang="en-US"/>
+          </a:p>
+        </p:txBody>
+      </p:sp>
+    </p:spTree>
+    <p:extLst>
+      <p:ext uri="{BB962C8B-B14F-4D97-AF65-F5344CB8AC3E}">
+        <p14:creationId xmlns:p14="http://schemas.microsoft.com/office/powerpoint/2010/main" val="1615555163"/>
+      </p:ext>
+    </p:extLst>
+  </p:cSld>
+  <p:clrMapOvr>
+    <a:masterClrMapping/>
+  </p:clrMapOvr>
+</p:sld>
+</file>
+
+<file path=ppt/slides/slide42.xml><?xml version="1.0" encoding="utf-8"?>
+<p:sld xmlns:a="http://schemas.openxmlformats.org/drawingml/2006/main" xmlns:r="http://schemas.openxmlformats.org/officeDocument/2006/relationships" xmlns:p="http://schemas.openxmlformats.org/presentationml/2006/main">
+  <p:cSld>
+    <p:spTree>
+      <p:nvGrpSpPr>
+        <p:cNvPr id="1" name=""/>
+        <p:cNvGrpSpPr/>
+        <p:nvPr/>
+      </p:nvGrpSpPr>
+      <p:grpSpPr>
+        <a:xfrm>
+          <a:off x="0" y="0"/>
+          <a:ext cx="0" cy="0"/>
+          <a:chOff x="0" y="0"/>
+          <a:chExt cx="0" cy="0"/>
+        </a:xfrm>
+      </p:grpSpPr>
+      <p:sp>
+        <p:nvSpPr>
+          <p:cNvPr id="13" name="TextBox 12"/>
+          <p:cNvSpPr txBox="1"/>
+          <p:nvPr/>
+        </p:nvSpPr>
+        <p:spPr>
+          <a:xfrm>
+            <a:off x="2816900" y="2299064"/>
+            <a:ext cx="5797073" cy="1039980"/>
+          </a:xfrm>
+          <a:prstGeom prst="rect">
+            <a:avLst/>
+          </a:prstGeom>
+          <a:noFill/>
+        </p:spPr>
+        <p:txBody>
+          <a:bodyPr wrap="none" rtlCol="0" anchor="ctr">
+            <a:noAutofit/>
+          </a:bodyPr>
+          <a:lstStyle/>
+          <a:p>
+            <a:pPr>
+              <a:lnSpc>
+                <a:spcPct val="90000"/>
+              </a:lnSpc>
+            </a:pPr>
+            <a:r>
+              <a:rPr lang="en-US" altLang="ko-KR" sz="3600" b="1" spc="-50" dirty="0" smtClean="0">
+                <a:solidFill>
+                  <a:schemeClr val="bg1"/>
+                </a:solidFill>
+                <a:latin typeface="+mn-ea"/>
+              </a:rPr>
+              <a:t>FINAL </a:t>
+            </a:r>
+            <a:r>
+              <a:rPr lang="en-US" altLang="ko-KR" sz="3600" b="1" spc="-50" dirty="0" smtClean="0">
+                <a:solidFill>
+                  <a:schemeClr val="bg1"/>
+                </a:solidFill>
+                <a:latin typeface="+mn-ea"/>
+              </a:rPr>
+              <a:t>REPORT</a:t>
+            </a:r>
+          </a:p>
+          <a:p>
+            <a:pPr>
+              <a:lnSpc>
+                <a:spcPct val="90000"/>
+              </a:lnSpc>
+            </a:pPr>
+            <a:r>
+              <a:rPr lang="ko-KR" altLang="en-US" sz="3600" b="1" spc="-50" dirty="0" err="1" smtClean="0">
+                <a:solidFill>
+                  <a:srgbClr val="1CCAB9"/>
+                </a:solidFill>
+                <a:latin typeface="+mn-ea"/>
+              </a:rPr>
+              <a:t>메뉴바</a:t>
+            </a:r>
+            <a:r>
+              <a:rPr lang="ko-KR" altLang="en-US" sz="3600" b="1" spc="-50" dirty="0" smtClean="0">
+                <a:solidFill>
+                  <a:srgbClr val="1CCAB9"/>
+                </a:solidFill>
+                <a:latin typeface="+mn-ea"/>
+              </a:rPr>
+              <a:t> 만들기</a:t>
+            </a:r>
+            <a:endParaRPr lang="en-US" altLang="ko-KR" sz="3600" b="1" spc="-50" dirty="0">
+              <a:solidFill>
+                <a:srgbClr val="1CCAB9"/>
+              </a:solidFill>
+              <a:latin typeface="+mn-ea"/>
+            </a:endParaRPr>
+          </a:p>
+        </p:txBody>
+      </p:sp>
+      <p:sp>
+        <p:nvSpPr>
+          <p:cNvPr id="14" name="TextBox 13"/>
+          <p:cNvSpPr txBox="1"/>
+          <p:nvPr/>
+        </p:nvSpPr>
+        <p:spPr>
+          <a:xfrm>
+            <a:off x="1413429" y="2417650"/>
+            <a:ext cx="943206" cy="776307"/>
+          </a:xfrm>
+          <a:prstGeom prst="rect">
+            <a:avLst/>
+          </a:prstGeom>
+          <a:noFill/>
+        </p:spPr>
+        <p:txBody>
+          <a:bodyPr wrap="none" lIns="36000" tIns="36000" rIns="36000" rtlCol="0" anchor="ctr">
+            <a:noAutofit/>
+            <a:scene3d>
+              <a:camera prst="orthographicFront"/>
+              <a:lightRig rig="threePt" dir="t"/>
+            </a:scene3d>
+            <a:sp3d contourW="50800">
+              <a:bevelT w="1270" h="50800"/>
+              <a:contourClr>
+                <a:schemeClr val="bg1"/>
+              </a:contourClr>
+            </a:sp3d>
+          </a:bodyPr>
+          <a:lstStyle/>
+          <a:p>
+            <a:pPr algn="ctr">
+              <a:spcAft>
+                <a:spcPts val="1000"/>
+              </a:spcAft>
+              <a:buClr>
+                <a:srgbClr val="977399"/>
+              </a:buClr>
+            </a:pPr>
+            <a:r>
+              <a:rPr lang="en-US" altLang="ko-KR" sz="6600" spc="-50" dirty="0" smtClean="0">
+                <a:solidFill>
+                  <a:schemeClr val="tx1">
+                    <a:lumMod val="50000"/>
+                    <a:lumOff val="50000"/>
+                  </a:schemeClr>
+                </a:solidFill>
+                <a:latin typeface="+mn-ea"/>
+              </a:rPr>
+              <a:t>Ⅲ</a:t>
+            </a:r>
+            <a:endParaRPr lang="en-US" altLang="ko-KR" sz="6600" spc="-50" dirty="0" smtClean="0">
+              <a:solidFill>
+                <a:schemeClr val="tx1">
+                  <a:lumMod val="50000"/>
+                  <a:lumOff val="50000"/>
+                </a:schemeClr>
+              </a:solidFill>
+              <a:latin typeface="+mn-ea"/>
+            </a:endParaRPr>
+          </a:p>
+        </p:txBody>
+      </p:sp>
+    </p:spTree>
+    <p:extLst>
+      <p:ext uri="{BB962C8B-B14F-4D97-AF65-F5344CB8AC3E}">
+        <p14:creationId xmlns:p14="http://schemas.microsoft.com/office/powerpoint/2010/main" val="1708023555"/>
+      </p:ext>
+    </p:extLst>
+  </p:cSld>
+  <p:clrMapOvr>
+    <a:masterClrMapping/>
+  </p:clrMapOvr>
+  <mc:AlternateContent xmlns:mc="http://schemas.openxmlformats.org/markup-compatibility/2006" xmlns:p14="http://schemas.microsoft.com/office/powerpoint/2010/main">
+    <mc:Choice Requires="p14">
+      <p:transition spd="med" p14:dur="700">
+        <p:fade/>
+      </p:transition>
+    </mc:Choice>
+    <mc:Fallback xmlns="">
+      <p:transition spd="med">
+        <p:fade/>
+      </p:transition>
+    </mc:Fallback>
+  </mc:AlternateContent>
+  <p:timing>
+    <p:tnLst>
+      <p:par>
+        <p:cTn id="1" dur="indefinite" restart="never" nodeType="tmRoot"/>
+      </p:par>
+    </p:tnLst>
+  </p:timing>
+</p:sld>
+</file>
+
+<file path=ppt/slides/slide43.xml><?xml version="1.0" encoding="utf-8"?>
+<p:sld xmlns:a="http://schemas.openxmlformats.org/drawingml/2006/main" xmlns:r="http://schemas.openxmlformats.org/officeDocument/2006/relationships" xmlns:p="http://schemas.openxmlformats.org/presentationml/2006/main">
+  <p:cSld>
+    <p:spTree>
+      <p:nvGrpSpPr>
+        <p:cNvPr id="1" name=""/>
+        <p:cNvGrpSpPr/>
+        <p:nvPr/>
+      </p:nvGrpSpPr>
+      <p:grpSpPr>
+        <a:xfrm>
+          <a:off x="0" y="0"/>
+          <a:ext cx="0" cy="0"/>
+          <a:chOff x="0" y="0"/>
+          <a:chExt cx="0" cy="0"/>
+        </a:xfrm>
+      </p:grpSpPr>
+      <p:sp>
+        <p:nvSpPr>
+          <p:cNvPr id="2" name="TextBox 1"/>
+          <p:cNvSpPr txBox="1"/>
+          <p:nvPr/>
+        </p:nvSpPr>
+        <p:spPr>
+          <a:xfrm>
+            <a:off x="522831" y="-6392"/>
+            <a:ext cx="6992989" cy="807324"/>
+          </a:xfrm>
+          <a:prstGeom prst="rect">
+            <a:avLst/>
+          </a:prstGeom>
+          <a:noFill/>
+        </p:spPr>
+        <p:txBody>
+          <a:bodyPr wrap="none" rtlCol="0" anchor="ctr">
+            <a:noAutofit/>
+          </a:bodyPr>
+          <a:lstStyle/>
+          <a:p>
+            <a:r>
+              <a:rPr lang="ko-KR" altLang="en-US" sz="3400" b="1" dirty="0">
+                <a:solidFill>
+                  <a:srgbClr val="1CCAB9"/>
+                </a:solidFill>
+                <a:latin typeface="+mn-ea"/>
+              </a:rPr>
+              <a:t>메뉴 만들기</a:t>
+            </a:r>
+            <a:endParaRPr lang="en-US" altLang="ko-KR" sz="3400" b="1" dirty="0">
+              <a:solidFill>
+                <a:srgbClr val="1CCAB9"/>
+              </a:solidFill>
+              <a:latin typeface="+mn-ea"/>
+            </a:endParaRPr>
+          </a:p>
+        </p:txBody>
+      </p:sp>
+    </p:spTree>
+    <p:extLst>
+      <p:ext uri="{BB962C8B-B14F-4D97-AF65-F5344CB8AC3E}">
+        <p14:creationId xmlns:p14="http://schemas.microsoft.com/office/powerpoint/2010/main" val="135253687"/>
+      </p:ext>
+    </p:extLst>
+  </p:cSld>
+  <p:clrMapOvr>
+    <a:masterClrMapping/>
+  </p:clrMapOvr>
+</p:sld>
+</file>
+
+<file path=ppt/slides/slide44.xml><?xml version="1.0" encoding="utf-8"?>
+<p:sld xmlns:a="http://schemas.openxmlformats.org/drawingml/2006/main" xmlns:r="http://schemas.openxmlformats.org/officeDocument/2006/relationships" xmlns:p="http://schemas.openxmlformats.org/presentationml/2006/main">
+  <p:cSld>
+    <p:spTree>
+      <p:nvGrpSpPr>
+        <p:cNvPr id="1" name=""/>
+        <p:cNvGrpSpPr/>
+        <p:nvPr/>
+      </p:nvGrpSpPr>
+      <p:grpSpPr>
+        <a:xfrm>
+          <a:off x="0" y="0"/>
+          <a:ext cx="0" cy="0"/>
+          <a:chOff x="0" y="0"/>
+          <a:chExt cx="0" cy="0"/>
+        </a:xfrm>
+      </p:grpSpPr>
+      <p:sp>
+        <p:nvSpPr>
+          <p:cNvPr id="4" name="TextBox 3"/>
+          <p:cNvSpPr txBox="1"/>
+          <p:nvPr/>
+        </p:nvSpPr>
+        <p:spPr>
+          <a:xfrm>
+            <a:off x="522831" y="-6392"/>
+            <a:ext cx="6992989" cy="807324"/>
+          </a:xfrm>
+          <a:prstGeom prst="rect">
+            <a:avLst/>
+          </a:prstGeom>
+          <a:noFill/>
+        </p:spPr>
+        <p:txBody>
+          <a:bodyPr wrap="none" rtlCol="0" anchor="ctr">
+            <a:noAutofit/>
+          </a:bodyPr>
+          <a:lstStyle/>
+          <a:p>
+            <a:r>
+              <a:rPr lang="en-US" altLang="ko-KR" sz="3400" b="1" dirty="0" smtClean="0">
+                <a:solidFill>
+                  <a:srgbClr val="1CCAB9"/>
+                </a:solidFill>
+                <a:latin typeface="+mn-ea"/>
+              </a:rPr>
+              <a:t>Reference</a:t>
+            </a:r>
+            <a:endParaRPr lang="en-US" altLang="ko-KR" sz="3400" b="1" dirty="0">
+              <a:solidFill>
+                <a:srgbClr val="1CCAB9"/>
+              </a:solidFill>
+              <a:latin typeface="+mn-ea"/>
+            </a:endParaRPr>
+          </a:p>
+        </p:txBody>
+      </p:sp>
       <p:sp>
         <p:nvSpPr>
           <p:cNvPr id="5" name="Rectangle 8"/>
@@ -15580,7 +18739,7 @@
         <p:spPr bwMode="auto">
           <a:xfrm>
             <a:off x="643719" y="1021080"/>
-            <a:ext cx="7856562" cy="538609"/>
+            <a:ext cx="7856562" cy="1446550"/>
           </a:xfrm>
           <a:prstGeom prst="rect">
             <a:avLst/>
@@ -15687,6 +18846,67 @@
               </a:rPr>
               <a:t>PPT</a:t>
             </a:r>
+          </a:p>
+          <a:p>
+            <a:pPr marL="228600" indent="-228600">
+              <a:spcBef>
+                <a:spcPts val="600"/>
+              </a:spcBef>
+              <a:buAutoNum type="arabicPeriod"/>
+              <a:defRPr/>
+            </a:pPr>
+            <a:r>
+              <a:rPr lang="en-US" altLang="ko-KR" sz="1100" b="1" dirty="0">
+                <a:latin typeface="맑은 고딕" pitchFamily="50" charset="-127"/>
+                <a:hlinkClick r:id="rId3"/>
+              </a:rPr>
+              <a:t>http://</a:t>
+            </a:r>
+            <a:r>
+              <a:rPr lang="en-US" altLang="ko-KR" sz="1100" b="1" dirty="0" smtClean="0">
+                <a:latin typeface="맑은 고딕" pitchFamily="50" charset="-127"/>
+                <a:hlinkClick r:id="rId3"/>
+              </a:rPr>
+              <a:t>dreamzelkova.tistory.com/entry/Unity%EC%99%80-SQLite%EC%97%B0%EB%8F%99%ED%95%98%EA%B8%B0</a:t>
+            </a:r>
+            <a:endParaRPr lang="en-US" altLang="ko-KR" sz="1100" b="1" dirty="0" smtClean="0">
+              <a:latin typeface="맑은 고딕" pitchFamily="50" charset="-127"/>
+            </a:endParaRPr>
+          </a:p>
+          <a:p>
+            <a:pPr marL="228600" indent="-228600">
+              <a:spcBef>
+                <a:spcPts val="600"/>
+              </a:spcBef>
+              <a:buAutoNum type="arabicPeriod"/>
+              <a:defRPr/>
+            </a:pPr>
+            <a:r>
+              <a:rPr lang="en-US" altLang="ko-KR" sz="1100" b="1" dirty="0">
+                <a:latin typeface="맑은 고딕" pitchFamily="50" charset="-127"/>
+                <a:hlinkClick r:id="rId4"/>
+              </a:rPr>
+              <a:t>http://</a:t>
+            </a:r>
+            <a:r>
+              <a:rPr lang="en-US" altLang="ko-KR" sz="1100" b="1" dirty="0" smtClean="0">
+                <a:latin typeface="맑은 고딕" pitchFamily="50" charset="-127"/>
+                <a:hlinkClick r:id="rId4"/>
+              </a:rPr>
+              <a:t>devkorea.co.kr/bbs/board.php?bo_table=m03_qna&amp;wr_id=26759</a:t>
+            </a:r>
+            <a:endParaRPr lang="en-US" altLang="ko-KR" sz="1100" b="1" dirty="0" smtClean="0">
+              <a:latin typeface="맑은 고딕" pitchFamily="50" charset="-127"/>
+            </a:endParaRPr>
+          </a:p>
+          <a:p>
+            <a:pPr marL="228600" indent="-228600">
+              <a:spcBef>
+                <a:spcPts val="600"/>
+              </a:spcBef>
+              <a:buAutoNum type="arabicPeriod"/>
+              <a:defRPr/>
+            </a:pPr>
             <a:endParaRPr lang="en-US" altLang="ko-KR" sz="1100" b="1" dirty="0">
               <a:latin typeface="맑은 고딕" pitchFamily="50" charset="-127"/>
               <a:ea typeface="맑은 고딕" pitchFamily="50" charset="-127"/>
@@ -15726,7 +18946,7 @@
 </p:sld>
 </file>
 
-<file path=ppt/slides/slide37.xml><?xml version="1.0" encoding="utf-8"?>
+<file path=ppt/slides/slide45.xml><?xml version="1.0" encoding="utf-8"?>
 <p:sld xmlns:a="http://schemas.openxmlformats.org/drawingml/2006/main" xmlns:r="http://schemas.openxmlformats.org/officeDocument/2006/relationships" xmlns:p="http://schemas.openxmlformats.org/presentationml/2006/main">
   <p:cSld>
     <p:spTree>
@@ -15804,165 +19024,6 @@
     <p:extLst>
       <p:ext uri="{BB962C8B-B14F-4D97-AF65-F5344CB8AC3E}">
         <p14:creationId xmlns:p14="http://schemas.microsoft.com/office/powerpoint/2010/main" val="191388031"/>
-      </p:ext>
-    </p:extLst>
-  </p:cSld>
-  <p:clrMapOvr>
-    <a:masterClrMapping/>
-  </p:clrMapOvr>
-  <mc:AlternateContent xmlns:mc="http://schemas.openxmlformats.org/markup-compatibility/2006" xmlns:p14="http://schemas.microsoft.com/office/powerpoint/2010/main">
-    <mc:Choice Requires="p14">
-      <p:transition spd="med" p14:dur="700">
-        <p:fade/>
-      </p:transition>
-    </mc:Choice>
-    <mc:Fallback xmlns="">
-      <p:transition spd="med">
-        <p:fade/>
-      </p:transition>
-    </mc:Fallback>
-  </mc:AlternateContent>
-  <p:timing>
-    <p:tnLst>
-      <p:par>
-        <p:cTn id="1" dur="indefinite" restart="never" nodeType="tmRoot"/>
-      </p:par>
-    </p:tnLst>
-  </p:timing>
-</p:sld>
-</file>
-
-<file path=ppt/slides/slide4.xml><?xml version="1.0" encoding="utf-8"?>
-<p:sld xmlns:a="http://schemas.openxmlformats.org/drawingml/2006/main" xmlns:r="http://schemas.openxmlformats.org/officeDocument/2006/relationships" xmlns:p="http://schemas.openxmlformats.org/presentationml/2006/main">
-  <p:cSld>
-    <p:spTree>
-      <p:nvGrpSpPr>
-        <p:cNvPr id="1" name=""/>
-        <p:cNvGrpSpPr/>
-        <p:nvPr/>
-      </p:nvGrpSpPr>
-      <p:grpSpPr>
-        <a:xfrm>
-          <a:off x="0" y="0"/>
-          <a:ext cx="0" cy="0"/>
-          <a:chOff x="0" y="0"/>
-          <a:chExt cx="0" cy="0"/>
-        </a:xfrm>
-      </p:grpSpPr>
-      <p:sp>
-        <p:nvSpPr>
-          <p:cNvPr id="4" name="TextBox 3"/>
-          <p:cNvSpPr txBox="1"/>
-          <p:nvPr/>
-        </p:nvSpPr>
-        <p:spPr>
-          <a:xfrm>
-            <a:off x="522831" y="-6392"/>
-            <a:ext cx="6992989" cy="807324"/>
-          </a:xfrm>
-          <a:prstGeom prst="rect">
-            <a:avLst/>
-          </a:prstGeom>
-          <a:noFill/>
-        </p:spPr>
-        <p:txBody>
-          <a:bodyPr wrap="none" rtlCol="0" anchor="ctr">
-            <a:noAutofit/>
-          </a:bodyPr>
-          <a:lstStyle/>
-          <a:p>
-            <a:r>
-              <a:rPr lang="ko-KR" altLang="en-US" sz="3400" b="1" dirty="0" smtClean="0">
-                <a:solidFill>
-                  <a:srgbClr val="1CCAB9"/>
-                </a:solidFill>
-                <a:latin typeface="+mn-ea"/>
-              </a:rPr>
-              <a:t>프로젝트 생성</a:t>
-            </a:r>
-            <a:endParaRPr lang="en-US" altLang="ko-KR" sz="3400" b="1" dirty="0">
-              <a:solidFill>
-                <a:srgbClr val="1CCAB9"/>
-              </a:solidFill>
-              <a:latin typeface="+mn-ea"/>
-            </a:endParaRPr>
-          </a:p>
-        </p:txBody>
-      </p:sp>
-      <p:pic>
-        <p:nvPicPr>
-          <p:cNvPr id="2" name="그림 1"/>
-          <p:cNvPicPr>
-            <a:picLocks noChangeAspect="1"/>
-          </p:cNvPicPr>
-          <p:nvPr/>
-        </p:nvPicPr>
-        <p:blipFill>
-          <a:blip r:embed="rId2" cstate="print"/>
-          <a:stretch>
-            <a:fillRect/>
-          </a:stretch>
-        </p:blipFill>
-        <p:spPr>
-          <a:xfrm>
-            <a:off x="422260" y="1124744"/>
-            <a:ext cx="8368147" cy="4860540"/>
-          </a:xfrm>
-          <a:prstGeom prst="rect">
-            <a:avLst/>
-          </a:prstGeom>
-        </p:spPr>
-      </p:pic>
-      <p:sp>
-        <p:nvSpPr>
-          <p:cNvPr id="3" name="모서리가 둥근 직사각형 2"/>
-          <p:cNvSpPr/>
-          <p:nvPr/>
-        </p:nvSpPr>
-        <p:spPr>
-          <a:xfrm>
-            <a:off x="6120172" y="1808820"/>
-            <a:ext cx="612068" cy="288032"/>
-          </a:xfrm>
-          <a:prstGeom prst="roundRect">
-            <a:avLst/>
-          </a:prstGeom>
-          <a:noFill/>
-          <a:ln>
-            <a:solidFill>
-              <a:srgbClr val="FF0000"/>
-            </a:solidFill>
-          </a:ln>
-        </p:spPr>
-        <p:style>
-          <a:lnRef idx="2">
-            <a:schemeClr val="accent1">
-              <a:shade val="50000"/>
-            </a:schemeClr>
-          </a:lnRef>
-          <a:fillRef idx="1">
-            <a:schemeClr val="accent1"/>
-          </a:fillRef>
-          <a:effectRef idx="0">
-            <a:schemeClr val="accent1"/>
-          </a:effectRef>
-          <a:fontRef idx="minor">
-            <a:schemeClr val="lt1"/>
-          </a:fontRef>
-        </p:style>
-        <p:txBody>
-          <a:bodyPr rtlCol="0" anchor="ctr"/>
-          <a:lstStyle/>
-          <a:p>
-            <a:pPr algn="ctr"/>
-            <a:endParaRPr lang="ko-KR" altLang="en-US"/>
-          </a:p>
-        </p:txBody>
-      </p:sp>
-    </p:spTree>
-    <p:extLst>
-      <p:ext uri="{BB962C8B-B14F-4D97-AF65-F5344CB8AC3E}">
-        <p14:creationId xmlns:p14="http://schemas.microsoft.com/office/powerpoint/2010/main" val="1995842376"/>
       </p:ext>
     </p:extLst>
   </p:cSld>

--- a/기말과제.pptx
+++ b/기말과제.pptx
@@ -5,7 +5,7 @@
     <p:sldMasterId id="2147483660" r:id="rId1"/>
   </p:sldMasterIdLst>
   <p:notesMasterIdLst>
-    <p:notesMasterId r:id="rId47"/>
+    <p:notesMasterId r:id="rId52"/>
   </p:notesMasterIdLst>
   <p:sldIdLst>
     <p:sldId id="258" r:id="rId2"/>
@@ -48,11 +48,16 @@
     <p:sldId id="323" r:id="rId39"/>
     <p:sldId id="324" r:id="rId40"/>
     <p:sldId id="325" r:id="rId41"/>
-    <p:sldId id="326" r:id="rId42"/>
-    <p:sldId id="333" r:id="rId43"/>
-    <p:sldId id="332" r:id="rId44"/>
-    <p:sldId id="274" r:id="rId45"/>
-    <p:sldId id="272" r:id="rId46"/>
+    <p:sldId id="342" r:id="rId42"/>
+    <p:sldId id="326" r:id="rId43"/>
+    <p:sldId id="333" r:id="rId44"/>
+    <p:sldId id="332" r:id="rId45"/>
+    <p:sldId id="336" r:id="rId46"/>
+    <p:sldId id="337" r:id="rId47"/>
+    <p:sldId id="334" r:id="rId48"/>
+    <p:sldId id="335" r:id="rId49"/>
+    <p:sldId id="274" r:id="rId50"/>
+    <p:sldId id="272" r:id="rId51"/>
   </p:sldIdLst>
   <p:sldSz cx="9144000" cy="6858000" type="screen4x3"/>
   <p:notesSz cx="6858000" cy="9144000"/>
@@ -8150,7 +8155,7 @@
               </a:buClr>
             </a:pPr>
             <a:r>
-              <a:rPr lang="en-US" altLang="ko-KR" sz="6600" spc="-50" dirty="0" smtClean="0">
+              <a:rPr lang="en-US" altLang="ko-KR" sz="6600" spc="-50" dirty="0">
                 <a:solidFill>
                   <a:schemeClr val="tx1">
                     <a:lumMod val="50000"/>
@@ -8159,8 +8164,17 @@
                 </a:solidFill>
                 <a:latin typeface="+mn-ea"/>
               </a:rPr>
-              <a:t>Ⅱ</a:t>
-            </a:r>
+              <a:t>2</a:t>
+            </a:r>
+            <a:endParaRPr lang="en-US" altLang="ko-KR" sz="6600" spc="-50" dirty="0" smtClean="0">
+              <a:solidFill>
+                <a:schemeClr val="tx1">
+                  <a:lumMod val="50000"/>
+                  <a:lumOff val="50000"/>
+                </a:schemeClr>
+              </a:solidFill>
+              <a:latin typeface="+mn-ea"/>
+            </a:endParaRPr>
           </a:p>
         </p:txBody>
       </p:sp>
@@ -12269,7 +12283,7 @@
               </a:buClr>
             </a:pPr>
             <a:r>
-              <a:rPr lang="en-US" altLang="ko-KR" sz="6600" spc="-50" dirty="0" smtClean="0">
+              <a:rPr lang="en-US" altLang="ko-KR" sz="6600" spc="-50" dirty="0">
                 <a:solidFill>
                   <a:schemeClr val="tx1">
                     <a:lumMod val="50000"/>
@@ -12278,8 +12292,17 @@
                 </a:solidFill>
                 <a:latin typeface="+mn-ea"/>
               </a:rPr>
-              <a:t>Ⅰ</a:t>
-            </a:r>
+              <a:t>1</a:t>
+            </a:r>
+            <a:endParaRPr lang="en-US" altLang="ko-KR" sz="6600" spc="-50" dirty="0" smtClean="0">
+              <a:solidFill>
+                <a:schemeClr val="tx1">
+                  <a:lumMod val="50000"/>
+                  <a:lumOff val="50000"/>
+                </a:schemeClr>
+              </a:solidFill>
+              <a:latin typeface="+mn-ea"/>
+            </a:endParaRPr>
           </a:p>
         </p:txBody>
       </p:sp>
@@ -15372,16 +15395,7 @@
                 </a:solidFill>
                 <a:latin typeface="+mn-ea"/>
               </a:rPr>
-              <a:t>FINAL </a:t>
-            </a:r>
-            <a:r>
-              <a:rPr lang="en-US" altLang="ko-KR" sz="3600" b="1" spc="-50" dirty="0" smtClean="0">
-                <a:solidFill>
-                  <a:schemeClr val="bg1"/>
-                </a:solidFill>
-                <a:latin typeface="+mn-ea"/>
-              </a:rPr>
-              <a:t>REPORT</a:t>
+              <a:t>FINAL REPORT</a:t>
             </a:r>
           </a:p>
           <a:p>
@@ -15458,7 +15472,7 @@
               </a:buClr>
             </a:pPr>
             <a:r>
-              <a:rPr lang="en-US" altLang="ko-KR" sz="6600" spc="-50" dirty="0" smtClean="0">
+              <a:rPr lang="en-US" altLang="ko-KR" sz="6600" spc="-50" dirty="0">
                 <a:solidFill>
                   <a:schemeClr val="tx1">
                     <a:lumMod val="50000"/>
@@ -15467,7 +15481,7 @@
                 </a:solidFill>
                 <a:latin typeface="+mn-ea"/>
               </a:rPr>
-              <a:t>Ⅲ</a:t>
+              <a:t>3</a:t>
             </a:r>
             <a:endParaRPr lang="en-US" altLang="ko-KR" sz="6600" spc="-50" dirty="0" smtClean="0">
               <a:solidFill>
@@ -18232,8 +18246,8 @@
         </p:blipFill>
         <p:spPr>
           <a:xfrm>
-            <a:off x="611560" y="1520788"/>
-            <a:ext cx="3401097" cy="4249604"/>
+            <a:off x="1835696" y="1880828"/>
+            <a:ext cx="2052228" cy="962424"/>
           </a:xfrm>
           <a:prstGeom prst="rect">
             <a:avLst/>
@@ -18242,14 +18256,14 @@
       </p:pic>
       <p:sp>
         <p:nvSpPr>
-          <p:cNvPr id="4" name="TextBox 3"/>
+          <p:cNvPr id="13" name="TextBox 12"/>
           <p:cNvSpPr txBox="1"/>
           <p:nvPr/>
         </p:nvSpPr>
         <p:spPr>
           <a:xfrm>
-            <a:off x="613983" y="1243789"/>
-            <a:ext cx="1989647" cy="276999"/>
+            <a:off x="1835696" y="1603829"/>
+            <a:ext cx="4022255" cy="276999"/>
           </a:xfrm>
           <a:prstGeom prst="rect">
             <a:avLst/>
@@ -18266,13 +18280,43 @@
               <a:rPr lang="en-US" altLang="ko-KR" sz="1200" dirty="0" smtClean="0">
                 <a:latin typeface="+mj-lt"/>
               </a:rPr>
-              <a:t>1. MENU </a:t>
-            </a:r>
-            <a:r>
-              <a:rPr lang="ko-KR" altLang="en-US" sz="1200" dirty="0" smtClean="0">
-                <a:latin typeface="+mj-lt"/>
-              </a:rPr>
-              <a:t>버튼을 클릭하면</a:t>
+              <a:t>1. </a:t>
+            </a:r>
+            <a:r>
+              <a:rPr lang="en-US" altLang="ko-KR" sz="1200" dirty="0" err="1" smtClean="0">
+                <a:latin typeface="+mj-lt"/>
+              </a:rPr>
+              <a:t>MenuBar</a:t>
+            </a:r>
+            <a:r>
+              <a:rPr lang="en-US" altLang="ko-KR" sz="1200" dirty="0" smtClean="0">
+                <a:latin typeface="+mj-lt"/>
+              </a:rPr>
+              <a:t>  </a:t>
+            </a:r>
+            <a:r>
+              <a:rPr lang="ko-KR" altLang="en-US" sz="1200" dirty="0" smtClean="0">
+                <a:latin typeface="+mj-lt"/>
+              </a:rPr>
+              <a:t>스크립트를 </a:t>
+            </a:r>
+            <a:r>
+              <a:rPr lang="en-US" altLang="ko-KR" sz="1200" dirty="0" smtClean="0">
+                <a:latin typeface="+mj-lt"/>
+              </a:rPr>
+              <a:t>Menu </a:t>
+            </a:r>
+            <a:r>
+              <a:rPr lang="ko-KR" altLang="en-US" sz="1200" dirty="0" smtClean="0">
+                <a:latin typeface="+mj-lt"/>
+              </a:rPr>
+              <a:t>버튼에 끌어다 놓습니다</a:t>
+            </a:r>
+            <a:r>
+              <a:rPr lang="en-US" altLang="ko-KR" sz="1200" dirty="0" smtClean="0">
+                <a:latin typeface="+mj-lt"/>
+              </a:rPr>
+              <a:t>.</a:t>
             </a:r>
             <a:endParaRPr lang="ko-KR" altLang="en-US" sz="1200" dirty="0" smtClean="0">
               <a:latin typeface="+mj-lt"/>
@@ -18282,7 +18326,7 @@
       </p:sp>
       <p:pic>
         <p:nvPicPr>
-          <p:cNvPr id="5" name="그림 4"/>
+          <p:cNvPr id="14" name="그림 13"/>
           <p:cNvPicPr>
             <a:picLocks noChangeAspect="1"/>
           </p:cNvPicPr>
@@ -18296,8 +18340,8 @@
         </p:blipFill>
         <p:spPr>
           <a:xfrm>
-            <a:off x="5040052" y="1520788"/>
-            <a:ext cx="2114308" cy="4430362"/>
+            <a:off x="4917495" y="1909802"/>
+            <a:ext cx="1657350" cy="933450"/>
           </a:xfrm>
           <a:prstGeom prst="rect">
             <a:avLst/>
@@ -18306,60 +18350,14 @@
       </p:pic>
       <p:sp>
         <p:nvSpPr>
-          <p:cNvPr id="6" name="TextBox 5"/>
-          <p:cNvSpPr txBox="1"/>
-          <p:nvPr/>
-        </p:nvSpPr>
-        <p:spPr>
-          <a:xfrm>
-            <a:off x="5005585" y="1243789"/>
-            <a:ext cx="3280065" cy="276999"/>
-          </a:xfrm>
-          <a:prstGeom prst="rect">
-            <a:avLst/>
-          </a:prstGeom>
-          <a:noFill/>
-        </p:spPr>
-        <p:txBody>
-          <a:bodyPr wrap="none" rtlCol="0">
-            <a:spAutoFit/>
-          </a:bodyPr>
-          <a:lstStyle/>
-          <a:p>
-            <a:r>
-              <a:rPr lang="en-US" altLang="ko-KR" sz="1200" dirty="0" smtClean="0">
-                <a:latin typeface="+mj-lt"/>
-              </a:rPr>
-              <a:t>2. </a:t>
-            </a:r>
-            <a:r>
-              <a:rPr lang="ko-KR" altLang="en-US" sz="1200" dirty="0" smtClean="0">
-                <a:latin typeface="+mj-lt"/>
-              </a:rPr>
-              <a:t>아래와 같이 검은 이미지가 나오게 됩니다</a:t>
-            </a:r>
-            <a:r>
-              <a:rPr lang="en-US" altLang="ko-KR" sz="1200" dirty="0" smtClean="0">
-                <a:latin typeface="+mj-lt"/>
-              </a:rPr>
-              <a:t>.</a:t>
-            </a:r>
-            <a:endParaRPr lang="ko-KR" altLang="en-US" sz="1200" dirty="0" smtClean="0">
-              <a:latin typeface="+mj-lt"/>
-            </a:endParaRPr>
-          </a:p>
-        </p:txBody>
-      </p:sp>
-      <p:sp>
-        <p:nvSpPr>
-          <p:cNvPr id="7" name="모서리가 둥근 직사각형 6"/>
+          <p:cNvPr id="15" name="모서리가 둥근 직사각형 14"/>
           <p:cNvSpPr/>
           <p:nvPr/>
         </p:nvSpPr>
         <p:spPr>
           <a:xfrm>
-            <a:off x="611560" y="1520788"/>
-            <a:ext cx="972108" cy="432048"/>
+            <a:off x="5746170" y="1909802"/>
+            <a:ext cx="683493" cy="798467"/>
           </a:xfrm>
           <a:prstGeom prst="roundRect">
             <a:avLst/>
@@ -18396,10 +18394,319 @@
           </a:p>
         </p:txBody>
       </p:sp>
+      <p:sp>
+        <p:nvSpPr>
+          <p:cNvPr id="16" name="모서리가 둥근 직사각형 15"/>
+          <p:cNvSpPr/>
+          <p:nvPr/>
+        </p:nvSpPr>
+        <p:spPr>
+          <a:xfrm>
+            <a:off x="2109183" y="2456241"/>
+            <a:ext cx="752627" cy="288032"/>
+          </a:xfrm>
+          <a:prstGeom prst="roundRect">
+            <a:avLst/>
+          </a:prstGeom>
+          <a:noFill/>
+          <a:ln>
+            <a:solidFill>
+              <a:srgbClr val="FF0000"/>
+            </a:solidFill>
+          </a:ln>
+        </p:spPr>
+        <p:style>
+          <a:lnRef idx="2">
+            <a:schemeClr val="accent1">
+              <a:shade val="50000"/>
+            </a:schemeClr>
+          </a:lnRef>
+          <a:fillRef idx="1">
+            <a:schemeClr val="accent1"/>
+          </a:fillRef>
+          <a:effectRef idx="0">
+            <a:schemeClr val="accent1"/>
+          </a:effectRef>
+          <a:fontRef idx="minor">
+            <a:schemeClr val="lt1"/>
+          </a:fontRef>
+        </p:style>
+        <p:txBody>
+          <a:bodyPr rtlCol="0" anchor="ctr"/>
+          <a:lstStyle/>
+          <a:p>
+            <a:pPr algn="ctr"/>
+            <a:endParaRPr lang="ko-KR" altLang="en-US"/>
+          </a:p>
+        </p:txBody>
+      </p:sp>
+      <p:cxnSp>
+        <p:nvCxnSpPr>
+          <p:cNvPr id="18" name="구부러진 연결선 17"/>
+          <p:cNvCxnSpPr>
+            <a:stCxn id="15" idx="2"/>
+            <a:endCxn id="16" idx="2"/>
+          </p:cNvCxnSpPr>
+          <p:nvPr/>
+        </p:nvCxnSpPr>
+        <p:spPr>
+          <a:xfrm rot="5400000">
+            <a:off x="4268705" y="925061"/>
+            <a:ext cx="36004" cy="3602420"/>
+          </a:xfrm>
+          <a:prstGeom prst="curvedConnector3">
+            <a:avLst>
+              <a:gd name="adj1" fmla="val 734929"/>
+            </a:avLst>
+          </a:prstGeom>
+          <a:ln>
+            <a:solidFill>
+              <a:srgbClr val="FF0000"/>
+            </a:solidFill>
+            <a:tailEnd type="triangle"/>
+          </a:ln>
+        </p:spPr>
+        <p:style>
+          <a:lnRef idx="3">
+            <a:schemeClr val="accent2"/>
+          </a:lnRef>
+          <a:fillRef idx="0">
+            <a:schemeClr val="accent2"/>
+          </a:fillRef>
+          <a:effectRef idx="2">
+            <a:schemeClr val="accent2"/>
+          </a:effectRef>
+          <a:fontRef idx="minor">
+            <a:schemeClr val="tx1"/>
+          </a:fontRef>
+        </p:style>
+      </p:cxnSp>
+      <p:pic>
+        <p:nvPicPr>
+          <p:cNvPr id="19" name="그림 18"/>
+          <p:cNvPicPr>
+            <a:picLocks noChangeAspect="1"/>
+          </p:cNvPicPr>
+          <p:nvPr/>
+        </p:nvPicPr>
+        <p:blipFill>
+          <a:blip r:embed="rId4"/>
+          <a:stretch>
+            <a:fillRect/>
+          </a:stretch>
+        </p:blipFill>
+        <p:spPr>
+          <a:xfrm>
+            <a:off x="1829856" y="4364453"/>
+            <a:ext cx="3857625" cy="962025"/>
+          </a:xfrm>
+          <a:prstGeom prst="rect">
+            <a:avLst/>
+          </a:prstGeom>
+        </p:spPr>
+      </p:pic>
+      <p:sp>
+        <p:nvSpPr>
+          <p:cNvPr id="20" name="TextBox 19"/>
+          <p:cNvSpPr txBox="1"/>
+          <p:nvPr/>
+        </p:nvSpPr>
+        <p:spPr>
+          <a:xfrm>
+            <a:off x="1840434" y="4087453"/>
+            <a:ext cx="6723315" cy="276999"/>
+          </a:xfrm>
+          <a:prstGeom prst="rect">
+            <a:avLst/>
+          </a:prstGeom>
+          <a:noFill/>
+        </p:spPr>
+        <p:txBody>
+          <a:bodyPr wrap="none" rtlCol="0">
+            <a:spAutoFit/>
+          </a:bodyPr>
+          <a:lstStyle/>
+          <a:p>
+            <a:r>
+              <a:rPr lang="en-US" altLang="ko-KR" sz="1200" dirty="0" smtClean="0">
+                <a:latin typeface="+mj-lt"/>
+              </a:rPr>
+              <a:t>2. </a:t>
+            </a:r>
+            <a:r>
+              <a:rPr lang="en-US" altLang="ko-KR" sz="1200" dirty="0" smtClean="0">
+                <a:latin typeface="+mj-lt"/>
+              </a:rPr>
+              <a:t>Menu </a:t>
+            </a:r>
+            <a:r>
+              <a:rPr lang="ko-KR" altLang="en-US" sz="1200" dirty="0" smtClean="0">
+                <a:latin typeface="+mj-lt"/>
+              </a:rPr>
+              <a:t>버튼의 </a:t>
+            </a:r>
+            <a:r>
+              <a:rPr lang="en-US" altLang="ko-KR" sz="1200" dirty="0" smtClean="0">
+                <a:latin typeface="+mj-lt"/>
+              </a:rPr>
+              <a:t>On Click()</a:t>
+            </a:r>
+            <a:r>
+              <a:rPr lang="ko-KR" altLang="en-US" sz="1200" dirty="0" smtClean="0">
+                <a:latin typeface="+mj-lt"/>
+              </a:rPr>
+              <a:t>에 </a:t>
+            </a:r>
+            <a:r>
+              <a:rPr lang="en-US" altLang="ko-KR" sz="1200" dirty="0" smtClean="0">
+                <a:latin typeface="+mj-lt"/>
+              </a:rPr>
+              <a:t>Menu </a:t>
+            </a:r>
+            <a:r>
+              <a:rPr lang="ko-KR" altLang="en-US" sz="1200" dirty="0" smtClean="0">
+                <a:latin typeface="+mj-lt"/>
+              </a:rPr>
+              <a:t>오브젝트를 등록하고</a:t>
+            </a:r>
+            <a:r>
+              <a:rPr lang="en-US" altLang="ko-KR" sz="1200" dirty="0" smtClean="0">
+                <a:latin typeface="+mj-lt"/>
+              </a:rPr>
+              <a:t>, </a:t>
+            </a:r>
+            <a:r>
+              <a:rPr lang="ko-KR" altLang="en-US" sz="1200" dirty="0" smtClean="0">
+                <a:latin typeface="+mj-lt"/>
+              </a:rPr>
+              <a:t>클릭으로 </a:t>
+            </a:r>
+            <a:r>
+              <a:rPr lang="en-US" altLang="ko-KR" sz="1200" dirty="0" err="1" smtClean="0">
+                <a:latin typeface="+mj-lt"/>
+              </a:rPr>
+              <a:t>onClick</a:t>
+            </a:r>
+            <a:r>
+              <a:rPr lang="en-US" altLang="ko-KR" sz="1200" dirty="0" smtClean="0">
+                <a:latin typeface="+mj-lt"/>
+              </a:rPr>
+              <a:t> </a:t>
+            </a:r>
+            <a:r>
+              <a:rPr lang="ko-KR" altLang="en-US" sz="1200" dirty="0" smtClean="0">
+                <a:latin typeface="+mj-lt"/>
+              </a:rPr>
+              <a:t>함수를 등록합니다</a:t>
+            </a:r>
+            <a:r>
+              <a:rPr lang="en-US" altLang="ko-KR" sz="1200" dirty="0" smtClean="0">
+                <a:latin typeface="+mj-lt"/>
+              </a:rPr>
+              <a:t>.</a:t>
+            </a:r>
+            <a:endParaRPr lang="ko-KR" altLang="en-US" sz="1200" dirty="0" smtClean="0">
+              <a:latin typeface="+mj-lt"/>
+            </a:endParaRPr>
+          </a:p>
+        </p:txBody>
+      </p:sp>
+      <p:sp>
+        <p:nvSpPr>
+          <p:cNvPr id="21" name="모서리가 둥근 직사각형 20"/>
+          <p:cNvSpPr/>
+          <p:nvPr/>
+        </p:nvSpPr>
+        <p:spPr>
+          <a:xfrm>
+            <a:off x="3095836" y="4617132"/>
+            <a:ext cx="2520280" cy="288032"/>
+          </a:xfrm>
+          <a:prstGeom prst="roundRect">
+            <a:avLst/>
+          </a:prstGeom>
+          <a:noFill/>
+          <a:ln>
+            <a:solidFill>
+              <a:srgbClr val="FF0000"/>
+            </a:solidFill>
+          </a:ln>
+        </p:spPr>
+        <p:style>
+          <a:lnRef idx="2">
+            <a:schemeClr val="accent1">
+              <a:shade val="50000"/>
+            </a:schemeClr>
+          </a:lnRef>
+          <a:fillRef idx="1">
+            <a:schemeClr val="accent1"/>
+          </a:fillRef>
+          <a:effectRef idx="0">
+            <a:schemeClr val="accent1"/>
+          </a:effectRef>
+          <a:fontRef idx="minor">
+            <a:schemeClr val="lt1"/>
+          </a:fontRef>
+        </p:style>
+        <p:txBody>
+          <a:bodyPr rtlCol="0" anchor="ctr"/>
+          <a:lstStyle/>
+          <a:p>
+            <a:pPr algn="ctr"/>
+            <a:endParaRPr lang="ko-KR" altLang="en-US"/>
+          </a:p>
+        </p:txBody>
+      </p:sp>
+      <p:sp>
+        <p:nvSpPr>
+          <p:cNvPr id="22" name="모서리가 둥근 직사각형 21"/>
+          <p:cNvSpPr/>
+          <p:nvPr/>
+        </p:nvSpPr>
+        <p:spPr>
+          <a:xfrm>
+            <a:off x="1943708" y="4869160"/>
+            <a:ext cx="1116124" cy="180020"/>
+          </a:xfrm>
+          <a:prstGeom prst="roundRect">
+            <a:avLst/>
+          </a:prstGeom>
+          <a:noFill/>
+          <a:ln>
+            <a:solidFill>
+              <a:srgbClr val="FF0000"/>
+            </a:solidFill>
+          </a:ln>
+        </p:spPr>
+        <p:style>
+          <a:lnRef idx="2">
+            <a:schemeClr val="accent1">
+              <a:shade val="50000"/>
+            </a:schemeClr>
+          </a:lnRef>
+          <a:fillRef idx="1">
+            <a:schemeClr val="accent1"/>
+          </a:fillRef>
+          <a:effectRef idx="0">
+            <a:schemeClr val="accent1"/>
+          </a:effectRef>
+          <a:fontRef idx="minor">
+            <a:schemeClr val="lt1"/>
+          </a:fontRef>
+        </p:style>
+        <p:txBody>
+          <a:bodyPr rtlCol="0" anchor="ctr"/>
+          <a:lstStyle/>
+          <a:p>
+            <a:pPr algn="ctr"/>
+            <a:endParaRPr lang="ko-KR" altLang="en-US"/>
+          </a:p>
+        </p:txBody>
+      </p:sp>
     </p:spTree>
     <p:extLst>
       <p:ext uri="{BB962C8B-B14F-4D97-AF65-F5344CB8AC3E}">
-        <p14:creationId xmlns:p14="http://schemas.microsoft.com/office/powerpoint/2010/main" val="1615555163"/>
+        <p14:creationId xmlns:p14="http://schemas.microsoft.com/office/powerpoint/2010/main" val="1468671394"/>
       </p:ext>
     </p:extLst>
   </p:cSld>
@@ -18428,6 +18735,262 @@
       </p:grpSpPr>
       <p:sp>
         <p:nvSpPr>
+          <p:cNvPr id="2" name="TextBox 1"/>
+          <p:cNvSpPr txBox="1"/>
+          <p:nvPr/>
+        </p:nvSpPr>
+        <p:spPr>
+          <a:xfrm>
+            <a:off x="522831" y="-6392"/>
+            <a:ext cx="6992989" cy="807324"/>
+          </a:xfrm>
+          <a:prstGeom prst="rect">
+            <a:avLst/>
+          </a:prstGeom>
+          <a:noFill/>
+        </p:spPr>
+        <p:txBody>
+          <a:bodyPr wrap="none" rtlCol="0" anchor="ctr">
+            <a:noAutofit/>
+          </a:bodyPr>
+          <a:lstStyle/>
+          <a:p>
+            <a:r>
+              <a:rPr lang="ko-KR" altLang="en-US" sz="3400" b="1" dirty="0" err="1">
+                <a:solidFill>
+                  <a:srgbClr val="1CCAB9"/>
+                </a:solidFill>
+                <a:latin typeface="+mn-ea"/>
+              </a:rPr>
+              <a:t>메뉴바</a:t>
+            </a:r>
+            <a:r>
+              <a:rPr lang="ko-KR" altLang="en-US" sz="3400" b="1" dirty="0">
+                <a:solidFill>
+                  <a:srgbClr val="1CCAB9"/>
+                </a:solidFill>
+                <a:latin typeface="+mn-ea"/>
+              </a:rPr>
+              <a:t> 만들기</a:t>
+            </a:r>
+            <a:endParaRPr lang="en-US" altLang="ko-KR" sz="3400" b="1" dirty="0">
+              <a:solidFill>
+                <a:srgbClr val="1CCAB9"/>
+              </a:solidFill>
+              <a:latin typeface="+mn-ea"/>
+            </a:endParaRPr>
+          </a:p>
+        </p:txBody>
+      </p:sp>
+      <p:pic>
+        <p:nvPicPr>
+          <p:cNvPr id="3" name="그림 2"/>
+          <p:cNvPicPr>
+            <a:picLocks noChangeAspect="1"/>
+          </p:cNvPicPr>
+          <p:nvPr/>
+        </p:nvPicPr>
+        <p:blipFill>
+          <a:blip r:embed="rId2"/>
+          <a:stretch>
+            <a:fillRect/>
+          </a:stretch>
+        </p:blipFill>
+        <p:spPr>
+          <a:xfrm>
+            <a:off x="611560" y="1520788"/>
+            <a:ext cx="3401097" cy="4249604"/>
+          </a:xfrm>
+          <a:prstGeom prst="rect">
+            <a:avLst/>
+          </a:prstGeom>
+        </p:spPr>
+      </p:pic>
+      <p:sp>
+        <p:nvSpPr>
+          <p:cNvPr id="4" name="TextBox 3"/>
+          <p:cNvSpPr txBox="1"/>
+          <p:nvPr/>
+        </p:nvSpPr>
+        <p:spPr>
+          <a:xfrm>
+            <a:off x="613983" y="1243789"/>
+            <a:ext cx="1989647" cy="276999"/>
+          </a:xfrm>
+          <a:prstGeom prst="rect">
+            <a:avLst/>
+          </a:prstGeom>
+          <a:noFill/>
+        </p:spPr>
+        <p:txBody>
+          <a:bodyPr wrap="none" rtlCol="0">
+            <a:spAutoFit/>
+          </a:bodyPr>
+          <a:lstStyle/>
+          <a:p>
+            <a:r>
+              <a:rPr lang="en-US" altLang="ko-KR" sz="1200" dirty="0" smtClean="0">
+                <a:latin typeface="+mj-lt"/>
+              </a:rPr>
+              <a:t>1. MENU </a:t>
+            </a:r>
+            <a:r>
+              <a:rPr lang="ko-KR" altLang="en-US" sz="1200" dirty="0" smtClean="0">
+                <a:latin typeface="+mj-lt"/>
+              </a:rPr>
+              <a:t>버튼을 클릭하면</a:t>
+            </a:r>
+          </a:p>
+        </p:txBody>
+      </p:sp>
+      <p:pic>
+        <p:nvPicPr>
+          <p:cNvPr id="5" name="그림 4"/>
+          <p:cNvPicPr>
+            <a:picLocks noChangeAspect="1"/>
+          </p:cNvPicPr>
+          <p:nvPr/>
+        </p:nvPicPr>
+        <p:blipFill>
+          <a:blip r:embed="rId3"/>
+          <a:stretch>
+            <a:fillRect/>
+          </a:stretch>
+        </p:blipFill>
+        <p:spPr>
+          <a:xfrm>
+            <a:off x="5040052" y="1520788"/>
+            <a:ext cx="2114308" cy="4430362"/>
+          </a:xfrm>
+          <a:prstGeom prst="rect">
+            <a:avLst/>
+          </a:prstGeom>
+        </p:spPr>
+      </p:pic>
+      <p:sp>
+        <p:nvSpPr>
+          <p:cNvPr id="6" name="TextBox 5"/>
+          <p:cNvSpPr txBox="1"/>
+          <p:nvPr/>
+        </p:nvSpPr>
+        <p:spPr>
+          <a:xfrm>
+            <a:off x="5005585" y="1243789"/>
+            <a:ext cx="3280065" cy="276999"/>
+          </a:xfrm>
+          <a:prstGeom prst="rect">
+            <a:avLst/>
+          </a:prstGeom>
+          <a:noFill/>
+        </p:spPr>
+        <p:txBody>
+          <a:bodyPr wrap="none" rtlCol="0">
+            <a:spAutoFit/>
+          </a:bodyPr>
+          <a:lstStyle/>
+          <a:p>
+            <a:r>
+              <a:rPr lang="en-US" altLang="ko-KR" sz="1200" dirty="0" smtClean="0">
+                <a:latin typeface="+mj-lt"/>
+              </a:rPr>
+              <a:t>2. </a:t>
+            </a:r>
+            <a:r>
+              <a:rPr lang="ko-KR" altLang="en-US" sz="1200" dirty="0" smtClean="0">
+                <a:latin typeface="+mj-lt"/>
+              </a:rPr>
+              <a:t>아래와 같이 검은 이미지가 나오게 됩니다</a:t>
+            </a:r>
+            <a:r>
+              <a:rPr lang="en-US" altLang="ko-KR" sz="1200" dirty="0" smtClean="0">
+                <a:latin typeface="+mj-lt"/>
+              </a:rPr>
+              <a:t>.</a:t>
+            </a:r>
+            <a:endParaRPr lang="ko-KR" altLang="en-US" sz="1200" dirty="0" smtClean="0">
+              <a:latin typeface="+mj-lt"/>
+            </a:endParaRPr>
+          </a:p>
+        </p:txBody>
+      </p:sp>
+      <p:sp>
+        <p:nvSpPr>
+          <p:cNvPr id="7" name="모서리가 둥근 직사각형 6"/>
+          <p:cNvSpPr/>
+          <p:nvPr/>
+        </p:nvSpPr>
+        <p:spPr>
+          <a:xfrm>
+            <a:off x="611560" y="1520788"/>
+            <a:ext cx="972108" cy="432048"/>
+          </a:xfrm>
+          <a:prstGeom prst="roundRect">
+            <a:avLst/>
+          </a:prstGeom>
+          <a:noFill/>
+          <a:ln>
+            <a:solidFill>
+              <a:srgbClr val="FF0000"/>
+            </a:solidFill>
+          </a:ln>
+        </p:spPr>
+        <p:style>
+          <a:lnRef idx="2">
+            <a:schemeClr val="accent1">
+              <a:shade val="50000"/>
+            </a:schemeClr>
+          </a:lnRef>
+          <a:fillRef idx="1">
+            <a:schemeClr val="accent1"/>
+          </a:fillRef>
+          <a:effectRef idx="0">
+            <a:schemeClr val="accent1"/>
+          </a:effectRef>
+          <a:fontRef idx="minor">
+            <a:schemeClr val="lt1"/>
+          </a:fontRef>
+        </p:style>
+        <p:txBody>
+          <a:bodyPr rtlCol="0" anchor="ctr"/>
+          <a:lstStyle/>
+          <a:p>
+            <a:pPr algn="ctr"/>
+            <a:endParaRPr lang="ko-KR" altLang="en-US"/>
+          </a:p>
+        </p:txBody>
+      </p:sp>
+    </p:spTree>
+    <p:extLst>
+      <p:ext uri="{BB962C8B-B14F-4D97-AF65-F5344CB8AC3E}">
+        <p14:creationId xmlns:p14="http://schemas.microsoft.com/office/powerpoint/2010/main" val="1615555163"/>
+      </p:ext>
+    </p:extLst>
+  </p:cSld>
+  <p:clrMapOvr>
+    <a:masterClrMapping/>
+  </p:clrMapOvr>
+</p:sld>
+</file>
+
+<file path=ppt/slides/slide43.xml><?xml version="1.0" encoding="utf-8"?>
+<p:sld xmlns:a="http://schemas.openxmlformats.org/drawingml/2006/main" xmlns:r="http://schemas.openxmlformats.org/officeDocument/2006/relationships" xmlns:p="http://schemas.openxmlformats.org/presentationml/2006/main">
+  <p:cSld>
+    <p:spTree>
+      <p:nvGrpSpPr>
+        <p:cNvPr id="1" name=""/>
+        <p:cNvGrpSpPr/>
+        <p:nvPr/>
+      </p:nvGrpSpPr>
+      <p:grpSpPr>
+        <a:xfrm>
+          <a:off x="0" y="0"/>
+          <a:ext cx="0" cy="0"/>
+          <a:chOff x="0" y="0"/>
+          <a:chExt cx="0" cy="0"/>
+        </a:xfrm>
+      </p:grpSpPr>
+      <p:sp>
+        <p:nvSpPr>
           <p:cNvPr id="13" name="TextBox 12"/>
           <p:cNvSpPr txBox="1"/>
           <p:nvPr/>
@@ -18460,16 +19023,7 @@
                 </a:solidFill>
                 <a:latin typeface="+mn-ea"/>
               </a:rPr>
-              <a:t>FINAL </a:t>
-            </a:r>
-            <a:r>
-              <a:rPr lang="en-US" altLang="ko-KR" sz="3600" b="1" spc="-50" dirty="0" smtClean="0">
-                <a:solidFill>
-                  <a:schemeClr val="bg1"/>
-                </a:solidFill>
-                <a:latin typeface="+mn-ea"/>
-              </a:rPr>
-              <a:t>REPORT</a:t>
+              <a:t>FINAL REPORT</a:t>
             </a:r>
           </a:p>
           <a:p>
@@ -18479,22 +19033,13 @@
               </a:lnSpc>
             </a:pPr>
             <a:r>
-              <a:rPr lang="ko-KR" altLang="en-US" sz="3600" b="1" spc="-50" dirty="0" err="1" smtClean="0">
-                <a:solidFill>
-                  <a:srgbClr val="1CCAB9"/>
-                </a:solidFill>
-                <a:latin typeface="+mn-ea"/>
-              </a:rPr>
-              <a:t>메뉴바</a:t>
-            </a:r>
-            <a:r>
               <a:rPr lang="ko-KR" altLang="en-US" sz="3600" b="1" spc="-50" dirty="0" smtClean="0">
                 <a:solidFill>
                   <a:srgbClr val="1CCAB9"/>
                 </a:solidFill>
                 <a:latin typeface="+mn-ea"/>
               </a:rPr>
-              <a:t> 만들기</a:t>
+              <a:t>종료 버튼 만들기</a:t>
             </a:r>
             <a:endParaRPr lang="en-US" altLang="ko-KR" sz="3600" b="1" spc="-50" dirty="0">
               <a:solidFill>
@@ -18546,7 +19091,7 @@
               </a:buClr>
             </a:pPr>
             <a:r>
-              <a:rPr lang="en-US" altLang="ko-KR" sz="6600" spc="-50" dirty="0" smtClean="0">
+              <a:rPr lang="en-US" altLang="ko-KR" sz="6600" spc="-50" dirty="0">
                 <a:solidFill>
                   <a:schemeClr val="tx1">
                     <a:lumMod val="50000"/>
@@ -18555,7 +19100,7 @@
                 </a:solidFill>
                 <a:latin typeface="+mn-ea"/>
               </a:rPr>
-              <a:t>Ⅲ</a:t>
+              <a:t>4</a:t>
             </a:r>
             <a:endParaRPr lang="en-US" altLang="ko-KR" sz="6600" spc="-50" dirty="0" smtClean="0">
               <a:solidFill>
@@ -18601,76 +19146,6 @@
 </p:sld>
 </file>
 
-<file path=ppt/slides/slide43.xml><?xml version="1.0" encoding="utf-8"?>
-<p:sld xmlns:a="http://schemas.openxmlformats.org/drawingml/2006/main" xmlns:r="http://schemas.openxmlformats.org/officeDocument/2006/relationships" xmlns:p="http://schemas.openxmlformats.org/presentationml/2006/main">
-  <p:cSld>
-    <p:spTree>
-      <p:nvGrpSpPr>
-        <p:cNvPr id="1" name=""/>
-        <p:cNvGrpSpPr/>
-        <p:nvPr/>
-      </p:nvGrpSpPr>
-      <p:grpSpPr>
-        <a:xfrm>
-          <a:off x="0" y="0"/>
-          <a:ext cx="0" cy="0"/>
-          <a:chOff x="0" y="0"/>
-          <a:chExt cx="0" cy="0"/>
-        </a:xfrm>
-      </p:grpSpPr>
-      <p:sp>
-        <p:nvSpPr>
-          <p:cNvPr id="2" name="TextBox 1"/>
-          <p:cNvSpPr txBox="1"/>
-          <p:nvPr/>
-        </p:nvSpPr>
-        <p:spPr>
-          <a:xfrm>
-            <a:off x="522831" y="-6392"/>
-            <a:ext cx="6992989" cy="807324"/>
-          </a:xfrm>
-          <a:prstGeom prst="rect">
-            <a:avLst/>
-          </a:prstGeom>
-          <a:noFill/>
-        </p:spPr>
-        <p:txBody>
-          <a:bodyPr wrap="none" rtlCol="0" anchor="ctr">
-            <a:noAutofit/>
-          </a:bodyPr>
-          <a:lstStyle/>
-          <a:p>
-            <a:r>
-              <a:rPr lang="ko-KR" altLang="en-US" sz="3400" b="1" dirty="0">
-                <a:solidFill>
-                  <a:srgbClr val="1CCAB9"/>
-                </a:solidFill>
-                <a:latin typeface="+mn-ea"/>
-              </a:rPr>
-              <a:t>메뉴 만들기</a:t>
-            </a:r>
-            <a:endParaRPr lang="en-US" altLang="ko-KR" sz="3400" b="1" dirty="0">
-              <a:solidFill>
-                <a:srgbClr val="1CCAB9"/>
-              </a:solidFill>
-              <a:latin typeface="+mn-ea"/>
-            </a:endParaRPr>
-          </a:p>
-        </p:txBody>
-      </p:sp>
-    </p:spTree>
-    <p:extLst>
-      <p:ext uri="{BB962C8B-B14F-4D97-AF65-F5344CB8AC3E}">
-        <p14:creationId xmlns:p14="http://schemas.microsoft.com/office/powerpoint/2010/main" val="135253687"/>
-      </p:ext>
-    </p:extLst>
-  </p:cSld>
-  <p:clrMapOvr>
-    <a:masterClrMapping/>
-  </p:clrMapOvr>
-</p:sld>
-</file>
-
 <file path=ppt/slides/slide44.xml><?xml version="1.0" encoding="utf-8"?>
 <p:sld xmlns:a="http://schemas.openxmlformats.org/drawingml/2006/main" xmlns:r="http://schemas.openxmlformats.org/officeDocument/2006/relationships" xmlns:p="http://schemas.openxmlformats.org/presentationml/2006/main">
   <p:cSld>
@@ -18690,7 +19165,7 @@
       </p:grpSpPr>
       <p:sp>
         <p:nvSpPr>
-          <p:cNvPr id="4" name="TextBox 3"/>
+          <p:cNvPr id="2" name="TextBox 1"/>
           <p:cNvSpPr txBox="1"/>
           <p:nvPr/>
         </p:nvSpPr>
@@ -18711,13 +19186,13 @@
           <a:lstStyle/>
           <a:p>
             <a:r>
-              <a:rPr lang="en-US" altLang="ko-KR" sz="3400" b="1" dirty="0" smtClean="0">
+              <a:rPr lang="ko-KR" altLang="en-US" sz="3400" b="1" dirty="0" smtClean="0">
                 <a:solidFill>
                   <a:srgbClr val="1CCAB9"/>
                 </a:solidFill>
                 <a:latin typeface="+mn-ea"/>
               </a:rPr>
-              <a:t>Reference</a:t>
+              <a:t>종료 버튼 만들기</a:t>
             </a:r>
             <a:endParaRPr lang="en-US" altLang="ko-KR" sz="3400" b="1" dirty="0">
               <a:solidFill>
@@ -18728,188 +19203,1915 @@
           </a:p>
         </p:txBody>
       </p:sp>
-      <p:sp>
-        <p:nvSpPr>
-          <p:cNvPr id="5" name="Rectangle 8"/>
-          <p:cNvSpPr>
-            <a:spLocks noChangeArrowheads="1"/>
-          </p:cNvSpPr>
-          <p:nvPr/>
-        </p:nvSpPr>
-        <p:spPr bwMode="auto">
-          <a:xfrm>
-            <a:off x="643719" y="1021080"/>
-            <a:ext cx="7856562" cy="1446550"/>
-          </a:xfrm>
-          <a:prstGeom prst="rect">
-            <a:avLst/>
-          </a:prstGeom>
-          <a:noFill/>
-          <a:ln w="9525">
-            <a:noFill/>
-            <a:miter lim="800000"/>
-            <a:headEnd/>
-            <a:tailEnd/>
+      <p:pic>
+        <p:nvPicPr>
+          <p:cNvPr id="3" name="그림 2"/>
+          <p:cNvPicPr>
+            <a:picLocks noChangeAspect="1"/>
+          </p:cNvPicPr>
+          <p:nvPr/>
+        </p:nvPicPr>
+        <p:blipFill>
+          <a:blip r:embed="rId2"/>
+          <a:stretch>
+            <a:fillRect/>
+          </a:stretch>
+        </p:blipFill>
+        <p:spPr>
+          <a:xfrm>
+            <a:off x="647564" y="1484784"/>
+            <a:ext cx="3943350" cy="2790825"/>
+          </a:xfrm>
+          <a:prstGeom prst="rect">
+            <a:avLst/>
+          </a:prstGeom>
+        </p:spPr>
+      </p:pic>
+      <p:pic>
+        <p:nvPicPr>
+          <p:cNvPr id="5" name="그림 4"/>
+          <p:cNvPicPr>
+            <a:picLocks noChangeAspect="1"/>
+          </p:cNvPicPr>
+          <p:nvPr/>
+        </p:nvPicPr>
+        <p:blipFill>
+          <a:blip r:embed="rId2"/>
+          <a:stretch>
+            <a:fillRect/>
+          </a:stretch>
+        </p:blipFill>
+        <p:spPr>
+          <a:xfrm>
+            <a:off x="522831" y="1484784"/>
+            <a:ext cx="3943350" cy="2790825"/>
+          </a:xfrm>
+          <a:prstGeom prst="rect">
+            <a:avLst/>
+          </a:prstGeom>
+        </p:spPr>
+      </p:pic>
+      <p:sp>
+        <p:nvSpPr>
+          <p:cNvPr id="6" name="TextBox 5"/>
+          <p:cNvSpPr txBox="1"/>
+          <p:nvPr/>
+        </p:nvSpPr>
+        <p:spPr>
+          <a:xfrm>
+            <a:off x="522831" y="1207785"/>
+            <a:ext cx="4274247" cy="276999"/>
+          </a:xfrm>
+          <a:prstGeom prst="rect">
+            <a:avLst/>
+          </a:prstGeom>
+          <a:noFill/>
+        </p:spPr>
+        <p:txBody>
+          <a:bodyPr wrap="none" rtlCol="0">
+            <a:spAutoFit/>
+          </a:bodyPr>
+          <a:lstStyle/>
+          <a:p>
+            <a:r>
+              <a:rPr lang="en-US" altLang="ko-KR" sz="1200" dirty="0" smtClean="0">
+                <a:latin typeface="+mj-lt"/>
+              </a:rPr>
+              <a:t>1. </a:t>
+            </a:r>
+            <a:r>
+              <a:rPr lang="en-US" altLang="ko-KR" sz="1200" dirty="0" err="1" smtClean="0">
+                <a:latin typeface="+mj-lt"/>
+              </a:rPr>
+              <a:t>GameObject</a:t>
+            </a:r>
+            <a:r>
+              <a:rPr lang="en-US" altLang="ko-KR" sz="1200" dirty="0" smtClean="0">
+                <a:latin typeface="+mj-lt"/>
+              </a:rPr>
+              <a:t> – UI – Button </a:t>
+            </a:r>
+            <a:r>
+              <a:rPr lang="ko-KR" altLang="en-US" sz="1200" dirty="0" smtClean="0">
+                <a:latin typeface="+mj-lt"/>
+              </a:rPr>
+              <a:t>으로 버튼을 하나 생성합니다</a:t>
+            </a:r>
+            <a:r>
+              <a:rPr lang="en-US" altLang="ko-KR" sz="1200" dirty="0" smtClean="0">
+                <a:latin typeface="+mj-lt"/>
+              </a:rPr>
+              <a:t>.</a:t>
+            </a:r>
+            <a:endParaRPr lang="ko-KR" altLang="en-US" sz="1200" dirty="0" smtClean="0">
+              <a:latin typeface="+mj-lt"/>
+            </a:endParaRPr>
+          </a:p>
+        </p:txBody>
+      </p:sp>
+      <p:sp>
+        <p:nvSpPr>
+          <p:cNvPr id="7" name="모서리가 둥근 직사각형 6"/>
+          <p:cNvSpPr/>
+          <p:nvPr/>
+        </p:nvSpPr>
+        <p:spPr>
+          <a:xfrm>
+            <a:off x="3527884" y="4005064"/>
+            <a:ext cx="491441" cy="270545"/>
+          </a:xfrm>
+          <a:prstGeom prst="roundRect">
+            <a:avLst/>
+          </a:prstGeom>
+          <a:noFill/>
+          <a:ln>
+            <a:solidFill>
+              <a:srgbClr val="FF0000"/>
+            </a:solidFill>
           </a:ln>
         </p:spPr>
-        <p:txBody>
-          <a:bodyPr wrap="square">
+        <p:style>
+          <a:lnRef idx="2">
+            <a:schemeClr val="accent1">
+              <a:shade val="50000"/>
+            </a:schemeClr>
+          </a:lnRef>
+          <a:fillRef idx="1">
+            <a:schemeClr val="accent1"/>
+          </a:fillRef>
+          <a:effectRef idx="0">
+            <a:schemeClr val="accent1"/>
+          </a:effectRef>
+          <a:fontRef idx="minor">
+            <a:schemeClr val="lt1"/>
+          </a:fontRef>
+        </p:style>
+        <p:txBody>
+          <a:bodyPr rtlCol="0" anchor="ctr"/>
+          <a:lstStyle/>
+          <a:p>
+            <a:pPr algn="ctr"/>
+            <a:endParaRPr lang="ko-KR" altLang="en-US"/>
+          </a:p>
+        </p:txBody>
+      </p:sp>
+      <p:pic>
+        <p:nvPicPr>
+          <p:cNvPr id="8" name="그림 7"/>
+          <p:cNvPicPr>
+            <a:picLocks noChangeAspect="1"/>
+          </p:cNvPicPr>
+          <p:nvPr/>
+        </p:nvPicPr>
+        <p:blipFill>
+          <a:blip r:embed="rId3"/>
+          <a:stretch>
+            <a:fillRect/>
+          </a:stretch>
+        </p:blipFill>
+        <p:spPr>
+          <a:xfrm>
+            <a:off x="5508104" y="1484784"/>
+            <a:ext cx="2628292" cy="2592040"/>
+          </a:xfrm>
+          <a:prstGeom prst="rect">
+            <a:avLst/>
+          </a:prstGeom>
+        </p:spPr>
+      </p:pic>
+      <p:sp>
+        <p:nvSpPr>
+          <p:cNvPr id="9" name="TextBox 8"/>
+          <p:cNvSpPr txBox="1"/>
+          <p:nvPr/>
+        </p:nvSpPr>
+        <p:spPr>
+          <a:xfrm>
+            <a:off x="5508104" y="1023119"/>
+            <a:ext cx="3227165" cy="461665"/>
+          </a:xfrm>
+          <a:prstGeom prst="rect">
+            <a:avLst/>
+          </a:prstGeom>
+          <a:noFill/>
+        </p:spPr>
+        <p:txBody>
+          <a:bodyPr wrap="none" rtlCol="0">
             <a:spAutoFit/>
+          </a:bodyPr>
+          <a:lstStyle/>
+          <a:p>
+            <a:r>
+              <a:rPr lang="en-US" altLang="ko-KR" sz="1200" dirty="0" smtClean="0">
+                <a:latin typeface="+mj-lt"/>
+              </a:rPr>
+              <a:t>2. </a:t>
+            </a:r>
+            <a:r>
+              <a:rPr lang="ko-KR" altLang="en-US" sz="1200" dirty="0" smtClean="0">
+                <a:latin typeface="+mj-lt"/>
+              </a:rPr>
+              <a:t>만들어진 버튼의 이름을 </a:t>
+            </a:r>
+            <a:r>
+              <a:rPr lang="en-US" altLang="ko-KR" sz="1200" dirty="0" smtClean="0">
+                <a:latin typeface="+mj-lt"/>
+              </a:rPr>
+              <a:t>Exit</a:t>
+            </a:r>
+            <a:r>
+              <a:rPr lang="ko-KR" altLang="en-US" sz="1200" dirty="0" smtClean="0">
+                <a:latin typeface="+mj-lt"/>
+              </a:rPr>
+              <a:t>로 변경하고</a:t>
+            </a:r>
+            <a:endParaRPr lang="en-US" altLang="ko-KR" sz="1200" dirty="0" smtClean="0">
+              <a:latin typeface="+mj-lt"/>
+            </a:endParaRPr>
+          </a:p>
+          <a:p>
+            <a:r>
+              <a:rPr lang="en-US" altLang="ko-KR" sz="1200" dirty="0">
+                <a:latin typeface="+mj-lt"/>
+              </a:rPr>
+              <a:t> </a:t>
+            </a:r>
+            <a:r>
+              <a:rPr lang="en-US" altLang="ko-KR" sz="1200" dirty="0" smtClean="0">
+                <a:latin typeface="+mj-lt"/>
+              </a:rPr>
+              <a:t>  </a:t>
+            </a:r>
+            <a:r>
+              <a:rPr lang="en-US" altLang="ko-KR" sz="1200" dirty="0" err="1" smtClean="0">
+                <a:latin typeface="+mj-lt"/>
+              </a:rPr>
+              <a:t>MenuBar</a:t>
+            </a:r>
+            <a:r>
+              <a:rPr lang="en-US" altLang="ko-KR" sz="1200" dirty="0" smtClean="0">
+                <a:latin typeface="+mj-lt"/>
+              </a:rPr>
+              <a:t> </a:t>
+            </a:r>
+            <a:r>
+              <a:rPr lang="ko-KR" altLang="en-US" sz="1200" dirty="0" smtClean="0">
+                <a:latin typeface="+mj-lt"/>
+              </a:rPr>
+              <a:t>이미지 아래에 끌어다 놓습니다</a:t>
+            </a:r>
+            <a:r>
+              <a:rPr lang="en-US" altLang="ko-KR" sz="1200" dirty="0" smtClean="0">
+                <a:latin typeface="+mj-lt"/>
+              </a:rPr>
+              <a:t>.</a:t>
+            </a:r>
+            <a:endParaRPr lang="ko-KR" altLang="en-US" sz="1200" dirty="0" smtClean="0">
+              <a:latin typeface="+mj-lt"/>
+            </a:endParaRPr>
+          </a:p>
+        </p:txBody>
+      </p:sp>
+      <p:sp>
+        <p:nvSpPr>
+          <p:cNvPr id="12" name="모서리가 둥근 직사각형 11"/>
+          <p:cNvSpPr/>
+          <p:nvPr/>
+        </p:nvSpPr>
+        <p:spPr>
+          <a:xfrm>
+            <a:off x="6192180" y="3140968"/>
+            <a:ext cx="929506" cy="324036"/>
+          </a:xfrm>
+          <a:prstGeom prst="roundRect">
+            <a:avLst/>
+          </a:prstGeom>
+          <a:noFill/>
+          <a:ln>
+            <a:solidFill>
+              <a:srgbClr val="FF0000"/>
+            </a:solidFill>
+          </a:ln>
+        </p:spPr>
+        <p:style>
+          <a:lnRef idx="2">
+            <a:schemeClr val="accent1">
+              <a:shade val="50000"/>
+            </a:schemeClr>
+          </a:lnRef>
+          <a:fillRef idx="1">
+            <a:schemeClr val="accent1"/>
+          </a:fillRef>
+          <a:effectRef idx="0">
+            <a:schemeClr val="accent1"/>
+          </a:effectRef>
+          <a:fontRef idx="minor">
+            <a:schemeClr val="lt1"/>
+          </a:fontRef>
+        </p:style>
+        <p:txBody>
+          <a:bodyPr rtlCol="0" anchor="ctr"/>
+          <a:lstStyle/>
+          <a:p>
+            <a:pPr algn="ctr"/>
+            <a:endParaRPr lang="ko-KR" altLang="en-US"/>
+          </a:p>
+        </p:txBody>
+      </p:sp>
+      <p:sp>
+        <p:nvSpPr>
+          <p:cNvPr id="13" name="모서리가 둥근 직사각형 12"/>
+          <p:cNvSpPr/>
+          <p:nvPr/>
+        </p:nvSpPr>
+        <p:spPr>
+          <a:xfrm>
+            <a:off x="6180191" y="2830180"/>
+            <a:ext cx="929506" cy="324036"/>
+          </a:xfrm>
+          <a:prstGeom prst="roundRect">
+            <a:avLst/>
+          </a:prstGeom>
+          <a:noFill/>
+          <a:ln>
+            <a:solidFill>
+              <a:srgbClr val="FF0000"/>
+            </a:solidFill>
+          </a:ln>
+        </p:spPr>
+        <p:style>
+          <a:lnRef idx="2">
+            <a:schemeClr val="accent1">
+              <a:shade val="50000"/>
+            </a:schemeClr>
+          </a:lnRef>
+          <a:fillRef idx="1">
+            <a:schemeClr val="accent1"/>
+          </a:fillRef>
+          <a:effectRef idx="0">
+            <a:schemeClr val="accent1"/>
+          </a:effectRef>
+          <a:fontRef idx="minor">
+            <a:schemeClr val="lt1"/>
+          </a:fontRef>
+        </p:style>
+        <p:txBody>
+          <a:bodyPr rtlCol="0" anchor="ctr"/>
+          <a:lstStyle/>
+          <a:p>
+            <a:pPr algn="ctr"/>
+            <a:endParaRPr lang="ko-KR" altLang="en-US"/>
+          </a:p>
+        </p:txBody>
+      </p:sp>
+      <p:cxnSp>
+        <p:nvCxnSpPr>
+          <p:cNvPr id="15" name="구부러진 연결선 14"/>
+          <p:cNvCxnSpPr>
+            <a:stCxn id="12" idx="1"/>
+            <a:endCxn id="13" idx="1"/>
+          </p:cNvCxnSpPr>
+          <p:nvPr/>
+        </p:nvCxnSpPr>
+        <p:spPr>
+          <a:xfrm rot="10800000">
+            <a:off x="6180192" y="2992198"/>
+            <a:ext cx="11989" cy="310788"/>
+          </a:xfrm>
+          <a:prstGeom prst="curvedConnector3">
+            <a:avLst>
+              <a:gd name="adj1" fmla="val 2006748"/>
+            </a:avLst>
+          </a:prstGeom>
+          <a:ln w="25400">
+            <a:solidFill>
+              <a:srgbClr val="FF0000"/>
+            </a:solidFill>
+            <a:tailEnd type="triangle"/>
+          </a:ln>
+        </p:spPr>
+        <p:style>
+          <a:lnRef idx="3">
+            <a:schemeClr val="accent2"/>
+          </a:lnRef>
+          <a:fillRef idx="0">
+            <a:schemeClr val="accent2"/>
+          </a:fillRef>
+          <a:effectRef idx="2">
+            <a:schemeClr val="accent2"/>
+          </a:effectRef>
+          <a:fontRef idx="minor">
+            <a:schemeClr val="tx1"/>
+          </a:fontRef>
+        </p:style>
+      </p:cxnSp>
+      <p:pic>
+        <p:nvPicPr>
+          <p:cNvPr id="16" name="그림 15"/>
+          <p:cNvPicPr>
+            <a:picLocks noChangeAspect="1"/>
+          </p:cNvPicPr>
+          <p:nvPr/>
+        </p:nvPicPr>
+        <p:blipFill>
+          <a:blip r:embed="rId4"/>
+          <a:stretch>
+            <a:fillRect/>
+          </a:stretch>
+        </p:blipFill>
+        <p:spPr>
+          <a:xfrm>
+            <a:off x="2965019" y="4977172"/>
+            <a:ext cx="2556284" cy="1153106"/>
+          </a:xfrm>
+          <a:prstGeom prst="rect">
+            <a:avLst/>
+          </a:prstGeom>
+        </p:spPr>
+      </p:pic>
+      <p:sp>
+        <p:nvSpPr>
+          <p:cNvPr id="17" name="TextBox 16"/>
+          <p:cNvSpPr txBox="1"/>
+          <p:nvPr/>
+        </p:nvSpPr>
+        <p:spPr>
+          <a:xfrm>
+            <a:off x="2965019" y="4737274"/>
+            <a:ext cx="2767937" cy="276999"/>
+          </a:xfrm>
+          <a:prstGeom prst="rect">
+            <a:avLst/>
+          </a:prstGeom>
+          <a:noFill/>
+        </p:spPr>
+        <p:txBody>
+          <a:bodyPr wrap="none" rtlCol="0">
+            <a:spAutoFit/>
+          </a:bodyPr>
+          <a:lstStyle/>
+          <a:p>
+            <a:r>
+              <a:rPr lang="en-US" altLang="ko-KR" sz="1200" dirty="0" smtClean="0">
+                <a:latin typeface="+mj-lt"/>
+              </a:rPr>
+              <a:t>3. </a:t>
+            </a:r>
+            <a:r>
+              <a:rPr lang="en-US" altLang="ko-KR" sz="1200" dirty="0" smtClean="0">
+                <a:latin typeface="+mj-lt"/>
+              </a:rPr>
+              <a:t>Button</a:t>
+            </a:r>
+            <a:r>
+              <a:rPr lang="ko-KR" altLang="en-US" sz="1200" dirty="0" smtClean="0">
+                <a:latin typeface="+mj-lt"/>
+              </a:rPr>
+              <a:t>의 </a:t>
+            </a:r>
+            <a:r>
+              <a:rPr lang="en-US" altLang="ko-KR" sz="1200" dirty="0" smtClean="0">
+                <a:latin typeface="+mj-lt"/>
+              </a:rPr>
+              <a:t>Text</a:t>
+            </a:r>
+            <a:r>
+              <a:rPr lang="ko-KR" altLang="en-US" sz="1200" dirty="0" smtClean="0">
+                <a:latin typeface="+mj-lt"/>
+              </a:rPr>
+              <a:t>를 </a:t>
+            </a:r>
+            <a:r>
+              <a:rPr lang="en-US" altLang="ko-KR" sz="1200" dirty="0" smtClean="0">
+                <a:latin typeface="+mj-lt"/>
+              </a:rPr>
+              <a:t>Exit</a:t>
+            </a:r>
+            <a:r>
+              <a:rPr lang="ko-KR" altLang="en-US" sz="1200" dirty="0" smtClean="0">
+                <a:latin typeface="+mj-lt"/>
+              </a:rPr>
+              <a:t>로 변경합니다</a:t>
+            </a:r>
+            <a:r>
+              <a:rPr lang="en-US" altLang="ko-KR" sz="1200" dirty="0" smtClean="0">
+                <a:latin typeface="+mj-lt"/>
+              </a:rPr>
+              <a:t>.</a:t>
+            </a:r>
+            <a:endParaRPr lang="ko-KR" altLang="en-US" sz="1200" dirty="0" smtClean="0">
+              <a:latin typeface="+mj-lt"/>
+            </a:endParaRPr>
+          </a:p>
+        </p:txBody>
+      </p:sp>
+      <p:sp>
+        <p:nvSpPr>
+          <p:cNvPr id="18" name="모서리가 둥근 직사각형 17"/>
+          <p:cNvSpPr/>
+          <p:nvPr/>
+        </p:nvSpPr>
+        <p:spPr>
+          <a:xfrm>
+            <a:off x="3059832" y="5421126"/>
+            <a:ext cx="864096" cy="600162"/>
+          </a:xfrm>
+          <a:prstGeom prst="roundRect">
+            <a:avLst/>
+          </a:prstGeom>
+          <a:noFill/>
+          <a:ln>
+            <a:solidFill>
+              <a:srgbClr val="FF0000"/>
+            </a:solidFill>
+          </a:ln>
+        </p:spPr>
+        <p:style>
+          <a:lnRef idx="2">
+            <a:schemeClr val="accent1">
+              <a:shade val="50000"/>
+            </a:schemeClr>
+          </a:lnRef>
+          <a:fillRef idx="1">
+            <a:schemeClr val="accent1"/>
+          </a:fillRef>
+          <a:effectRef idx="0">
+            <a:schemeClr val="accent1"/>
+          </a:effectRef>
+          <a:fontRef idx="minor">
+            <a:schemeClr val="lt1"/>
+          </a:fontRef>
+        </p:style>
+        <p:txBody>
+          <a:bodyPr rtlCol="0" anchor="ctr"/>
+          <a:lstStyle/>
+          <a:p>
+            <a:pPr algn="ctr"/>
+            <a:endParaRPr lang="ko-KR" altLang="en-US"/>
+          </a:p>
+        </p:txBody>
+      </p:sp>
+    </p:spTree>
+    <p:extLst>
+      <p:ext uri="{BB962C8B-B14F-4D97-AF65-F5344CB8AC3E}">
+        <p14:creationId xmlns:p14="http://schemas.microsoft.com/office/powerpoint/2010/main" val="135253687"/>
+      </p:ext>
+    </p:extLst>
+  </p:cSld>
+  <p:clrMapOvr>
+    <a:masterClrMapping/>
+  </p:clrMapOvr>
+</p:sld>
+</file>
+
+<file path=ppt/slides/slide45.xml><?xml version="1.0" encoding="utf-8"?>
+<p:sld xmlns:a="http://schemas.openxmlformats.org/drawingml/2006/main" xmlns:r="http://schemas.openxmlformats.org/officeDocument/2006/relationships" xmlns:p="http://schemas.openxmlformats.org/presentationml/2006/main">
+  <p:cSld>
+    <p:spTree>
+      <p:nvGrpSpPr>
+        <p:cNvPr id="1" name=""/>
+        <p:cNvGrpSpPr/>
+        <p:nvPr/>
+      </p:nvGrpSpPr>
+      <p:grpSpPr>
+        <a:xfrm>
+          <a:off x="0" y="0"/>
+          <a:ext cx="0" cy="0"/>
+          <a:chOff x="0" y="0"/>
+          <a:chExt cx="0" cy="0"/>
+        </a:xfrm>
+      </p:grpSpPr>
+      <p:sp>
+        <p:nvSpPr>
+          <p:cNvPr id="2" name="TextBox 1"/>
+          <p:cNvSpPr txBox="1"/>
+          <p:nvPr/>
+        </p:nvSpPr>
+        <p:spPr>
+          <a:xfrm>
+            <a:off x="522831" y="-6392"/>
+            <a:ext cx="6992989" cy="807324"/>
+          </a:xfrm>
+          <a:prstGeom prst="rect">
+            <a:avLst/>
+          </a:prstGeom>
+          <a:noFill/>
+        </p:spPr>
+        <p:txBody>
+          <a:bodyPr wrap="none" rtlCol="0" anchor="ctr">
+            <a:noAutofit/>
+          </a:bodyPr>
+          <a:lstStyle/>
+          <a:p>
+            <a:r>
+              <a:rPr lang="ko-KR" altLang="en-US" sz="3400" b="1" dirty="0" smtClean="0">
+                <a:solidFill>
+                  <a:srgbClr val="1CCAB9"/>
+                </a:solidFill>
+                <a:latin typeface="+mn-ea"/>
+              </a:rPr>
+              <a:t>종료 버튼 만들기</a:t>
+            </a:r>
+            <a:endParaRPr lang="en-US" altLang="ko-KR" sz="3400" b="1" dirty="0">
+              <a:solidFill>
+                <a:srgbClr val="1CCAB9"/>
+              </a:solidFill>
+              <a:latin typeface="+mn-ea"/>
+            </a:endParaRPr>
+          </a:p>
+        </p:txBody>
+      </p:sp>
+      <p:pic>
+        <p:nvPicPr>
+          <p:cNvPr id="4" name="그림 3"/>
+          <p:cNvPicPr>
+            <a:picLocks noChangeAspect="1"/>
+          </p:cNvPicPr>
+          <p:nvPr/>
+        </p:nvPicPr>
+        <p:blipFill>
+          <a:blip r:embed="rId2"/>
+          <a:stretch>
+            <a:fillRect/>
+          </a:stretch>
+        </p:blipFill>
+        <p:spPr>
+          <a:xfrm>
+            <a:off x="522831" y="1520788"/>
+            <a:ext cx="2495550" cy="2857500"/>
+          </a:xfrm>
+          <a:prstGeom prst="rect">
+            <a:avLst/>
+          </a:prstGeom>
+        </p:spPr>
+      </p:pic>
+      <p:sp>
+        <p:nvSpPr>
+          <p:cNvPr id="10" name="TextBox 9"/>
+          <p:cNvSpPr txBox="1"/>
+          <p:nvPr/>
+        </p:nvSpPr>
+        <p:spPr>
+          <a:xfrm>
+            <a:off x="522831" y="1243789"/>
+            <a:ext cx="4537139" cy="276999"/>
+          </a:xfrm>
+          <a:prstGeom prst="rect">
+            <a:avLst/>
+          </a:prstGeom>
+          <a:noFill/>
+        </p:spPr>
+        <p:txBody>
+          <a:bodyPr wrap="none" rtlCol="0">
+            <a:spAutoFit/>
+          </a:bodyPr>
+          <a:lstStyle/>
+          <a:p>
+            <a:r>
+              <a:rPr lang="en-US" altLang="ko-KR" sz="1200" dirty="0" smtClean="0">
+                <a:latin typeface="+mj-lt"/>
+              </a:rPr>
+              <a:t>1. Button</a:t>
+            </a:r>
+            <a:r>
+              <a:rPr lang="ko-KR" altLang="en-US" sz="1200" dirty="0" smtClean="0">
+                <a:latin typeface="+mj-lt"/>
+              </a:rPr>
+              <a:t>의 앵커를 </a:t>
+            </a:r>
+            <a:r>
+              <a:rPr lang="ko-KR" altLang="en-US" sz="1200" dirty="0" err="1" smtClean="0">
+                <a:latin typeface="+mj-lt"/>
+              </a:rPr>
+              <a:t>알트키를</a:t>
+            </a:r>
+            <a:r>
+              <a:rPr lang="ko-KR" altLang="en-US" sz="1200" dirty="0" smtClean="0">
+                <a:latin typeface="+mj-lt"/>
+              </a:rPr>
+              <a:t> </a:t>
+            </a:r>
+            <a:r>
+              <a:rPr lang="ko-KR" altLang="en-US" sz="1200" dirty="0" err="1" smtClean="0">
+                <a:latin typeface="+mj-lt"/>
+              </a:rPr>
+              <a:t>누른채</a:t>
+            </a:r>
+            <a:r>
+              <a:rPr lang="ko-KR" altLang="en-US" sz="1200" dirty="0" smtClean="0">
+                <a:latin typeface="+mj-lt"/>
+              </a:rPr>
+              <a:t> 왼쪽 하단으로 배치합니다</a:t>
+            </a:r>
+            <a:r>
+              <a:rPr lang="en-US" altLang="ko-KR" sz="1200" dirty="0" smtClean="0">
+                <a:latin typeface="+mj-lt"/>
+              </a:rPr>
+              <a:t>.</a:t>
+            </a:r>
+            <a:endParaRPr lang="ko-KR" altLang="en-US" sz="1200" dirty="0" smtClean="0">
+              <a:latin typeface="+mj-lt"/>
+            </a:endParaRPr>
+          </a:p>
+        </p:txBody>
+      </p:sp>
+      <p:sp>
+        <p:nvSpPr>
+          <p:cNvPr id="11" name="모서리가 둥근 직사각형 10"/>
+          <p:cNvSpPr/>
+          <p:nvPr/>
+        </p:nvSpPr>
+        <p:spPr>
+          <a:xfrm>
+            <a:off x="1223628" y="3320988"/>
+            <a:ext cx="432048" cy="540060"/>
+          </a:xfrm>
+          <a:prstGeom prst="roundRect">
+            <a:avLst/>
+          </a:prstGeom>
+          <a:noFill/>
+          <a:ln>
+            <a:solidFill>
+              <a:srgbClr val="FF0000"/>
+            </a:solidFill>
+          </a:ln>
+        </p:spPr>
+        <p:style>
+          <a:lnRef idx="2">
+            <a:schemeClr val="accent1">
+              <a:shade val="50000"/>
+            </a:schemeClr>
+          </a:lnRef>
+          <a:fillRef idx="1">
+            <a:schemeClr val="accent1"/>
+          </a:fillRef>
+          <a:effectRef idx="0">
+            <a:schemeClr val="accent1"/>
+          </a:effectRef>
+          <a:fontRef idx="minor">
+            <a:schemeClr val="lt1"/>
+          </a:fontRef>
+        </p:style>
+        <p:txBody>
+          <a:bodyPr rtlCol="0" anchor="ctr"/>
+          <a:lstStyle/>
+          <a:p>
+            <a:pPr algn="ctr"/>
+            <a:endParaRPr lang="ko-KR" altLang="en-US"/>
+          </a:p>
+        </p:txBody>
+      </p:sp>
+      <p:pic>
+        <p:nvPicPr>
+          <p:cNvPr id="14" name="그림 13"/>
+          <p:cNvPicPr>
+            <a:picLocks noChangeAspect="1"/>
+          </p:cNvPicPr>
+          <p:nvPr/>
+        </p:nvPicPr>
+        <p:blipFill>
+          <a:blip r:embed="rId3"/>
+          <a:stretch>
+            <a:fillRect/>
+          </a:stretch>
+        </p:blipFill>
+        <p:spPr>
+          <a:xfrm>
+            <a:off x="5292080" y="1520788"/>
+            <a:ext cx="3062764" cy="1134933"/>
+          </a:xfrm>
+          <a:prstGeom prst="rect">
+            <a:avLst/>
+          </a:prstGeom>
+        </p:spPr>
+      </p:pic>
+      <p:sp>
+        <p:nvSpPr>
+          <p:cNvPr id="19" name="TextBox 18"/>
+          <p:cNvSpPr txBox="1"/>
+          <p:nvPr/>
+        </p:nvSpPr>
+        <p:spPr>
+          <a:xfrm>
+            <a:off x="5292080" y="1243789"/>
+            <a:ext cx="3226076" cy="276999"/>
+          </a:xfrm>
+          <a:prstGeom prst="rect">
+            <a:avLst/>
+          </a:prstGeom>
+          <a:noFill/>
+        </p:spPr>
+        <p:txBody>
+          <a:bodyPr wrap="none" rtlCol="0">
+            <a:spAutoFit/>
+          </a:bodyPr>
+          <a:lstStyle/>
+          <a:p>
+            <a:r>
+              <a:rPr lang="en-US" altLang="ko-KR" sz="1200" dirty="0" smtClean="0">
+                <a:latin typeface="+mj-lt"/>
+              </a:rPr>
+              <a:t>2. </a:t>
+            </a:r>
+            <a:r>
+              <a:rPr lang="en-US" altLang="ko-KR" sz="1200" dirty="0" err="1" smtClean="0">
+                <a:latin typeface="+mj-lt"/>
+              </a:rPr>
+              <a:t>Pos</a:t>
+            </a:r>
+            <a:r>
+              <a:rPr lang="en-US" altLang="ko-KR" sz="1200" dirty="0" smtClean="0">
+                <a:latin typeface="+mj-lt"/>
+              </a:rPr>
+              <a:t> X</a:t>
+            </a:r>
+            <a:r>
+              <a:rPr lang="ko-KR" altLang="en-US" sz="1200" dirty="0" smtClean="0">
+                <a:latin typeface="+mj-lt"/>
+              </a:rPr>
+              <a:t>를 </a:t>
+            </a:r>
+            <a:r>
+              <a:rPr lang="en-US" altLang="ko-KR" sz="1200" dirty="0" smtClean="0">
+                <a:latin typeface="+mj-lt"/>
+              </a:rPr>
+              <a:t>100, </a:t>
+            </a:r>
+            <a:r>
+              <a:rPr lang="en-US" altLang="ko-KR" sz="1200" dirty="0" err="1" smtClean="0">
+                <a:latin typeface="+mj-lt"/>
+              </a:rPr>
+              <a:t>Pos</a:t>
+            </a:r>
+            <a:r>
+              <a:rPr lang="en-US" altLang="ko-KR" sz="1200" dirty="0" smtClean="0">
+                <a:latin typeface="+mj-lt"/>
+              </a:rPr>
+              <a:t> Y</a:t>
+            </a:r>
+            <a:r>
+              <a:rPr lang="ko-KR" altLang="en-US" sz="1200" dirty="0" smtClean="0">
+                <a:latin typeface="+mj-lt"/>
+              </a:rPr>
+              <a:t>를 </a:t>
+            </a:r>
+            <a:r>
+              <a:rPr lang="en-US" altLang="ko-KR" sz="1200" dirty="0" smtClean="0">
+                <a:latin typeface="+mj-lt"/>
+              </a:rPr>
+              <a:t>30</a:t>
+            </a:r>
+            <a:r>
+              <a:rPr lang="ko-KR" altLang="en-US" sz="1200" dirty="0" smtClean="0">
+                <a:latin typeface="+mj-lt"/>
+              </a:rPr>
+              <a:t>으로 변경합니다</a:t>
+            </a:r>
+            <a:r>
+              <a:rPr lang="en-US" altLang="ko-KR" sz="1200" dirty="0" smtClean="0">
+                <a:latin typeface="+mj-lt"/>
+              </a:rPr>
+              <a:t>.</a:t>
+            </a:r>
+            <a:endParaRPr lang="ko-KR" altLang="en-US" sz="1200" dirty="0" smtClean="0">
+              <a:latin typeface="+mj-lt"/>
+            </a:endParaRPr>
+          </a:p>
+        </p:txBody>
+      </p:sp>
+      <p:pic>
+        <p:nvPicPr>
+          <p:cNvPr id="20" name="그림 19"/>
+          <p:cNvPicPr>
+            <a:picLocks noChangeAspect="1"/>
+          </p:cNvPicPr>
+          <p:nvPr/>
+        </p:nvPicPr>
+        <p:blipFill>
+          <a:blip r:embed="rId4"/>
+          <a:stretch>
+            <a:fillRect/>
+          </a:stretch>
+        </p:blipFill>
+        <p:spPr>
+          <a:xfrm>
+            <a:off x="5292080" y="3320988"/>
+            <a:ext cx="3041259" cy="1395747"/>
+          </a:xfrm>
+          <a:prstGeom prst="rect">
+            <a:avLst/>
+          </a:prstGeom>
+        </p:spPr>
+      </p:pic>
+      <p:sp>
+        <p:nvSpPr>
+          <p:cNvPr id="21" name="TextBox 20"/>
+          <p:cNvSpPr txBox="1"/>
+          <p:nvPr/>
+        </p:nvSpPr>
+        <p:spPr>
+          <a:xfrm>
+            <a:off x="5288753" y="3043989"/>
+            <a:ext cx="2995051" cy="276999"/>
+          </a:xfrm>
+          <a:prstGeom prst="rect">
+            <a:avLst/>
+          </a:prstGeom>
+          <a:noFill/>
+        </p:spPr>
+        <p:txBody>
+          <a:bodyPr wrap="none" rtlCol="0">
+            <a:spAutoFit/>
+          </a:bodyPr>
+          <a:lstStyle/>
+          <a:p>
+            <a:r>
+              <a:rPr lang="en-US" altLang="ko-KR" sz="1200" dirty="0" smtClean="0">
+                <a:latin typeface="+mj-lt"/>
+              </a:rPr>
+              <a:t>3. </a:t>
+            </a:r>
+            <a:r>
+              <a:rPr lang="en-US" altLang="ko-KR" sz="1200" dirty="0" err="1" smtClean="0">
+                <a:latin typeface="+mj-lt"/>
+              </a:rPr>
+              <a:t>ExitButton</a:t>
+            </a:r>
+            <a:r>
+              <a:rPr lang="en-US" altLang="ko-KR" sz="1200" dirty="0" smtClean="0">
+                <a:latin typeface="+mj-lt"/>
+              </a:rPr>
+              <a:t> C# </a:t>
+            </a:r>
+            <a:r>
+              <a:rPr lang="ko-KR" altLang="en-US" sz="1200" dirty="0" smtClean="0">
+                <a:latin typeface="+mj-lt"/>
+              </a:rPr>
+              <a:t>스크립트를 생성합니다</a:t>
+            </a:r>
+            <a:r>
+              <a:rPr lang="en-US" altLang="ko-KR" sz="1200" dirty="0" smtClean="0">
+                <a:latin typeface="+mj-lt"/>
+              </a:rPr>
+              <a:t>.</a:t>
+            </a:r>
+            <a:endParaRPr lang="ko-KR" altLang="en-US" sz="1200" dirty="0" smtClean="0">
+              <a:latin typeface="+mj-lt"/>
+            </a:endParaRPr>
+          </a:p>
+        </p:txBody>
+      </p:sp>
+      <p:sp>
+        <p:nvSpPr>
+          <p:cNvPr id="22" name="모서리가 둥근 직사각형 21"/>
+          <p:cNvSpPr/>
+          <p:nvPr/>
+        </p:nvSpPr>
+        <p:spPr>
+          <a:xfrm>
+            <a:off x="5400092" y="1520788"/>
+            <a:ext cx="684076" cy="540060"/>
+          </a:xfrm>
+          <a:prstGeom prst="roundRect">
+            <a:avLst/>
+          </a:prstGeom>
+          <a:noFill/>
+          <a:ln>
+            <a:solidFill>
+              <a:srgbClr val="FF0000"/>
+            </a:solidFill>
+          </a:ln>
+        </p:spPr>
+        <p:style>
+          <a:lnRef idx="2">
+            <a:schemeClr val="accent1">
+              <a:shade val="50000"/>
+            </a:schemeClr>
+          </a:lnRef>
+          <a:fillRef idx="1">
+            <a:schemeClr val="accent1"/>
+          </a:fillRef>
+          <a:effectRef idx="0">
+            <a:schemeClr val="accent1"/>
+          </a:effectRef>
+          <a:fontRef idx="minor">
+            <a:schemeClr val="lt1"/>
+          </a:fontRef>
+        </p:style>
+        <p:txBody>
+          <a:bodyPr rtlCol="0" anchor="ctr"/>
+          <a:lstStyle/>
+          <a:p>
+            <a:pPr algn="ctr"/>
+            <a:endParaRPr lang="ko-KR" altLang="en-US"/>
+          </a:p>
+        </p:txBody>
+      </p:sp>
+      <p:sp>
+        <p:nvSpPr>
+          <p:cNvPr id="23" name="모서리가 둥근 직사각형 22"/>
+          <p:cNvSpPr/>
+          <p:nvPr/>
+        </p:nvSpPr>
+        <p:spPr>
+          <a:xfrm>
+            <a:off x="6732240" y="1520788"/>
+            <a:ext cx="720080" cy="491571"/>
+          </a:xfrm>
+          <a:prstGeom prst="roundRect">
+            <a:avLst/>
+          </a:prstGeom>
+          <a:noFill/>
+          <a:ln>
+            <a:solidFill>
+              <a:srgbClr val="FF0000"/>
+            </a:solidFill>
+          </a:ln>
+        </p:spPr>
+        <p:style>
+          <a:lnRef idx="2">
+            <a:schemeClr val="accent1">
+              <a:shade val="50000"/>
+            </a:schemeClr>
+          </a:lnRef>
+          <a:fillRef idx="1">
+            <a:schemeClr val="accent1"/>
+          </a:fillRef>
+          <a:effectRef idx="0">
+            <a:schemeClr val="accent1"/>
+          </a:effectRef>
+          <a:fontRef idx="minor">
+            <a:schemeClr val="lt1"/>
+          </a:fontRef>
+        </p:style>
+        <p:txBody>
+          <a:bodyPr rtlCol="0" anchor="ctr"/>
+          <a:lstStyle/>
+          <a:p>
+            <a:pPr algn="ctr"/>
+            <a:endParaRPr lang="ko-KR" altLang="en-US"/>
+          </a:p>
+        </p:txBody>
+      </p:sp>
+      <p:sp>
+        <p:nvSpPr>
+          <p:cNvPr id="24" name="모서리가 둥근 직사각형 23"/>
+          <p:cNvSpPr/>
+          <p:nvPr/>
+        </p:nvSpPr>
+        <p:spPr>
+          <a:xfrm>
+            <a:off x="6192180" y="3320988"/>
+            <a:ext cx="1141489" cy="1260140"/>
+          </a:xfrm>
+          <a:prstGeom prst="roundRect">
+            <a:avLst/>
+          </a:prstGeom>
+          <a:noFill/>
+          <a:ln>
+            <a:solidFill>
+              <a:srgbClr val="FF0000"/>
+            </a:solidFill>
+          </a:ln>
+        </p:spPr>
+        <p:style>
+          <a:lnRef idx="2">
+            <a:schemeClr val="accent1">
+              <a:shade val="50000"/>
+            </a:schemeClr>
+          </a:lnRef>
+          <a:fillRef idx="1">
+            <a:schemeClr val="accent1"/>
+          </a:fillRef>
+          <a:effectRef idx="0">
+            <a:schemeClr val="accent1"/>
+          </a:effectRef>
+          <a:fontRef idx="minor">
+            <a:schemeClr val="lt1"/>
+          </a:fontRef>
+        </p:style>
+        <p:txBody>
+          <a:bodyPr rtlCol="0" anchor="ctr"/>
+          <a:lstStyle/>
+          <a:p>
+            <a:pPr algn="ctr"/>
+            <a:endParaRPr lang="ko-KR" altLang="en-US"/>
+          </a:p>
+        </p:txBody>
+      </p:sp>
+      <p:pic>
+        <p:nvPicPr>
+          <p:cNvPr id="25" name="그림 24"/>
+          <p:cNvPicPr>
+            <a:picLocks noChangeAspect="1"/>
+          </p:cNvPicPr>
+          <p:nvPr/>
+        </p:nvPicPr>
+        <p:blipFill>
+          <a:blip r:embed="rId5"/>
+          <a:stretch>
+            <a:fillRect/>
+          </a:stretch>
+        </p:blipFill>
+        <p:spPr>
+          <a:xfrm>
+            <a:off x="1770606" y="4905164"/>
+            <a:ext cx="3181350" cy="1695450"/>
+          </a:xfrm>
+          <a:prstGeom prst="rect">
+            <a:avLst/>
+          </a:prstGeom>
+        </p:spPr>
+      </p:pic>
+      <p:sp>
+        <p:nvSpPr>
+          <p:cNvPr id="26" name="TextBox 25"/>
+          <p:cNvSpPr txBox="1"/>
+          <p:nvPr/>
+        </p:nvSpPr>
+        <p:spPr>
+          <a:xfrm>
+            <a:off x="1770606" y="4628165"/>
+            <a:ext cx="2193229" cy="276999"/>
+          </a:xfrm>
+          <a:prstGeom prst="rect">
+            <a:avLst/>
+          </a:prstGeom>
+          <a:noFill/>
+        </p:spPr>
+        <p:txBody>
+          <a:bodyPr wrap="none" rtlCol="0">
+            <a:spAutoFit/>
+          </a:bodyPr>
+          <a:lstStyle/>
+          <a:p>
+            <a:r>
+              <a:rPr lang="en-US" altLang="ko-KR" sz="1200" dirty="0" smtClean="0">
+                <a:latin typeface="+mj-lt"/>
+              </a:rPr>
+              <a:t>4. </a:t>
+            </a:r>
+            <a:r>
+              <a:rPr lang="ko-KR" altLang="en-US" sz="1200" dirty="0" smtClean="0">
+                <a:latin typeface="+mj-lt"/>
+              </a:rPr>
+              <a:t>아래의 코드를 입력합니다</a:t>
+            </a:r>
+            <a:r>
+              <a:rPr lang="en-US" altLang="ko-KR" sz="1200" dirty="0" smtClean="0">
+                <a:latin typeface="+mj-lt"/>
+              </a:rPr>
+              <a:t>.</a:t>
+            </a:r>
+            <a:endParaRPr lang="ko-KR" altLang="en-US" sz="1200" dirty="0" smtClean="0">
+              <a:latin typeface="+mj-lt"/>
+            </a:endParaRPr>
+          </a:p>
+        </p:txBody>
+      </p:sp>
+      <p:sp>
+        <p:nvSpPr>
+          <p:cNvPr id="27" name="모서리가 둥근 직사각형 26"/>
+          <p:cNvSpPr/>
+          <p:nvPr/>
+        </p:nvSpPr>
+        <p:spPr>
+          <a:xfrm>
+            <a:off x="2087724" y="5752889"/>
+            <a:ext cx="1656184" cy="664443"/>
+          </a:xfrm>
+          <a:prstGeom prst="roundRect">
+            <a:avLst/>
+          </a:prstGeom>
+          <a:noFill/>
+          <a:ln>
+            <a:solidFill>
+              <a:srgbClr val="FF0000"/>
+            </a:solidFill>
+          </a:ln>
+        </p:spPr>
+        <p:style>
+          <a:lnRef idx="2">
+            <a:schemeClr val="accent1">
+              <a:shade val="50000"/>
+            </a:schemeClr>
+          </a:lnRef>
+          <a:fillRef idx="1">
+            <a:schemeClr val="accent1"/>
+          </a:fillRef>
+          <a:effectRef idx="0">
+            <a:schemeClr val="accent1"/>
+          </a:effectRef>
+          <a:fontRef idx="minor">
+            <a:schemeClr val="lt1"/>
+          </a:fontRef>
+        </p:style>
+        <p:txBody>
+          <a:bodyPr rtlCol="0" anchor="ctr"/>
+          <a:lstStyle/>
+          <a:p>
+            <a:pPr algn="ctr"/>
+            <a:endParaRPr lang="ko-KR" altLang="en-US"/>
+          </a:p>
+        </p:txBody>
+      </p:sp>
+    </p:spTree>
+    <p:extLst>
+      <p:ext uri="{BB962C8B-B14F-4D97-AF65-F5344CB8AC3E}">
+        <p14:creationId xmlns:p14="http://schemas.microsoft.com/office/powerpoint/2010/main" val="232053206"/>
+      </p:ext>
+    </p:extLst>
+  </p:cSld>
+  <p:clrMapOvr>
+    <a:masterClrMapping/>
+  </p:clrMapOvr>
+</p:sld>
+</file>
+
+<file path=ppt/slides/slide46.xml><?xml version="1.0" encoding="utf-8"?>
+<p:sld xmlns:a="http://schemas.openxmlformats.org/drawingml/2006/main" xmlns:r="http://schemas.openxmlformats.org/officeDocument/2006/relationships" xmlns:p="http://schemas.openxmlformats.org/presentationml/2006/main">
+  <p:cSld>
+    <p:spTree>
+      <p:nvGrpSpPr>
+        <p:cNvPr id="1" name=""/>
+        <p:cNvGrpSpPr/>
+        <p:nvPr/>
+      </p:nvGrpSpPr>
+      <p:grpSpPr>
+        <a:xfrm>
+          <a:off x="0" y="0"/>
+          <a:ext cx="0" cy="0"/>
+          <a:chOff x="0" y="0"/>
+          <a:chExt cx="0" cy="0"/>
+        </a:xfrm>
+      </p:grpSpPr>
+      <p:sp>
+        <p:nvSpPr>
+          <p:cNvPr id="2" name="TextBox 1"/>
+          <p:cNvSpPr txBox="1"/>
+          <p:nvPr/>
+        </p:nvSpPr>
+        <p:spPr>
+          <a:xfrm>
+            <a:off x="522831" y="-6392"/>
+            <a:ext cx="6992989" cy="807324"/>
+          </a:xfrm>
+          <a:prstGeom prst="rect">
+            <a:avLst/>
+          </a:prstGeom>
+          <a:noFill/>
+        </p:spPr>
+        <p:txBody>
+          <a:bodyPr wrap="none" rtlCol="0" anchor="ctr">
+            <a:noAutofit/>
+          </a:bodyPr>
+          <a:lstStyle/>
+          <a:p>
+            <a:r>
+              <a:rPr lang="ko-KR" altLang="en-US" sz="3400" b="1" dirty="0" smtClean="0">
+                <a:solidFill>
+                  <a:srgbClr val="1CCAB9"/>
+                </a:solidFill>
+                <a:latin typeface="+mn-ea"/>
+              </a:rPr>
+              <a:t>종료 버튼 만들기</a:t>
+            </a:r>
+            <a:endParaRPr lang="en-US" altLang="ko-KR" sz="3400" b="1" dirty="0">
+              <a:solidFill>
+                <a:srgbClr val="1CCAB9"/>
+              </a:solidFill>
+              <a:latin typeface="+mn-ea"/>
+            </a:endParaRPr>
+          </a:p>
+        </p:txBody>
+      </p:sp>
+      <p:pic>
+        <p:nvPicPr>
+          <p:cNvPr id="3" name="그림 2"/>
+          <p:cNvPicPr>
+            <a:picLocks noChangeAspect="1"/>
+          </p:cNvPicPr>
+          <p:nvPr/>
+        </p:nvPicPr>
+        <p:blipFill>
+          <a:blip r:embed="rId2"/>
+          <a:stretch>
+            <a:fillRect/>
+          </a:stretch>
+        </p:blipFill>
+        <p:spPr>
+          <a:xfrm>
+            <a:off x="1547664" y="1628800"/>
+            <a:ext cx="1872208" cy="1503440"/>
+          </a:xfrm>
+          <a:prstGeom prst="rect">
+            <a:avLst/>
+          </a:prstGeom>
+        </p:spPr>
+      </p:pic>
+      <p:sp>
+        <p:nvSpPr>
+          <p:cNvPr id="4" name="TextBox 3"/>
+          <p:cNvSpPr txBox="1"/>
+          <p:nvPr/>
+        </p:nvSpPr>
+        <p:spPr>
+          <a:xfrm>
+            <a:off x="1551058" y="1348513"/>
+            <a:ext cx="3892732" cy="276999"/>
+          </a:xfrm>
+          <a:prstGeom prst="rect">
+            <a:avLst/>
+          </a:prstGeom>
+          <a:noFill/>
+        </p:spPr>
+        <p:txBody>
+          <a:bodyPr wrap="none" rtlCol="0">
+            <a:spAutoFit/>
+          </a:bodyPr>
+          <a:lstStyle/>
+          <a:p>
+            <a:r>
+              <a:rPr lang="en-US" altLang="ko-KR" sz="1200" dirty="0" smtClean="0">
+                <a:latin typeface="+mj-lt"/>
+              </a:rPr>
+              <a:t>1. Exit </a:t>
+            </a:r>
+            <a:r>
+              <a:rPr lang="ko-KR" altLang="en-US" sz="1200" dirty="0" smtClean="0">
+                <a:latin typeface="+mj-lt"/>
+              </a:rPr>
+              <a:t>버튼에 </a:t>
+            </a:r>
+            <a:r>
+              <a:rPr lang="en-US" altLang="ko-KR" sz="1200" dirty="0" err="1" smtClean="0">
+                <a:latin typeface="+mj-lt"/>
+              </a:rPr>
+              <a:t>ExitButton</a:t>
+            </a:r>
+            <a:r>
+              <a:rPr lang="en-US" altLang="ko-KR" sz="1200" dirty="0" smtClean="0">
+                <a:latin typeface="+mj-lt"/>
+              </a:rPr>
+              <a:t> </a:t>
+            </a:r>
+            <a:r>
+              <a:rPr lang="ko-KR" altLang="en-US" sz="1200" dirty="0" smtClean="0">
+                <a:latin typeface="+mj-lt"/>
+              </a:rPr>
+              <a:t>스크립트를 끌어다 놓습니다</a:t>
+            </a:r>
+            <a:r>
+              <a:rPr lang="en-US" altLang="ko-KR" sz="1200" dirty="0" smtClean="0">
+                <a:latin typeface="+mj-lt"/>
+              </a:rPr>
+              <a:t>.</a:t>
+            </a:r>
+            <a:endParaRPr lang="ko-KR" altLang="en-US" sz="1200" dirty="0" smtClean="0">
+              <a:latin typeface="+mj-lt"/>
+            </a:endParaRPr>
+          </a:p>
+        </p:txBody>
+      </p:sp>
+      <p:pic>
+        <p:nvPicPr>
+          <p:cNvPr id="5" name="그림 4"/>
+          <p:cNvPicPr>
+            <a:picLocks noChangeAspect="1"/>
+          </p:cNvPicPr>
+          <p:nvPr/>
+        </p:nvPicPr>
+        <p:blipFill>
+          <a:blip r:embed="rId3"/>
+          <a:stretch>
+            <a:fillRect/>
+          </a:stretch>
+        </p:blipFill>
+        <p:spPr>
+          <a:xfrm>
+            <a:off x="4246856" y="1610909"/>
+            <a:ext cx="2393867" cy="1506728"/>
+          </a:xfrm>
+          <a:prstGeom prst="rect">
+            <a:avLst/>
+          </a:prstGeom>
+        </p:spPr>
+      </p:pic>
+      <p:sp>
+        <p:nvSpPr>
+          <p:cNvPr id="6" name="모서리가 둥근 직사각형 5"/>
+          <p:cNvSpPr/>
+          <p:nvPr/>
+        </p:nvSpPr>
+        <p:spPr>
+          <a:xfrm>
+            <a:off x="4808139" y="1625512"/>
+            <a:ext cx="972108" cy="1296144"/>
+          </a:xfrm>
+          <a:prstGeom prst="roundRect">
+            <a:avLst/>
+          </a:prstGeom>
+          <a:noFill/>
+          <a:ln>
+            <a:solidFill>
+              <a:srgbClr val="FF0000"/>
+            </a:solidFill>
+          </a:ln>
+        </p:spPr>
+        <p:style>
+          <a:lnRef idx="2">
+            <a:schemeClr val="accent1">
+              <a:shade val="50000"/>
+            </a:schemeClr>
+          </a:lnRef>
+          <a:fillRef idx="1">
+            <a:schemeClr val="accent1"/>
+          </a:fillRef>
+          <a:effectRef idx="0">
+            <a:schemeClr val="accent1"/>
+          </a:effectRef>
+          <a:fontRef idx="minor">
+            <a:schemeClr val="lt1"/>
+          </a:fontRef>
+        </p:style>
+        <p:txBody>
+          <a:bodyPr rtlCol="0" anchor="ctr"/>
+          <a:lstStyle/>
+          <a:p>
+            <a:pPr algn="ctr"/>
+            <a:endParaRPr lang="ko-KR" altLang="en-US"/>
+          </a:p>
+        </p:txBody>
+      </p:sp>
+      <p:sp>
+        <p:nvSpPr>
+          <p:cNvPr id="7" name="모서리가 둥근 직사각형 6"/>
+          <p:cNvSpPr/>
+          <p:nvPr/>
+        </p:nvSpPr>
+        <p:spPr>
+          <a:xfrm>
+            <a:off x="1997714" y="2559240"/>
+            <a:ext cx="686189" cy="290408"/>
+          </a:xfrm>
+          <a:prstGeom prst="roundRect">
+            <a:avLst/>
+          </a:prstGeom>
+          <a:noFill/>
+          <a:ln>
+            <a:solidFill>
+              <a:srgbClr val="FF0000"/>
+            </a:solidFill>
+          </a:ln>
+        </p:spPr>
+        <p:style>
+          <a:lnRef idx="2">
+            <a:schemeClr val="accent1">
+              <a:shade val="50000"/>
+            </a:schemeClr>
+          </a:lnRef>
+          <a:fillRef idx="1">
+            <a:schemeClr val="accent1"/>
+          </a:fillRef>
+          <a:effectRef idx="0">
+            <a:schemeClr val="accent1"/>
+          </a:effectRef>
+          <a:fontRef idx="minor">
+            <a:schemeClr val="lt1"/>
+          </a:fontRef>
+        </p:style>
+        <p:txBody>
+          <a:bodyPr rtlCol="0" anchor="ctr"/>
+          <a:lstStyle/>
+          <a:p>
+            <a:pPr algn="ctr"/>
+            <a:endParaRPr lang="ko-KR" altLang="en-US"/>
+          </a:p>
+        </p:txBody>
+      </p:sp>
+      <p:cxnSp>
+        <p:nvCxnSpPr>
+          <p:cNvPr id="9" name="구부러진 연결선 8"/>
+          <p:cNvCxnSpPr>
+            <a:stCxn id="6" idx="2"/>
+            <a:endCxn id="7" idx="2"/>
+          </p:cNvCxnSpPr>
+          <p:nvPr/>
+        </p:nvCxnSpPr>
+        <p:spPr>
+          <a:xfrm rot="5400000" flipH="1">
+            <a:off x="3781497" y="1408960"/>
+            <a:ext cx="72008" cy="2953384"/>
+          </a:xfrm>
+          <a:prstGeom prst="curvedConnector3">
+            <a:avLst>
+              <a:gd name="adj1" fmla="val -317465"/>
+            </a:avLst>
+          </a:prstGeom>
+          <a:ln>
+            <a:solidFill>
+              <a:srgbClr val="FF0000"/>
+            </a:solidFill>
+            <a:tailEnd type="triangle"/>
+          </a:ln>
+        </p:spPr>
+        <p:style>
+          <a:lnRef idx="3">
+            <a:schemeClr val="accent2"/>
+          </a:lnRef>
+          <a:fillRef idx="0">
+            <a:schemeClr val="accent2"/>
+          </a:fillRef>
+          <a:effectRef idx="2">
+            <a:schemeClr val="accent2"/>
+          </a:effectRef>
+          <a:fontRef idx="minor">
+            <a:schemeClr val="tx1"/>
+          </a:fontRef>
+        </p:style>
+      </p:cxnSp>
+      <p:pic>
+        <p:nvPicPr>
+          <p:cNvPr id="10" name="그림 9"/>
+          <p:cNvPicPr>
+            <a:picLocks noChangeAspect="1"/>
+          </p:cNvPicPr>
+          <p:nvPr/>
+        </p:nvPicPr>
+        <p:blipFill>
+          <a:blip r:embed="rId4"/>
+          <a:stretch>
+            <a:fillRect/>
+          </a:stretch>
+        </p:blipFill>
+        <p:spPr>
+          <a:xfrm>
+            <a:off x="1547664" y="4469829"/>
+            <a:ext cx="5276699" cy="1208702"/>
+          </a:xfrm>
+          <a:prstGeom prst="rect">
+            <a:avLst/>
+          </a:prstGeom>
+        </p:spPr>
+      </p:pic>
+      <p:sp>
+        <p:nvSpPr>
+          <p:cNvPr id="11" name="TextBox 10"/>
+          <p:cNvSpPr txBox="1"/>
+          <p:nvPr/>
+        </p:nvSpPr>
+        <p:spPr>
+          <a:xfrm>
+            <a:off x="1547664" y="4178227"/>
+            <a:ext cx="7168950" cy="276999"/>
+          </a:xfrm>
+          <a:prstGeom prst="rect">
+            <a:avLst/>
+          </a:prstGeom>
+          <a:noFill/>
+        </p:spPr>
+        <p:txBody>
+          <a:bodyPr wrap="none" rtlCol="0">
+            <a:spAutoFit/>
+          </a:bodyPr>
+          <a:lstStyle/>
+          <a:p>
+            <a:r>
+              <a:rPr lang="en-US" altLang="ko-KR" sz="1200" dirty="0" smtClean="0">
+                <a:latin typeface="+mj-lt"/>
+              </a:rPr>
+              <a:t>2. Exit </a:t>
+            </a:r>
+            <a:r>
+              <a:rPr lang="ko-KR" altLang="en-US" sz="1200" dirty="0" smtClean="0">
+                <a:latin typeface="+mj-lt"/>
+              </a:rPr>
+              <a:t>버튼의 </a:t>
+            </a:r>
+            <a:r>
+              <a:rPr lang="en-US" altLang="ko-KR" sz="1200" dirty="0" smtClean="0">
+                <a:latin typeface="+mj-lt"/>
+              </a:rPr>
+              <a:t>On Click()</a:t>
+            </a:r>
+            <a:r>
+              <a:rPr lang="ko-KR" altLang="en-US" sz="1200" dirty="0" smtClean="0">
+                <a:latin typeface="+mj-lt"/>
+              </a:rPr>
+              <a:t>에 </a:t>
+            </a:r>
+            <a:r>
+              <a:rPr lang="en-US" altLang="ko-KR" sz="1200" dirty="0" smtClean="0">
+                <a:latin typeface="+mj-lt"/>
+              </a:rPr>
+              <a:t>Exit </a:t>
+            </a:r>
+            <a:r>
+              <a:rPr lang="ko-KR" altLang="en-US" sz="1200" dirty="0" smtClean="0">
+                <a:latin typeface="+mj-lt"/>
+              </a:rPr>
+              <a:t>오브젝트를 등록하고</a:t>
+            </a:r>
+            <a:r>
+              <a:rPr lang="en-US" altLang="ko-KR" sz="1200" dirty="0" smtClean="0">
+                <a:latin typeface="+mj-lt"/>
+              </a:rPr>
+              <a:t>, </a:t>
+            </a:r>
+            <a:r>
+              <a:rPr lang="en-US" altLang="ko-KR" sz="1200" dirty="0" err="1" smtClean="0">
+                <a:latin typeface="+mj-lt"/>
+              </a:rPr>
+              <a:t>onClick</a:t>
+            </a:r>
+            <a:r>
+              <a:rPr lang="en-US" altLang="ko-KR" sz="1200" dirty="0" smtClean="0">
+                <a:latin typeface="+mj-lt"/>
+              </a:rPr>
+              <a:t>() </a:t>
+            </a:r>
+            <a:r>
+              <a:rPr lang="ko-KR" altLang="en-US" sz="1200" dirty="0" smtClean="0">
+                <a:latin typeface="+mj-lt"/>
+              </a:rPr>
+              <a:t>함수를 </a:t>
+            </a:r>
+            <a:r>
+              <a:rPr lang="ko-KR" altLang="en-US" sz="1200" dirty="0" err="1" smtClean="0">
+                <a:latin typeface="+mj-lt"/>
+              </a:rPr>
+              <a:t>클릭시</a:t>
+            </a:r>
+            <a:r>
+              <a:rPr lang="ko-KR" altLang="en-US" sz="1200" dirty="0" smtClean="0">
+                <a:latin typeface="+mj-lt"/>
+              </a:rPr>
+              <a:t> 동작하도록 설정합니다</a:t>
+            </a:r>
+            <a:r>
+              <a:rPr lang="en-US" altLang="ko-KR" sz="1200" dirty="0" smtClean="0">
+                <a:latin typeface="+mj-lt"/>
+              </a:rPr>
+              <a:t>.</a:t>
+            </a:r>
+            <a:endParaRPr lang="ko-KR" altLang="en-US" sz="1200" dirty="0" smtClean="0">
+              <a:latin typeface="+mj-lt"/>
+            </a:endParaRPr>
+          </a:p>
+        </p:txBody>
+      </p:sp>
+      <p:sp>
+        <p:nvSpPr>
+          <p:cNvPr id="12" name="모서리가 둥근 직사각형 11"/>
+          <p:cNvSpPr/>
+          <p:nvPr/>
+        </p:nvSpPr>
+        <p:spPr>
+          <a:xfrm>
+            <a:off x="1691680" y="5049180"/>
+            <a:ext cx="1584176" cy="252028"/>
+          </a:xfrm>
+          <a:prstGeom prst="roundRect">
+            <a:avLst/>
+          </a:prstGeom>
+          <a:noFill/>
+          <a:ln>
+            <a:solidFill>
+              <a:srgbClr val="FF0000"/>
+            </a:solidFill>
+          </a:ln>
+        </p:spPr>
+        <p:style>
+          <a:lnRef idx="2">
+            <a:schemeClr val="accent1">
+              <a:shade val="50000"/>
+            </a:schemeClr>
+          </a:lnRef>
+          <a:fillRef idx="1">
+            <a:schemeClr val="accent1"/>
+          </a:fillRef>
+          <a:effectRef idx="0">
+            <a:schemeClr val="accent1"/>
+          </a:effectRef>
+          <a:fontRef idx="minor">
+            <a:schemeClr val="lt1"/>
+          </a:fontRef>
+        </p:style>
+        <p:txBody>
+          <a:bodyPr rtlCol="0" anchor="ctr"/>
+          <a:lstStyle/>
+          <a:p>
+            <a:pPr algn="ctr"/>
+            <a:endParaRPr lang="ko-KR" altLang="en-US"/>
+          </a:p>
+        </p:txBody>
+      </p:sp>
+      <p:sp>
+        <p:nvSpPr>
+          <p:cNvPr id="13" name="모서리가 둥근 직사각형 12"/>
+          <p:cNvSpPr/>
+          <p:nvPr/>
+        </p:nvSpPr>
+        <p:spPr>
+          <a:xfrm>
+            <a:off x="3311860" y="4797152"/>
+            <a:ext cx="3512503" cy="205655"/>
+          </a:xfrm>
+          <a:prstGeom prst="roundRect">
+            <a:avLst/>
+          </a:prstGeom>
+          <a:noFill/>
+          <a:ln>
+            <a:solidFill>
+              <a:srgbClr val="FF0000"/>
+            </a:solidFill>
+          </a:ln>
+        </p:spPr>
+        <p:style>
+          <a:lnRef idx="2">
+            <a:schemeClr val="accent1">
+              <a:shade val="50000"/>
+            </a:schemeClr>
+          </a:lnRef>
+          <a:fillRef idx="1">
+            <a:schemeClr val="accent1"/>
+          </a:fillRef>
+          <a:effectRef idx="0">
+            <a:schemeClr val="accent1"/>
+          </a:effectRef>
+          <a:fontRef idx="minor">
+            <a:schemeClr val="lt1"/>
+          </a:fontRef>
+        </p:style>
+        <p:txBody>
+          <a:bodyPr rtlCol="0" anchor="ctr"/>
+          <a:lstStyle/>
+          <a:p>
+            <a:pPr algn="ctr"/>
+            <a:endParaRPr lang="ko-KR" altLang="en-US"/>
+          </a:p>
+        </p:txBody>
+      </p:sp>
+    </p:spTree>
+    <p:extLst>
+      <p:ext uri="{BB962C8B-B14F-4D97-AF65-F5344CB8AC3E}">
+        <p14:creationId xmlns:p14="http://schemas.microsoft.com/office/powerpoint/2010/main" val="2505988687"/>
+      </p:ext>
+    </p:extLst>
+  </p:cSld>
+  <p:clrMapOvr>
+    <a:masterClrMapping/>
+  </p:clrMapOvr>
+</p:sld>
+</file>
+
+<file path=ppt/slides/slide47.xml><?xml version="1.0" encoding="utf-8"?>
+<p:sld xmlns:a="http://schemas.openxmlformats.org/drawingml/2006/main" xmlns:r="http://schemas.openxmlformats.org/officeDocument/2006/relationships" xmlns:p="http://schemas.openxmlformats.org/presentationml/2006/main">
+  <p:cSld>
+    <p:spTree>
+      <p:nvGrpSpPr>
+        <p:cNvPr id="1" name=""/>
+        <p:cNvGrpSpPr/>
+        <p:nvPr/>
+      </p:nvGrpSpPr>
+      <p:grpSpPr>
+        <a:xfrm>
+          <a:off x="0" y="0"/>
+          <a:ext cx="0" cy="0"/>
+          <a:chOff x="0" y="0"/>
+          <a:chExt cx="0" cy="0"/>
+        </a:xfrm>
+      </p:grpSpPr>
+      <p:sp>
+        <p:nvSpPr>
+          <p:cNvPr id="13" name="TextBox 12"/>
+          <p:cNvSpPr txBox="1"/>
+          <p:nvPr/>
+        </p:nvSpPr>
+        <p:spPr>
+          <a:xfrm>
+            <a:off x="2816900" y="2299064"/>
+            <a:ext cx="5797073" cy="1039980"/>
+          </a:xfrm>
+          <a:prstGeom prst="rect">
+            <a:avLst/>
+          </a:prstGeom>
+          <a:noFill/>
+        </p:spPr>
+        <p:txBody>
+          <a:bodyPr wrap="none" rtlCol="0" anchor="ctr">
+            <a:noAutofit/>
+          </a:bodyPr>
+          <a:lstStyle/>
+          <a:p>
+            <a:pPr>
+              <a:lnSpc>
+                <a:spcPct val="90000"/>
+              </a:lnSpc>
+            </a:pPr>
+            <a:r>
+              <a:rPr lang="en-US" altLang="ko-KR" sz="3600" b="1" spc="-50" dirty="0" smtClean="0">
+                <a:solidFill>
+                  <a:schemeClr val="bg1"/>
+                </a:solidFill>
+                <a:latin typeface="+mn-ea"/>
+              </a:rPr>
+              <a:t>FINAL REPORT</a:t>
+            </a:r>
+          </a:p>
+          <a:p>
+            <a:pPr>
+              <a:lnSpc>
+                <a:spcPct val="90000"/>
+              </a:lnSpc>
+            </a:pPr>
+            <a:r>
+              <a:rPr lang="ko-KR" altLang="en-US" sz="3600" b="1" spc="-50" dirty="0" err="1" smtClean="0">
+                <a:solidFill>
+                  <a:srgbClr val="1CCAB9"/>
+                </a:solidFill>
+                <a:latin typeface="+mn-ea"/>
+              </a:rPr>
+              <a:t>메뉴바</a:t>
+            </a:r>
+            <a:r>
+              <a:rPr lang="ko-KR" altLang="en-US" sz="3600" b="1" spc="-50" dirty="0" smtClean="0">
+                <a:solidFill>
+                  <a:srgbClr val="1CCAB9"/>
+                </a:solidFill>
+                <a:latin typeface="+mn-ea"/>
+              </a:rPr>
+              <a:t> 만들기</a:t>
+            </a:r>
+            <a:endParaRPr lang="en-US" altLang="ko-KR" sz="3600" b="1" spc="-50" dirty="0">
+              <a:solidFill>
+                <a:srgbClr val="1CCAB9"/>
+              </a:solidFill>
+              <a:latin typeface="+mn-ea"/>
+            </a:endParaRPr>
+          </a:p>
+        </p:txBody>
+      </p:sp>
+      <p:sp>
+        <p:nvSpPr>
+          <p:cNvPr id="14" name="TextBox 13"/>
+          <p:cNvSpPr txBox="1"/>
+          <p:nvPr/>
+        </p:nvSpPr>
+        <p:spPr>
+          <a:xfrm>
+            <a:off x="1413429" y="2417650"/>
+            <a:ext cx="943206" cy="776307"/>
+          </a:xfrm>
+          <a:prstGeom prst="rect">
+            <a:avLst/>
+          </a:prstGeom>
+          <a:noFill/>
+        </p:spPr>
+        <p:txBody>
+          <a:bodyPr wrap="none" lIns="36000" tIns="36000" rIns="36000" rtlCol="0" anchor="ctr">
+            <a:noAutofit/>
             <a:scene3d>
               <a:camera prst="orthographicFront"/>
               <a:lightRig rig="threePt" dir="t"/>
             </a:scene3d>
-            <a:sp3d>
-              <a:bevelT w="1270" h="1270"/>
+            <a:sp3d contourW="50800">
+              <a:bevelT w="1270" h="50800"/>
+              <a:contourClr>
+                <a:schemeClr val="bg1"/>
+              </a:contourClr>
             </a:sp3d>
           </a:bodyPr>
           <a:lstStyle/>
           <a:p>
-            <a:pPr marL="228600" indent="-228600">
-              <a:spcBef>
-                <a:spcPts val="600"/>
-              </a:spcBef>
-              <a:buAutoNum type="arabicPeriod"/>
-              <a:defRPr/>
+            <a:pPr algn="ctr">
+              <a:spcAft>
+                <a:spcPts val="1000"/>
+              </a:spcAft>
+              <a:buClr>
+                <a:srgbClr val="977399"/>
+              </a:buClr>
             </a:pPr>
             <a:r>
-              <a:rPr lang="en-US" altLang="ko-KR" sz="1200" b="1" dirty="0" smtClean="0">
-                <a:latin typeface="맑은 고딕" pitchFamily="50" charset="-127"/>
-                <a:hlinkClick r:id="rId2"/>
-              </a:rPr>
-              <a:t>http</a:t>
-            </a:r>
-            <a:r>
-              <a:rPr lang="en-US" altLang="ko-KR" sz="1200" b="1" dirty="0">
-                <a:latin typeface="맑은 고딕" pitchFamily="50" charset="-127"/>
-                <a:hlinkClick r:id="rId2"/>
-              </a:rPr>
-              <a:t>://ptline.com/?</a:t>
-            </a:r>
-            <a:r>
-              <a:rPr lang="en-US" altLang="ko-KR" sz="1200" b="1" dirty="0" smtClean="0">
-                <a:latin typeface="맑은 고딕" pitchFamily="50" charset="-127"/>
-                <a:hlinkClick r:id="rId2"/>
-              </a:rPr>
-              <a:t>p=10346</a:t>
-            </a:r>
-            <a:r>
-              <a:rPr lang="en-US" altLang="ko-KR" sz="1200" b="1" dirty="0" smtClean="0">
-                <a:latin typeface="맑은 고딕" pitchFamily="50" charset="-127"/>
-              </a:rPr>
-              <a:t> (</a:t>
-            </a:r>
-            <a:r>
-              <a:rPr lang="ko-KR" altLang="en-US" sz="1200" b="1" dirty="0" smtClean="0">
-                <a:latin typeface="맑은 고딕" pitchFamily="50" charset="-127"/>
-              </a:rPr>
-              <a:t>무료 </a:t>
-            </a:r>
-            <a:r>
-              <a:rPr lang="en-US" altLang="ko-KR" sz="1200" b="1" dirty="0" smtClean="0">
-                <a:latin typeface="맑은 고딕" pitchFamily="50" charset="-127"/>
-              </a:rPr>
-              <a:t>PPT </a:t>
-            </a:r>
-            <a:r>
-              <a:rPr lang="ko-KR" altLang="en-US" sz="1200" b="1" dirty="0" smtClean="0">
-                <a:latin typeface="맑은 고딕" pitchFamily="50" charset="-127"/>
-              </a:rPr>
-              <a:t>템플릿 사이트</a:t>
-            </a:r>
-            <a:r>
-              <a:rPr lang="en-US" altLang="ko-KR" sz="1200" b="1" dirty="0" smtClean="0">
-                <a:latin typeface="맑은 고딕" pitchFamily="50" charset="-127"/>
-              </a:rPr>
-              <a:t>)</a:t>
-            </a:r>
-          </a:p>
-          <a:p>
-            <a:pPr marL="228600" indent="-228600">
-              <a:spcBef>
-                <a:spcPts val="600"/>
-              </a:spcBef>
-              <a:buAutoNum type="arabicPeriod"/>
-              <a:defRPr/>
-            </a:pPr>
-            <a:r>
-              <a:rPr lang="ko-KR" altLang="en-US" sz="1200" b="1" dirty="0" smtClean="0">
-                <a:latin typeface="맑은 고딕" pitchFamily="50" charset="-127"/>
-                <a:ea typeface="맑은 고딕" pitchFamily="50" charset="-127"/>
-              </a:rPr>
-              <a:t>발표자 김덕현 </a:t>
-            </a:r>
-            <a:r>
-              <a:rPr lang="en-US" altLang="ko-KR" sz="1200" b="1" dirty="0" smtClean="0">
-                <a:latin typeface="맑은 고딕" pitchFamily="50" charset="-127"/>
-                <a:ea typeface="맑은 고딕" pitchFamily="50" charset="-127"/>
-              </a:rPr>
-              <a:t>PPT</a:t>
-            </a:r>
-          </a:p>
-          <a:p>
-            <a:pPr marL="228600" indent="-228600">
-              <a:spcBef>
-                <a:spcPts val="600"/>
-              </a:spcBef>
-              <a:buAutoNum type="arabicPeriod"/>
-              <a:defRPr/>
-            </a:pPr>
-            <a:r>
-              <a:rPr lang="en-US" altLang="ko-KR" sz="1100" b="1" dirty="0">
-                <a:latin typeface="맑은 고딕" pitchFamily="50" charset="-127"/>
-                <a:hlinkClick r:id="rId3"/>
-              </a:rPr>
-              <a:t>http://</a:t>
-            </a:r>
-            <a:r>
-              <a:rPr lang="en-US" altLang="ko-KR" sz="1100" b="1" dirty="0" smtClean="0">
-                <a:latin typeface="맑은 고딕" pitchFamily="50" charset="-127"/>
-                <a:hlinkClick r:id="rId3"/>
-              </a:rPr>
-              <a:t>dreamzelkova.tistory.com/entry/Unity%EC%99%80-SQLite%EC%97%B0%EB%8F%99%ED%95%98%EA%B8%B0</a:t>
-            </a:r>
-            <a:endParaRPr lang="en-US" altLang="ko-KR" sz="1100" b="1" dirty="0" smtClean="0">
-              <a:latin typeface="맑은 고딕" pitchFamily="50" charset="-127"/>
-            </a:endParaRPr>
-          </a:p>
-          <a:p>
-            <a:pPr marL="228600" indent="-228600">
-              <a:spcBef>
-                <a:spcPts val="600"/>
-              </a:spcBef>
-              <a:buAutoNum type="arabicPeriod"/>
-              <a:defRPr/>
-            </a:pPr>
-            <a:r>
-              <a:rPr lang="en-US" altLang="ko-KR" sz="1100" b="1" dirty="0">
-                <a:latin typeface="맑은 고딕" pitchFamily="50" charset="-127"/>
-                <a:hlinkClick r:id="rId4"/>
-              </a:rPr>
-              <a:t>http://</a:t>
-            </a:r>
-            <a:r>
-              <a:rPr lang="en-US" altLang="ko-KR" sz="1100" b="1" dirty="0" smtClean="0">
-                <a:latin typeface="맑은 고딕" pitchFamily="50" charset="-127"/>
-                <a:hlinkClick r:id="rId4"/>
-              </a:rPr>
-              <a:t>devkorea.co.kr/bbs/board.php?bo_table=m03_qna&amp;wr_id=26759</a:t>
-            </a:r>
-            <a:endParaRPr lang="en-US" altLang="ko-KR" sz="1100" b="1" dirty="0" smtClean="0">
-              <a:latin typeface="맑은 고딕" pitchFamily="50" charset="-127"/>
-            </a:endParaRPr>
-          </a:p>
-          <a:p>
-            <a:pPr marL="228600" indent="-228600">
-              <a:spcBef>
-                <a:spcPts val="600"/>
-              </a:spcBef>
-              <a:buAutoNum type="arabicPeriod"/>
-              <a:defRPr/>
-            </a:pPr>
-            <a:endParaRPr lang="en-US" altLang="ko-KR" sz="1100" b="1" dirty="0">
-              <a:latin typeface="맑은 고딕" pitchFamily="50" charset="-127"/>
-              <a:ea typeface="맑은 고딕" pitchFamily="50" charset="-127"/>
+              <a:rPr lang="en-US" altLang="ko-KR" sz="6600" spc="-50" dirty="0">
+                <a:solidFill>
+                  <a:schemeClr val="tx1">
+                    <a:lumMod val="50000"/>
+                    <a:lumOff val="50000"/>
+                  </a:schemeClr>
+                </a:solidFill>
+                <a:latin typeface="+mn-ea"/>
+              </a:rPr>
+              <a:t>5</a:t>
+            </a:r>
+            <a:endParaRPr lang="en-US" altLang="ko-KR" sz="6600" spc="-50" dirty="0" smtClean="0">
+              <a:solidFill>
+                <a:schemeClr val="tx1">
+                  <a:lumMod val="50000"/>
+                  <a:lumOff val="50000"/>
+                </a:schemeClr>
+              </a:solidFill>
+              <a:latin typeface="+mn-ea"/>
             </a:endParaRPr>
           </a:p>
         </p:txBody>
@@ -18917,7 +21119,7 @@
     </p:spTree>
     <p:extLst>
       <p:ext uri="{BB962C8B-B14F-4D97-AF65-F5344CB8AC3E}">
-        <p14:creationId xmlns:p14="http://schemas.microsoft.com/office/powerpoint/2010/main" val="1257673598"/>
+        <p14:creationId xmlns:p14="http://schemas.microsoft.com/office/powerpoint/2010/main" val="3968564027"/>
       </p:ext>
     </p:extLst>
   </p:cSld>
@@ -18946,7 +21148,7 @@
 </p:sld>
 </file>
 
-<file path=ppt/slides/slide45.xml><?xml version="1.0" encoding="utf-8"?>
+<file path=ppt/slides/slide48.xml><?xml version="1.0" encoding="utf-8"?>
 <p:sld xmlns:a="http://schemas.openxmlformats.org/drawingml/2006/main" xmlns:r="http://schemas.openxmlformats.org/officeDocument/2006/relationships" xmlns:p="http://schemas.openxmlformats.org/presentationml/2006/main">
   <p:cSld>
     <p:spTree>
@@ -18965,23 +21167,141 @@
       </p:grpSpPr>
       <p:sp>
         <p:nvSpPr>
-          <p:cNvPr id="5" name="TextBox 4"/>
+          <p:cNvPr id="2" name="TextBox 1"/>
           <p:cNvSpPr txBox="1"/>
           <p:nvPr/>
         </p:nvSpPr>
         <p:spPr>
           <a:xfrm>
-            <a:off x="2381250" y="2455912"/>
-            <a:ext cx="4381500" cy="1498964"/>
-          </a:xfrm>
-          <a:prstGeom prst="rect">
-            <a:avLst/>
-          </a:prstGeom>
-          <a:noFill/>
-        </p:spPr>
-        <p:txBody>
-          <a:bodyPr wrap="square" rtlCol="0" anchor="ctr">
+            <a:off x="522831" y="-6392"/>
+            <a:ext cx="6992989" cy="807324"/>
+          </a:xfrm>
+          <a:prstGeom prst="rect">
+            <a:avLst/>
+          </a:prstGeom>
+          <a:noFill/>
+        </p:spPr>
+        <p:txBody>
+          <a:bodyPr wrap="none" rtlCol="0" anchor="ctr">
             <a:noAutofit/>
+          </a:bodyPr>
+          <a:lstStyle/>
+          <a:p>
+            <a:r>
+              <a:rPr lang="ko-KR" altLang="en-US" sz="3400" b="1" dirty="0">
+                <a:solidFill>
+                  <a:srgbClr val="1CCAB9"/>
+                </a:solidFill>
+                <a:latin typeface="+mn-ea"/>
+              </a:rPr>
+              <a:t>메뉴 만들기</a:t>
+            </a:r>
+            <a:endParaRPr lang="en-US" altLang="ko-KR" sz="3400" b="1" dirty="0">
+              <a:solidFill>
+                <a:srgbClr val="1CCAB9"/>
+              </a:solidFill>
+              <a:latin typeface="+mn-ea"/>
+            </a:endParaRPr>
+          </a:p>
+        </p:txBody>
+      </p:sp>
+    </p:spTree>
+    <p:extLst>
+      <p:ext uri="{BB962C8B-B14F-4D97-AF65-F5344CB8AC3E}">
+        <p14:creationId xmlns:p14="http://schemas.microsoft.com/office/powerpoint/2010/main" val="2073896560"/>
+      </p:ext>
+    </p:extLst>
+  </p:cSld>
+  <p:clrMapOvr>
+    <a:masterClrMapping/>
+  </p:clrMapOvr>
+</p:sld>
+</file>
+
+<file path=ppt/slides/slide49.xml><?xml version="1.0" encoding="utf-8"?>
+<p:sld xmlns:a="http://schemas.openxmlformats.org/drawingml/2006/main" xmlns:r="http://schemas.openxmlformats.org/officeDocument/2006/relationships" xmlns:p="http://schemas.openxmlformats.org/presentationml/2006/main">
+  <p:cSld>
+    <p:spTree>
+      <p:nvGrpSpPr>
+        <p:cNvPr id="1" name=""/>
+        <p:cNvGrpSpPr/>
+        <p:nvPr/>
+      </p:nvGrpSpPr>
+      <p:grpSpPr>
+        <a:xfrm>
+          <a:off x="0" y="0"/>
+          <a:ext cx="0" cy="0"/>
+          <a:chOff x="0" y="0"/>
+          <a:chExt cx="0" cy="0"/>
+        </a:xfrm>
+      </p:grpSpPr>
+      <p:sp>
+        <p:nvSpPr>
+          <p:cNvPr id="4" name="TextBox 3"/>
+          <p:cNvSpPr txBox="1"/>
+          <p:nvPr/>
+        </p:nvSpPr>
+        <p:spPr>
+          <a:xfrm>
+            <a:off x="522831" y="-6392"/>
+            <a:ext cx="6992989" cy="807324"/>
+          </a:xfrm>
+          <a:prstGeom prst="rect">
+            <a:avLst/>
+          </a:prstGeom>
+          <a:noFill/>
+        </p:spPr>
+        <p:txBody>
+          <a:bodyPr wrap="none" rtlCol="0" anchor="ctr">
+            <a:noAutofit/>
+          </a:bodyPr>
+          <a:lstStyle/>
+          <a:p>
+            <a:r>
+              <a:rPr lang="en-US" altLang="ko-KR" sz="3400" b="1" dirty="0" smtClean="0">
+                <a:solidFill>
+                  <a:srgbClr val="1CCAB9"/>
+                </a:solidFill>
+                <a:latin typeface="+mn-ea"/>
+              </a:rPr>
+              <a:t>Reference</a:t>
+            </a:r>
+            <a:endParaRPr lang="en-US" altLang="ko-KR" sz="3400" b="1" dirty="0">
+              <a:solidFill>
+                <a:srgbClr val="1CCAB9"/>
+              </a:solidFill>
+              <a:latin typeface="+mn-ea"/>
+            </a:endParaRPr>
+          </a:p>
+        </p:txBody>
+      </p:sp>
+      <p:sp>
+        <p:nvSpPr>
+          <p:cNvPr id="5" name="Rectangle 8"/>
+          <p:cNvSpPr>
+            <a:spLocks noChangeArrowheads="1"/>
+          </p:cNvSpPr>
+          <p:nvPr/>
+        </p:nvSpPr>
+        <p:spPr bwMode="auto">
+          <a:xfrm>
+            <a:off x="643719" y="1021080"/>
+            <a:ext cx="7856562" cy="1446550"/>
+          </a:xfrm>
+          <a:prstGeom prst="rect">
+            <a:avLst/>
+          </a:prstGeom>
+          <a:noFill/>
+          <a:ln w="9525">
+            <a:noFill/>
+            <a:miter lim="800000"/>
+            <a:headEnd/>
+            <a:tailEnd/>
+          </a:ln>
+        </p:spPr>
+        <p:txBody>
+          <a:bodyPr wrap="square">
+            <a:spAutoFit/>
             <a:scene3d>
               <a:camera prst="orthographicFront"/>
               <a:lightRig rig="threePt" dir="t"/>
@@ -18992,30 +21312,151 @@
           </a:bodyPr>
           <a:lstStyle/>
           <a:p>
-            <a:pPr lvl="0" algn="ctr"/>
-            <a:r>
-              <a:rPr lang="en-US" altLang="ko-KR" sz="5500" b="1" spc="-150" dirty="0">
-                <a:solidFill>
-                  <a:srgbClr val="1CCAB9"/>
-                </a:solidFill>
-                <a:latin typeface="+mn-ea"/>
-              </a:rPr>
-              <a:t>Thank </a:t>
-            </a:r>
-            <a:r>
-              <a:rPr lang="en-US" altLang="ko-KR" sz="5500" b="1" spc="-150" dirty="0" smtClean="0">
-                <a:solidFill>
-                  <a:srgbClr val="1CCAB9"/>
-                </a:solidFill>
-                <a:latin typeface="+mn-ea"/>
-              </a:rPr>
-              <a:t>you</a:t>
-            </a:r>
-            <a:endParaRPr lang="en-US" altLang="ko-KR" sz="5500" b="1" spc="-150" dirty="0">
-              <a:solidFill>
-                <a:srgbClr val="1CCAB9"/>
-              </a:solidFill>
-              <a:latin typeface="+mn-ea"/>
+            <a:pPr marL="228600" indent="-228600">
+              <a:spcBef>
+                <a:spcPts val="600"/>
+              </a:spcBef>
+              <a:buAutoNum type="arabicPeriod"/>
+              <a:defRPr/>
+            </a:pPr>
+            <a:r>
+              <a:rPr lang="en-US" altLang="ko-KR" sz="1200" b="1" dirty="0" smtClean="0">
+                <a:latin typeface="맑은 고딕" pitchFamily="50" charset="-127"/>
+                <a:hlinkClick r:id="rId2"/>
+              </a:rPr>
+              <a:t>http</a:t>
+            </a:r>
+            <a:r>
+              <a:rPr lang="en-US" altLang="ko-KR" sz="1200" b="1" dirty="0">
+                <a:latin typeface="맑은 고딕" pitchFamily="50" charset="-127"/>
+                <a:hlinkClick r:id="rId2"/>
+              </a:rPr>
+              <a:t>://ptline.com/?</a:t>
+            </a:r>
+            <a:r>
+              <a:rPr lang="en-US" altLang="ko-KR" sz="1200" b="1" dirty="0" smtClean="0">
+                <a:latin typeface="맑은 고딕" pitchFamily="50" charset="-127"/>
+                <a:hlinkClick r:id="rId2"/>
+              </a:rPr>
+              <a:t>p=10346</a:t>
+            </a:r>
+            <a:r>
+              <a:rPr lang="en-US" altLang="ko-KR" sz="1200" b="1" dirty="0" smtClean="0">
+                <a:latin typeface="맑은 고딕" pitchFamily="50" charset="-127"/>
+              </a:rPr>
+              <a:t> (</a:t>
+            </a:r>
+            <a:r>
+              <a:rPr lang="ko-KR" altLang="en-US" sz="1200" b="1" dirty="0" smtClean="0">
+                <a:latin typeface="맑은 고딕" pitchFamily="50" charset="-127"/>
+              </a:rPr>
+              <a:t>무료 </a:t>
+            </a:r>
+            <a:r>
+              <a:rPr lang="en-US" altLang="ko-KR" sz="1200" b="1" dirty="0" smtClean="0">
+                <a:latin typeface="맑은 고딕" pitchFamily="50" charset="-127"/>
+              </a:rPr>
+              <a:t>PPT </a:t>
+            </a:r>
+            <a:r>
+              <a:rPr lang="ko-KR" altLang="en-US" sz="1200" b="1" dirty="0" smtClean="0">
+                <a:latin typeface="맑은 고딕" pitchFamily="50" charset="-127"/>
+              </a:rPr>
+              <a:t>템플릿 사이트</a:t>
+            </a:r>
+            <a:r>
+              <a:rPr lang="en-US" altLang="ko-KR" sz="1200" b="1" dirty="0" smtClean="0">
+                <a:latin typeface="맑은 고딕" pitchFamily="50" charset="-127"/>
+              </a:rPr>
+              <a:t>)</a:t>
+            </a:r>
+          </a:p>
+          <a:p>
+            <a:pPr marL="228600" indent="-228600">
+              <a:spcBef>
+                <a:spcPts val="600"/>
+              </a:spcBef>
+              <a:buAutoNum type="arabicPeriod"/>
+              <a:defRPr/>
+            </a:pPr>
+            <a:r>
+              <a:rPr lang="ko-KR" altLang="en-US" sz="1200" b="1" dirty="0" smtClean="0">
+                <a:latin typeface="맑은 고딕" pitchFamily="50" charset="-127"/>
+                <a:ea typeface="맑은 고딕" pitchFamily="50" charset="-127"/>
+              </a:rPr>
+              <a:t>발표자 김덕현 </a:t>
+            </a:r>
+            <a:r>
+              <a:rPr lang="en-US" altLang="ko-KR" sz="1200" b="1" dirty="0" smtClean="0">
+                <a:latin typeface="맑은 고딕" pitchFamily="50" charset="-127"/>
+                <a:ea typeface="맑은 고딕" pitchFamily="50" charset="-127"/>
+              </a:rPr>
+              <a:t>PPT</a:t>
+            </a:r>
+          </a:p>
+          <a:p>
+            <a:pPr marL="228600" indent="-228600">
+              <a:spcBef>
+                <a:spcPts val="600"/>
+              </a:spcBef>
+              <a:buAutoNum type="arabicPeriod"/>
+              <a:defRPr/>
+            </a:pPr>
+            <a:r>
+              <a:rPr lang="en-US" altLang="ko-KR" sz="1100" b="1" dirty="0">
+                <a:latin typeface="맑은 고딕" pitchFamily="50" charset="-127"/>
+                <a:hlinkClick r:id="rId3"/>
+              </a:rPr>
+              <a:t>http://</a:t>
+            </a:r>
+            <a:r>
+              <a:rPr lang="en-US" altLang="ko-KR" sz="1100" b="1" dirty="0" smtClean="0">
+                <a:latin typeface="맑은 고딕" pitchFamily="50" charset="-127"/>
+                <a:hlinkClick r:id="rId3"/>
+              </a:rPr>
+              <a:t>dreamzelkova.tistory.com/entry/Unity%EC%99%80-SQLite%EC%97%B0%EB%8F%99%ED%95%98%EA%B8%B0</a:t>
+            </a:r>
+            <a:endParaRPr lang="en-US" altLang="ko-KR" sz="1100" b="1" dirty="0" smtClean="0">
+              <a:latin typeface="맑은 고딕" pitchFamily="50" charset="-127"/>
+            </a:endParaRPr>
+          </a:p>
+          <a:p>
+            <a:pPr marL="228600" indent="-228600">
+              <a:spcBef>
+                <a:spcPts val="600"/>
+              </a:spcBef>
+              <a:buAutoNum type="arabicPeriod"/>
+              <a:defRPr/>
+            </a:pPr>
+            <a:r>
+              <a:rPr lang="en-US" altLang="ko-KR" sz="1100" b="1" dirty="0">
+                <a:latin typeface="맑은 고딕" pitchFamily="50" charset="-127"/>
+                <a:hlinkClick r:id="rId4"/>
+              </a:rPr>
+              <a:t>http://</a:t>
+            </a:r>
+            <a:r>
+              <a:rPr lang="en-US" altLang="ko-KR" sz="1100" b="1" dirty="0" smtClean="0">
+                <a:latin typeface="맑은 고딕" pitchFamily="50" charset="-127"/>
+                <a:hlinkClick r:id="rId4"/>
+              </a:rPr>
+              <a:t>devkorea.co.kr/bbs/board.php?bo_table=m03_qna&amp;wr_id=26759</a:t>
+            </a:r>
+            <a:endParaRPr lang="en-US" altLang="ko-KR" sz="1100" b="1" dirty="0" smtClean="0">
+              <a:latin typeface="맑은 고딕" pitchFamily="50" charset="-127"/>
+            </a:endParaRPr>
+          </a:p>
+          <a:p>
+            <a:pPr marL="228600" indent="-228600">
+              <a:spcBef>
+                <a:spcPts val="600"/>
+              </a:spcBef>
+              <a:buAutoNum type="arabicPeriod"/>
+              <a:defRPr/>
+            </a:pPr>
+            <a:endParaRPr lang="en-US" altLang="ko-KR" sz="1100" b="1" dirty="0">
+              <a:latin typeface="맑은 고딕" pitchFamily="50" charset="-127"/>
+              <a:ea typeface="맑은 고딕" pitchFamily="50" charset="-127"/>
             </a:endParaRPr>
           </a:p>
         </p:txBody>
@@ -19023,7 +21464,7 @@
     </p:spTree>
     <p:extLst>
       <p:ext uri="{BB962C8B-B14F-4D97-AF65-F5344CB8AC3E}">
-        <p14:creationId xmlns:p14="http://schemas.microsoft.com/office/powerpoint/2010/main" val="191388031"/>
+        <p14:creationId xmlns:p14="http://schemas.microsoft.com/office/powerpoint/2010/main" val="1257673598"/>
       </p:ext>
     </p:extLst>
   </p:cSld>
@@ -19437,6 +21878,112 @@
     <p:extLst>
       <p:ext uri="{BB962C8B-B14F-4D97-AF65-F5344CB8AC3E}">
         <p14:creationId xmlns:p14="http://schemas.microsoft.com/office/powerpoint/2010/main" val="1270215183"/>
+      </p:ext>
+    </p:extLst>
+  </p:cSld>
+  <p:clrMapOvr>
+    <a:masterClrMapping/>
+  </p:clrMapOvr>
+  <mc:AlternateContent xmlns:mc="http://schemas.openxmlformats.org/markup-compatibility/2006" xmlns:p14="http://schemas.microsoft.com/office/powerpoint/2010/main">
+    <mc:Choice Requires="p14">
+      <p:transition spd="med" p14:dur="700">
+        <p:fade/>
+      </p:transition>
+    </mc:Choice>
+    <mc:Fallback xmlns="">
+      <p:transition spd="med">
+        <p:fade/>
+      </p:transition>
+    </mc:Fallback>
+  </mc:AlternateContent>
+  <p:timing>
+    <p:tnLst>
+      <p:par>
+        <p:cTn id="1" dur="indefinite" restart="never" nodeType="tmRoot"/>
+      </p:par>
+    </p:tnLst>
+  </p:timing>
+</p:sld>
+</file>
+
+<file path=ppt/slides/slide50.xml><?xml version="1.0" encoding="utf-8"?>
+<p:sld xmlns:a="http://schemas.openxmlformats.org/drawingml/2006/main" xmlns:r="http://schemas.openxmlformats.org/officeDocument/2006/relationships" xmlns:p="http://schemas.openxmlformats.org/presentationml/2006/main">
+  <p:cSld>
+    <p:spTree>
+      <p:nvGrpSpPr>
+        <p:cNvPr id="1" name=""/>
+        <p:cNvGrpSpPr/>
+        <p:nvPr/>
+      </p:nvGrpSpPr>
+      <p:grpSpPr>
+        <a:xfrm>
+          <a:off x="0" y="0"/>
+          <a:ext cx="0" cy="0"/>
+          <a:chOff x="0" y="0"/>
+          <a:chExt cx="0" cy="0"/>
+        </a:xfrm>
+      </p:grpSpPr>
+      <p:sp>
+        <p:nvSpPr>
+          <p:cNvPr id="5" name="TextBox 4"/>
+          <p:cNvSpPr txBox="1"/>
+          <p:nvPr/>
+        </p:nvSpPr>
+        <p:spPr>
+          <a:xfrm>
+            <a:off x="2381250" y="2455912"/>
+            <a:ext cx="4381500" cy="1498964"/>
+          </a:xfrm>
+          <a:prstGeom prst="rect">
+            <a:avLst/>
+          </a:prstGeom>
+          <a:noFill/>
+        </p:spPr>
+        <p:txBody>
+          <a:bodyPr wrap="square" rtlCol="0" anchor="ctr">
+            <a:noAutofit/>
+            <a:scene3d>
+              <a:camera prst="orthographicFront"/>
+              <a:lightRig rig="threePt" dir="t"/>
+            </a:scene3d>
+            <a:sp3d>
+              <a:bevelT w="1270" h="1270"/>
+            </a:sp3d>
+          </a:bodyPr>
+          <a:lstStyle/>
+          <a:p>
+            <a:pPr lvl="0" algn="ctr"/>
+            <a:r>
+              <a:rPr lang="en-US" altLang="ko-KR" sz="5500" b="1" spc="-150" dirty="0">
+                <a:solidFill>
+                  <a:srgbClr val="1CCAB9"/>
+                </a:solidFill>
+                <a:latin typeface="+mn-ea"/>
+              </a:rPr>
+              <a:t>Thank </a:t>
+            </a:r>
+            <a:r>
+              <a:rPr lang="en-US" altLang="ko-KR" sz="5500" b="1" spc="-150" dirty="0" smtClean="0">
+                <a:solidFill>
+                  <a:srgbClr val="1CCAB9"/>
+                </a:solidFill>
+                <a:latin typeface="+mn-ea"/>
+              </a:rPr>
+              <a:t>you</a:t>
+            </a:r>
+            <a:endParaRPr lang="en-US" altLang="ko-KR" sz="5500" b="1" spc="-150" dirty="0">
+              <a:solidFill>
+                <a:srgbClr val="1CCAB9"/>
+              </a:solidFill>
+              <a:latin typeface="+mn-ea"/>
+            </a:endParaRPr>
+          </a:p>
+        </p:txBody>
+      </p:sp>
+    </p:spTree>
+    <p:extLst>
+      <p:ext uri="{BB962C8B-B14F-4D97-AF65-F5344CB8AC3E}">
+        <p14:creationId xmlns:p14="http://schemas.microsoft.com/office/powerpoint/2010/main" val="191388031"/>
       </p:ext>
     </p:extLst>
   </p:cSld>

--- a/기말과제.pptx
+++ b/기말과제.pptx
@@ -5,7 +5,7 @@
     <p:sldMasterId id="2147483660" r:id="rId1"/>
   </p:sldMasterIdLst>
   <p:notesMasterIdLst>
-    <p:notesMasterId r:id="rId52"/>
+    <p:notesMasterId r:id="rId56"/>
   </p:notesMasterIdLst>
   <p:sldIdLst>
     <p:sldId id="258" r:id="rId2"/>
@@ -56,8 +56,12 @@
     <p:sldId id="337" r:id="rId47"/>
     <p:sldId id="334" r:id="rId48"/>
     <p:sldId id="335" r:id="rId49"/>
-    <p:sldId id="274" r:id="rId50"/>
-    <p:sldId id="272" r:id="rId51"/>
+    <p:sldId id="345" r:id="rId50"/>
+    <p:sldId id="346" r:id="rId51"/>
+    <p:sldId id="343" r:id="rId52"/>
+    <p:sldId id="344" r:id="rId53"/>
+    <p:sldId id="274" r:id="rId54"/>
+    <p:sldId id="272" r:id="rId55"/>
   </p:sldIdLst>
   <p:sldSz cx="9144000" cy="6858000" type="screen4x3"/>
   <p:notesSz cx="6858000" cy="9144000"/>
@@ -18531,13 +18535,7 @@
               <a:rPr lang="en-US" altLang="ko-KR" sz="1200" dirty="0" smtClean="0">
                 <a:latin typeface="+mj-lt"/>
               </a:rPr>
-              <a:t>2. </a:t>
-            </a:r>
-            <a:r>
-              <a:rPr lang="en-US" altLang="ko-KR" sz="1200" dirty="0" smtClean="0">
-                <a:latin typeface="+mj-lt"/>
-              </a:rPr>
-              <a:t>Menu </a:t>
+              <a:t>2. Menu </a:t>
             </a:r>
             <a:r>
               <a:rPr lang="ko-KR" altLang="en-US" sz="1200" dirty="0" smtClean="0">
@@ -19655,13 +19653,7 @@
               <a:rPr lang="en-US" altLang="ko-KR" sz="1200" dirty="0" smtClean="0">
                 <a:latin typeface="+mj-lt"/>
               </a:rPr>
-              <a:t>3. </a:t>
-            </a:r>
-            <a:r>
-              <a:rPr lang="en-US" altLang="ko-KR" sz="1200" dirty="0" smtClean="0">
-                <a:latin typeface="+mj-lt"/>
-              </a:rPr>
-              <a:t>Button</a:t>
+              <a:t>3. Button</a:t>
             </a:r>
             <a:r>
               <a:rPr lang="ko-KR" altLang="en-US" sz="1200" dirty="0" smtClean="0">
@@ -21026,22 +21018,13 @@
               </a:lnSpc>
             </a:pPr>
             <a:r>
-              <a:rPr lang="ko-KR" altLang="en-US" sz="3600" b="1" spc="-50" dirty="0" err="1" smtClean="0">
-                <a:solidFill>
-                  <a:srgbClr val="1CCAB9"/>
-                </a:solidFill>
-                <a:latin typeface="+mn-ea"/>
-              </a:rPr>
-              <a:t>메뉴바</a:t>
-            </a:r>
-            <a:r>
               <a:rPr lang="ko-KR" altLang="en-US" sz="3600" b="1" spc="-50" dirty="0" smtClean="0">
                 <a:solidFill>
                   <a:srgbClr val="1CCAB9"/>
                 </a:solidFill>
                 <a:latin typeface="+mn-ea"/>
               </a:rPr>
-              <a:t> 만들기</a:t>
+              <a:t>사운드 플레이어 만들기</a:t>
             </a:r>
             <a:endParaRPr lang="en-US" altLang="ko-KR" sz="3600" b="1" spc="-50" dirty="0">
               <a:solidFill>
@@ -21188,13 +21171,13 @@
           <a:lstStyle/>
           <a:p>
             <a:r>
-              <a:rPr lang="ko-KR" altLang="en-US" sz="3400" b="1" dirty="0">
+              <a:rPr lang="ko-KR" altLang="en-US" sz="3400" b="1" dirty="0" smtClean="0">
                 <a:solidFill>
                   <a:srgbClr val="1CCAB9"/>
                 </a:solidFill>
                 <a:latin typeface="+mn-ea"/>
               </a:rPr>
-              <a:t>메뉴 만들기</a:t>
+              <a:t>사운드 플레이어 만들기</a:t>
             </a:r>
             <a:endParaRPr lang="en-US" altLang="ko-KR" sz="3400" b="1" dirty="0">
               <a:solidFill>
@@ -21202,6 +21185,560 @@
               </a:solidFill>
               <a:latin typeface="+mn-ea"/>
             </a:endParaRPr>
+          </a:p>
+        </p:txBody>
+      </p:sp>
+      <p:sp>
+        <p:nvSpPr>
+          <p:cNvPr id="3" name="TextBox 2"/>
+          <p:cNvSpPr txBox="1"/>
+          <p:nvPr/>
+        </p:nvSpPr>
+        <p:spPr>
+          <a:xfrm>
+            <a:off x="522831" y="1052736"/>
+            <a:ext cx="7378110" cy="461665"/>
+          </a:xfrm>
+          <a:prstGeom prst="rect">
+            <a:avLst/>
+          </a:prstGeom>
+          <a:noFill/>
+        </p:spPr>
+        <p:txBody>
+          <a:bodyPr wrap="none" rtlCol="0">
+            <a:spAutoFit/>
+          </a:bodyPr>
+          <a:lstStyle/>
+          <a:p>
+            <a:r>
+              <a:rPr lang="en-US" altLang="ko-KR" sz="1200" dirty="0"/>
+              <a:t>1. </a:t>
+            </a:r>
+            <a:r>
+              <a:rPr lang="en-US" altLang="ko-KR" sz="1200" dirty="0" smtClean="0">
+                <a:latin typeface="+mj-lt"/>
+                <a:hlinkClick r:id="rId2"/>
+              </a:rPr>
+              <a:t>http</a:t>
+            </a:r>
+            <a:r>
+              <a:rPr lang="en-US" altLang="ko-KR" sz="1200" dirty="0">
+                <a:latin typeface="+mj-lt"/>
+                <a:hlinkClick r:id="rId2"/>
+              </a:rPr>
+              <a:t>://</a:t>
+            </a:r>
+            <a:r>
+              <a:rPr lang="en-US" altLang="ko-KR" sz="1200" dirty="0" smtClean="0">
+                <a:latin typeface="+mj-lt"/>
+                <a:hlinkClick r:id="rId2"/>
+              </a:rPr>
+              <a:t>m.post.naver.com/viewer/postView.nhn?volumeNo=7615669&amp;memberNo=37134060</a:t>
+            </a:r>
+            <a:r>
+              <a:rPr lang="ko-KR" altLang="en-US" sz="1200" dirty="0">
+                <a:latin typeface="+mj-lt"/>
+              </a:rPr>
+              <a:t> </a:t>
+            </a:r>
+            <a:r>
+              <a:rPr lang="ko-KR" altLang="en-US" sz="1200" dirty="0" smtClean="0">
+                <a:latin typeface="+mj-lt"/>
+              </a:rPr>
+              <a:t>링크에서</a:t>
+            </a:r>
+            <a:endParaRPr lang="en-US" altLang="ko-KR" sz="1200" dirty="0">
+              <a:latin typeface="+mj-lt"/>
+            </a:endParaRPr>
+          </a:p>
+          <a:p>
+            <a:r>
+              <a:rPr lang="en-US" altLang="ko-KR" sz="1200" dirty="0" smtClean="0">
+                <a:latin typeface="+mj-lt"/>
+              </a:rPr>
+              <a:t>   </a:t>
+            </a:r>
+            <a:r>
+              <a:rPr lang="ko-KR" altLang="en-US" sz="1200" dirty="0" smtClean="0">
+                <a:latin typeface="+mj-lt"/>
+              </a:rPr>
+              <a:t>롯데마트 </a:t>
+            </a:r>
+            <a:r>
+              <a:rPr lang="en-US" altLang="ko-KR" sz="1200" dirty="0" err="1" smtClean="0">
+                <a:latin typeface="+mj-lt"/>
+              </a:rPr>
+              <a:t>bgm</a:t>
+            </a:r>
+            <a:r>
+              <a:rPr lang="ko-KR" altLang="en-US" sz="1200" dirty="0" smtClean="0">
+                <a:latin typeface="+mj-lt"/>
+              </a:rPr>
+              <a:t>을 다운로드 받습니다</a:t>
+            </a:r>
+            <a:r>
+              <a:rPr lang="en-US" altLang="ko-KR" sz="1200" dirty="0" smtClean="0">
+                <a:latin typeface="+mj-lt"/>
+              </a:rPr>
+              <a:t>.</a:t>
+            </a:r>
+          </a:p>
+        </p:txBody>
+      </p:sp>
+      <p:pic>
+        <p:nvPicPr>
+          <p:cNvPr id="4" name="그림 3"/>
+          <p:cNvPicPr>
+            <a:picLocks noChangeAspect="1"/>
+          </p:cNvPicPr>
+          <p:nvPr/>
+        </p:nvPicPr>
+        <p:blipFill>
+          <a:blip r:embed="rId3"/>
+          <a:stretch>
+            <a:fillRect/>
+          </a:stretch>
+        </p:blipFill>
+        <p:spPr>
+          <a:xfrm>
+            <a:off x="522831" y="1524331"/>
+            <a:ext cx="5953125" cy="1304925"/>
+          </a:xfrm>
+          <a:prstGeom prst="rect">
+            <a:avLst/>
+          </a:prstGeom>
+        </p:spPr>
+      </p:pic>
+      <p:sp>
+        <p:nvSpPr>
+          <p:cNvPr id="5" name="모서리가 둥근 직사각형 4"/>
+          <p:cNvSpPr/>
+          <p:nvPr/>
+        </p:nvSpPr>
+        <p:spPr>
+          <a:xfrm>
+            <a:off x="2087724" y="2176793"/>
+            <a:ext cx="1800200" cy="244095"/>
+          </a:xfrm>
+          <a:prstGeom prst="roundRect">
+            <a:avLst/>
+          </a:prstGeom>
+          <a:noFill/>
+          <a:ln>
+            <a:solidFill>
+              <a:srgbClr val="FF0000"/>
+            </a:solidFill>
+          </a:ln>
+        </p:spPr>
+        <p:style>
+          <a:lnRef idx="2">
+            <a:schemeClr val="accent1">
+              <a:shade val="50000"/>
+            </a:schemeClr>
+          </a:lnRef>
+          <a:fillRef idx="1">
+            <a:schemeClr val="accent1"/>
+          </a:fillRef>
+          <a:effectRef idx="0">
+            <a:schemeClr val="accent1"/>
+          </a:effectRef>
+          <a:fontRef idx="minor">
+            <a:schemeClr val="lt1"/>
+          </a:fontRef>
+        </p:style>
+        <p:txBody>
+          <a:bodyPr rtlCol="0" anchor="ctr"/>
+          <a:lstStyle/>
+          <a:p>
+            <a:pPr algn="ctr"/>
+            <a:endParaRPr lang="ko-KR" altLang="en-US"/>
+          </a:p>
+        </p:txBody>
+      </p:sp>
+      <p:pic>
+        <p:nvPicPr>
+          <p:cNvPr id="6" name="그림 5"/>
+          <p:cNvPicPr>
+            <a:picLocks noChangeAspect="1"/>
+          </p:cNvPicPr>
+          <p:nvPr/>
+        </p:nvPicPr>
+        <p:blipFill>
+          <a:blip r:embed="rId4"/>
+          <a:stretch>
+            <a:fillRect/>
+          </a:stretch>
+        </p:blipFill>
+        <p:spPr>
+          <a:xfrm>
+            <a:off x="522831" y="3483014"/>
+            <a:ext cx="1952625" cy="1609725"/>
+          </a:xfrm>
+          <a:prstGeom prst="rect">
+            <a:avLst/>
+          </a:prstGeom>
+        </p:spPr>
+      </p:pic>
+      <p:sp>
+        <p:nvSpPr>
+          <p:cNvPr id="7" name="TextBox 6"/>
+          <p:cNvSpPr txBox="1"/>
+          <p:nvPr/>
+        </p:nvSpPr>
+        <p:spPr>
+          <a:xfrm>
+            <a:off x="522831" y="3020053"/>
+            <a:ext cx="4200189" cy="276999"/>
+          </a:xfrm>
+          <a:prstGeom prst="rect">
+            <a:avLst/>
+          </a:prstGeom>
+          <a:noFill/>
+        </p:spPr>
+        <p:txBody>
+          <a:bodyPr wrap="none" rtlCol="0">
+            <a:spAutoFit/>
+          </a:bodyPr>
+          <a:lstStyle/>
+          <a:p>
+            <a:r>
+              <a:rPr lang="en-US" altLang="ko-KR" sz="1200" dirty="0" smtClean="0">
+                <a:latin typeface="+mj-lt"/>
+              </a:rPr>
+              <a:t>2. </a:t>
+            </a:r>
+            <a:r>
+              <a:rPr lang="ko-KR" altLang="en-US" sz="1200" dirty="0" smtClean="0">
+                <a:latin typeface="+mj-lt"/>
+              </a:rPr>
+              <a:t>다운로드 받은 롯데마트 송을 </a:t>
+            </a:r>
+            <a:r>
+              <a:rPr lang="en-US" altLang="ko-KR" sz="1200" dirty="0" smtClean="0">
+                <a:latin typeface="+mj-lt"/>
+              </a:rPr>
+              <a:t>Assets</a:t>
+            </a:r>
+            <a:r>
+              <a:rPr lang="ko-KR" altLang="en-US" sz="1200" dirty="0" smtClean="0">
+                <a:latin typeface="+mj-lt"/>
+              </a:rPr>
+              <a:t>에 끌어다 놓습니다</a:t>
+            </a:r>
+            <a:r>
+              <a:rPr lang="en-US" altLang="ko-KR" sz="1200" dirty="0" smtClean="0">
+                <a:latin typeface="+mj-lt"/>
+              </a:rPr>
+              <a:t>.</a:t>
+            </a:r>
+          </a:p>
+        </p:txBody>
+      </p:sp>
+      <p:pic>
+        <p:nvPicPr>
+          <p:cNvPr id="8" name="그림 7"/>
+          <p:cNvPicPr>
+            <a:picLocks noChangeAspect="1"/>
+          </p:cNvPicPr>
+          <p:nvPr/>
+        </p:nvPicPr>
+        <p:blipFill>
+          <a:blip r:embed="rId5"/>
+          <a:stretch>
+            <a:fillRect/>
+          </a:stretch>
+        </p:blipFill>
+        <p:spPr>
+          <a:xfrm>
+            <a:off x="2987824" y="3392996"/>
+            <a:ext cx="1524000" cy="2105025"/>
+          </a:xfrm>
+          <a:prstGeom prst="rect">
+            <a:avLst/>
+          </a:prstGeom>
+        </p:spPr>
+      </p:pic>
+      <p:sp>
+        <p:nvSpPr>
+          <p:cNvPr id="9" name="모서리가 둥근 직사각형 8"/>
+          <p:cNvSpPr/>
+          <p:nvPr/>
+        </p:nvSpPr>
+        <p:spPr>
+          <a:xfrm>
+            <a:off x="899592" y="3481718"/>
+            <a:ext cx="1116124" cy="1423446"/>
+          </a:xfrm>
+          <a:prstGeom prst="roundRect">
+            <a:avLst/>
+          </a:prstGeom>
+          <a:noFill/>
+          <a:ln>
+            <a:solidFill>
+              <a:srgbClr val="FF0000"/>
+            </a:solidFill>
+          </a:ln>
+        </p:spPr>
+        <p:style>
+          <a:lnRef idx="2">
+            <a:schemeClr val="accent1">
+              <a:shade val="50000"/>
+            </a:schemeClr>
+          </a:lnRef>
+          <a:fillRef idx="1">
+            <a:schemeClr val="accent1"/>
+          </a:fillRef>
+          <a:effectRef idx="0">
+            <a:schemeClr val="accent1"/>
+          </a:effectRef>
+          <a:fontRef idx="minor">
+            <a:schemeClr val="lt1"/>
+          </a:fontRef>
+        </p:style>
+        <p:txBody>
+          <a:bodyPr rtlCol="0" anchor="ctr"/>
+          <a:lstStyle/>
+          <a:p>
+            <a:pPr algn="ctr"/>
+            <a:endParaRPr lang="ko-KR" altLang="en-US"/>
+          </a:p>
+        </p:txBody>
+      </p:sp>
+      <p:sp>
+        <p:nvSpPr>
+          <p:cNvPr id="10" name="모서리가 둥근 직사각형 9"/>
+          <p:cNvSpPr/>
+          <p:nvPr/>
+        </p:nvSpPr>
+        <p:spPr>
+          <a:xfrm>
+            <a:off x="3095836" y="4509120"/>
+            <a:ext cx="792088" cy="936104"/>
+          </a:xfrm>
+          <a:prstGeom prst="roundRect">
+            <a:avLst/>
+          </a:prstGeom>
+          <a:noFill/>
+          <a:ln>
+            <a:solidFill>
+              <a:srgbClr val="FF0000"/>
+            </a:solidFill>
+          </a:ln>
+        </p:spPr>
+        <p:style>
+          <a:lnRef idx="2">
+            <a:schemeClr val="accent1">
+              <a:shade val="50000"/>
+            </a:schemeClr>
+          </a:lnRef>
+          <a:fillRef idx="1">
+            <a:schemeClr val="accent1"/>
+          </a:fillRef>
+          <a:effectRef idx="0">
+            <a:schemeClr val="accent1"/>
+          </a:effectRef>
+          <a:fontRef idx="minor">
+            <a:schemeClr val="lt1"/>
+          </a:fontRef>
+        </p:style>
+        <p:txBody>
+          <a:bodyPr rtlCol="0" anchor="ctr"/>
+          <a:lstStyle/>
+          <a:p>
+            <a:pPr algn="ctr"/>
+            <a:endParaRPr lang="ko-KR" altLang="en-US"/>
+          </a:p>
+        </p:txBody>
+      </p:sp>
+      <p:cxnSp>
+        <p:nvCxnSpPr>
+          <p:cNvPr id="12" name="구부러진 연결선 11"/>
+          <p:cNvCxnSpPr>
+            <a:stCxn id="9" idx="2"/>
+            <a:endCxn id="10" idx="2"/>
+          </p:cNvCxnSpPr>
+          <p:nvPr/>
+        </p:nvCxnSpPr>
+        <p:spPr>
+          <a:xfrm rot="16200000" flipH="1">
+            <a:off x="2204737" y="4158081"/>
+            <a:ext cx="540060" cy="2034226"/>
+          </a:xfrm>
+          <a:prstGeom prst="curvedConnector3">
+            <a:avLst>
+              <a:gd name="adj1" fmla="val 142329"/>
+            </a:avLst>
+          </a:prstGeom>
+          <a:ln>
+            <a:solidFill>
+              <a:srgbClr val="FF0000"/>
+            </a:solidFill>
+            <a:tailEnd type="triangle"/>
+          </a:ln>
+        </p:spPr>
+        <p:style>
+          <a:lnRef idx="3">
+            <a:schemeClr val="accent2"/>
+          </a:lnRef>
+          <a:fillRef idx="0">
+            <a:schemeClr val="accent2"/>
+          </a:fillRef>
+          <a:effectRef idx="2">
+            <a:schemeClr val="accent2"/>
+          </a:effectRef>
+          <a:fontRef idx="minor">
+            <a:schemeClr val="tx1"/>
+          </a:fontRef>
+        </p:style>
+      </p:cxnSp>
+      <p:pic>
+        <p:nvPicPr>
+          <p:cNvPr id="13" name="그림 12"/>
+          <p:cNvPicPr>
+            <a:picLocks noChangeAspect="1"/>
+          </p:cNvPicPr>
+          <p:nvPr/>
+        </p:nvPicPr>
+        <p:blipFill>
+          <a:blip r:embed="rId6"/>
+          <a:stretch>
+            <a:fillRect/>
+          </a:stretch>
+        </p:blipFill>
+        <p:spPr>
+          <a:xfrm>
+            <a:off x="5079595" y="4041068"/>
+            <a:ext cx="1924799" cy="742639"/>
+          </a:xfrm>
+          <a:prstGeom prst="rect">
+            <a:avLst/>
+          </a:prstGeom>
+        </p:spPr>
+      </p:pic>
+      <p:sp>
+        <p:nvSpPr>
+          <p:cNvPr id="14" name="TextBox 13"/>
+          <p:cNvSpPr txBox="1"/>
+          <p:nvPr/>
+        </p:nvSpPr>
+        <p:spPr>
+          <a:xfrm>
+            <a:off x="5079595" y="3579403"/>
+            <a:ext cx="3510705" cy="461665"/>
+          </a:xfrm>
+          <a:prstGeom prst="rect">
+            <a:avLst/>
+          </a:prstGeom>
+          <a:noFill/>
+        </p:spPr>
+        <p:txBody>
+          <a:bodyPr wrap="none" rtlCol="0">
+            <a:spAutoFit/>
+          </a:bodyPr>
+          <a:lstStyle/>
+          <a:p>
+            <a:r>
+              <a:rPr lang="en-US" altLang="ko-KR" sz="1200" dirty="0" smtClean="0">
+                <a:latin typeface="+mj-lt"/>
+              </a:rPr>
+              <a:t>3. Ctrl + Shift + N</a:t>
+            </a:r>
+            <a:r>
+              <a:rPr lang="ko-KR" altLang="en-US" sz="1200" dirty="0" smtClean="0">
+                <a:latin typeface="+mj-lt"/>
+              </a:rPr>
+              <a:t>을 눌러 오브젝트를 생성하고</a:t>
+            </a:r>
+            <a:r>
+              <a:rPr lang="en-US" altLang="ko-KR" sz="1200" dirty="0" smtClean="0">
+                <a:latin typeface="+mj-lt"/>
+              </a:rPr>
+              <a:t>,</a:t>
+            </a:r>
+          </a:p>
+          <a:p>
+            <a:r>
+              <a:rPr lang="en-US" altLang="ko-KR" sz="1200" dirty="0">
+                <a:latin typeface="+mj-lt"/>
+              </a:rPr>
+              <a:t> </a:t>
+            </a:r>
+            <a:r>
+              <a:rPr lang="en-US" altLang="ko-KR" sz="1200" dirty="0" smtClean="0">
+                <a:latin typeface="+mj-lt"/>
+              </a:rPr>
+              <a:t>  </a:t>
+            </a:r>
+            <a:r>
+              <a:rPr lang="ko-KR" altLang="en-US" sz="1200" dirty="0" smtClean="0">
+                <a:latin typeface="+mj-lt"/>
+              </a:rPr>
+              <a:t>이름을 </a:t>
+            </a:r>
+            <a:r>
+              <a:rPr lang="en-US" altLang="ko-KR" sz="1200" dirty="0" err="1" smtClean="0">
+                <a:latin typeface="+mj-lt"/>
+              </a:rPr>
+              <a:t>SoundManager</a:t>
+            </a:r>
+            <a:r>
+              <a:rPr lang="ko-KR" altLang="en-US" sz="1200" dirty="0" smtClean="0">
+                <a:latin typeface="+mj-lt"/>
+              </a:rPr>
+              <a:t>로 해줍니다</a:t>
+            </a:r>
+            <a:r>
+              <a:rPr lang="en-US" altLang="ko-KR" sz="1200" dirty="0" smtClean="0">
+                <a:latin typeface="+mj-lt"/>
+              </a:rPr>
+              <a:t>.</a:t>
+            </a:r>
+          </a:p>
+        </p:txBody>
+      </p:sp>
+      <p:sp>
+        <p:nvSpPr>
+          <p:cNvPr id="15" name="모서리가 둥근 직사각형 14"/>
+          <p:cNvSpPr/>
+          <p:nvPr/>
+        </p:nvSpPr>
+        <p:spPr>
+          <a:xfrm>
+            <a:off x="5256076" y="4365104"/>
+            <a:ext cx="1440160" cy="216024"/>
+          </a:xfrm>
+          <a:prstGeom prst="roundRect">
+            <a:avLst/>
+          </a:prstGeom>
+          <a:noFill/>
+          <a:ln>
+            <a:solidFill>
+              <a:srgbClr val="FF0000"/>
+            </a:solidFill>
+          </a:ln>
+        </p:spPr>
+        <p:style>
+          <a:lnRef idx="2">
+            <a:schemeClr val="accent1">
+              <a:shade val="50000"/>
+            </a:schemeClr>
+          </a:lnRef>
+          <a:fillRef idx="1">
+            <a:schemeClr val="accent1"/>
+          </a:fillRef>
+          <a:effectRef idx="0">
+            <a:schemeClr val="accent1"/>
+          </a:effectRef>
+          <a:fontRef idx="minor">
+            <a:schemeClr val="lt1"/>
+          </a:fontRef>
+        </p:style>
+        <p:txBody>
+          <a:bodyPr rtlCol="0" anchor="ctr"/>
+          <a:lstStyle/>
+          <a:p>
+            <a:pPr algn="ctr"/>
+            <a:endParaRPr lang="ko-KR" altLang="en-US"/>
           </a:p>
         </p:txBody>
       </p:sp>
@@ -21237,7 +21774,7 @@
       </p:grpSpPr>
       <p:sp>
         <p:nvSpPr>
-          <p:cNvPr id="4" name="TextBox 3"/>
+          <p:cNvPr id="2" name="TextBox 1"/>
           <p:cNvSpPr txBox="1"/>
           <p:nvPr/>
         </p:nvSpPr>
@@ -21258,13 +21795,13 @@
           <a:lstStyle/>
           <a:p>
             <a:r>
-              <a:rPr lang="en-US" altLang="ko-KR" sz="3400" b="1" dirty="0" smtClean="0">
+              <a:rPr lang="ko-KR" altLang="en-US" sz="3400" b="1" dirty="0" smtClean="0">
                 <a:solidFill>
                   <a:srgbClr val="1CCAB9"/>
                 </a:solidFill>
                 <a:latin typeface="+mn-ea"/>
               </a:rPr>
-              <a:t>Reference</a:t>
+              <a:t>사운드 플레이어 만들기</a:t>
             </a:r>
             <a:endParaRPr lang="en-US" altLang="ko-KR" sz="3400" b="1" dirty="0">
               <a:solidFill>
@@ -21277,186 +21814,396 @@
       </p:sp>
       <p:sp>
         <p:nvSpPr>
-          <p:cNvPr id="5" name="Rectangle 8"/>
-          <p:cNvSpPr>
-            <a:spLocks noChangeArrowheads="1"/>
-          </p:cNvSpPr>
-          <p:nvPr/>
-        </p:nvSpPr>
-        <p:spPr bwMode="auto">
-          <a:xfrm>
-            <a:off x="643719" y="1021080"/>
-            <a:ext cx="7856562" cy="1446550"/>
-          </a:xfrm>
-          <a:prstGeom prst="rect">
-            <a:avLst/>
-          </a:prstGeom>
-          <a:noFill/>
-          <a:ln w="9525">
-            <a:noFill/>
-            <a:miter lim="800000"/>
-            <a:headEnd/>
-            <a:tailEnd/>
+          <p:cNvPr id="3" name="TextBox 2"/>
+          <p:cNvSpPr txBox="1"/>
+          <p:nvPr/>
+        </p:nvSpPr>
+        <p:spPr>
+          <a:xfrm>
+            <a:off x="522831" y="1052736"/>
+            <a:ext cx="4531433" cy="276999"/>
+          </a:xfrm>
+          <a:prstGeom prst="rect">
+            <a:avLst/>
+          </a:prstGeom>
+          <a:noFill/>
+        </p:spPr>
+        <p:txBody>
+          <a:bodyPr wrap="none" rtlCol="0">
+            <a:spAutoFit/>
+          </a:bodyPr>
+          <a:lstStyle/>
+          <a:p>
+            <a:r>
+              <a:rPr lang="en-US" altLang="ko-KR" sz="1200" dirty="0" smtClean="0">
+                <a:latin typeface="+mj-lt"/>
+              </a:rPr>
+              <a:t>1. Add Component</a:t>
+            </a:r>
+            <a:r>
+              <a:rPr lang="ko-KR" altLang="en-US" sz="1200" dirty="0" smtClean="0">
+                <a:latin typeface="+mj-lt"/>
+              </a:rPr>
+              <a:t>를 클릭하여 </a:t>
+            </a:r>
+            <a:r>
+              <a:rPr lang="en-US" altLang="ko-KR" sz="1200" dirty="0" smtClean="0">
+                <a:latin typeface="+mj-lt"/>
+              </a:rPr>
+              <a:t>Audio Source</a:t>
+            </a:r>
+            <a:r>
+              <a:rPr lang="ko-KR" altLang="en-US" sz="1200" dirty="0" smtClean="0">
+                <a:latin typeface="+mj-lt"/>
+              </a:rPr>
+              <a:t>를 추가해줍니다</a:t>
+            </a:r>
+            <a:r>
+              <a:rPr lang="en-US" altLang="ko-KR" sz="1200" dirty="0" smtClean="0">
+                <a:latin typeface="+mj-lt"/>
+              </a:rPr>
+              <a:t>.</a:t>
+            </a:r>
+            <a:endParaRPr lang="ko-KR" altLang="en-US" sz="1200" dirty="0" smtClean="0">
+              <a:latin typeface="+mj-lt"/>
+            </a:endParaRPr>
+          </a:p>
+        </p:txBody>
+      </p:sp>
+      <p:pic>
+        <p:nvPicPr>
+          <p:cNvPr id="4" name="그림 3"/>
+          <p:cNvPicPr>
+            <a:picLocks noChangeAspect="1"/>
+          </p:cNvPicPr>
+          <p:nvPr/>
+        </p:nvPicPr>
+        <p:blipFill>
+          <a:blip r:embed="rId2"/>
+          <a:stretch>
+            <a:fillRect/>
+          </a:stretch>
+        </p:blipFill>
+        <p:spPr>
+          <a:xfrm>
+            <a:off x="522831" y="1329735"/>
+            <a:ext cx="3952875" cy="1552575"/>
+          </a:xfrm>
+          <a:prstGeom prst="rect">
+            <a:avLst/>
+          </a:prstGeom>
+        </p:spPr>
+      </p:pic>
+      <p:pic>
+        <p:nvPicPr>
+          <p:cNvPr id="5" name="그림 4"/>
+          <p:cNvPicPr>
+            <a:picLocks noChangeAspect="1"/>
+          </p:cNvPicPr>
+          <p:nvPr/>
+        </p:nvPicPr>
+        <p:blipFill>
+          <a:blip r:embed="rId3"/>
+          <a:stretch>
+            <a:fillRect/>
+          </a:stretch>
+        </p:blipFill>
+        <p:spPr>
+          <a:xfrm>
+            <a:off x="522830" y="3021477"/>
+            <a:ext cx="3952875" cy="959436"/>
+          </a:xfrm>
+          <a:prstGeom prst="rect">
+            <a:avLst/>
+          </a:prstGeom>
+        </p:spPr>
+      </p:pic>
+      <p:sp>
+        <p:nvSpPr>
+          <p:cNvPr id="6" name="모서리가 둥근 직사각형 5"/>
+          <p:cNvSpPr/>
+          <p:nvPr/>
+        </p:nvSpPr>
+        <p:spPr>
+          <a:xfrm>
+            <a:off x="1403648" y="2672916"/>
+            <a:ext cx="2304256" cy="209394"/>
+          </a:xfrm>
+          <a:prstGeom prst="roundRect">
+            <a:avLst/>
+          </a:prstGeom>
+          <a:noFill/>
+          <a:ln>
+            <a:solidFill>
+              <a:srgbClr val="FF0000"/>
+            </a:solidFill>
           </a:ln>
         </p:spPr>
-        <p:txBody>
-          <a:bodyPr wrap="square">
+        <p:style>
+          <a:lnRef idx="2">
+            <a:schemeClr val="accent1">
+              <a:shade val="50000"/>
+            </a:schemeClr>
+          </a:lnRef>
+          <a:fillRef idx="1">
+            <a:schemeClr val="accent1"/>
+          </a:fillRef>
+          <a:effectRef idx="0">
+            <a:schemeClr val="accent1"/>
+          </a:effectRef>
+          <a:fontRef idx="minor">
+            <a:schemeClr val="lt1"/>
+          </a:fontRef>
+        </p:style>
+        <p:txBody>
+          <a:bodyPr rtlCol="0" anchor="ctr"/>
+          <a:lstStyle/>
+          <a:p>
+            <a:pPr algn="ctr"/>
+            <a:endParaRPr lang="ko-KR" altLang="en-US"/>
+          </a:p>
+        </p:txBody>
+      </p:sp>
+      <p:sp>
+        <p:nvSpPr>
+          <p:cNvPr id="7" name="모서리가 둥근 직사각형 6"/>
+          <p:cNvSpPr/>
+          <p:nvPr/>
+        </p:nvSpPr>
+        <p:spPr>
+          <a:xfrm>
+            <a:off x="863589" y="3087300"/>
+            <a:ext cx="1008112" cy="197683"/>
+          </a:xfrm>
+          <a:prstGeom prst="roundRect">
+            <a:avLst/>
+          </a:prstGeom>
+          <a:noFill/>
+          <a:ln>
+            <a:solidFill>
+              <a:srgbClr val="FF0000"/>
+            </a:solidFill>
+          </a:ln>
+        </p:spPr>
+        <p:style>
+          <a:lnRef idx="2">
+            <a:schemeClr val="accent1">
+              <a:shade val="50000"/>
+            </a:schemeClr>
+          </a:lnRef>
+          <a:fillRef idx="1">
+            <a:schemeClr val="accent1"/>
+          </a:fillRef>
+          <a:effectRef idx="0">
+            <a:schemeClr val="accent1"/>
+          </a:effectRef>
+          <a:fontRef idx="minor">
+            <a:schemeClr val="lt1"/>
+          </a:fontRef>
+        </p:style>
+        <p:txBody>
+          <a:bodyPr rtlCol="0" anchor="ctr"/>
+          <a:lstStyle/>
+          <a:p>
+            <a:pPr algn="ctr"/>
+            <a:endParaRPr lang="ko-KR" altLang="en-US"/>
+          </a:p>
+        </p:txBody>
+      </p:sp>
+      <p:pic>
+        <p:nvPicPr>
+          <p:cNvPr id="8" name="그림 7"/>
+          <p:cNvPicPr>
+            <a:picLocks noChangeAspect="1"/>
+          </p:cNvPicPr>
+          <p:nvPr/>
+        </p:nvPicPr>
+        <p:blipFill>
+          <a:blip r:embed="rId4"/>
+          <a:stretch>
+            <a:fillRect/>
+          </a:stretch>
+        </p:blipFill>
+        <p:spPr>
+          <a:xfrm>
+            <a:off x="5356523" y="1901235"/>
+            <a:ext cx="1504950" cy="981075"/>
+          </a:xfrm>
+          <a:prstGeom prst="rect">
+            <a:avLst/>
+          </a:prstGeom>
+        </p:spPr>
+      </p:pic>
+      <p:sp>
+        <p:nvSpPr>
+          <p:cNvPr id="9" name="TextBox 8"/>
+          <p:cNvSpPr txBox="1"/>
+          <p:nvPr/>
+        </p:nvSpPr>
+        <p:spPr>
+          <a:xfrm>
+            <a:off x="5356523" y="1624236"/>
+            <a:ext cx="3353803" cy="276999"/>
+          </a:xfrm>
+          <a:prstGeom prst="rect">
+            <a:avLst/>
+          </a:prstGeom>
+          <a:noFill/>
+        </p:spPr>
+        <p:txBody>
+          <a:bodyPr wrap="none" rtlCol="0">
             <a:spAutoFit/>
-            <a:scene3d>
-              <a:camera prst="orthographicFront"/>
-              <a:lightRig rig="threePt" dir="t"/>
-            </a:scene3d>
-            <a:sp3d>
-              <a:bevelT w="1270" h="1270"/>
-            </a:sp3d>
           </a:bodyPr>
           <a:lstStyle/>
           <a:p>
-            <a:pPr marL="228600" indent="-228600">
-              <a:spcBef>
-                <a:spcPts val="600"/>
-              </a:spcBef>
-              <a:buAutoNum type="arabicPeriod"/>
-              <a:defRPr/>
-            </a:pPr>
-            <a:r>
-              <a:rPr lang="en-US" altLang="ko-KR" sz="1200" b="1" dirty="0" smtClean="0">
-                <a:latin typeface="맑은 고딕" pitchFamily="50" charset="-127"/>
-                <a:hlinkClick r:id="rId2"/>
-              </a:rPr>
-              <a:t>http</a:t>
-            </a:r>
-            <a:r>
-              <a:rPr lang="en-US" altLang="ko-KR" sz="1200" b="1" dirty="0">
-                <a:latin typeface="맑은 고딕" pitchFamily="50" charset="-127"/>
-                <a:hlinkClick r:id="rId2"/>
-              </a:rPr>
-              <a:t>://ptline.com/?</a:t>
-            </a:r>
-            <a:r>
-              <a:rPr lang="en-US" altLang="ko-KR" sz="1200" b="1" dirty="0" smtClean="0">
-                <a:latin typeface="맑은 고딕" pitchFamily="50" charset="-127"/>
-                <a:hlinkClick r:id="rId2"/>
-              </a:rPr>
-              <a:t>p=10346</a:t>
-            </a:r>
-            <a:r>
-              <a:rPr lang="en-US" altLang="ko-KR" sz="1200" b="1" dirty="0" smtClean="0">
-                <a:latin typeface="맑은 고딕" pitchFamily="50" charset="-127"/>
-              </a:rPr>
-              <a:t> (</a:t>
-            </a:r>
-            <a:r>
-              <a:rPr lang="ko-KR" altLang="en-US" sz="1200" b="1" dirty="0" smtClean="0">
-                <a:latin typeface="맑은 고딕" pitchFamily="50" charset="-127"/>
-              </a:rPr>
-              <a:t>무료 </a:t>
-            </a:r>
-            <a:r>
-              <a:rPr lang="en-US" altLang="ko-KR" sz="1200" b="1" dirty="0" smtClean="0">
-                <a:latin typeface="맑은 고딕" pitchFamily="50" charset="-127"/>
-              </a:rPr>
-              <a:t>PPT </a:t>
-            </a:r>
-            <a:r>
-              <a:rPr lang="ko-KR" altLang="en-US" sz="1200" b="1" dirty="0" smtClean="0">
-                <a:latin typeface="맑은 고딕" pitchFamily="50" charset="-127"/>
-              </a:rPr>
-              <a:t>템플릿 사이트</a:t>
-            </a:r>
-            <a:r>
-              <a:rPr lang="en-US" altLang="ko-KR" sz="1200" b="1" dirty="0" smtClean="0">
-                <a:latin typeface="맑은 고딕" pitchFamily="50" charset="-127"/>
-              </a:rPr>
-              <a:t>)</a:t>
-            </a:r>
-          </a:p>
-          <a:p>
-            <a:pPr marL="228600" indent="-228600">
-              <a:spcBef>
-                <a:spcPts val="600"/>
-              </a:spcBef>
-              <a:buAutoNum type="arabicPeriod"/>
-              <a:defRPr/>
-            </a:pPr>
-            <a:r>
-              <a:rPr lang="ko-KR" altLang="en-US" sz="1200" b="1" dirty="0" smtClean="0">
-                <a:latin typeface="맑은 고딕" pitchFamily="50" charset="-127"/>
-                <a:ea typeface="맑은 고딕" pitchFamily="50" charset="-127"/>
-              </a:rPr>
-              <a:t>발표자 김덕현 </a:t>
-            </a:r>
-            <a:r>
-              <a:rPr lang="en-US" altLang="ko-KR" sz="1200" b="1" dirty="0" smtClean="0">
-                <a:latin typeface="맑은 고딕" pitchFamily="50" charset="-127"/>
-                <a:ea typeface="맑은 고딕" pitchFamily="50" charset="-127"/>
-              </a:rPr>
-              <a:t>PPT</a:t>
-            </a:r>
-          </a:p>
-          <a:p>
-            <a:pPr marL="228600" indent="-228600">
-              <a:spcBef>
-                <a:spcPts val="600"/>
-              </a:spcBef>
-              <a:buAutoNum type="arabicPeriod"/>
-              <a:defRPr/>
-            </a:pPr>
-            <a:r>
-              <a:rPr lang="en-US" altLang="ko-KR" sz="1100" b="1" dirty="0">
-                <a:latin typeface="맑은 고딕" pitchFamily="50" charset="-127"/>
-                <a:hlinkClick r:id="rId3"/>
-              </a:rPr>
-              <a:t>http://</a:t>
-            </a:r>
-            <a:r>
-              <a:rPr lang="en-US" altLang="ko-KR" sz="1100" b="1" dirty="0" smtClean="0">
-                <a:latin typeface="맑은 고딕" pitchFamily="50" charset="-127"/>
-                <a:hlinkClick r:id="rId3"/>
-              </a:rPr>
-              <a:t>dreamzelkova.tistory.com/entry/Unity%EC%99%80-SQLite%EC%97%B0%EB%8F%99%ED%95%98%EA%B8%B0</a:t>
-            </a:r>
-            <a:endParaRPr lang="en-US" altLang="ko-KR" sz="1100" b="1" dirty="0" smtClean="0">
-              <a:latin typeface="맑은 고딕" pitchFamily="50" charset="-127"/>
+            <a:r>
+              <a:rPr lang="en-US" altLang="ko-KR" sz="1200" dirty="0" smtClean="0">
+                <a:latin typeface="+mj-lt"/>
+              </a:rPr>
+              <a:t>2. </a:t>
+            </a:r>
+            <a:r>
+              <a:rPr lang="en-US" altLang="ko-KR" sz="1200" dirty="0" err="1" smtClean="0">
+                <a:latin typeface="+mj-lt"/>
+              </a:rPr>
+              <a:t>SoundManager</a:t>
+            </a:r>
+            <a:r>
+              <a:rPr lang="en-US" altLang="ko-KR" sz="1200" dirty="0" smtClean="0">
+                <a:latin typeface="+mj-lt"/>
+              </a:rPr>
+              <a:t> C# </a:t>
+            </a:r>
+            <a:r>
+              <a:rPr lang="ko-KR" altLang="en-US" sz="1200" dirty="0" smtClean="0">
+                <a:latin typeface="+mj-lt"/>
+              </a:rPr>
+              <a:t>스크립트를 생성합니다</a:t>
+            </a:r>
+            <a:r>
+              <a:rPr lang="en-US" altLang="ko-KR" sz="1200" dirty="0" smtClean="0">
+                <a:latin typeface="+mj-lt"/>
+              </a:rPr>
+              <a:t>.</a:t>
+            </a:r>
+            <a:endParaRPr lang="ko-KR" altLang="en-US" sz="1200" dirty="0" smtClean="0">
+              <a:latin typeface="+mj-lt"/>
             </a:endParaRPr>
           </a:p>
-          <a:p>
-            <a:pPr marL="228600" indent="-228600">
-              <a:spcBef>
-                <a:spcPts val="600"/>
-              </a:spcBef>
-              <a:buAutoNum type="arabicPeriod"/>
-              <a:defRPr/>
-            </a:pPr>
-            <a:r>
-              <a:rPr lang="en-US" altLang="ko-KR" sz="1100" b="1" dirty="0">
-                <a:latin typeface="맑은 고딕" pitchFamily="50" charset="-127"/>
-                <a:hlinkClick r:id="rId4"/>
-              </a:rPr>
-              <a:t>http://</a:t>
-            </a:r>
-            <a:r>
-              <a:rPr lang="en-US" altLang="ko-KR" sz="1100" b="1" dirty="0" smtClean="0">
-                <a:latin typeface="맑은 고딕" pitchFamily="50" charset="-127"/>
-                <a:hlinkClick r:id="rId4"/>
-              </a:rPr>
-              <a:t>devkorea.co.kr/bbs/board.php?bo_table=m03_qna&amp;wr_id=26759</a:t>
-            </a:r>
-            <a:endParaRPr lang="en-US" altLang="ko-KR" sz="1100" b="1" dirty="0" smtClean="0">
-              <a:latin typeface="맑은 고딕" pitchFamily="50" charset="-127"/>
-            </a:endParaRPr>
-          </a:p>
-          <a:p>
-            <a:pPr marL="228600" indent="-228600">
-              <a:spcBef>
-                <a:spcPts val="600"/>
-              </a:spcBef>
-              <a:buAutoNum type="arabicPeriod"/>
-              <a:defRPr/>
-            </a:pPr>
-            <a:endParaRPr lang="en-US" altLang="ko-KR" sz="1100" b="1" dirty="0">
-              <a:latin typeface="맑은 고딕" pitchFamily="50" charset="-127"/>
-              <a:ea typeface="맑은 고딕" pitchFamily="50" charset="-127"/>
+        </p:txBody>
+      </p:sp>
+      <p:sp>
+        <p:nvSpPr>
+          <p:cNvPr id="10" name="모서리가 둥근 직사각형 9"/>
+          <p:cNvSpPr/>
+          <p:nvPr/>
+        </p:nvSpPr>
+        <p:spPr>
+          <a:xfrm>
+            <a:off x="5796136" y="1901235"/>
+            <a:ext cx="828092" cy="915697"/>
+          </a:xfrm>
+          <a:prstGeom prst="roundRect">
+            <a:avLst/>
+          </a:prstGeom>
+          <a:noFill/>
+          <a:ln>
+            <a:solidFill>
+              <a:srgbClr val="FF0000"/>
+            </a:solidFill>
+          </a:ln>
+        </p:spPr>
+        <p:style>
+          <a:lnRef idx="2">
+            <a:schemeClr val="accent1">
+              <a:shade val="50000"/>
+            </a:schemeClr>
+          </a:lnRef>
+          <a:fillRef idx="1">
+            <a:schemeClr val="accent1"/>
+          </a:fillRef>
+          <a:effectRef idx="0">
+            <a:schemeClr val="accent1"/>
+          </a:effectRef>
+          <a:fontRef idx="minor">
+            <a:schemeClr val="lt1"/>
+          </a:fontRef>
+        </p:style>
+        <p:txBody>
+          <a:bodyPr rtlCol="0" anchor="ctr"/>
+          <a:lstStyle/>
+          <a:p>
+            <a:pPr algn="ctr"/>
+            <a:endParaRPr lang="ko-KR" altLang="en-US"/>
+          </a:p>
+        </p:txBody>
+      </p:sp>
+      <p:pic>
+        <p:nvPicPr>
+          <p:cNvPr id="11" name="그림 10"/>
+          <p:cNvPicPr>
+            <a:picLocks noChangeAspect="1"/>
+          </p:cNvPicPr>
+          <p:nvPr/>
+        </p:nvPicPr>
+        <p:blipFill>
+          <a:blip r:embed="rId5"/>
+          <a:stretch>
+            <a:fillRect/>
+          </a:stretch>
+        </p:blipFill>
+        <p:spPr>
+          <a:xfrm>
+            <a:off x="4976403" y="3392996"/>
+            <a:ext cx="3295650" cy="2867025"/>
+          </a:xfrm>
+          <a:prstGeom prst="rect">
+            <a:avLst/>
+          </a:prstGeom>
+        </p:spPr>
+      </p:pic>
+      <p:sp>
+        <p:nvSpPr>
+          <p:cNvPr id="12" name="TextBox 11"/>
+          <p:cNvSpPr txBox="1"/>
+          <p:nvPr/>
+        </p:nvSpPr>
+        <p:spPr>
+          <a:xfrm>
+            <a:off x="4976403" y="3092016"/>
+            <a:ext cx="2193229" cy="276999"/>
+          </a:xfrm>
+          <a:prstGeom prst="rect">
+            <a:avLst/>
+          </a:prstGeom>
+          <a:noFill/>
+        </p:spPr>
+        <p:txBody>
+          <a:bodyPr wrap="none" rtlCol="0">
+            <a:spAutoFit/>
+          </a:bodyPr>
+          <a:lstStyle/>
+          <a:p>
+            <a:r>
+              <a:rPr lang="en-US" altLang="ko-KR" sz="1200" dirty="0" smtClean="0">
+                <a:latin typeface="+mj-lt"/>
+              </a:rPr>
+              <a:t>3. </a:t>
+            </a:r>
+            <a:r>
+              <a:rPr lang="ko-KR" altLang="en-US" sz="1200" dirty="0" smtClean="0">
+                <a:latin typeface="+mj-lt"/>
+              </a:rPr>
+              <a:t>아래의 코드를 입력합니다</a:t>
+            </a:r>
+            <a:r>
+              <a:rPr lang="en-US" altLang="ko-KR" sz="1200" dirty="0" smtClean="0">
+                <a:latin typeface="+mj-lt"/>
+              </a:rPr>
+              <a:t>.</a:t>
+            </a:r>
+            <a:endParaRPr lang="ko-KR" altLang="en-US" sz="1200" dirty="0" smtClean="0">
+              <a:latin typeface="+mj-lt"/>
             </a:endParaRPr>
           </a:p>
         </p:txBody>
@@ -21464,32 +22211,13 @@
     </p:spTree>
     <p:extLst>
       <p:ext uri="{BB962C8B-B14F-4D97-AF65-F5344CB8AC3E}">
-        <p14:creationId xmlns:p14="http://schemas.microsoft.com/office/powerpoint/2010/main" val="1257673598"/>
+        <p14:creationId xmlns:p14="http://schemas.microsoft.com/office/powerpoint/2010/main" val="970111472"/>
       </p:ext>
     </p:extLst>
   </p:cSld>
   <p:clrMapOvr>
     <a:masterClrMapping/>
   </p:clrMapOvr>
-  <mc:AlternateContent xmlns:mc="http://schemas.openxmlformats.org/markup-compatibility/2006" xmlns:p14="http://schemas.microsoft.com/office/powerpoint/2010/main">
-    <mc:Choice Requires="p14">
-      <p:transition spd="med" p14:dur="700">
-        <p:fade/>
-      </p:transition>
-    </mc:Choice>
-    <mc:Fallback xmlns="">
-      <p:transition spd="med">
-        <p:fade/>
-      </p:transition>
-    </mc:Fallback>
-  </mc:AlternateContent>
-  <p:timing>
-    <p:tnLst>
-      <p:par>
-        <p:cTn id="1" dur="indefinite" restart="never" nodeType="tmRoot"/>
-      </p:par>
-    </p:tnLst>
-  </p:timing>
 </p:sld>
 </file>
 
@@ -21907,6 +22635,1398 @@
 </file>
 
 <file path=ppt/slides/slide50.xml><?xml version="1.0" encoding="utf-8"?>
+<p:sld xmlns:a="http://schemas.openxmlformats.org/drawingml/2006/main" xmlns:r="http://schemas.openxmlformats.org/officeDocument/2006/relationships" xmlns:p="http://schemas.openxmlformats.org/presentationml/2006/main">
+  <p:cSld>
+    <p:spTree>
+      <p:nvGrpSpPr>
+        <p:cNvPr id="1" name=""/>
+        <p:cNvGrpSpPr/>
+        <p:nvPr/>
+      </p:nvGrpSpPr>
+      <p:grpSpPr>
+        <a:xfrm>
+          <a:off x="0" y="0"/>
+          <a:ext cx="0" cy="0"/>
+          <a:chOff x="0" y="0"/>
+          <a:chExt cx="0" cy="0"/>
+        </a:xfrm>
+      </p:grpSpPr>
+      <p:sp>
+        <p:nvSpPr>
+          <p:cNvPr id="2" name="TextBox 1"/>
+          <p:cNvSpPr txBox="1"/>
+          <p:nvPr/>
+        </p:nvSpPr>
+        <p:spPr>
+          <a:xfrm>
+            <a:off x="522831" y="-6392"/>
+            <a:ext cx="6992989" cy="807324"/>
+          </a:xfrm>
+          <a:prstGeom prst="rect">
+            <a:avLst/>
+          </a:prstGeom>
+          <a:noFill/>
+        </p:spPr>
+        <p:txBody>
+          <a:bodyPr wrap="none" rtlCol="0" anchor="ctr">
+            <a:noAutofit/>
+          </a:bodyPr>
+          <a:lstStyle/>
+          <a:p>
+            <a:r>
+              <a:rPr lang="ko-KR" altLang="en-US" sz="3400" b="1" dirty="0" smtClean="0">
+                <a:solidFill>
+                  <a:srgbClr val="1CCAB9"/>
+                </a:solidFill>
+                <a:latin typeface="+mn-ea"/>
+              </a:rPr>
+              <a:t>사운드 플레이어 만들기</a:t>
+            </a:r>
+            <a:endParaRPr lang="en-US" altLang="ko-KR" sz="3400" b="1" dirty="0">
+              <a:solidFill>
+                <a:srgbClr val="1CCAB9"/>
+              </a:solidFill>
+              <a:latin typeface="+mn-ea"/>
+            </a:endParaRPr>
+          </a:p>
+        </p:txBody>
+      </p:sp>
+      <p:sp>
+        <p:nvSpPr>
+          <p:cNvPr id="3" name="TextBox 2"/>
+          <p:cNvSpPr txBox="1"/>
+          <p:nvPr/>
+        </p:nvSpPr>
+        <p:spPr>
+          <a:xfrm>
+            <a:off x="522831" y="1052736"/>
+            <a:ext cx="5384807" cy="276999"/>
+          </a:xfrm>
+          <a:prstGeom prst="rect">
+            <a:avLst/>
+          </a:prstGeom>
+          <a:noFill/>
+        </p:spPr>
+        <p:txBody>
+          <a:bodyPr wrap="none" rtlCol="0">
+            <a:spAutoFit/>
+          </a:bodyPr>
+          <a:lstStyle/>
+          <a:p>
+            <a:r>
+              <a:rPr lang="en-US" altLang="ko-KR" sz="1200" dirty="0" smtClean="0">
+                <a:latin typeface="+mj-lt"/>
+              </a:rPr>
+              <a:t>1. </a:t>
+            </a:r>
+            <a:r>
+              <a:rPr lang="en-US" altLang="ko-KR" sz="1200" dirty="0" err="1" smtClean="0">
+                <a:latin typeface="+mj-lt"/>
+              </a:rPr>
+              <a:t>SoundManager</a:t>
+            </a:r>
+            <a:r>
+              <a:rPr lang="en-US" altLang="ko-KR" sz="1200" dirty="0" smtClean="0">
+                <a:latin typeface="+mj-lt"/>
+              </a:rPr>
+              <a:t> </a:t>
+            </a:r>
+            <a:r>
+              <a:rPr lang="ko-KR" altLang="en-US" sz="1200" dirty="0" smtClean="0">
+                <a:latin typeface="+mj-lt"/>
+              </a:rPr>
+              <a:t>스크립트를 </a:t>
+            </a:r>
+            <a:r>
+              <a:rPr lang="en-US" altLang="ko-KR" sz="1200" dirty="0" err="1" smtClean="0">
+                <a:latin typeface="+mj-lt"/>
+              </a:rPr>
+              <a:t>SoundManager</a:t>
+            </a:r>
+            <a:r>
+              <a:rPr lang="en-US" altLang="ko-KR" sz="1200" dirty="0" smtClean="0">
+                <a:latin typeface="+mj-lt"/>
+              </a:rPr>
+              <a:t> </a:t>
+            </a:r>
+            <a:r>
+              <a:rPr lang="ko-KR" altLang="en-US" sz="1200" dirty="0" smtClean="0">
+                <a:latin typeface="+mj-lt"/>
+              </a:rPr>
+              <a:t>오브젝트에 끌어다 놓습니다</a:t>
+            </a:r>
+            <a:r>
+              <a:rPr lang="en-US" altLang="ko-KR" sz="1200" dirty="0" smtClean="0">
+                <a:latin typeface="+mj-lt"/>
+              </a:rPr>
+              <a:t>.</a:t>
+            </a:r>
+            <a:endParaRPr lang="ko-KR" altLang="en-US" sz="1200" dirty="0" smtClean="0">
+              <a:latin typeface="+mj-lt"/>
+            </a:endParaRPr>
+          </a:p>
+        </p:txBody>
+      </p:sp>
+      <p:pic>
+        <p:nvPicPr>
+          <p:cNvPr id="5" name="그림 4"/>
+          <p:cNvPicPr>
+            <a:picLocks noChangeAspect="1"/>
+          </p:cNvPicPr>
+          <p:nvPr/>
+        </p:nvPicPr>
+        <p:blipFill>
+          <a:blip r:embed="rId2"/>
+          <a:stretch>
+            <a:fillRect/>
+          </a:stretch>
+        </p:blipFill>
+        <p:spPr>
+          <a:xfrm>
+            <a:off x="529089" y="1347346"/>
+            <a:ext cx="1594639" cy="1594639"/>
+          </a:xfrm>
+          <a:prstGeom prst="rect">
+            <a:avLst/>
+          </a:prstGeom>
+        </p:spPr>
+      </p:pic>
+      <p:pic>
+        <p:nvPicPr>
+          <p:cNvPr id="6" name="그림 5"/>
+          <p:cNvPicPr>
+            <a:picLocks noChangeAspect="1"/>
+          </p:cNvPicPr>
+          <p:nvPr/>
+        </p:nvPicPr>
+        <p:blipFill>
+          <a:blip r:embed="rId3"/>
+          <a:stretch>
+            <a:fillRect/>
+          </a:stretch>
+        </p:blipFill>
+        <p:spPr>
+          <a:xfrm>
+            <a:off x="2987823" y="1581539"/>
+            <a:ext cx="2280367" cy="1360446"/>
+          </a:xfrm>
+          <a:prstGeom prst="rect">
+            <a:avLst/>
+          </a:prstGeom>
+        </p:spPr>
+      </p:pic>
+      <p:sp>
+        <p:nvSpPr>
+          <p:cNvPr id="7" name="모서리가 둥근 직사각형 6"/>
+          <p:cNvSpPr/>
+          <p:nvPr/>
+        </p:nvSpPr>
+        <p:spPr>
+          <a:xfrm>
+            <a:off x="522831" y="2240868"/>
+            <a:ext cx="1204853" cy="288032"/>
+          </a:xfrm>
+          <a:prstGeom prst="roundRect">
+            <a:avLst/>
+          </a:prstGeom>
+          <a:noFill/>
+          <a:ln>
+            <a:solidFill>
+              <a:srgbClr val="FF0000"/>
+            </a:solidFill>
+          </a:ln>
+        </p:spPr>
+        <p:style>
+          <a:lnRef idx="2">
+            <a:schemeClr val="accent1">
+              <a:shade val="50000"/>
+            </a:schemeClr>
+          </a:lnRef>
+          <a:fillRef idx="1">
+            <a:schemeClr val="accent1"/>
+          </a:fillRef>
+          <a:effectRef idx="0">
+            <a:schemeClr val="accent1"/>
+          </a:effectRef>
+          <a:fontRef idx="minor">
+            <a:schemeClr val="lt1"/>
+          </a:fontRef>
+        </p:style>
+        <p:txBody>
+          <a:bodyPr rtlCol="0" anchor="ctr"/>
+          <a:lstStyle/>
+          <a:p>
+            <a:pPr algn="ctr"/>
+            <a:endParaRPr lang="ko-KR" altLang="en-US"/>
+          </a:p>
+        </p:txBody>
+      </p:sp>
+      <p:sp>
+        <p:nvSpPr>
+          <p:cNvPr id="8" name="모서리가 둥근 직사각형 7"/>
+          <p:cNvSpPr/>
+          <p:nvPr/>
+        </p:nvSpPr>
+        <p:spPr>
+          <a:xfrm>
+            <a:off x="3525579" y="1634062"/>
+            <a:ext cx="1046421" cy="1110861"/>
+          </a:xfrm>
+          <a:prstGeom prst="roundRect">
+            <a:avLst/>
+          </a:prstGeom>
+          <a:noFill/>
+          <a:ln>
+            <a:solidFill>
+              <a:srgbClr val="FF0000"/>
+            </a:solidFill>
+          </a:ln>
+        </p:spPr>
+        <p:style>
+          <a:lnRef idx="2">
+            <a:schemeClr val="accent1">
+              <a:shade val="50000"/>
+            </a:schemeClr>
+          </a:lnRef>
+          <a:fillRef idx="1">
+            <a:schemeClr val="accent1"/>
+          </a:fillRef>
+          <a:effectRef idx="0">
+            <a:schemeClr val="accent1"/>
+          </a:effectRef>
+          <a:fontRef idx="minor">
+            <a:schemeClr val="lt1"/>
+          </a:fontRef>
+        </p:style>
+        <p:txBody>
+          <a:bodyPr rtlCol="0" anchor="ctr"/>
+          <a:lstStyle/>
+          <a:p>
+            <a:pPr algn="ctr"/>
+            <a:endParaRPr lang="ko-KR" altLang="en-US"/>
+          </a:p>
+        </p:txBody>
+      </p:sp>
+      <p:cxnSp>
+        <p:nvCxnSpPr>
+          <p:cNvPr id="10" name="구부러진 연결선 9"/>
+          <p:cNvCxnSpPr>
+            <a:stCxn id="8" idx="1"/>
+            <a:endCxn id="7" idx="2"/>
+          </p:cNvCxnSpPr>
+          <p:nvPr/>
+        </p:nvCxnSpPr>
+        <p:spPr>
+          <a:xfrm rot="10800000" flipV="1">
+            <a:off x="1125259" y="2189492"/>
+            <a:ext cx="2400321" cy="339407"/>
+          </a:xfrm>
+          <a:prstGeom prst="curvedConnector4">
+            <a:avLst>
+              <a:gd name="adj1" fmla="val 37451"/>
+              <a:gd name="adj2" fmla="val 231000"/>
+            </a:avLst>
+          </a:prstGeom>
+          <a:ln>
+            <a:solidFill>
+              <a:srgbClr val="FF0000"/>
+            </a:solidFill>
+            <a:tailEnd type="triangle"/>
+          </a:ln>
+        </p:spPr>
+        <p:style>
+          <a:lnRef idx="3">
+            <a:schemeClr val="accent2"/>
+          </a:lnRef>
+          <a:fillRef idx="0">
+            <a:schemeClr val="accent2"/>
+          </a:fillRef>
+          <a:effectRef idx="2">
+            <a:schemeClr val="accent2"/>
+          </a:effectRef>
+          <a:fontRef idx="minor">
+            <a:schemeClr val="tx1"/>
+          </a:fontRef>
+        </p:style>
+      </p:cxnSp>
+      <p:pic>
+        <p:nvPicPr>
+          <p:cNvPr id="11" name="그림 10"/>
+          <p:cNvPicPr>
+            <a:picLocks noChangeAspect="1"/>
+          </p:cNvPicPr>
+          <p:nvPr/>
+        </p:nvPicPr>
+        <p:blipFill>
+          <a:blip r:embed="rId2"/>
+          <a:stretch>
+            <a:fillRect/>
+          </a:stretch>
+        </p:blipFill>
+        <p:spPr>
+          <a:xfrm>
+            <a:off x="522831" y="3681028"/>
+            <a:ext cx="1594639" cy="1594639"/>
+          </a:xfrm>
+          <a:prstGeom prst="rect">
+            <a:avLst/>
+          </a:prstGeom>
+        </p:spPr>
+      </p:pic>
+      <p:sp>
+        <p:nvSpPr>
+          <p:cNvPr id="12" name="TextBox 11"/>
+          <p:cNvSpPr txBox="1"/>
+          <p:nvPr/>
+        </p:nvSpPr>
+        <p:spPr>
+          <a:xfrm>
+            <a:off x="529552" y="3392364"/>
+            <a:ext cx="3108543" cy="276999"/>
+          </a:xfrm>
+          <a:prstGeom prst="rect">
+            <a:avLst/>
+          </a:prstGeom>
+          <a:noFill/>
+        </p:spPr>
+        <p:txBody>
+          <a:bodyPr wrap="none" rtlCol="0">
+            <a:spAutoFit/>
+          </a:bodyPr>
+          <a:lstStyle/>
+          <a:p>
+            <a:r>
+              <a:rPr lang="en-US" altLang="ko-KR" sz="1200" dirty="0" smtClean="0">
+                <a:latin typeface="+mj-lt"/>
+              </a:rPr>
+              <a:t>2. </a:t>
+            </a:r>
+            <a:r>
+              <a:rPr lang="en-US" altLang="ko-KR" sz="1200" dirty="0" err="1" smtClean="0">
+                <a:latin typeface="+mj-lt"/>
+              </a:rPr>
+              <a:t>SoundManager</a:t>
+            </a:r>
+            <a:r>
+              <a:rPr lang="en-US" altLang="ko-KR" sz="1200" dirty="0" smtClean="0">
+                <a:latin typeface="+mj-lt"/>
+              </a:rPr>
+              <a:t> </a:t>
+            </a:r>
+            <a:r>
+              <a:rPr lang="ko-KR" altLang="en-US" sz="1200" dirty="0" smtClean="0">
+                <a:latin typeface="+mj-lt"/>
+              </a:rPr>
+              <a:t>오브젝트를 클릭합니다</a:t>
+            </a:r>
+            <a:r>
+              <a:rPr lang="en-US" altLang="ko-KR" sz="1200" dirty="0" smtClean="0">
+                <a:latin typeface="+mj-lt"/>
+              </a:rPr>
+              <a:t>.</a:t>
+            </a:r>
+            <a:endParaRPr lang="ko-KR" altLang="en-US" sz="1200" dirty="0" smtClean="0">
+              <a:latin typeface="+mj-lt"/>
+            </a:endParaRPr>
+          </a:p>
+        </p:txBody>
+      </p:sp>
+      <p:sp>
+        <p:nvSpPr>
+          <p:cNvPr id="13" name="모서리가 둥근 직사각형 12"/>
+          <p:cNvSpPr/>
+          <p:nvPr/>
+        </p:nvSpPr>
+        <p:spPr>
+          <a:xfrm>
+            <a:off x="522831" y="4532827"/>
+            <a:ext cx="1312865" cy="300329"/>
+          </a:xfrm>
+          <a:prstGeom prst="roundRect">
+            <a:avLst/>
+          </a:prstGeom>
+          <a:noFill/>
+          <a:ln>
+            <a:solidFill>
+              <a:srgbClr val="FF0000"/>
+            </a:solidFill>
+          </a:ln>
+        </p:spPr>
+        <p:style>
+          <a:lnRef idx="2">
+            <a:schemeClr val="accent1">
+              <a:shade val="50000"/>
+            </a:schemeClr>
+          </a:lnRef>
+          <a:fillRef idx="1">
+            <a:schemeClr val="accent1"/>
+          </a:fillRef>
+          <a:effectRef idx="0">
+            <a:schemeClr val="accent1"/>
+          </a:effectRef>
+          <a:fontRef idx="minor">
+            <a:schemeClr val="lt1"/>
+          </a:fontRef>
+        </p:style>
+        <p:txBody>
+          <a:bodyPr rtlCol="0" anchor="ctr"/>
+          <a:lstStyle/>
+          <a:p>
+            <a:pPr algn="ctr"/>
+            <a:endParaRPr lang="ko-KR" altLang="en-US"/>
+          </a:p>
+        </p:txBody>
+      </p:sp>
+      <p:pic>
+        <p:nvPicPr>
+          <p:cNvPr id="14" name="그림 13"/>
+          <p:cNvPicPr>
+            <a:picLocks noChangeAspect="1"/>
+          </p:cNvPicPr>
+          <p:nvPr/>
+        </p:nvPicPr>
+        <p:blipFill>
+          <a:blip r:embed="rId4"/>
+          <a:stretch>
+            <a:fillRect/>
+          </a:stretch>
+        </p:blipFill>
+        <p:spPr>
+          <a:xfrm>
+            <a:off x="2987823" y="4053931"/>
+            <a:ext cx="3800475" cy="809625"/>
+          </a:xfrm>
+          <a:prstGeom prst="rect">
+            <a:avLst/>
+          </a:prstGeom>
+        </p:spPr>
+      </p:pic>
+      <p:sp>
+        <p:nvSpPr>
+          <p:cNvPr id="15" name="TextBox 14"/>
+          <p:cNvSpPr txBox="1"/>
+          <p:nvPr/>
+        </p:nvSpPr>
+        <p:spPr>
+          <a:xfrm>
+            <a:off x="2987823" y="3776932"/>
+            <a:ext cx="5932778" cy="276999"/>
+          </a:xfrm>
+          <a:prstGeom prst="rect">
+            <a:avLst/>
+          </a:prstGeom>
+          <a:noFill/>
+        </p:spPr>
+        <p:txBody>
+          <a:bodyPr wrap="none" rtlCol="0">
+            <a:spAutoFit/>
+          </a:bodyPr>
+          <a:lstStyle/>
+          <a:p>
+            <a:r>
+              <a:rPr lang="en-US" altLang="ko-KR" sz="1200" dirty="0" smtClean="0">
+                <a:latin typeface="+mj-lt"/>
+              </a:rPr>
+              <a:t>3.</a:t>
+            </a:r>
+            <a:r>
+              <a:rPr lang="ko-KR" altLang="en-US" sz="1200" dirty="0">
+                <a:latin typeface="+mj-lt"/>
+              </a:rPr>
+              <a:t> </a:t>
+            </a:r>
+            <a:r>
+              <a:rPr lang="en-US" altLang="ko-KR" sz="1200" dirty="0" smtClean="0">
+                <a:latin typeface="+mj-lt"/>
+              </a:rPr>
+              <a:t>Inspector</a:t>
+            </a:r>
+            <a:r>
+              <a:rPr lang="ko-KR" altLang="en-US" sz="1200" dirty="0" smtClean="0">
+                <a:latin typeface="+mj-lt"/>
+              </a:rPr>
+              <a:t>에서 </a:t>
+            </a:r>
+            <a:r>
+              <a:rPr lang="en-US" altLang="ko-KR" sz="1200" dirty="0" smtClean="0">
+                <a:latin typeface="+mj-lt"/>
+              </a:rPr>
+              <a:t>Audio Source</a:t>
+            </a:r>
+            <a:r>
+              <a:rPr lang="ko-KR" altLang="en-US" sz="1200" dirty="0" smtClean="0">
+                <a:latin typeface="+mj-lt"/>
+              </a:rPr>
+              <a:t>에 </a:t>
+            </a:r>
+            <a:r>
+              <a:rPr lang="en-US" altLang="ko-KR" sz="1200" dirty="0" err="1" smtClean="0">
+                <a:latin typeface="+mj-lt"/>
+              </a:rPr>
+              <a:t>AudioClip</a:t>
+            </a:r>
+            <a:r>
+              <a:rPr lang="ko-KR" altLang="en-US" sz="1200" dirty="0" smtClean="0">
+                <a:latin typeface="+mj-lt"/>
+              </a:rPr>
+              <a:t>에 다운로드 받은 음원을 끌어다 둡니다</a:t>
+            </a:r>
+            <a:r>
+              <a:rPr lang="en-US" altLang="ko-KR" sz="1200" dirty="0" smtClean="0">
+                <a:latin typeface="+mj-lt"/>
+              </a:rPr>
+              <a:t>.</a:t>
+            </a:r>
+            <a:endParaRPr lang="ko-KR" altLang="en-US" sz="1200" dirty="0" smtClean="0">
+              <a:latin typeface="+mj-lt"/>
+            </a:endParaRPr>
+          </a:p>
+        </p:txBody>
+      </p:sp>
+      <p:sp>
+        <p:nvSpPr>
+          <p:cNvPr id="16" name="모서리가 둥근 직사각형 15"/>
+          <p:cNvSpPr/>
+          <p:nvPr/>
+        </p:nvSpPr>
+        <p:spPr>
+          <a:xfrm>
+            <a:off x="4427984" y="4221088"/>
+            <a:ext cx="2232248" cy="311739"/>
+          </a:xfrm>
+          <a:prstGeom prst="roundRect">
+            <a:avLst/>
+          </a:prstGeom>
+          <a:noFill/>
+          <a:ln>
+            <a:solidFill>
+              <a:srgbClr val="FF0000"/>
+            </a:solidFill>
+          </a:ln>
+        </p:spPr>
+        <p:style>
+          <a:lnRef idx="2">
+            <a:schemeClr val="accent1">
+              <a:shade val="50000"/>
+            </a:schemeClr>
+          </a:lnRef>
+          <a:fillRef idx="1">
+            <a:schemeClr val="accent1"/>
+          </a:fillRef>
+          <a:effectRef idx="0">
+            <a:schemeClr val="accent1"/>
+          </a:effectRef>
+          <a:fontRef idx="minor">
+            <a:schemeClr val="lt1"/>
+          </a:fontRef>
+        </p:style>
+        <p:txBody>
+          <a:bodyPr rtlCol="0" anchor="ctr"/>
+          <a:lstStyle/>
+          <a:p>
+            <a:pPr algn="ctr"/>
+            <a:endParaRPr lang="ko-KR" altLang="en-US"/>
+          </a:p>
+        </p:txBody>
+      </p:sp>
+      <p:pic>
+        <p:nvPicPr>
+          <p:cNvPr id="17" name="그림 16"/>
+          <p:cNvPicPr>
+            <a:picLocks noChangeAspect="1"/>
+          </p:cNvPicPr>
+          <p:nvPr/>
+        </p:nvPicPr>
+        <p:blipFill>
+          <a:blip r:embed="rId5"/>
+          <a:stretch>
+            <a:fillRect/>
+          </a:stretch>
+        </p:blipFill>
+        <p:spPr>
+          <a:xfrm>
+            <a:off x="2987823" y="5275667"/>
+            <a:ext cx="1647825" cy="990600"/>
+          </a:xfrm>
+          <a:prstGeom prst="rect">
+            <a:avLst/>
+          </a:prstGeom>
+        </p:spPr>
+      </p:pic>
+      <p:sp>
+        <p:nvSpPr>
+          <p:cNvPr id="18" name="모서리가 둥근 직사각형 17"/>
+          <p:cNvSpPr/>
+          <p:nvPr/>
+        </p:nvSpPr>
+        <p:spPr>
+          <a:xfrm>
+            <a:off x="2987823" y="5275667"/>
+            <a:ext cx="756085" cy="840893"/>
+          </a:xfrm>
+          <a:prstGeom prst="roundRect">
+            <a:avLst/>
+          </a:prstGeom>
+          <a:noFill/>
+          <a:ln>
+            <a:solidFill>
+              <a:srgbClr val="FF0000"/>
+            </a:solidFill>
+          </a:ln>
+        </p:spPr>
+        <p:style>
+          <a:lnRef idx="2">
+            <a:schemeClr val="accent1">
+              <a:shade val="50000"/>
+            </a:schemeClr>
+          </a:lnRef>
+          <a:fillRef idx="1">
+            <a:schemeClr val="accent1"/>
+          </a:fillRef>
+          <a:effectRef idx="0">
+            <a:schemeClr val="accent1"/>
+          </a:effectRef>
+          <a:fontRef idx="minor">
+            <a:schemeClr val="lt1"/>
+          </a:fontRef>
+        </p:style>
+        <p:txBody>
+          <a:bodyPr rtlCol="0" anchor="ctr"/>
+          <a:lstStyle/>
+          <a:p>
+            <a:pPr algn="ctr"/>
+            <a:endParaRPr lang="ko-KR" altLang="en-US"/>
+          </a:p>
+        </p:txBody>
+      </p:sp>
+      <p:cxnSp>
+        <p:nvCxnSpPr>
+          <p:cNvPr id="20" name="구부러진 연결선 19"/>
+          <p:cNvCxnSpPr>
+            <a:stCxn id="18" idx="0"/>
+            <a:endCxn id="16" idx="1"/>
+          </p:cNvCxnSpPr>
+          <p:nvPr/>
+        </p:nvCxnSpPr>
+        <p:spPr>
+          <a:xfrm rot="5400000" flipH="1" flipV="1">
+            <a:off x="3447571" y="4295254"/>
+            <a:ext cx="898709" cy="1062118"/>
+          </a:xfrm>
+          <a:prstGeom prst="curvedConnector2">
+            <a:avLst/>
+          </a:prstGeom>
+          <a:ln>
+            <a:solidFill>
+              <a:srgbClr val="FF0000"/>
+            </a:solidFill>
+            <a:tailEnd type="triangle"/>
+          </a:ln>
+        </p:spPr>
+        <p:style>
+          <a:lnRef idx="3">
+            <a:schemeClr val="accent2"/>
+          </a:lnRef>
+          <a:fillRef idx="0">
+            <a:schemeClr val="accent2"/>
+          </a:fillRef>
+          <a:effectRef idx="2">
+            <a:schemeClr val="accent2"/>
+          </a:effectRef>
+          <a:fontRef idx="minor">
+            <a:schemeClr val="tx1"/>
+          </a:fontRef>
+        </p:style>
+      </p:cxnSp>
+      <p:pic>
+        <p:nvPicPr>
+          <p:cNvPr id="21" name="그림 20"/>
+          <p:cNvPicPr>
+            <a:picLocks noChangeAspect="1"/>
+          </p:cNvPicPr>
+          <p:nvPr/>
+        </p:nvPicPr>
+        <p:blipFill>
+          <a:blip r:embed="rId6"/>
+          <a:stretch>
+            <a:fillRect/>
+          </a:stretch>
+        </p:blipFill>
+        <p:spPr>
+          <a:xfrm>
+            <a:off x="5366404" y="5492668"/>
+            <a:ext cx="2843787" cy="623892"/>
+          </a:xfrm>
+          <a:prstGeom prst="rect">
+            <a:avLst/>
+          </a:prstGeom>
+        </p:spPr>
+      </p:pic>
+      <p:sp>
+        <p:nvSpPr>
+          <p:cNvPr id="22" name="모서리가 둥근 직사각형 21"/>
+          <p:cNvSpPr/>
+          <p:nvPr/>
+        </p:nvSpPr>
+        <p:spPr>
+          <a:xfrm>
+            <a:off x="7515820" y="5733256"/>
+            <a:ext cx="404552" cy="383304"/>
+          </a:xfrm>
+          <a:prstGeom prst="roundRect">
+            <a:avLst/>
+          </a:prstGeom>
+          <a:noFill/>
+          <a:ln>
+            <a:solidFill>
+              <a:srgbClr val="FF0000"/>
+            </a:solidFill>
+          </a:ln>
+        </p:spPr>
+        <p:style>
+          <a:lnRef idx="2">
+            <a:schemeClr val="accent1">
+              <a:shade val="50000"/>
+            </a:schemeClr>
+          </a:lnRef>
+          <a:fillRef idx="1">
+            <a:schemeClr val="accent1"/>
+          </a:fillRef>
+          <a:effectRef idx="0">
+            <a:schemeClr val="accent1"/>
+          </a:effectRef>
+          <a:fontRef idx="minor">
+            <a:schemeClr val="lt1"/>
+          </a:fontRef>
+        </p:style>
+        <p:txBody>
+          <a:bodyPr rtlCol="0" anchor="ctr"/>
+          <a:lstStyle/>
+          <a:p>
+            <a:pPr algn="ctr"/>
+            <a:endParaRPr lang="ko-KR" altLang="en-US"/>
+          </a:p>
+        </p:txBody>
+      </p:sp>
+      <p:sp>
+        <p:nvSpPr>
+          <p:cNvPr id="23" name="TextBox 22"/>
+          <p:cNvSpPr txBox="1"/>
+          <p:nvPr/>
+        </p:nvSpPr>
+        <p:spPr>
+          <a:xfrm>
+            <a:off x="5365037" y="5215669"/>
+            <a:ext cx="1721946" cy="276999"/>
+          </a:xfrm>
+          <a:prstGeom prst="rect">
+            <a:avLst/>
+          </a:prstGeom>
+          <a:noFill/>
+        </p:spPr>
+        <p:txBody>
+          <a:bodyPr wrap="none" rtlCol="0">
+            <a:spAutoFit/>
+          </a:bodyPr>
+          <a:lstStyle/>
+          <a:p>
+            <a:r>
+              <a:rPr lang="en-US" altLang="ko-KR" sz="1200" dirty="0" smtClean="0">
+                <a:latin typeface="+mj-lt"/>
+              </a:rPr>
+              <a:t>4. Loop</a:t>
+            </a:r>
+            <a:r>
+              <a:rPr lang="ko-KR" altLang="en-US" sz="1200" dirty="0" smtClean="0">
+                <a:latin typeface="+mj-lt"/>
+              </a:rPr>
+              <a:t>에 체크합니다</a:t>
+            </a:r>
+            <a:r>
+              <a:rPr lang="en-US" altLang="ko-KR" sz="1200" dirty="0" smtClean="0">
+                <a:latin typeface="+mj-lt"/>
+              </a:rPr>
+              <a:t>.</a:t>
+            </a:r>
+            <a:endParaRPr lang="ko-KR" altLang="en-US" sz="1200" dirty="0" smtClean="0">
+              <a:latin typeface="+mj-lt"/>
+            </a:endParaRPr>
+          </a:p>
+        </p:txBody>
+      </p:sp>
+    </p:spTree>
+    <p:extLst>
+      <p:ext uri="{BB962C8B-B14F-4D97-AF65-F5344CB8AC3E}">
+        <p14:creationId xmlns:p14="http://schemas.microsoft.com/office/powerpoint/2010/main" val="2947779621"/>
+      </p:ext>
+    </p:extLst>
+  </p:cSld>
+  <p:clrMapOvr>
+    <a:masterClrMapping/>
+  </p:clrMapOvr>
+</p:sld>
+</file>
+
+<file path=ppt/slides/slide51.xml><?xml version="1.0" encoding="utf-8"?>
+<p:sld xmlns:a="http://schemas.openxmlformats.org/drawingml/2006/main" xmlns:r="http://schemas.openxmlformats.org/officeDocument/2006/relationships" xmlns:p="http://schemas.openxmlformats.org/presentationml/2006/main">
+  <p:cSld>
+    <p:spTree>
+      <p:nvGrpSpPr>
+        <p:cNvPr id="1" name=""/>
+        <p:cNvGrpSpPr/>
+        <p:nvPr/>
+      </p:nvGrpSpPr>
+      <p:grpSpPr>
+        <a:xfrm>
+          <a:off x="0" y="0"/>
+          <a:ext cx="0" cy="0"/>
+          <a:chOff x="0" y="0"/>
+          <a:chExt cx="0" cy="0"/>
+        </a:xfrm>
+      </p:grpSpPr>
+      <p:sp>
+        <p:nvSpPr>
+          <p:cNvPr id="13" name="TextBox 12"/>
+          <p:cNvSpPr txBox="1"/>
+          <p:nvPr/>
+        </p:nvSpPr>
+        <p:spPr>
+          <a:xfrm>
+            <a:off x="2816900" y="2299064"/>
+            <a:ext cx="5797073" cy="1039980"/>
+          </a:xfrm>
+          <a:prstGeom prst="rect">
+            <a:avLst/>
+          </a:prstGeom>
+          <a:noFill/>
+        </p:spPr>
+        <p:txBody>
+          <a:bodyPr wrap="none" rtlCol="0" anchor="ctr">
+            <a:noAutofit/>
+          </a:bodyPr>
+          <a:lstStyle/>
+          <a:p>
+            <a:pPr>
+              <a:lnSpc>
+                <a:spcPct val="90000"/>
+              </a:lnSpc>
+            </a:pPr>
+            <a:r>
+              <a:rPr lang="en-US" altLang="ko-KR" sz="3600" b="1" spc="-50" dirty="0" smtClean="0">
+                <a:solidFill>
+                  <a:schemeClr val="bg1"/>
+                </a:solidFill>
+                <a:latin typeface="+mn-ea"/>
+              </a:rPr>
+              <a:t>FINAL REPORT</a:t>
+            </a:r>
+          </a:p>
+          <a:p>
+            <a:pPr>
+              <a:lnSpc>
+                <a:spcPct val="90000"/>
+              </a:lnSpc>
+            </a:pPr>
+            <a:r>
+              <a:rPr lang="ko-KR" altLang="en-US" sz="3600" b="1" spc="-50" dirty="0" smtClean="0">
+                <a:solidFill>
+                  <a:srgbClr val="1CCAB9"/>
+                </a:solidFill>
+                <a:latin typeface="+mn-ea"/>
+              </a:rPr>
+              <a:t>사운드 플레이어 만들기</a:t>
+            </a:r>
+            <a:endParaRPr lang="en-US" altLang="ko-KR" sz="3600" b="1" spc="-50" dirty="0">
+              <a:solidFill>
+                <a:srgbClr val="1CCAB9"/>
+              </a:solidFill>
+              <a:latin typeface="+mn-ea"/>
+            </a:endParaRPr>
+          </a:p>
+        </p:txBody>
+      </p:sp>
+      <p:sp>
+        <p:nvSpPr>
+          <p:cNvPr id="14" name="TextBox 13"/>
+          <p:cNvSpPr txBox="1"/>
+          <p:nvPr/>
+        </p:nvSpPr>
+        <p:spPr>
+          <a:xfrm>
+            <a:off x="1413429" y="2417650"/>
+            <a:ext cx="943206" cy="776307"/>
+          </a:xfrm>
+          <a:prstGeom prst="rect">
+            <a:avLst/>
+          </a:prstGeom>
+          <a:noFill/>
+        </p:spPr>
+        <p:txBody>
+          <a:bodyPr wrap="none" lIns="36000" tIns="36000" rIns="36000" rtlCol="0" anchor="ctr">
+            <a:noAutofit/>
+            <a:scene3d>
+              <a:camera prst="orthographicFront"/>
+              <a:lightRig rig="threePt" dir="t"/>
+            </a:scene3d>
+            <a:sp3d contourW="50800">
+              <a:bevelT w="1270" h="50800"/>
+              <a:contourClr>
+                <a:schemeClr val="bg1"/>
+              </a:contourClr>
+            </a:sp3d>
+          </a:bodyPr>
+          <a:lstStyle/>
+          <a:p>
+            <a:pPr algn="ctr">
+              <a:spcAft>
+                <a:spcPts val="1000"/>
+              </a:spcAft>
+              <a:buClr>
+                <a:srgbClr val="977399"/>
+              </a:buClr>
+            </a:pPr>
+            <a:r>
+              <a:rPr lang="en-US" altLang="ko-KR" sz="6600" spc="-50" dirty="0">
+                <a:solidFill>
+                  <a:schemeClr val="tx1">
+                    <a:lumMod val="50000"/>
+                    <a:lumOff val="50000"/>
+                  </a:schemeClr>
+                </a:solidFill>
+                <a:latin typeface="+mn-ea"/>
+              </a:rPr>
+              <a:t>6</a:t>
+            </a:r>
+            <a:endParaRPr lang="en-US" altLang="ko-KR" sz="6600" spc="-50" dirty="0" smtClean="0">
+              <a:solidFill>
+                <a:schemeClr val="tx1">
+                  <a:lumMod val="50000"/>
+                  <a:lumOff val="50000"/>
+                </a:schemeClr>
+              </a:solidFill>
+              <a:latin typeface="+mn-ea"/>
+            </a:endParaRPr>
+          </a:p>
+        </p:txBody>
+      </p:sp>
+    </p:spTree>
+    <p:extLst>
+      <p:ext uri="{BB962C8B-B14F-4D97-AF65-F5344CB8AC3E}">
+        <p14:creationId xmlns:p14="http://schemas.microsoft.com/office/powerpoint/2010/main" val="1824789105"/>
+      </p:ext>
+    </p:extLst>
+  </p:cSld>
+  <p:clrMapOvr>
+    <a:masterClrMapping/>
+  </p:clrMapOvr>
+  <mc:AlternateContent xmlns:mc="http://schemas.openxmlformats.org/markup-compatibility/2006" xmlns:p14="http://schemas.microsoft.com/office/powerpoint/2010/main">
+    <mc:Choice Requires="p14">
+      <p:transition spd="med" p14:dur="700">
+        <p:fade/>
+      </p:transition>
+    </mc:Choice>
+    <mc:Fallback xmlns="">
+      <p:transition spd="med">
+        <p:fade/>
+      </p:transition>
+    </mc:Fallback>
+  </mc:AlternateContent>
+  <p:timing>
+    <p:tnLst>
+      <p:par>
+        <p:cTn id="1" dur="indefinite" restart="never" nodeType="tmRoot"/>
+      </p:par>
+    </p:tnLst>
+  </p:timing>
+</p:sld>
+</file>
+
+<file path=ppt/slides/slide52.xml><?xml version="1.0" encoding="utf-8"?>
+<p:sld xmlns:a="http://schemas.openxmlformats.org/drawingml/2006/main" xmlns:r="http://schemas.openxmlformats.org/officeDocument/2006/relationships" xmlns:p="http://schemas.openxmlformats.org/presentationml/2006/main">
+  <p:cSld>
+    <p:spTree>
+      <p:nvGrpSpPr>
+        <p:cNvPr id="1" name=""/>
+        <p:cNvGrpSpPr/>
+        <p:nvPr/>
+      </p:nvGrpSpPr>
+      <p:grpSpPr>
+        <a:xfrm>
+          <a:off x="0" y="0"/>
+          <a:ext cx="0" cy="0"/>
+          <a:chOff x="0" y="0"/>
+          <a:chExt cx="0" cy="0"/>
+        </a:xfrm>
+      </p:grpSpPr>
+      <p:sp>
+        <p:nvSpPr>
+          <p:cNvPr id="2" name="TextBox 1"/>
+          <p:cNvSpPr txBox="1"/>
+          <p:nvPr/>
+        </p:nvSpPr>
+        <p:spPr>
+          <a:xfrm>
+            <a:off x="522831" y="-6392"/>
+            <a:ext cx="6992989" cy="807324"/>
+          </a:xfrm>
+          <a:prstGeom prst="rect">
+            <a:avLst/>
+          </a:prstGeom>
+          <a:noFill/>
+        </p:spPr>
+        <p:txBody>
+          <a:bodyPr wrap="none" rtlCol="0" anchor="ctr">
+            <a:noAutofit/>
+          </a:bodyPr>
+          <a:lstStyle/>
+          <a:p>
+            <a:r>
+              <a:rPr lang="ko-KR" altLang="en-US" sz="3400" b="1" dirty="0" smtClean="0">
+                <a:solidFill>
+                  <a:srgbClr val="1CCAB9"/>
+                </a:solidFill>
+                <a:latin typeface="+mn-ea"/>
+              </a:rPr>
+              <a:t>사운드 플레이어 만들기</a:t>
+            </a:r>
+            <a:endParaRPr lang="en-US" altLang="ko-KR" sz="3400" b="1" dirty="0">
+              <a:solidFill>
+                <a:srgbClr val="1CCAB9"/>
+              </a:solidFill>
+              <a:latin typeface="+mn-ea"/>
+            </a:endParaRPr>
+          </a:p>
+        </p:txBody>
+      </p:sp>
+      <p:sp>
+        <p:nvSpPr>
+          <p:cNvPr id="3" name="TextBox 2"/>
+          <p:cNvSpPr txBox="1"/>
+          <p:nvPr/>
+        </p:nvSpPr>
+        <p:spPr>
+          <a:xfrm>
+            <a:off x="522831" y="1052736"/>
+            <a:ext cx="6708055" cy="276999"/>
+          </a:xfrm>
+          <a:prstGeom prst="rect">
+            <a:avLst/>
+          </a:prstGeom>
+          <a:noFill/>
+        </p:spPr>
+        <p:txBody>
+          <a:bodyPr wrap="none" rtlCol="0">
+            <a:spAutoFit/>
+          </a:bodyPr>
+          <a:lstStyle/>
+          <a:p>
+            <a:r>
+              <a:rPr lang="en-US" altLang="ko-KR" sz="1200" dirty="0" smtClean="0">
+                <a:latin typeface="+mj-lt"/>
+              </a:rPr>
+              <a:t>1. http</a:t>
+            </a:r>
+            <a:r>
+              <a:rPr lang="en-US" altLang="ko-KR" sz="1200" dirty="0">
+                <a:latin typeface="+mj-lt"/>
+              </a:rPr>
+              <a:t>://m.post.naver.com/viewer/postView.nhn?volumeNo=7615669&amp;memberNo=37134060</a:t>
+            </a:r>
+            <a:endParaRPr lang="ko-KR" altLang="en-US" sz="1200" dirty="0" smtClean="0">
+              <a:latin typeface="+mj-lt"/>
+            </a:endParaRPr>
+          </a:p>
+        </p:txBody>
+      </p:sp>
+    </p:spTree>
+    <p:extLst>
+      <p:ext uri="{BB962C8B-B14F-4D97-AF65-F5344CB8AC3E}">
+        <p14:creationId xmlns:p14="http://schemas.microsoft.com/office/powerpoint/2010/main" val="2296777668"/>
+      </p:ext>
+    </p:extLst>
+  </p:cSld>
+  <p:clrMapOvr>
+    <a:masterClrMapping/>
+  </p:clrMapOvr>
+</p:sld>
+</file>
+
+<file path=ppt/slides/slide53.xml><?xml version="1.0" encoding="utf-8"?>
+<p:sld xmlns:a="http://schemas.openxmlformats.org/drawingml/2006/main" xmlns:r="http://schemas.openxmlformats.org/officeDocument/2006/relationships" xmlns:p="http://schemas.openxmlformats.org/presentationml/2006/main">
+  <p:cSld>
+    <p:spTree>
+      <p:nvGrpSpPr>
+        <p:cNvPr id="1" name=""/>
+        <p:cNvGrpSpPr/>
+        <p:nvPr/>
+      </p:nvGrpSpPr>
+      <p:grpSpPr>
+        <a:xfrm>
+          <a:off x="0" y="0"/>
+          <a:ext cx="0" cy="0"/>
+          <a:chOff x="0" y="0"/>
+          <a:chExt cx="0" cy="0"/>
+        </a:xfrm>
+      </p:grpSpPr>
+      <p:sp>
+        <p:nvSpPr>
+          <p:cNvPr id="4" name="TextBox 3"/>
+          <p:cNvSpPr txBox="1"/>
+          <p:nvPr/>
+        </p:nvSpPr>
+        <p:spPr>
+          <a:xfrm>
+            <a:off x="522831" y="-6392"/>
+            <a:ext cx="6992989" cy="807324"/>
+          </a:xfrm>
+          <a:prstGeom prst="rect">
+            <a:avLst/>
+          </a:prstGeom>
+          <a:noFill/>
+        </p:spPr>
+        <p:txBody>
+          <a:bodyPr wrap="none" rtlCol="0" anchor="ctr">
+            <a:noAutofit/>
+          </a:bodyPr>
+          <a:lstStyle/>
+          <a:p>
+            <a:r>
+              <a:rPr lang="en-US" altLang="ko-KR" sz="3400" b="1" dirty="0" smtClean="0">
+                <a:solidFill>
+                  <a:srgbClr val="1CCAB9"/>
+                </a:solidFill>
+                <a:latin typeface="+mn-ea"/>
+              </a:rPr>
+              <a:t>Reference</a:t>
+            </a:r>
+            <a:endParaRPr lang="en-US" altLang="ko-KR" sz="3400" b="1" dirty="0">
+              <a:solidFill>
+                <a:srgbClr val="1CCAB9"/>
+              </a:solidFill>
+              <a:latin typeface="+mn-ea"/>
+            </a:endParaRPr>
+          </a:p>
+        </p:txBody>
+      </p:sp>
+      <p:sp>
+        <p:nvSpPr>
+          <p:cNvPr id="5" name="Rectangle 8"/>
+          <p:cNvSpPr>
+            <a:spLocks noChangeArrowheads="1"/>
+          </p:cNvSpPr>
+          <p:nvPr/>
+        </p:nvSpPr>
+        <p:spPr bwMode="auto">
+          <a:xfrm>
+            <a:off x="643719" y="1021080"/>
+            <a:ext cx="7856562" cy="1446550"/>
+          </a:xfrm>
+          <a:prstGeom prst="rect">
+            <a:avLst/>
+          </a:prstGeom>
+          <a:noFill/>
+          <a:ln w="9525">
+            <a:noFill/>
+            <a:miter lim="800000"/>
+            <a:headEnd/>
+            <a:tailEnd/>
+          </a:ln>
+        </p:spPr>
+        <p:txBody>
+          <a:bodyPr wrap="square">
+            <a:spAutoFit/>
+            <a:scene3d>
+              <a:camera prst="orthographicFront"/>
+              <a:lightRig rig="threePt" dir="t"/>
+            </a:scene3d>
+            <a:sp3d>
+              <a:bevelT w="1270" h="1270"/>
+            </a:sp3d>
+          </a:bodyPr>
+          <a:lstStyle/>
+          <a:p>
+            <a:pPr marL="228600" indent="-228600">
+              <a:spcBef>
+                <a:spcPts val="600"/>
+              </a:spcBef>
+              <a:buAutoNum type="arabicPeriod"/>
+              <a:defRPr/>
+            </a:pPr>
+            <a:r>
+              <a:rPr lang="en-US" altLang="ko-KR" sz="1200" b="1" dirty="0" smtClean="0">
+                <a:latin typeface="맑은 고딕" pitchFamily="50" charset="-127"/>
+                <a:hlinkClick r:id="rId2"/>
+              </a:rPr>
+              <a:t>http</a:t>
+            </a:r>
+            <a:r>
+              <a:rPr lang="en-US" altLang="ko-KR" sz="1200" b="1" dirty="0">
+                <a:latin typeface="맑은 고딕" pitchFamily="50" charset="-127"/>
+                <a:hlinkClick r:id="rId2"/>
+              </a:rPr>
+              <a:t>://ptline.com/?</a:t>
+            </a:r>
+            <a:r>
+              <a:rPr lang="en-US" altLang="ko-KR" sz="1200" b="1" dirty="0" smtClean="0">
+                <a:latin typeface="맑은 고딕" pitchFamily="50" charset="-127"/>
+                <a:hlinkClick r:id="rId2"/>
+              </a:rPr>
+              <a:t>p=10346</a:t>
+            </a:r>
+            <a:r>
+              <a:rPr lang="en-US" altLang="ko-KR" sz="1200" b="1" dirty="0" smtClean="0">
+                <a:latin typeface="맑은 고딕" pitchFamily="50" charset="-127"/>
+              </a:rPr>
+              <a:t> (</a:t>
+            </a:r>
+            <a:r>
+              <a:rPr lang="ko-KR" altLang="en-US" sz="1200" b="1" dirty="0" smtClean="0">
+                <a:latin typeface="맑은 고딕" pitchFamily="50" charset="-127"/>
+              </a:rPr>
+              <a:t>무료 </a:t>
+            </a:r>
+            <a:r>
+              <a:rPr lang="en-US" altLang="ko-KR" sz="1200" b="1" dirty="0" smtClean="0">
+                <a:latin typeface="맑은 고딕" pitchFamily="50" charset="-127"/>
+              </a:rPr>
+              <a:t>PPT </a:t>
+            </a:r>
+            <a:r>
+              <a:rPr lang="ko-KR" altLang="en-US" sz="1200" b="1" dirty="0" smtClean="0">
+                <a:latin typeface="맑은 고딕" pitchFamily="50" charset="-127"/>
+              </a:rPr>
+              <a:t>템플릿 사이트</a:t>
+            </a:r>
+            <a:r>
+              <a:rPr lang="en-US" altLang="ko-KR" sz="1200" b="1" dirty="0" smtClean="0">
+                <a:latin typeface="맑은 고딕" pitchFamily="50" charset="-127"/>
+              </a:rPr>
+              <a:t>)</a:t>
+            </a:r>
+          </a:p>
+          <a:p>
+            <a:pPr marL="228600" indent="-228600">
+              <a:spcBef>
+                <a:spcPts val="600"/>
+              </a:spcBef>
+              <a:buAutoNum type="arabicPeriod"/>
+              <a:defRPr/>
+            </a:pPr>
+            <a:r>
+              <a:rPr lang="ko-KR" altLang="en-US" sz="1200" b="1" dirty="0" smtClean="0">
+                <a:latin typeface="맑은 고딕" pitchFamily="50" charset="-127"/>
+                <a:ea typeface="맑은 고딕" pitchFamily="50" charset="-127"/>
+              </a:rPr>
+              <a:t>발표자 김덕현 </a:t>
+            </a:r>
+            <a:r>
+              <a:rPr lang="en-US" altLang="ko-KR" sz="1200" b="1" dirty="0" smtClean="0">
+                <a:latin typeface="맑은 고딕" pitchFamily="50" charset="-127"/>
+                <a:ea typeface="맑은 고딕" pitchFamily="50" charset="-127"/>
+              </a:rPr>
+              <a:t>PPT</a:t>
+            </a:r>
+          </a:p>
+          <a:p>
+            <a:pPr marL="228600" indent="-228600">
+              <a:spcBef>
+                <a:spcPts val="600"/>
+              </a:spcBef>
+              <a:buAutoNum type="arabicPeriod"/>
+              <a:defRPr/>
+            </a:pPr>
+            <a:r>
+              <a:rPr lang="en-US" altLang="ko-KR" sz="1100" b="1" dirty="0">
+                <a:latin typeface="맑은 고딕" pitchFamily="50" charset="-127"/>
+                <a:hlinkClick r:id="rId3"/>
+              </a:rPr>
+              <a:t>http://</a:t>
+            </a:r>
+            <a:r>
+              <a:rPr lang="en-US" altLang="ko-KR" sz="1100" b="1" dirty="0" smtClean="0">
+                <a:latin typeface="맑은 고딕" pitchFamily="50" charset="-127"/>
+                <a:hlinkClick r:id="rId3"/>
+              </a:rPr>
+              <a:t>dreamzelkova.tistory.com/entry/Unity%EC%99%80-SQLite%EC%97%B0%EB%8F%99%ED%95%98%EA%B8%B0</a:t>
+            </a:r>
+            <a:endParaRPr lang="en-US" altLang="ko-KR" sz="1100" b="1" dirty="0" smtClean="0">
+              <a:latin typeface="맑은 고딕" pitchFamily="50" charset="-127"/>
+            </a:endParaRPr>
+          </a:p>
+          <a:p>
+            <a:pPr marL="228600" indent="-228600">
+              <a:spcBef>
+                <a:spcPts val="600"/>
+              </a:spcBef>
+              <a:buAutoNum type="arabicPeriod"/>
+              <a:defRPr/>
+            </a:pPr>
+            <a:r>
+              <a:rPr lang="en-US" altLang="ko-KR" sz="1100" b="1" dirty="0">
+                <a:latin typeface="맑은 고딕" pitchFamily="50" charset="-127"/>
+                <a:hlinkClick r:id="rId4"/>
+              </a:rPr>
+              <a:t>http://</a:t>
+            </a:r>
+            <a:r>
+              <a:rPr lang="en-US" altLang="ko-KR" sz="1100" b="1" dirty="0" smtClean="0">
+                <a:latin typeface="맑은 고딕" pitchFamily="50" charset="-127"/>
+                <a:hlinkClick r:id="rId4"/>
+              </a:rPr>
+              <a:t>devkorea.co.kr/bbs/board.php?bo_table=m03_qna&amp;wr_id=26759</a:t>
+            </a:r>
+            <a:endParaRPr lang="en-US" altLang="ko-KR" sz="1100" b="1" dirty="0" smtClean="0">
+              <a:latin typeface="맑은 고딕" pitchFamily="50" charset="-127"/>
+            </a:endParaRPr>
+          </a:p>
+          <a:p>
+            <a:pPr marL="228600" indent="-228600">
+              <a:spcBef>
+                <a:spcPts val="600"/>
+              </a:spcBef>
+              <a:buAutoNum type="arabicPeriod"/>
+              <a:defRPr/>
+            </a:pPr>
+            <a:endParaRPr lang="en-US" altLang="ko-KR" sz="1100" b="1" dirty="0">
+              <a:latin typeface="맑은 고딕" pitchFamily="50" charset="-127"/>
+              <a:ea typeface="맑은 고딕" pitchFamily="50" charset="-127"/>
+            </a:endParaRPr>
+          </a:p>
+        </p:txBody>
+      </p:sp>
+    </p:spTree>
+    <p:extLst>
+      <p:ext uri="{BB962C8B-B14F-4D97-AF65-F5344CB8AC3E}">
+        <p14:creationId xmlns:p14="http://schemas.microsoft.com/office/powerpoint/2010/main" val="1257673598"/>
+      </p:ext>
+    </p:extLst>
+  </p:cSld>
+  <p:clrMapOvr>
+    <a:masterClrMapping/>
+  </p:clrMapOvr>
+  <mc:AlternateContent xmlns:mc="http://schemas.openxmlformats.org/markup-compatibility/2006" xmlns:p14="http://schemas.microsoft.com/office/powerpoint/2010/main">
+    <mc:Choice Requires="p14">
+      <p:transition spd="med" p14:dur="700">
+        <p:fade/>
+      </p:transition>
+    </mc:Choice>
+    <mc:Fallback xmlns="">
+      <p:transition spd="med">
+        <p:fade/>
+      </p:transition>
+    </mc:Fallback>
+  </mc:AlternateContent>
+  <p:timing>
+    <p:tnLst>
+      <p:par>
+        <p:cTn id="1" dur="indefinite" restart="never" nodeType="tmRoot"/>
+      </p:par>
+    </p:tnLst>
+  </p:timing>
+</p:sld>
+</file>
+
+<file path=ppt/slides/slide54.xml><?xml version="1.0" encoding="utf-8"?>
 <p:sld xmlns:a="http://schemas.openxmlformats.org/drawingml/2006/main" xmlns:r="http://schemas.openxmlformats.org/officeDocument/2006/relationships" xmlns:p="http://schemas.openxmlformats.org/presentationml/2006/main">
   <p:cSld>
     <p:spTree>
